--- a/Docu/Microservices_day_1.pptx
+++ b/Docu/Microservices_day_1.pptx
@@ -18,22 +18,22 @@
     <p:sldId id="259" r:id="rId9"/>
     <p:sldId id="258" r:id="rId10"/>
     <p:sldId id="285" r:id="rId11"/>
-    <p:sldId id="288" r:id="rId12"/>
-    <p:sldId id="261" r:id="rId13"/>
-    <p:sldId id="262" r:id="rId14"/>
-    <p:sldId id="263" r:id="rId15"/>
-    <p:sldId id="264" r:id="rId16"/>
-    <p:sldId id="265" r:id="rId17"/>
-    <p:sldId id="269" r:id="rId18"/>
-    <p:sldId id="270" r:id="rId19"/>
-    <p:sldId id="271" r:id="rId20"/>
-    <p:sldId id="287" r:id="rId21"/>
-    <p:sldId id="272" r:id="rId22"/>
-    <p:sldId id="273" r:id="rId23"/>
-    <p:sldId id="274" r:id="rId24"/>
-    <p:sldId id="275" r:id="rId25"/>
-    <p:sldId id="276" r:id="rId26"/>
-    <p:sldId id="286" r:id="rId27"/>
+    <p:sldId id="261" r:id="rId12"/>
+    <p:sldId id="262" r:id="rId13"/>
+    <p:sldId id="263" r:id="rId14"/>
+    <p:sldId id="264" r:id="rId15"/>
+    <p:sldId id="265" r:id="rId16"/>
+    <p:sldId id="269" r:id="rId17"/>
+    <p:sldId id="270" r:id="rId18"/>
+    <p:sldId id="271" r:id="rId19"/>
+    <p:sldId id="287" r:id="rId20"/>
+    <p:sldId id="272" r:id="rId21"/>
+    <p:sldId id="273" r:id="rId22"/>
+    <p:sldId id="274" r:id="rId23"/>
+    <p:sldId id="275" r:id="rId24"/>
+    <p:sldId id="276" r:id="rId25"/>
+    <p:sldId id="286" r:id="rId26"/>
+    <p:sldId id="288" r:id="rId27"/>
     <p:sldId id="283" r:id="rId28"/>
     <p:sldId id="284" r:id="rId29"/>
   </p:sldIdLst>
@@ -228,7 +228,7 @@
           <a:p>
             <a:fld id="{6340D008-C73D-4C5B-A9DE-E32B4AFE5B1C}" type="datetimeFigureOut">
               <a:rPr lang="ca-ES" smtClean="0"/>
-              <a:t>17/11/2017</a:t>
+              <a:t>18/11/2017</a:t>
             </a:fld>
             <a:endParaRPr lang="ca-ES"/>
           </a:p>
@@ -540,29 +540,6 @@
           <a:bodyPr/>
           <a:lstStyle/>
           <a:p>
-            <a:pPr marL="0" marR="0" lvl="0" indent="0" algn="l" defTabSz="914400" rtl="0" eaLnBrk="1" fontAlgn="auto" latinLnBrk="0" hangingPunct="1">
-              <a:lnSpc>
-                <a:spcPct val="100000"/>
-              </a:lnSpc>
-              <a:spcBef>
-                <a:spcPts val="0"/>
-              </a:spcBef>
-              <a:spcAft>
-                <a:spcPts val="0"/>
-              </a:spcAft>
-              <a:buClrTx/>
-              <a:buSzTx/>
-              <a:buFontTx/>
-              <a:buNone/>
-              <a:tabLst/>
-              <a:defRPr/>
-            </a:pPr>
-            <a:r>
-              <a:rPr lang="en-US" noProof="0" dirty="0"/>
-              <a:t>The golden rule: can you make a change to a service and deploy it by itself without changing anything else? If the answer is no, then many of the advantages of the microservices cannot be achieved. </a:t>
-            </a:r>
-          </a:p>
-          <a:p>
             <a:endParaRPr lang="ca-ES" dirty="0"/>
           </a:p>
         </p:txBody>
@@ -584,7 +561,7 @@
           <a:p>
             <a:fld id="{D05CA920-75A4-429A-BE6D-453D29DADB95}" type="slidenum">
               <a:rPr lang="ca-ES" smtClean="0"/>
-              <a:t>12</a:t>
+              <a:t>11</a:t>
             </a:fld>
             <a:endParaRPr lang="ca-ES"/>
           </a:p>
@@ -688,7 +665,7 @@
           <a:p>
             <a:fld id="{D05CA920-75A4-429A-BE6D-453D29DADB95}" type="slidenum">
               <a:rPr lang="ca-ES" smtClean="0"/>
-              <a:t>15</a:t>
+              <a:t>14</a:t>
             </a:fld>
             <a:endParaRPr lang="ca-ES"/>
           </a:p>
@@ -6370,72 +6347,8 @@
           <a:lstStyle/>
           <a:p>
             <a:r>
-              <a:rPr lang="ca-ES" dirty="0"/>
-              <a:t>A </a:t>
-            </a:r>
-            <a:r>
-              <a:rPr lang="ca-ES" dirty="0" err="1"/>
-              <a:t>couple</a:t>
-            </a:r>
-            <a:r>
-              <a:rPr lang="ca-ES" dirty="0"/>
-              <a:t> of </a:t>
-            </a:r>
-            <a:r>
-              <a:rPr lang="ca-ES" dirty="0" err="1"/>
-              <a:t>hints</a:t>
-            </a:r>
-            <a:r>
-              <a:rPr lang="ca-ES" dirty="0"/>
-              <a:t> </a:t>
-            </a:r>
-            <a:r>
-              <a:rPr lang="ca-ES" dirty="0" err="1"/>
-              <a:t>about</a:t>
-            </a:r>
-            <a:r>
-              <a:rPr lang="ca-ES" dirty="0"/>
-              <a:t> </a:t>
-            </a:r>
-            <a:r>
-              <a:rPr lang="ca-ES" dirty="0" err="1"/>
-              <a:t>the</a:t>
-            </a:r>
-            <a:r>
-              <a:rPr lang="ca-ES" dirty="0"/>
-              <a:t> </a:t>
-            </a:r>
-            <a:r>
-              <a:rPr lang="ca-ES" dirty="0" err="1"/>
-              <a:t>size</a:t>
-            </a:r>
-            <a:r>
-              <a:rPr lang="ca-ES" dirty="0"/>
-              <a:t> </a:t>
-            </a:r>
-            <a:r>
-              <a:rPr lang="ca-ES" dirty="0" err="1"/>
-              <a:t>from</a:t>
-            </a:r>
-            <a:r>
-              <a:rPr lang="ca-ES" dirty="0"/>
-              <a:t> </a:t>
-            </a:r>
-            <a:r>
-              <a:rPr lang="ca-ES" dirty="0" err="1"/>
-              <a:t>the</a:t>
-            </a:r>
-            <a:r>
-              <a:rPr lang="ca-ES" dirty="0"/>
-              <a:t> </a:t>
-            </a:r>
-            <a:r>
-              <a:rPr lang="ca-ES" dirty="0" err="1"/>
-              <a:t>industry</a:t>
-            </a:r>
-            <a:r>
-              <a:rPr lang="ca-ES" dirty="0"/>
-              <a:t>:</a:t>
+              <a:rPr lang="en-US" dirty="0"/>
+              <a:t>A couple of hints about the size from the industry:</a:t>
             </a:r>
           </a:p>
           <a:p>
@@ -6467,177 +6380,17 @@
             </a:r>
           </a:p>
           <a:p>
-            <a:pPr marL="285750" indent="-285750">
-              <a:buFont typeface="Arial" panose="020B0604020202020204" pitchFamily="34" charset="0"/>
-              <a:buChar char="•"/>
-            </a:pPr>
             <a:endParaRPr lang="en-US" dirty="0">
               <a:sym typeface="Wingdings" panose="05000000000000000000" pitchFamily="2" charset="2"/>
             </a:endParaRPr>
           </a:p>
           <a:p>
-            <a:endParaRPr lang="en-US" dirty="0">
-              <a:sym typeface="Wingdings" panose="05000000000000000000" pitchFamily="2" charset="2"/>
-            </a:endParaRPr>
-          </a:p>
-          <a:p>
-            <a:r>
-              <a:rPr lang="en-US" dirty="0" err="1">
-                <a:sym typeface="Wingdings" panose="05000000000000000000" pitchFamily="2" charset="2"/>
-              </a:rPr>
-              <a:t>Añadir</a:t>
-            </a:r>
             <a:r>
               <a:rPr lang="en-US" dirty="0">
                 <a:sym typeface="Wingdings" panose="05000000000000000000" pitchFamily="2" charset="2"/>
               </a:rPr>
-              <a:t> </a:t>
-            </a:r>
-            <a:r>
-              <a:rPr lang="en-US" dirty="0" err="1">
-                <a:sym typeface="Wingdings" panose="05000000000000000000" pitchFamily="2" charset="2"/>
-              </a:rPr>
-              <a:t>parte</a:t>
-            </a:r>
-            <a:r>
-              <a:rPr lang="en-US" dirty="0">
-                <a:sym typeface="Wingdings" panose="05000000000000000000" pitchFamily="2" charset="2"/>
-              </a:rPr>
-              <a:t> de </a:t>
-            </a:r>
-            <a:r>
-              <a:rPr lang="en-US" dirty="0" err="1">
-                <a:sym typeface="Wingdings" panose="05000000000000000000" pitchFamily="2" charset="2"/>
-              </a:rPr>
-              <a:t>explicar</a:t>
-            </a:r>
-            <a:r>
-              <a:rPr lang="en-US" dirty="0">
-                <a:sym typeface="Wingdings" panose="05000000000000000000" pitchFamily="2" charset="2"/>
-              </a:rPr>
-              <a:t> </a:t>
-            </a:r>
-            <a:r>
-              <a:rPr lang="en-US" dirty="0" err="1">
-                <a:sym typeface="Wingdings" panose="05000000000000000000" pitchFamily="2" charset="2"/>
-              </a:rPr>
-              <a:t>relación</a:t>
-            </a:r>
-            <a:r>
-              <a:rPr lang="en-US" dirty="0">
-                <a:sym typeface="Wingdings" panose="05000000000000000000" pitchFamily="2" charset="2"/>
-              </a:rPr>
-              <a:t> de bounded context de DDD y un </a:t>
-            </a:r>
-            <a:r>
-              <a:rPr lang="en-US" dirty="0" err="1">
-                <a:sym typeface="Wingdings" panose="05000000000000000000" pitchFamily="2" charset="2"/>
-              </a:rPr>
-              <a:t>microservicio</a:t>
-            </a:r>
-            <a:r>
-              <a:rPr lang="en-US" dirty="0">
-                <a:sym typeface="Wingdings" panose="05000000000000000000" pitchFamily="2" charset="2"/>
-              </a:rPr>
-              <a:t>. Que </a:t>
-            </a:r>
-            <a:r>
-              <a:rPr lang="en-US" dirty="0" err="1">
-                <a:sym typeface="Wingdings" panose="05000000000000000000" pitchFamily="2" charset="2"/>
-              </a:rPr>
-              <a:t>sería</a:t>
-            </a:r>
-            <a:r>
-              <a:rPr lang="en-US" dirty="0">
-                <a:sym typeface="Wingdings" panose="05000000000000000000" pitchFamily="2" charset="2"/>
-              </a:rPr>
-              <a:t> un bounded context y </a:t>
-            </a:r>
-            <a:r>
-              <a:rPr lang="en-US" dirty="0" err="1">
-                <a:sym typeface="Wingdings" panose="05000000000000000000" pitchFamily="2" charset="2"/>
-              </a:rPr>
-              <a:t>tal</a:t>
-            </a:r>
-            <a:r>
-              <a:rPr lang="en-US" dirty="0">
-                <a:sym typeface="Wingdings" panose="05000000000000000000" pitchFamily="2" charset="2"/>
-              </a:rPr>
-              <a:t>. </a:t>
-            </a:r>
-            <a:r>
-              <a:rPr lang="en-US" dirty="0" err="1">
-                <a:sym typeface="Wingdings" panose="05000000000000000000" pitchFamily="2" charset="2"/>
-              </a:rPr>
-              <a:t>Tamaño</a:t>
-            </a:r>
-            <a:r>
-              <a:rPr lang="en-US" dirty="0">
-                <a:sym typeface="Wingdings" panose="05000000000000000000" pitchFamily="2" charset="2"/>
-              </a:rPr>
-              <a:t> lo </a:t>
-            </a:r>
-            <a:r>
-              <a:rPr lang="en-US" dirty="0" err="1">
-                <a:sym typeface="Wingdings" panose="05000000000000000000" pitchFamily="2" charset="2"/>
-              </a:rPr>
-              <a:t>marca</a:t>
-            </a:r>
-            <a:r>
-              <a:rPr lang="en-US" dirty="0">
-                <a:sym typeface="Wingdings" panose="05000000000000000000" pitchFamily="2" charset="2"/>
-              </a:rPr>
-              <a:t> que el </a:t>
-            </a:r>
-            <a:r>
-              <a:rPr lang="en-US" dirty="0" err="1">
-                <a:sym typeface="Wingdings" panose="05000000000000000000" pitchFamily="2" charset="2"/>
-              </a:rPr>
-              <a:t>servicio</a:t>
-            </a:r>
-            <a:r>
-              <a:rPr lang="en-US" dirty="0">
-                <a:sym typeface="Wingdings" panose="05000000000000000000" pitchFamily="2" charset="2"/>
-              </a:rPr>
-              <a:t> </a:t>
-            </a:r>
-            <a:r>
-              <a:rPr lang="en-US" dirty="0" err="1">
-                <a:sym typeface="Wingdings" panose="05000000000000000000" pitchFamily="2" charset="2"/>
-              </a:rPr>
-              <a:t>debe</a:t>
-            </a:r>
-            <a:r>
-              <a:rPr lang="en-US" dirty="0">
-                <a:sym typeface="Wingdings" panose="05000000000000000000" pitchFamily="2" charset="2"/>
-              </a:rPr>
-              <a:t> </a:t>
-            </a:r>
-            <a:r>
-              <a:rPr lang="en-US" dirty="0" err="1">
-                <a:sym typeface="Wingdings" panose="05000000000000000000" pitchFamily="2" charset="2"/>
-              </a:rPr>
-              <a:t>ser</a:t>
-            </a:r>
-            <a:r>
-              <a:rPr lang="en-US" dirty="0">
-                <a:sym typeface="Wingdings" panose="05000000000000000000" pitchFamily="2" charset="2"/>
-              </a:rPr>
-              <a:t> </a:t>
-            </a:r>
-            <a:r>
-              <a:rPr lang="en-US" dirty="0" err="1">
-                <a:sym typeface="Wingdings" panose="05000000000000000000" pitchFamily="2" charset="2"/>
-              </a:rPr>
-              <a:t>independiente</a:t>
-            </a:r>
-            <a:r>
-              <a:rPr lang="en-US" dirty="0">
-                <a:sym typeface="Wingdings" panose="05000000000000000000" pitchFamily="2" charset="2"/>
-              </a:rPr>
-              <a:t>.</a:t>
-            </a:r>
-            <a:endParaRPr lang="en-US" dirty="0"/>
+              <a:t>Bounded contexts separate the services and stablish clear borders between them.</a:t>
+            </a:r>
           </a:p>
           <a:p>
             <a:endParaRPr lang="ca-ES" dirty="0"/>
@@ -6714,7 +6467,7 @@
           <p:cNvPr id="2" name="Content Placeholder 1">
             <a:extLst>
               <a:ext uri="{FF2B5EF4-FFF2-40B4-BE49-F238E27FC236}">
-                <a16:creationId xmlns:a16="http://schemas.microsoft.com/office/drawing/2014/main" id="{02027660-A241-438C-8365-F7A016276B08}"/>
+                <a16:creationId xmlns:a16="http://schemas.microsoft.com/office/drawing/2014/main" id="{1CF11DEE-1E9E-4818-94EE-37497378FE28}"/>
               </a:ext>
             </a:extLst>
           </p:cNvPr>
@@ -6727,50 +6480,67 @@
         </p:nvSpPr>
         <p:spPr/>
         <p:txBody>
-          <a:bodyPr/>
+          <a:bodyPr>
+            <a:normAutofit/>
+          </a:bodyPr>
           <a:lstStyle/>
           <a:p>
-            <a:pPr marL="285750" indent="-285750">
-              <a:buFont typeface="Arial" panose="020B0604020202020204" pitchFamily="34" charset="0"/>
-              <a:buChar char="•"/>
-            </a:pPr>
-            <a:r>
-              <a:rPr lang="es-ES" dirty="0" err="1">
-                <a:sym typeface="Wingdings" panose="05000000000000000000" pitchFamily="2" charset="2"/>
-              </a:rPr>
-              <a:t>Bounded</a:t>
-            </a:r>
-            <a:r>
-              <a:rPr lang="es-ES" dirty="0">
-                <a:sym typeface="Wingdings" panose="05000000000000000000" pitchFamily="2" charset="2"/>
-              </a:rPr>
-              <a:t> </a:t>
-            </a:r>
-            <a:r>
-              <a:rPr lang="es-ES" dirty="0" err="1">
-                <a:sym typeface="Wingdings" panose="05000000000000000000" pitchFamily="2" charset="2"/>
-              </a:rPr>
-              <a:t>context</a:t>
-            </a:r>
-            <a:r>
-              <a:rPr lang="en-US" dirty="0">
-                <a:sym typeface="Wingdings" panose="05000000000000000000" pitchFamily="2" charset="2"/>
-              </a:rPr>
-              <a:t> To </a:t>
-            </a:r>
-            <a:r>
-              <a:rPr lang="en-US">
-                <a:sym typeface="Wingdings" panose="05000000000000000000" pitchFamily="2" charset="2"/>
-              </a:rPr>
-              <a:t>be completed</a:t>
-            </a:r>
-            <a:endParaRPr lang="ca-ES" dirty="0"/>
-          </a:p>
-          <a:p>
-            <a:endParaRPr lang="ca-ES" dirty="0"/>
-          </a:p>
-          <a:p>
-            <a:endParaRPr lang="ca-ES" dirty="0"/>
+            <a:r>
+              <a:rPr lang="en-US" noProof="0" dirty="0"/>
+              <a:t>It might be deployed as an isolated service</a:t>
+            </a:r>
+          </a:p>
+          <a:p>
+            <a:endParaRPr lang="en-US" noProof="0" dirty="0"/>
+          </a:p>
+          <a:p>
+            <a:r>
+              <a:rPr lang="en-US" noProof="0" dirty="0"/>
+              <a:t>All communication between the services themselves are via network calls to enforce separation between the services. </a:t>
+            </a:r>
+          </a:p>
+          <a:p>
+            <a:endParaRPr lang="en-US" noProof="0" dirty="0"/>
+          </a:p>
+          <a:p>
+            <a:r>
+              <a:rPr lang="en-US" dirty="0"/>
+              <a:t>S</a:t>
+            </a:r>
+            <a:r>
+              <a:rPr lang="en-US" noProof="0" dirty="0" err="1"/>
+              <a:t>ervices</a:t>
+            </a:r>
+            <a:r>
+              <a:rPr lang="en-US" noProof="0" dirty="0"/>
+              <a:t> change independently of each other, and </a:t>
+            </a:r>
+            <a:r>
+              <a:rPr lang="en-US" dirty="0"/>
+              <a:t>are</a:t>
+            </a:r>
+            <a:r>
+              <a:rPr lang="en-US" noProof="0" dirty="0"/>
+              <a:t> deployed without requiring consumers to change.</a:t>
+            </a:r>
+          </a:p>
+          <a:p>
+            <a:endParaRPr lang="en-US" noProof="0" dirty="0"/>
+          </a:p>
+          <a:p>
+            <a:r>
+              <a:rPr lang="en-US" dirty="0"/>
+              <a:t>The golden rule: </a:t>
+            </a:r>
+          </a:p>
+          <a:p>
+            <a:r>
+              <a:rPr lang="en-US" dirty="0"/>
+              <a:t>Can you make a change to a service and deploy it by itself without changing anything else? </a:t>
+            </a:r>
+          </a:p>
+          <a:p>
+            <a:endParaRPr lang="en-US" noProof="0" dirty="0"/>
           </a:p>
         </p:txBody>
       </p:sp>
@@ -6779,7 +6549,7 @@
           <p:cNvPr id="3" name="Title 2">
             <a:extLst>
               <a:ext uri="{FF2B5EF4-FFF2-40B4-BE49-F238E27FC236}">
-                <a16:creationId xmlns:a16="http://schemas.microsoft.com/office/drawing/2014/main" id="{4E8B4B29-CD29-4A21-980B-8E2BE89D3BE3}"/>
+                <a16:creationId xmlns:a16="http://schemas.microsoft.com/office/drawing/2014/main" id="{EFC79224-3316-4770-A582-A153DE2F247B}"/>
               </a:ext>
             </a:extLst>
           </p:cNvPr>
@@ -6796,17 +6566,16 @@
           <a:lstStyle/>
           <a:p>
             <a:r>
-              <a:rPr lang="ca-ES" dirty="0" err="1"/>
-              <a:t>Small</a:t>
-            </a:r>
-            <a:endParaRPr lang="ca-ES" dirty="0"/>
+              <a:rPr lang="en-US" noProof="0" dirty="0"/>
+              <a:t>Autonomous</a:t>
+            </a:r>
           </a:p>
         </p:txBody>
       </p:sp>
     </p:spTree>
     <p:extLst>
       <p:ext uri="{BB962C8B-B14F-4D97-AF65-F5344CB8AC3E}">
-        <p14:creationId xmlns:p14="http://schemas.microsoft.com/office/powerpoint/2010/main" val="3616388015"/>
+        <p14:creationId xmlns:p14="http://schemas.microsoft.com/office/powerpoint/2010/main" val="1313444787"/>
       </p:ext>
     </p:extLst>
   </p:cSld>
@@ -6838,7 +6607,7 @@
           <p:cNvPr id="2" name="Content Placeholder 1">
             <a:extLst>
               <a:ext uri="{FF2B5EF4-FFF2-40B4-BE49-F238E27FC236}">
-                <a16:creationId xmlns:a16="http://schemas.microsoft.com/office/drawing/2014/main" id="{1CF11DEE-1E9E-4818-94EE-37497378FE28}"/>
+                <a16:creationId xmlns:a16="http://schemas.microsoft.com/office/drawing/2014/main" id="{CC7183DC-5DD8-4AD5-A696-5AEF58A5C7B9}"/>
               </a:ext>
             </a:extLst>
           </p:cNvPr>
@@ -6851,14 +6620,12 @@
         </p:nvSpPr>
         <p:spPr/>
         <p:txBody>
-          <a:bodyPr>
-            <a:normAutofit/>
-          </a:bodyPr>
+          <a:bodyPr/>
           <a:lstStyle/>
           <a:p>
             <a:r>
               <a:rPr lang="en-US" noProof="0" dirty="0"/>
-              <a:t>It might be deployed as an isolated service</a:t>
+              <a:t>Use the right tool for each job</a:t>
             </a:r>
           </a:p>
           <a:p>
@@ -6867,7 +6634,7 @@
           <a:p>
             <a:r>
               <a:rPr lang="en-US" noProof="0" dirty="0"/>
-              <a:t>All communication between the services themselves are via network calls to enforce separation between the services. </a:t>
+              <a:t>Freedom for the teams to decide what fits better for them</a:t>
             </a:r>
           </a:p>
           <a:p>
@@ -6875,43 +6642,24 @@
           </a:p>
           <a:p>
             <a:r>
-              <a:rPr lang="en-US" dirty="0"/>
-              <a:t>S</a:t>
-            </a:r>
-            <a:r>
-              <a:rPr lang="en-US" noProof="0" dirty="0" err="1"/>
-              <a:t>ervices</a:t>
-            </a:r>
-            <a:r>
               <a:rPr lang="en-US" noProof="0" dirty="0"/>
-              <a:t> change independently of each other, and </a:t>
-            </a:r>
-            <a:r>
-              <a:rPr lang="en-US" dirty="0"/>
-              <a:t>are</a:t>
-            </a:r>
+              <a:t>Easy to start in new technologies due to the small size of the microservices</a:t>
+            </a:r>
+          </a:p>
+          <a:p>
+            <a:endParaRPr lang="en-US" noProof="0" dirty="0"/>
+          </a:p>
+          <a:p>
+            <a:r>
+              <a:rPr lang="en-US" b="1" noProof="0" dirty="0"/>
+              <a:t>Be careful:</a:t>
+            </a:r>
+          </a:p>
+          <a:p>
             <a:r>
               <a:rPr lang="en-US" noProof="0" dirty="0"/>
-              <a:t> deployed without requiring consumers to change.</a:t>
-            </a:r>
-          </a:p>
-          <a:p>
-            <a:endParaRPr lang="en-US" noProof="0" dirty="0"/>
-          </a:p>
-          <a:p>
-            <a:r>
-              <a:rPr lang="en-US" dirty="0"/>
-              <a:t>The golden rule: </a:t>
-            </a:r>
-          </a:p>
-          <a:p>
-            <a:r>
-              <a:rPr lang="en-US" dirty="0"/>
-              <a:t>Can you make a change to a service and deploy it by itself without changing anything else? </a:t>
-            </a:r>
-          </a:p>
-          <a:p>
-            <a:endParaRPr lang="en-US" noProof="0" dirty="0"/>
+              <a:t>The more technologies used, the more overhead for our organization </a:t>
+            </a:r>
           </a:p>
         </p:txBody>
       </p:sp>
@@ -6920,7 +6668,7 @@
           <p:cNvPr id="3" name="Title 2">
             <a:extLst>
               <a:ext uri="{FF2B5EF4-FFF2-40B4-BE49-F238E27FC236}">
-                <a16:creationId xmlns:a16="http://schemas.microsoft.com/office/drawing/2014/main" id="{EFC79224-3316-4770-A582-A153DE2F247B}"/>
+                <a16:creationId xmlns:a16="http://schemas.microsoft.com/office/drawing/2014/main" id="{F1A6F2D5-9D8A-4969-A2BC-3724C90DF6D4}"/>
               </a:ext>
             </a:extLst>
           </p:cNvPr>
@@ -6933,12 +6681,14 @@
         </p:nvSpPr>
         <p:spPr/>
         <p:txBody>
-          <a:bodyPr/>
+          <a:bodyPr>
+            <a:normAutofit/>
+          </a:bodyPr>
           <a:lstStyle/>
           <a:p>
             <a:r>
               <a:rPr lang="en-US" noProof="0" dirty="0"/>
-              <a:t>Autonomous</a:t>
+              <a:t>Technology Heterogeneity</a:t>
             </a:r>
           </a:p>
         </p:txBody>
@@ -6946,7 +6696,7 @@
     </p:spTree>
     <p:extLst>
       <p:ext uri="{BB962C8B-B14F-4D97-AF65-F5344CB8AC3E}">
-        <p14:creationId xmlns:p14="http://schemas.microsoft.com/office/powerpoint/2010/main" val="1313444787"/>
+        <p14:creationId xmlns:p14="http://schemas.microsoft.com/office/powerpoint/2010/main" val="644039356"/>
       </p:ext>
     </p:extLst>
   </p:cSld>
@@ -6978,7 +6728,7 @@
           <p:cNvPr id="2" name="Content Placeholder 1">
             <a:extLst>
               <a:ext uri="{FF2B5EF4-FFF2-40B4-BE49-F238E27FC236}">
-                <a16:creationId xmlns:a16="http://schemas.microsoft.com/office/drawing/2014/main" id="{CC7183DC-5DD8-4AD5-A696-5AEF58A5C7B9}"/>
+                <a16:creationId xmlns:a16="http://schemas.microsoft.com/office/drawing/2014/main" id="{3DD08E3E-B57E-452F-B158-5C56D8DFE035}"/>
               </a:ext>
             </a:extLst>
           </p:cNvPr>
@@ -6996,7 +6746,7 @@
           <a:p>
             <a:r>
               <a:rPr lang="en-US" noProof="0" dirty="0"/>
-              <a:t>Use the right tool for each job</a:t>
+              <a:t>If one component fails, the rest of the System does not collapse.</a:t>
             </a:r>
           </a:p>
           <a:p>
@@ -7005,7 +6755,7 @@
           <a:p>
             <a:r>
               <a:rPr lang="en-US" noProof="0" dirty="0"/>
-              <a:t>Freedom for the teams to decide what fits better for them</a:t>
+              <a:t>Counter example: monolithic application, one part fails, the whole application fails.</a:t>
             </a:r>
           </a:p>
           <a:p>
@@ -7014,24 +6764,12 @@
           <a:p>
             <a:r>
               <a:rPr lang="en-US" noProof="0" dirty="0"/>
-              <a:t>Easy to start in new technologies due to the small size of the microservices</a:t>
+              <a:t>MSA favors take resilience strategies, BUT they are not for free and must be taken into account during development.</a:t>
             </a:r>
           </a:p>
           <a:p>
             <a:endParaRPr lang="en-US" noProof="0" dirty="0"/>
           </a:p>
-          <a:p>
-            <a:r>
-              <a:rPr lang="en-US" noProof="0" dirty="0"/>
-              <a:t>Be careful:</a:t>
-            </a:r>
-          </a:p>
-          <a:p>
-            <a:r>
-              <a:rPr lang="en-US" noProof="0" dirty="0"/>
-              <a:t>The more technologies used, the more overhead for our organization </a:t>
-            </a:r>
-          </a:p>
         </p:txBody>
       </p:sp>
       <p:sp>
@@ -7039,7 +6777,7 @@
           <p:cNvPr id="3" name="Title 2">
             <a:extLst>
               <a:ext uri="{FF2B5EF4-FFF2-40B4-BE49-F238E27FC236}">
-                <a16:creationId xmlns:a16="http://schemas.microsoft.com/office/drawing/2014/main" id="{F1A6F2D5-9D8A-4969-A2BC-3724C90DF6D4}"/>
+                <a16:creationId xmlns:a16="http://schemas.microsoft.com/office/drawing/2014/main" id="{C813B04F-8075-4D61-A59B-478BAE6B8AD1}"/>
               </a:ext>
             </a:extLst>
           </p:cNvPr>
@@ -7059,7 +6797,7 @@
           <a:p>
             <a:r>
               <a:rPr lang="en-US" noProof="0" dirty="0"/>
-              <a:t>Technology Heterogeneity</a:t>
+              <a:t>Resilience</a:t>
             </a:r>
           </a:p>
         </p:txBody>
@@ -7067,7 +6805,7 @@
     </p:spTree>
     <p:extLst>
       <p:ext uri="{BB962C8B-B14F-4D97-AF65-F5344CB8AC3E}">
-        <p14:creationId xmlns:p14="http://schemas.microsoft.com/office/powerpoint/2010/main" val="644039356"/>
+        <p14:creationId xmlns:p14="http://schemas.microsoft.com/office/powerpoint/2010/main" val="3166054510"/>
       </p:ext>
     </p:extLst>
   </p:cSld>
@@ -7096,59 +6834,10 @@
       </p:grpSpPr>
       <p:sp>
         <p:nvSpPr>
-          <p:cNvPr id="2" name="Content Placeholder 1">
+          <p:cNvPr id="3" name="Title 2">
             <a:extLst>
               <a:ext uri="{FF2B5EF4-FFF2-40B4-BE49-F238E27FC236}">
-                <a16:creationId xmlns:a16="http://schemas.microsoft.com/office/drawing/2014/main" id="{3DD08E3E-B57E-452F-B158-5C56D8DFE035}"/>
-              </a:ext>
-            </a:extLst>
-          </p:cNvPr>
-          <p:cNvSpPr>
-            <a:spLocks noGrp="1"/>
-          </p:cNvSpPr>
-          <p:nvPr>
-            <p:ph idx="1"/>
-          </p:nvPr>
-        </p:nvSpPr>
-        <p:spPr/>
-        <p:txBody>
-          <a:bodyPr/>
-          <a:lstStyle/>
-          <a:p>
-            <a:r>
-              <a:rPr lang="en-US" noProof="0" dirty="0"/>
-              <a:t>If one component fails, the rest of the System does not collapse.</a:t>
-            </a:r>
-          </a:p>
-          <a:p>
-            <a:endParaRPr lang="en-US" noProof="0" dirty="0"/>
-          </a:p>
-          <a:p>
-            <a:r>
-              <a:rPr lang="en-US" noProof="0" dirty="0"/>
-              <a:t>Counter example: monolithic application, one part fails, the whole application fails.</a:t>
-            </a:r>
-          </a:p>
-          <a:p>
-            <a:endParaRPr lang="en-US" noProof="0" dirty="0"/>
-          </a:p>
-          <a:p>
-            <a:r>
-              <a:rPr lang="en-US" noProof="0" dirty="0"/>
-              <a:t>MSA favors take resilience strategies, BUT they are not for free and must be taken into account during development.</a:t>
-            </a:r>
-          </a:p>
-          <a:p>
-            <a:endParaRPr lang="en-US" noProof="0" dirty="0"/>
-          </a:p>
-        </p:txBody>
-      </p:sp>
-      <p:sp>
-        <p:nvSpPr>
-          <p:cNvPr id="3" name="Title 2">
-            <a:extLst>
-              <a:ext uri="{FF2B5EF4-FFF2-40B4-BE49-F238E27FC236}">
-                <a16:creationId xmlns:a16="http://schemas.microsoft.com/office/drawing/2014/main" id="{C813B04F-8075-4D61-A59B-478BAE6B8AD1}"/>
+                <a16:creationId xmlns:a16="http://schemas.microsoft.com/office/drawing/2014/main" id="{E53C27A4-C4BF-41B2-8491-EB2CEABFEF4F}"/>
               </a:ext>
             </a:extLst>
           </p:cNvPr>
@@ -7162,21 +6851,111 @@
         <p:spPr/>
         <p:txBody>
           <a:bodyPr>
-            <a:normAutofit/>
+            <a:normAutofit fontScale="90000"/>
           </a:bodyPr>
           <a:lstStyle/>
           <a:p>
             <a:r>
               <a:rPr lang="en-US" noProof="0" dirty="0"/>
-              <a:t>Resilience</a:t>
-            </a:r>
+              <a:t>Scaling</a:t>
+            </a:r>
+            <a:br>
+              <a:rPr lang="en-US" noProof="0" dirty="0"/>
+            </a:br>
+            <a:endParaRPr lang="en-US" noProof="0" dirty="0"/>
+          </a:p>
+        </p:txBody>
+      </p:sp>
+      <p:pic>
+        <p:nvPicPr>
+          <p:cNvPr id="5" name="Picture 4" descr="A picture containing object, gallery&#10;&#10;Description generated with very high confidence">
+            <a:extLst>
+              <a:ext uri="{FF2B5EF4-FFF2-40B4-BE49-F238E27FC236}">
+                <a16:creationId xmlns:a16="http://schemas.microsoft.com/office/drawing/2014/main" id="{3DA2A58A-DB31-49F3-96B1-D933015D9CAA}"/>
+              </a:ext>
+            </a:extLst>
+          </p:cNvPr>
+          <p:cNvPicPr>
+            <a:picLocks noChangeAspect="1"/>
+          </p:cNvPicPr>
+          <p:nvPr/>
+        </p:nvPicPr>
+        <p:blipFill>
+          <a:blip r:embed="rId3">
+            <a:extLst>
+              <a:ext uri="{28A0092B-C50C-407E-A947-70E740481C1C}">
+                <a14:useLocalDpi xmlns:a14="http://schemas.microsoft.com/office/drawing/2010/main" val="0"/>
+              </a:ext>
+            </a:extLst>
+          </a:blip>
+          <a:stretch>
+            <a:fillRect/>
+          </a:stretch>
+        </p:blipFill>
+        <p:spPr>
+          <a:xfrm>
+            <a:off x="2673965" y="1686888"/>
+            <a:ext cx="6477234" cy="3962543"/>
+          </a:xfrm>
+          <a:prstGeom prst="rect">
+            <a:avLst/>
+          </a:prstGeom>
+        </p:spPr>
+      </p:pic>
+      <p:sp>
+        <p:nvSpPr>
+          <p:cNvPr id="6" name="TextBox 5">
+            <a:extLst>
+              <a:ext uri="{FF2B5EF4-FFF2-40B4-BE49-F238E27FC236}">
+                <a16:creationId xmlns:a16="http://schemas.microsoft.com/office/drawing/2014/main" id="{32112E6B-DC3F-4E90-A7D1-201BD102DC6F}"/>
+              </a:ext>
+            </a:extLst>
+          </p:cNvPr>
+          <p:cNvSpPr txBox="1"/>
+          <p:nvPr/>
+        </p:nvSpPr>
+        <p:spPr>
+          <a:xfrm>
+            <a:off x="4770474" y="5918791"/>
+            <a:ext cx="3827721" cy="369332"/>
+          </a:xfrm>
+          <a:prstGeom prst="rect">
+            <a:avLst/>
+          </a:prstGeom>
+          <a:noFill/>
+        </p:spPr>
+        <p:txBody>
+          <a:bodyPr wrap="square" rtlCol="0">
+            <a:spAutoFit/>
+          </a:bodyPr>
+          <a:lstStyle/>
+          <a:p>
+            <a:r>
+              <a:rPr lang="ca-ES" dirty="0"/>
+              <a:t>Picture </a:t>
+            </a:r>
+            <a:r>
+              <a:rPr lang="ca-ES" dirty="0" err="1"/>
+              <a:t>by</a:t>
+            </a:r>
+            <a:r>
+              <a:rPr lang="ca-ES" dirty="0"/>
+              <a:t> </a:t>
+            </a:r>
+            <a:r>
+              <a:rPr lang="ca-ES" dirty="0" err="1">
+                <a:hlinkClick r:id="rId4"/>
+              </a:rPr>
+              <a:t>Fowler</a:t>
+            </a:r>
+            <a:endParaRPr lang="ca-ES" dirty="0"/>
           </a:p>
         </p:txBody>
       </p:sp>
     </p:spTree>
     <p:extLst>
       <p:ext uri="{BB962C8B-B14F-4D97-AF65-F5344CB8AC3E}">
-        <p14:creationId xmlns:p14="http://schemas.microsoft.com/office/powerpoint/2010/main" val="3166054510"/>
+        <p14:creationId xmlns:p14="http://schemas.microsoft.com/office/powerpoint/2010/main" val="432833756"/>
       </p:ext>
     </p:extLst>
   </p:cSld>
@@ -7205,10 +6984,111 @@
       </p:grpSpPr>
       <p:sp>
         <p:nvSpPr>
+          <p:cNvPr id="2" name="Content Placeholder 1">
+            <a:extLst>
+              <a:ext uri="{FF2B5EF4-FFF2-40B4-BE49-F238E27FC236}">
+                <a16:creationId xmlns:a16="http://schemas.microsoft.com/office/drawing/2014/main" id="{EB2E3D6F-3F29-4EA5-8D1E-50FBC3BE0FA2}"/>
+              </a:ext>
+            </a:extLst>
+          </p:cNvPr>
+          <p:cNvSpPr>
+            <a:spLocks noGrp="1"/>
+          </p:cNvSpPr>
+          <p:nvPr>
+            <p:ph idx="1"/>
+          </p:nvPr>
+        </p:nvSpPr>
+        <p:spPr/>
+        <p:txBody>
+          <a:bodyPr/>
+          <a:lstStyle/>
+          <a:p>
+            <a:r>
+              <a:rPr lang="en-US" b="1" noProof="0" dirty="0"/>
+              <a:t>Ease of deployment: </a:t>
+            </a:r>
+            <a:r>
+              <a:rPr lang="en-US" noProof="0" dirty="0"/>
+              <a:t>IF we maintain the services louse coupled and with the ability to be deployed </a:t>
+            </a:r>
+            <a:r>
+              <a:rPr lang="en-US" noProof="0" dirty="0" err="1"/>
+              <a:t>isolately</a:t>
+            </a:r>
+            <a:r>
+              <a:rPr lang="en-US" noProof="0" dirty="0"/>
+              <a:t>. It is </a:t>
+            </a:r>
+            <a:r>
+              <a:rPr lang="en-US" noProof="0" dirty="0" err="1"/>
+              <a:t>easi</a:t>
+            </a:r>
+            <a:r>
+              <a:rPr lang="en-US" dirty="0" err="1"/>
+              <a:t>er</a:t>
+            </a:r>
+            <a:r>
+              <a:rPr lang="en-US" dirty="0"/>
+              <a:t> to deploy more often.</a:t>
+            </a:r>
+            <a:endParaRPr lang="en-US" noProof="0" dirty="0"/>
+          </a:p>
+          <a:p>
+            <a:endParaRPr lang="en-US" noProof="0" dirty="0"/>
+          </a:p>
+          <a:p>
+            <a:r>
+              <a:rPr lang="en-US" b="1" dirty="0"/>
+              <a:t>Organizational Alignment : </a:t>
+            </a:r>
+            <a:r>
+              <a:rPr lang="en-US" dirty="0"/>
+              <a:t>large teams sharing code base are problematic. One small team on service.</a:t>
+            </a:r>
+          </a:p>
+          <a:p>
+            <a:endParaRPr lang="en-US" dirty="0"/>
+          </a:p>
+          <a:p>
+            <a:r>
+              <a:rPr lang="en-US" b="1" noProof="0" dirty="0"/>
+              <a:t>Ease of replacement</a:t>
+            </a:r>
+            <a:r>
+              <a:rPr lang="en-US" b="1" dirty="0"/>
+              <a:t>:  </a:t>
+            </a:r>
+            <a:r>
+              <a:rPr lang="en-US" dirty="0" err="1"/>
+              <a:t>Confortable</a:t>
+            </a:r>
+            <a:r>
+              <a:rPr lang="en-US" dirty="0"/>
+              <a:t> </a:t>
+            </a:r>
+            <a:r>
+              <a:rPr lang="en-US" dirty="0" err="1"/>
+              <a:t>rewritting</a:t>
+            </a:r>
+            <a:r>
+              <a:rPr lang="en-US" dirty="0"/>
+              <a:t> services or removing one when it is not needed anymore, in contrast with typical large codebases.</a:t>
+            </a:r>
+          </a:p>
+          <a:p>
+            <a:endParaRPr lang="en-US" noProof="0" dirty="0"/>
+          </a:p>
+          <a:p>
+            <a:endParaRPr lang="en-US" noProof="0" dirty="0"/>
+          </a:p>
+        </p:txBody>
+      </p:sp>
+      <p:sp>
+        <p:nvSpPr>
           <p:cNvPr id="3" name="Title 2">
             <a:extLst>
               <a:ext uri="{FF2B5EF4-FFF2-40B4-BE49-F238E27FC236}">
-                <a16:creationId xmlns:a16="http://schemas.microsoft.com/office/drawing/2014/main" id="{E53C27A4-C4BF-41B2-8491-EB2CEABFEF4F}"/>
+                <a16:creationId xmlns:a16="http://schemas.microsoft.com/office/drawing/2014/main" id="{3595BDB3-2693-4720-A68B-120BFBBA85B9}"/>
               </a:ext>
             </a:extLst>
           </p:cNvPr>
@@ -7222,111 +7102,21 @@
         <p:spPr/>
         <p:txBody>
           <a:bodyPr>
-            <a:normAutofit fontScale="90000"/>
+            <a:normAutofit/>
           </a:bodyPr>
           <a:lstStyle/>
           <a:p>
             <a:r>
               <a:rPr lang="en-US" noProof="0" dirty="0"/>
-              <a:t>Scaling</a:t>
-            </a:r>
-            <a:br>
-              <a:rPr lang="en-US" noProof="0" dirty="0"/>
-            </a:br>
-            <a:endParaRPr lang="en-US" noProof="0" dirty="0"/>
-          </a:p>
-        </p:txBody>
-      </p:sp>
-      <p:pic>
-        <p:nvPicPr>
-          <p:cNvPr id="5" name="Picture 4" descr="A picture containing object, gallery&#10;&#10;Description generated with very high confidence">
-            <a:extLst>
-              <a:ext uri="{FF2B5EF4-FFF2-40B4-BE49-F238E27FC236}">
-                <a16:creationId xmlns:a16="http://schemas.microsoft.com/office/drawing/2014/main" id="{3DA2A58A-DB31-49F3-96B1-D933015D9CAA}"/>
-              </a:ext>
-            </a:extLst>
-          </p:cNvPr>
-          <p:cNvPicPr>
-            <a:picLocks noChangeAspect="1"/>
-          </p:cNvPicPr>
-          <p:nvPr/>
-        </p:nvPicPr>
-        <p:blipFill>
-          <a:blip r:embed="rId3">
-            <a:extLst>
-              <a:ext uri="{28A0092B-C50C-407E-A947-70E740481C1C}">
-                <a14:useLocalDpi xmlns:a14="http://schemas.microsoft.com/office/drawing/2010/main" val="0"/>
-              </a:ext>
-            </a:extLst>
-          </a:blip>
-          <a:stretch>
-            <a:fillRect/>
-          </a:stretch>
-        </p:blipFill>
-        <p:spPr>
-          <a:xfrm>
-            <a:off x="2673965" y="1686888"/>
-            <a:ext cx="6477234" cy="3962543"/>
-          </a:xfrm>
-          <a:prstGeom prst="rect">
-            <a:avLst/>
-          </a:prstGeom>
-        </p:spPr>
-      </p:pic>
-      <p:sp>
-        <p:nvSpPr>
-          <p:cNvPr id="6" name="TextBox 5">
-            <a:extLst>
-              <a:ext uri="{FF2B5EF4-FFF2-40B4-BE49-F238E27FC236}">
-                <a16:creationId xmlns:a16="http://schemas.microsoft.com/office/drawing/2014/main" id="{32112E6B-DC3F-4E90-A7D1-201BD102DC6F}"/>
-              </a:ext>
-            </a:extLst>
-          </p:cNvPr>
-          <p:cNvSpPr txBox="1"/>
-          <p:nvPr/>
-        </p:nvSpPr>
-        <p:spPr>
-          <a:xfrm>
-            <a:off x="4770474" y="5918791"/>
-            <a:ext cx="3827721" cy="369332"/>
-          </a:xfrm>
-          <a:prstGeom prst="rect">
-            <a:avLst/>
-          </a:prstGeom>
-          <a:noFill/>
-        </p:spPr>
-        <p:txBody>
-          <a:bodyPr wrap="square" rtlCol="0">
-            <a:spAutoFit/>
-          </a:bodyPr>
-          <a:lstStyle/>
-          <a:p>
-            <a:r>
-              <a:rPr lang="ca-ES" dirty="0"/>
-              <a:t>Picture </a:t>
-            </a:r>
-            <a:r>
-              <a:rPr lang="ca-ES" dirty="0" err="1"/>
-              <a:t>by</a:t>
-            </a:r>
-            <a:r>
-              <a:rPr lang="ca-ES" dirty="0"/>
-              <a:t> </a:t>
-            </a:r>
-            <a:r>
-              <a:rPr lang="ca-ES" dirty="0" err="1">
-                <a:hlinkClick r:id="rId4"/>
-              </a:rPr>
-              <a:t>Fowler</a:t>
-            </a:r>
-            <a:endParaRPr lang="ca-ES" dirty="0"/>
+              <a:t>And more…</a:t>
+            </a:r>
           </a:p>
         </p:txBody>
       </p:sp>
     </p:spTree>
     <p:extLst>
       <p:ext uri="{BB962C8B-B14F-4D97-AF65-F5344CB8AC3E}">
-        <p14:creationId xmlns:p14="http://schemas.microsoft.com/office/powerpoint/2010/main" val="432833756"/>
+        <p14:creationId xmlns:p14="http://schemas.microsoft.com/office/powerpoint/2010/main" val="1520885005"/>
       </p:ext>
     </p:extLst>
   </p:cSld>
@@ -7355,10 +7145,10 @@
       </p:grpSpPr>
       <p:sp>
         <p:nvSpPr>
-          <p:cNvPr id="2" name="Content Placeholder 1">
+          <p:cNvPr id="2" name="Text Placeholder 1">
             <a:extLst>
               <a:ext uri="{FF2B5EF4-FFF2-40B4-BE49-F238E27FC236}">
-                <a16:creationId xmlns:a16="http://schemas.microsoft.com/office/drawing/2014/main" id="{EB2E3D6F-3F29-4EA5-8D1E-50FBC3BE0FA2}"/>
+                <a16:creationId xmlns:a16="http://schemas.microsoft.com/office/drawing/2014/main" id="{48C5584F-D316-42A4-B6A0-BC2351667F3F}"/>
               </a:ext>
             </a:extLst>
           </p:cNvPr>
@@ -7366,7 +7156,7 @@
             <a:spLocks noGrp="1"/>
           </p:cNvSpPr>
           <p:nvPr>
-            <p:ph idx="1"/>
+            <p:ph type="body" sz="quarter" idx="10"/>
           </p:nvPr>
         </p:nvSpPr>
         <p:spPr/>
@@ -7375,111 +7165,8 @@
           <a:lstStyle/>
           <a:p>
             <a:r>
-              <a:rPr lang="en-US" b="1" noProof="0" dirty="0"/>
-              <a:t>Ease of deployment: </a:t>
-            </a:r>
-            <a:r>
               <a:rPr lang="en-US" noProof="0" dirty="0"/>
-              <a:t>IF we maintain the services louse coupled and with the ability to be deployed </a:t>
-            </a:r>
-            <a:r>
-              <a:rPr lang="en-US" noProof="0" dirty="0" err="1"/>
-              <a:t>isolately</a:t>
-            </a:r>
-            <a:r>
-              <a:rPr lang="en-US" noProof="0" dirty="0"/>
-              <a:t>. It is </a:t>
-            </a:r>
-            <a:r>
-              <a:rPr lang="en-US" noProof="0" dirty="0" err="1"/>
-              <a:t>easi</a:t>
-            </a:r>
-            <a:r>
-              <a:rPr lang="en-US" dirty="0" err="1"/>
-              <a:t>er</a:t>
-            </a:r>
-            <a:r>
-              <a:rPr lang="en-US" dirty="0"/>
-              <a:t> to deploy more often.</a:t>
-            </a:r>
-            <a:endParaRPr lang="en-US" noProof="0" dirty="0"/>
-          </a:p>
-          <a:p>
-            <a:endParaRPr lang="en-US" noProof="0" dirty="0"/>
-          </a:p>
-          <a:p>
-            <a:r>
-              <a:rPr lang="en-US" b="1" dirty="0"/>
-              <a:t>Organizational Alignment : </a:t>
-            </a:r>
-            <a:r>
-              <a:rPr lang="en-US" dirty="0"/>
-              <a:t>large teams sharing code base are problematic. One small team on service.</a:t>
-            </a:r>
-          </a:p>
-          <a:p>
-            <a:endParaRPr lang="en-US" dirty="0"/>
-          </a:p>
-          <a:p>
-            <a:r>
-              <a:rPr lang="en-US" b="1" noProof="0" dirty="0"/>
-              <a:t>Ease of replacement</a:t>
-            </a:r>
-            <a:r>
-              <a:rPr lang="en-US" b="1" dirty="0"/>
-              <a:t>:  </a:t>
-            </a:r>
-            <a:r>
-              <a:rPr lang="en-US" dirty="0" err="1"/>
-              <a:t>Confortable</a:t>
-            </a:r>
-            <a:r>
-              <a:rPr lang="en-US" dirty="0"/>
-              <a:t> </a:t>
-            </a:r>
-            <a:r>
-              <a:rPr lang="en-US" dirty="0" err="1"/>
-              <a:t>rewritting</a:t>
-            </a:r>
-            <a:r>
-              <a:rPr lang="en-US" dirty="0"/>
-              <a:t> services or removing one when it is not needed anymore, in contrast with typical large codebases.</a:t>
-            </a:r>
-          </a:p>
-          <a:p>
-            <a:endParaRPr lang="en-US" noProof="0" dirty="0"/>
-          </a:p>
-          <a:p>
-            <a:endParaRPr lang="en-US" noProof="0" dirty="0"/>
-          </a:p>
-        </p:txBody>
-      </p:sp>
-      <p:sp>
-        <p:nvSpPr>
-          <p:cNvPr id="3" name="Title 2">
-            <a:extLst>
-              <a:ext uri="{FF2B5EF4-FFF2-40B4-BE49-F238E27FC236}">
-                <a16:creationId xmlns:a16="http://schemas.microsoft.com/office/drawing/2014/main" id="{3595BDB3-2693-4720-A68B-120BFBBA85B9}"/>
-              </a:ext>
-            </a:extLst>
-          </p:cNvPr>
-          <p:cNvSpPr>
-            <a:spLocks noGrp="1"/>
-          </p:cNvSpPr>
-          <p:nvPr>
-            <p:ph type="title"/>
-          </p:nvPr>
-        </p:nvSpPr>
-        <p:spPr/>
-        <p:txBody>
-          <a:bodyPr>
-            <a:normAutofit/>
-          </a:bodyPr>
-          <a:lstStyle/>
-          <a:p>
-            <a:r>
-              <a:rPr lang="en-US" noProof="0" dirty="0"/>
-              <a:t>And more…</a:t>
+              <a:t>Docker containers</a:t>
             </a:r>
           </a:p>
         </p:txBody>
@@ -7487,7 +7174,7 @@
     </p:spTree>
     <p:extLst>
       <p:ext uri="{BB962C8B-B14F-4D97-AF65-F5344CB8AC3E}">
-        <p14:creationId xmlns:p14="http://schemas.microsoft.com/office/powerpoint/2010/main" val="1520885005"/>
+        <p14:creationId xmlns:p14="http://schemas.microsoft.com/office/powerpoint/2010/main" val="3260730342"/>
       </p:ext>
     </p:extLst>
   </p:cSld>
@@ -7514,12 +7201,48 @@
           <a:chExt cx="0" cy="0"/>
         </a:xfrm>
       </p:grpSpPr>
-      <p:sp>
-        <p:nvSpPr>
-          <p:cNvPr id="2" name="Text Placeholder 1">
+      <p:pic>
+        <p:nvPicPr>
+          <p:cNvPr id="5" name="Picture 4">
             <a:extLst>
               <a:ext uri="{FF2B5EF4-FFF2-40B4-BE49-F238E27FC236}">
-                <a16:creationId xmlns:a16="http://schemas.microsoft.com/office/drawing/2014/main" id="{48C5584F-D316-42A4-B6A0-BC2351667F3F}"/>
+                <a16:creationId xmlns:a16="http://schemas.microsoft.com/office/drawing/2014/main" id="{56A14D62-2AEB-4FCD-8325-CC563A95A5D9}"/>
+              </a:ext>
+            </a:extLst>
+          </p:cNvPr>
+          <p:cNvPicPr>
+            <a:picLocks noChangeAspect="1"/>
+          </p:cNvPicPr>
+          <p:nvPr/>
+        </p:nvPicPr>
+        <p:blipFill>
+          <a:blip r:embed="rId2">
+            <a:extLst>
+              <a:ext uri="{28A0092B-C50C-407E-A947-70E740481C1C}">
+                <a14:useLocalDpi xmlns:a14="http://schemas.microsoft.com/office/drawing/2010/main" val="0"/>
+              </a:ext>
+            </a:extLst>
+          </a:blip>
+          <a:stretch>
+            <a:fillRect/>
+          </a:stretch>
+        </p:blipFill>
+        <p:spPr>
+          <a:xfrm>
+            <a:off x="6798036" y="508072"/>
+            <a:ext cx="2579594" cy="2301439"/>
+          </a:xfrm>
+          <a:prstGeom prst="rect">
+            <a:avLst/>
+          </a:prstGeom>
+        </p:spPr>
+      </p:pic>
+      <p:sp>
+        <p:nvSpPr>
+          <p:cNvPr id="2" name="Content Placeholder 1">
+            <a:extLst>
+              <a:ext uri="{FF2B5EF4-FFF2-40B4-BE49-F238E27FC236}">
+                <a16:creationId xmlns:a16="http://schemas.microsoft.com/office/drawing/2014/main" id="{8D10AC17-A007-4052-A057-844B6E9530D1}"/>
               </a:ext>
             </a:extLst>
           </p:cNvPr>
@@ -7527,7 +7250,7 @@
             <a:spLocks noGrp="1"/>
           </p:cNvSpPr>
           <p:nvPr>
-            <p:ph type="body" sz="quarter" idx="10"/>
+            <p:ph idx="1"/>
           </p:nvPr>
         </p:nvSpPr>
         <p:spPr/>
@@ -7537,7 +7260,53 @@
           <a:p>
             <a:r>
               <a:rPr lang="en-US" noProof="0" dirty="0"/>
-              <a:t>Docker containers</a:t>
+              <a:t>A container image is a lightweight, stand-alone, executable package of a piece of software that includes everything needed to run it: code, runtime, system tools, system libraries, settings.</a:t>
+            </a:r>
+          </a:p>
+          <a:p>
+            <a:endParaRPr lang="en-US" noProof="0" dirty="0"/>
+          </a:p>
+          <a:p>
+            <a:r>
+              <a:rPr lang="en-US" noProof="0" dirty="0"/>
+              <a:t>An application or process which runs in a container is packaged with all the required dependencies and configuration files; It’s given the illusion that there are no other processes running outside of its container.</a:t>
+            </a:r>
+          </a:p>
+          <a:p>
+            <a:endParaRPr lang="en-US" noProof="0" dirty="0"/>
+          </a:p>
+          <a:p>
+            <a:r>
+              <a:rPr lang="en-US" noProof="0" dirty="0"/>
+              <a:t>Docker is a company that provides technology for the whole containers environment (creation, storage, deployment…)</a:t>
+            </a:r>
+          </a:p>
+        </p:txBody>
+      </p:sp>
+      <p:sp>
+        <p:nvSpPr>
+          <p:cNvPr id="3" name="Title 2">
+            <a:extLst>
+              <a:ext uri="{FF2B5EF4-FFF2-40B4-BE49-F238E27FC236}">
+                <a16:creationId xmlns:a16="http://schemas.microsoft.com/office/drawing/2014/main" id="{BED93E0B-01C5-454B-9027-B4BD4BAAE0AF}"/>
+              </a:ext>
+            </a:extLst>
+          </p:cNvPr>
+          <p:cNvSpPr>
+            <a:spLocks noGrp="1"/>
+          </p:cNvSpPr>
+          <p:nvPr>
+            <p:ph type="title"/>
+          </p:nvPr>
+        </p:nvSpPr>
+        <p:spPr/>
+        <p:txBody>
+          <a:bodyPr/>
+          <a:lstStyle/>
+          <a:p>
+            <a:r>
+              <a:rPr lang="en-US" noProof="0" dirty="0"/>
+              <a:t>Introduction</a:t>
             </a:r>
           </a:p>
         </p:txBody>
@@ -7545,7 +7314,7 @@
     </p:spTree>
     <p:extLst>
       <p:ext uri="{BB962C8B-B14F-4D97-AF65-F5344CB8AC3E}">
-        <p14:creationId xmlns:p14="http://schemas.microsoft.com/office/powerpoint/2010/main" val="3260730342"/>
+        <p14:creationId xmlns:p14="http://schemas.microsoft.com/office/powerpoint/2010/main" val="952206539"/>
       </p:ext>
     </p:extLst>
   </p:cSld>
@@ -7572,48 +7341,12 @@
           <a:chExt cx="0" cy="0"/>
         </a:xfrm>
       </p:grpSpPr>
-      <p:pic>
-        <p:nvPicPr>
-          <p:cNvPr id="5" name="Picture 4">
+      <p:sp>
+        <p:nvSpPr>
+          <p:cNvPr id="2" name="Content Placeholder 1">
             <a:extLst>
               <a:ext uri="{FF2B5EF4-FFF2-40B4-BE49-F238E27FC236}">
-                <a16:creationId xmlns:a16="http://schemas.microsoft.com/office/drawing/2014/main" id="{56A14D62-2AEB-4FCD-8325-CC563A95A5D9}"/>
-              </a:ext>
-            </a:extLst>
-          </p:cNvPr>
-          <p:cNvPicPr>
-            <a:picLocks noChangeAspect="1"/>
-          </p:cNvPicPr>
-          <p:nvPr/>
-        </p:nvPicPr>
-        <p:blipFill>
-          <a:blip r:embed="rId2">
-            <a:extLst>
-              <a:ext uri="{28A0092B-C50C-407E-A947-70E740481C1C}">
-                <a14:useLocalDpi xmlns:a14="http://schemas.microsoft.com/office/drawing/2010/main" val="0"/>
-              </a:ext>
-            </a:extLst>
-          </a:blip>
-          <a:stretch>
-            <a:fillRect/>
-          </a:stretch>
-        </p:blipFill>
-        <p:spPr>
-          <a:xfrm>
-            <a:off x="6798036" y="508072"/>
-            <a:ext cx="2579594" cy="2301439"/>
-          </a:xfrm>
-          <a:prstGeom prst="rect">
-            <a:avLst/>
-          </a:prstGeom>
-        </p:spPr>
-      </p:pic>
-      <p:sp>
-        <p:nvSpPr>
-          <p:cNvPr id="2" name="Content Placeholder 1">
-            <a:extLst>
-              <a:ext uri="{FF2B5EF4-FFF2-40B4-BE49-F238E27FC236}">
-                <a16:creationId xmlns:a16="http://schemas.microsoft.com/office/drawing/2014/main" id="{8D10AC17-A007-4052-A057-844B6E9530D1}"/>
+                <a16:creationId xmlns:a16="http://schemas.microsoft.com/office/drawing/2014/main" id="{01EC30AE-81B1-4BB3-98C7-4FAE7B41C186}"/>
               </a:ext>
             </a:extLst>
           </p:cNvPr>
@@ -7624,32 +7357,19 @@
             <p:ph idx="1"/>
           </p:nvPr>
         </p:nvSpPr>
-        <p:spPr/>
+        <p:spPr>
+          <a:xfrm>
+            <a:off x="1720480" y="2163111"/>
+            <a:ext cx="9522823" cy="3030903"/>
+          </a:xfrm>
+        </p:spPr>
         <p:txBody>
           <a:bodyPr/>
           <a:lstStyle/>
           <a:p>
             <a:r>
               <a:rPr lang="en-US" noProof="0" dirty="0"/>
-              <a:t>A container image is a lightweight, stand-alone, executable package of a piece of software that includes everything needed to run it: code, runtime, system tools, system libraries, settings.</a:t>
-            </a:r>
-          </a:p>
-          <a:p>
-            <a:endParaRPr lang="en-US" noProof="0" dirty="0"/>
-          </a:p>
-          <a:p>
-            <a:r>
-              <a:rPr lang="en-US" noProof="0" dirty="0"/>
-              <a:t>An application or process which runs in a container is packaged with all the required dependencies and configuration files; It’s given the illusion that there are no other processes running outside of its container.</a:t>
-            </a:r>
-          </a:p>
-          <a:p>
-            <a:endParaRPr lang="en-US" noProof="0" dirty="0"/>
-          </a:p>
-          <a:p>
-            <a:r>
-              <a:rPr lang="en-US" noProof="0" dirty="0"/>
-              <a:t>Docker is a company that provides technology for the whole containers environment (creation, storage, deployment…)</a:t>
+              <a:t>Containers and virtual machines have similar resource isolation and allocation benefits, but function differently. Because containers virtualize the operating system instead of hardware, containers are more portable and efficient.</a:t>
             </a:r>
           </a:p>
         </p:txBody>
@@ -7659,7 +7379,7 @@
           <p:cNvPr id="3" name="Title 2">
             <a:extLst>
               <a:ext uri="{FF2B5EF4-FFF2-40B4-BE49-F238E27FC236}">
-                <a16:creationId xmlns:a16="http://schemas.microsoft.com/office/drawing/2014/main" id="{BED93E0B-01C5-454B-9027-B4BD4BAAE0AF}"/>
+                <a16:creationId xmlns:a16="http://schemas.microsoft.com/office/drawing/2014/main" id="{93960851-D4E1-4649-9B18-734BD0F1A7A5}"/>
               </a:ext>
             </a:extLst>
           </p:cNvPr>
@@ -7677,15 +7397,109 @@
           <a:p>
             <a:r>
               <a:rPr lang="en-US" noProof="0" dirty="0"/>
-              <a:t>Introduction</a:t>
-            </a:r>
-          </a:p>
-        </p:txBody>
-      </p:sp>
+              <a:t>Container vs Virtual machine</a:t>
+            </a:r>
+          </a:p>
+        </p:txBody>
+      </p:sp>
+      <p:pic>
+        <p:nvPicPr>
+          <p:cNvPr id="1026" name="Picture 2" descr="Containers">
+            <a:extLst>
+              <a:ext uri="{FF2B5EF4-FFF2-40B4-BE49-F238E27FC236}">
+                <a16:creationId xmlns:a16="http://schemas.microsoft.com/office/drawing/2014/main" id="{1BAC5403-7428-405E-9116-817AEFF707B8}"/>
+              </a:ext>
+            </a:extLst>
+          </p:cNvPr>
+          <p:cNvPicPr>
+            <a:picLocks noChangeAspect="1" noChangeArrowheads="1"/>
+          </p:cNvPicPr>
+          <p:nvPr/>
+        </p:nvPicPr>
+        <p:blipFill>
+          <a:blip r:embed="rId2">
+            <a:extLst>
+              <a:ext uri="{28A0092B-C50C-407E-A947-70E740481C1C}">
+                <a14:useLocalDpi xmlns:a14="http://schemas.microsoft.com/office/drawing/2010/main" val="0"/>
+              </a:ext>
+            </a:extLst>
+          </a:blip>
+          <a:srcRect/>
+          <a:stretch>
+            <a:fillRect/>
+          </a:stretch>
+        </p:blipFill>
+        <p:spPr bwMode="auto">
+          <a:xfrm>
+            <a:off x="2265229" y="3203643"/>
+            <a:ext cx="3059043" cy="2742853"/>
+          </a:xfrm>
+          <a:prstGeom prst="rect">
+            <a:avLst/>
+          </a:prstGeom>
+          <a:noFill/>
+          <a:extLst>
+            <a:ext uri="{909E8E84-426E-40DD-AFC4-6F175D3DCCD1}">
+              <a14:hiddenFill xmlns:a14="http://schemas.microsoft.com/office/drawing/2010/main">
+                <a:solidFill>
+                  <a:srgbClr val="FFFFFF"/>
+                </a:solidFill>
+              </a14:hiddenFill>
+            </a:ext>
+          </a:extLst>
+        </p:spPr>
+      </p:pic>
+      <p:pic>
+        <p:nvPicPr>
+          <p:cNvPr id="1028" name="Picture 4" descr="virtual machines">
+            <a:extLst>
+              <a:ext uri="{FF2B5EF4-FFF2-40B4-BE49-F238E27FC236}">
+                <a16:creationId xmlns:a16="http://schemas.microsoft.com/office/drawing/2014/main" id="{184EF460-F1E8-4CCC-8828-2D2845EB4BCC}"/>
+              </a:ext>
+            </a:extLst>
+          </p:cNvPr>
+          <p:cNvPicPr>
+            <a:picLocks noChangeAspect="1" noChangeArrowheads="1"/>
+          </p:cNvPicPr>
+          <p:nvPr/>
+        </p:nvPicPr>
+        <p:blipFill>
+          <a:blip r:embed="rId3">
+            <a:extLst>
+              <a:ext uri="{28A0092B-C50C-407E-A947-70E740481C1C}">
+                <a14:useLocalDpi xmlns:a14="http://schemas.microsoft.com/office/drawing/2010/main" val="0"/>
+              </a:ext>
+            </a:extLst>
+          </a:blip>
+          <a:srcRect/>
+          <a:stretch>
+            <a:fillRect/>
+          </a:stretch>
+        </p:blipFill>
+        <p:spPr bwMode="auto">
+          <a:xfrm>
+            <a:off x="6386843" y="3268038"/>
+            <a:ext cx="3003590" cy="2699294"/>
+          </a:xfrm>
+          <a:prstGeom prst="rect">
+            <a:avLst/>
+          </a:prstGeom>
+          <a:noFill/>
+          <a:extLst>
+            <a:ext uri="{909E8E84-426E-40DD-AFC4-6F175D3DCCD1}">
+              <a14:hiddenFill xmlns:a14="http://schemas.microsoft.com/office/drawing/2010/main">
+                <a:solidFill>
+                  <a:srgbClr val="FFFFFF"/>
+                </a:solidFill>
+              </a14:hiddenFill>
+            </a:ext>
+          </a:extLst>
+        </p:spPr>
+      </p:pic>
     </p:spTree>
     <p:extLst>
       <p:ext uri="{BB962C8B-B14F-4D97-AF65-F5344CB8AC3E}">
-        <p14:creationId xmlns:p14="http://schemas.microsoft.com/office/powerpoint/2010/main" val="952206539"/>
+        <p14:creationId xmlns:p14="http://schemas.microsoft.com/office/powerpoint/2010/main" val="900962903"/>
       </p:ext>
     </p:extLst>
   </p:cSld>
@@ -7714,10 +7528,10 @@
       </p:grpSpPr>
       <p:sp>
         <p:nvSpPr>
-          <p:cNvPr id="2" name="Content Placeholder 1">
+          <p:cNvPr id="2" name="Marcador de contenido 1">
             <a:extLst>
               <a:ext uri="{FF2B5EF4-FFF2-40B4-BE49-F238E27FC236}">
-                <a16:creationId xmlns:a16="http://schemas.microsoft.com/office/drawing/2014/main" id="{01EC30AE-81B1-4BB3-98C7-4FAE7B41C186}"/>
+                <a16:creationId xmlns:a16="http://schemas.microsoft.com/office/drawing/2014/main" id="{38D63069-8753-4DE3-AE0C-9DEAC0EF7485}"/>
               </a:ext>
             </a:extLst>
           </p:cNvPr>
@@ -7728,29 +7542,93 @@
             <p:ph idx="1"/>
           </p:nvPr>
         </p:nvSpPr>
-        <p:spPr>
-          <a:xfrm>
-            <a:off x="1720480" y="2163111"/>
-            <a:ext cx="9522823" cy="3030903"/>
-          </a:xfrm>
-        </p:spPr>
+        <p:spPr/>
         <p:txBody>
           <a:bodyPr/>
           <a:lstStyle/>
           <a:p>
             <a:r>
-              <a:rPr lang="en-US" noProof="0" dirty="0"/>
-              <a:t>Containers and virtual machines have similar resource isolation and allocation benefits, but function differently. Because containers virtualize the operating system instead of hardware, containers are more portable and efficient.</a:t>
-            </a:r>
-          </a:p>
-        </p:txBody>
-      </p:sp>
-      <p:sp>
-        <p:nvSpPr>
-          <p:cNvPr id="3" name="Title 2">
+              <a:rPr lang="en-US" dirty="0"/>
+              <a:t>Pros:</a:t>
+            </a:r>
+          </a:p>
+          <a:p>
+            <a:pPr marL="285750" indent="-285750">
+              <a:buFont typeface="Arial" panose="020B0604020202020204" pitchFamily="34" charset="0"/>
+              <a:buChar char="•"/>
+            </a:pPr>
+            <a:r>
+              <a:rPr lang="en-US" dirty="0"/>
+              <a:t>Less resources required</a:t>
+            </a:r>
+          </a:p>
+          <a:p>
+            <a:pPr marL="285750" indent="-285750">
+              <a:buFont typeface="Arial" panose="020B0604020202020204" pitchFamily="34" charset="0"/>
+              <a:buChar char="•"/>
+            </a:pPr>
+            <a:r>
+              <a:rPr lang="en-US" dirty="0"/>
+              <a:t>Much faster to initialize</a:t>
+            </a:r>
+          </a:p>
+          <a:p>
+            <a:pPr marL="285750" indent="-285750">
+              <a:buFont typeface="Arial" panose="020B0604020202020204" pitchFamily="34" charset="0"/>
+              <a:buChar char="•"/>
+            </a:pPr>
+            <a:r>
+              <a:rPr lang="en-US" dirty="0"/>
+              <a:t>You can put more containers than VM in the same host machine</a:t>
+            </a:r>
+          </a:p>
+          <a:p>
+            <a:pPr marL="285750" indent="-285750">
+              <a:buFont typeface="Arial" panose="020B0604020202020204" pitchFamily="34" charset="0"/>
+              <a:buChar char="•"/>
+            </a:pPr>
+            <a:r>
+              <a:rPr lang="en-US" dirty="0"/>
+              <a:t>Layer composition makes it easier to create new images</a:t>
+            </a:r>
+          </a:p>
+          <a:p>
+            <a:endParaRPr lang="en-US" dirty="0"/>
+          </a:p>
+          <a:p>
+            <a:r>
+              <a:rPr lang="en-US" dirty="0"/>
+              <a:t>Cons:</a:t>
+            </a:r>
+          </a:p>
+          <a:p>
+            <a:pPr marL="285750" indent="-285750">
+              <a:buFont typeface="Arial" panose="020B0604020202020204" pitchFamily="34" charset="0"/>
+              <a:buChar char="•"/>
+            </a:pPr>
+            <a:r>
+              <a:rPr lang="en-US" dirty="0"/>
+              <a:t>Less isolation tan for VM</a:t>
+            </a:r>
+          </a:p>
+          <a:p>
+            <a:pPr marL="285750" indent="-285750">
+              <a:buFont typeface="Arial" panose="020B0604020202020204" pitchFamily="34" charset="0"/>
+              <a:buChar char="•"/>
+            </a:pPr>
+            <a:r>
+              <a:rPr lang="en-US" dirty="0"/>
+              <a:t>You cannot use another OS</a:t>
+            </a:r>
+          </a:p>
+        </p:txBody>
+      </p:sp>
+      <p:sp>
+        <p:nvSpPr>
+          <p:cNvPr id="3" name="Título 2">
             <a:extLst>
               <a:ext uri="{FF2B5EF4-FFF2-40B4-BE49-F238E27FC236}">
-                <a16:creationId xmlns:a16="http://schemas.microsoft.com/office/drawing/2014/main" id="{93960851-D4E1-4649-9B18-734BD0F1A7A5}"/>
+                <a16:creationId xmlns:a16="http://schemas.microsoft.com/office/drawing/2014/main" id="{47C1E7BA-D2B2-4845-AA7C-751A81CF9D35}"/>
               </a:ext>
             </a:extLst>
           </p:cNvPr>
@@ -7767,110 +7645,16 @@
           <a:lstStyle/>
           <a:p>
             <a:r>
-              <a:rPr lang="en-US" noProof="0" dirty="0"/>
-              <a:t>Container vs Virtual machine</a:t>
-            </a:r>
-          </a:p>
-        </p:txBody>
-      </p:sp>
-      <p:pic>
-        <p:nvPicPr>
-          <p:cNvPr id="1026" name="Picture 2" descr="Containers">
-            <a:extLst>
-              <a:ext uri="{FF2B5EF4-FFF2-40B4-BE49-F238E27FC236}">
-                <a16:creationId xmlns:a16="http://schemas.microsoft.com/office/drawing/2014/main" id="{1BAC5403-7428-405E-9116-817AEFF707B8}"/>
-              </a:ext>
-            </a:extLst>
-          </p:cNvPr>
-          <p:cNvPicPr>
-            <a:picLocks noChangeAspect="1" noChangeArrowheads="1"/>
-          </p:cNvPicPr>
-          <p:nvPr/>
-        </p:nvPicPr>
-        <p:blipFill>
-          <a:blip r:embed="rId2">
-            <a:extLst>
-              <a:ext uri="{28A0092B-C50C-407E-A947-70E740481C1C}">
-                <a14:useLocalDpi xmlns:a14="http://schemas.microsoft.com/office/drawing/2010/main" val="0"/>
-              </a:ext>
-            </a:extLst>
-          </a:blip>
-          <a:srcRect/>
-          <a:stretch>
-            <a:fillRect/>
-          </a:stretch>
-        </p:blipFill>
-        <p:spPr bwMode="auto">
-          <a:xfrm>
-            <a:off x="2265229" y="3203643"/>
-            <a:ext cx="3059043" cy="2742853"/>
-          </a:xfrm>
-          <a:prstGeom prst="rect">
-            <a:avLst/>
-          </a:prstGeom>
-          <a:noFill/>
-          <a:extLst>
-            <a:ext uri="{909E8E84-426E-40DD-AFC4-6F175D3DCCD1}">
-              <a14:hiddenFill xmlns:a14="http://schemas.microsoft.com/office/drawing/2010/main">
-                <a:solidFill>
-                  <a:srgbClr val="FFFFFF"/>
-                </a:solidFill>
-              </a14:hiddenFill>
-            </a:ext>
-          </a:extLst>
-        </p:spPr>
-      </p:pic>
-      <p:pic>
-        <p:nvPicPr>
-          <p:cNvPr id="1028" name="Picture 4" descr="virtual machines">
-            <a:extLst>
-              <a:ext uri="{FF2B5EF4-FFF2-40B4-BE49-F238E27FC236}">
-                <a16:creationId xmlns:a16="http://schemas.microsoft.com/office/drawing/2014/main" id="{184EF460-F1E8-4CCC-8828-2D2845EB4BCC}"/>
-              </a:ext>
-            </a:extLst>
-          </p:cNvPr>
-          <p:cNvPicPr>
-            <a:picLocks noChangeAspect="1" noChangeArrowheads="1"/>
-          </p:cNvPicPr>
-          <p:nvPr/>
-        </p:nvPicPr>
-        <p:blipFill>
-          <a:blip r:embed="rId3">
-            <a:extLst>
-              <a:ext uri="{28A0092B-C50C-407E-A947-70E740481C1C}">
-                <a14:useLocalDpi xmlns:a14="http://schemas.microsoft.com/office/drawing/2010/main" val="0"/>
-              </a:ext>
-            </a:extLst>
-          </a:blip>
-          <a:srcRect/>
-          <a:stretch>
-            <a:fillRect/>
-          </a:stretch>
-        </p:blipFill>
-        <p:spPr bwMode="auto">
-          <a:xfrm>
-            <a:off x="6386843" y="3268038"/>
-            <a:ext cx="3003590" cy="2699294"/>
-          </a:xfrm>
-          <a:prstGeom prst="rect">
-            <a:avLst/>
-          </a:prstGeom>
-          <a:noFill/>
-          <a:extLst>
-            <a:ext uri="{909E8E84-426E-40DD-AFC4-6F175D3DCCD1}">
-              <a14:hiddenFill xmlns:a14="http://schemas.microsoft.com/office/drawing/2010/main">
-                <a:solidFill>
-                  <a:srgbClr val="FFFFFF"/>
-                </a:solidFill>
-              </a14:hiddenFill>
-            </a:ext>
-          </a:extLst>
-        </p:spPr>
-      </p:pic>
+              <a:rPr lang="en-US" dirty="0"/>
+              <a:t>Container vs virtual machine</a:t>
+            </a:r>
+          </a:p>
+        </p:txBody>
+      </p:sp>
     </p:spTree>
     <p:extLst>
       <p:ext uri="{BB962C8B-B14F-4D97-AF65-F5344CB8AC3E}">
-        <p14:creationId xmlns:p14="http://schemas.microsoft.com/office/powerpoint/2010/main" val="900962903"/>
+        <p14:creationId xmlns:p14="http://schemas.microsoft.com/office/powerpoint/2010/main" val="1119063968"/>
       </p:ext>
     </p:extLst>
   </p:cSld>
@@ -7962,10 +7746,10 @@
       </p:grpSpPr>
       <p:sp>
         <p:nvSpPr>
-          <p:cNvPr id="2" name="Marcador de contenido 1">
+          <p:cNvPr id="2" name="Content Placeholder 1">
             <a:extLst>
               <a:ext uri="{FF2B5EF4-FFF2-40B4-BE49-F238E27FC236}">
-                <a16:creationId xmlns:a16="http://schemas.microsoft.com/office/drawing/2014/main" id="{38D63069-8753-4DE3-AE0C-9DEAC0EF7485}"/>
+                <a16:creationId xmlns:a16="http://schemas.microsoft.com/office/drawing/2014/main" id="{6EB96FBA-52A4-40CA-A15A-F72E74991854}"/>
               </a:ext>
             </a:extLst>
           </p:cNvPr>
@@ -7976,24 +7760,23 @@
             <p:ph idx="1"/>
           </p:nvPr>
         </p:nvSpPr>
-        <p:spPr/>
+        <p:spPr>
+          <a:xfrm>
+            <a:off x="1037617" y="2645924"/>
+            <a:ext cx="5972783" cy="3066900"/>
+          </a:xfrm>
+        </p:spPr>
         <p:txBody>
           <a:bodyPr/>
           <a:lstStyle/>
-          <a:p>
-            <a:r>
-              <a:rPr lang="en-US" dirty="0"/>
-              <a:t>Pros:</a:t>
-            </a:r>
-          </a:p>
           <a:p>
             <a:pPr marL="285750" indent="-285750">
               <a:buFont typeface="Arial" panose="020B0604020202020204" pitchFamily="34" charset="0"/>
               <a:buChar char="•"/>
             </a:pPr>
             <a:r>
-              <a:rPr lang="en-US" dirty="0"/>
-              <a:t>Less resources required</a:t>
+              <a:rPr lang="en-US" noProof="0" dirty="0"/>
+              <a:t>Docker images are the basis of containers. </a:t>
             </a:r>
           </a:p>
           <a:p>
@@ -8002,8 +7785,8 @@
               <a:buChar char="•"/>
             </a:pPr>
             <a:r>
-              <a:rPr lang="en-US" dirty="0"/>
-              <a:t>Much faster to initialize</a:t>
+              <a:rPr lang="en-US" noProof="0" dirty="0"/>
+              <a:t>An Image is an ordered collection of root filesystem changes and the corresponding execution parameters for use within a container runtime. </a:t>
             </a:r>
           </a:p>
           <a:p>
@@ -8012,9 +7795,14 @@
               <a:buChar char="•"/>
             </a:pPr>
             <a:r>
+              <a:rPr lang="en-US" noProof="0" dirty="0"/>
+              <a:t>An image typically contains a union of layered filesystems stacked on top of each other. Common </a:t>
+            </a:r>
+            <a:r>
               <a:rPr lang="en-US" dirty="0"/>
-              <a:t>You can put more containers tan VM in the same host machine</a:t>
-            </a:r>
+              <a:t>parent images are shared, not duplicated.</a:t>
+            </a:r>
+            <a:endParaRPr lang="en-US" noProof="0" dirty="0"/>
           </a:p>
           <a:p>
             <a:pPr marL="285750" indent="-285750">
@@ -8022,17 +7810,8 @@
               <a:buChar char="•"/>
             </a:pPr>
             <a:r>
-              <a:rPr lang="en-US" dirty="0"/>
-              <a:t>Layer composition makes it easier to create new images</a:t>
-            </a:r>
-          </a:p>
-          <a:p>
-            <a:endParaRPr lang="en-US" dirty="0"/>
-          </a:p>
-          <a:p>
-            <a:r>
-              <a:rPr lang="en-US" dirty="0"/>
-              <a:t>Cons:</a:t>
+              <a:rPr lang="en-US" noProof="0" dirty="0"/>
+              <a:t>An image does not have state and it never changes.</a:t>
             </a:r>
           </a:p>
           <a:p>
@@ -8041,28 +7820,24 @@
               <a:buChar char="•"/>
             </a:pPr>
             <a:r>
-              <a:rPr lang="en-US" dirty="0"/>
-              <a:t>Less isolation tan for VM</a:t>
-            </a:r>
-          </a:p>
-          <a:p>
-            <a:pPr marL="285750" indent="-285750">
-              <a:buFont typeface="Arial" panose="020B0604020202020204" pitchFamily="34" charset="0"/>
-              <a:buChar char="•"/>
-            </a:pPr>
-            <a:r>
-              <a:rPr lang="en-US" dirty="0"/>
-              <a:t>You cannot use another OS</a:t>
-            </a:r>
-          </a:p>
-        </p:txBody>
-      </p:sp>
-      <p:sp>
-        <p:nvSpPr>
-          <p:cNvPr id="3" name="Título 2">
+              <a:rPr lang="en-US" noProof="0" dirty="0"/>
+              <a:t>Find and store images at image repositories (Docker Hub, Azure Container Registry…)</a:t>
+            </a:r>
+          </a:p>
+          <a:p>
+            <a:endParaRPr lang="en-US" noProof="0" dirty="0"/>
+          </a:p>
+          <a:p>
+            <a:endParaRPr lang="en-US" noProof="0" dirty="0"/>
+          </a:p>
+        </p:txBody>
+      </p:sp>
+      <p:sp>
+        <p:nvSpPr>
+          <p:cNvPr id="3" name="Title 2">
             <a:extLst>
               <a:ext uri="{FF2B5EF4-FFF2-40B4-BE49-F238E27FC236}">
-                <a16:creationId xmlns:a16="http://schemas.microsoft.com/office/drawing/2014/main" id="{47C1E7BA-D2B2-4845-AA7C-751A81CF9D35}"/>
+                <a16:creationId xmlns:a16="http://schemas.microsoft.com/office/drawing/2014/main" id="{EE3A7B0B-35B5-469D-B363-F854B208C2E0}"/>
               </a:ext>
             </a:extLst>
           </p:cNvPr>
@@ -8079,16 +7854,75 @@
           <a:lstStyle/>
           <a:p>
             <a:r>
-              <a:rPr lang="es-ES" dirty="0"/>
-              <a:t>Ventajas de contendor</a:t>
-            </a:r>
-          </a:p>
-        </p:txBody>
-      </p:sp>
+              <a:rPr lang="en-US" noProof="0" dirty="0"/>
+              <a:t>Images</a:t>
+            </a:r>
+          </a:p>
+        </p:txBody>
+      </p:sp>
+      <p:sp>
+        <p:nvSpPr>
+          <p:cNvPr id="6" name="Picture Placeholder 5">
+            <a:extLst>
+              <a:ext uri="{FF2B5EF4-FFF2-40B4-BE49-F238E27FC236}">
+                <a16:creationId xmlns:a16="http://schemas.microsoft.com/office/drawing/2014/main" id="{2FC55173-906C-44C9-89D5-A3F60C2E6991}"/>
+              </a:ext>
+            </a:extLst>
+          </p:cNvPr>
+          <p:cNvSpPr>
+            <a:spLocks noGrp="1"/>
+          </p:cNvSpPr>
+          <p:nvPr>
+            <p:ph type="pic" sz="quarter" idx="10"/>
+          </p:nvPr>
+        </p:nvSpPr>
+        <p:spPr>
+          <a:xfrm>
+            <a:off x="7620000" y="0"/>
+            <a:ext cx="4572000" cy="6858000"/>
+          </a:xfrm>
+        </p:spPr>
+      </p:sp>
+      <p:pic>
+        <p:nvPicPr>
+          <p:cNvPr id="5" name="Picture 4" descr="A close up of a logo&#10;&#10;Description generated with very high confidence">
+            <a:extLst>
+              <a:ext uri="{FF2B5EF4-FFF2-40B4-BE49-F238E27FC236}">
+                <a16:creationId xmlns:a16="http://schemas.microsoft.com/office/drawing/2014/main" id="{173A5979-E0A1-46A5-8295-5F7FB8CBBD3A}"/>
+              </a:ext>
+            </a:extLst>
+          </p:cNvPr>
+          <p:cNvPicPr>
+            <a:picLocks noChangeAspect="1"/>
+          </p:cNvPicPr>
+          <p:nvPr/>
+        </p:nvPicPr>
+        <p:blipFill>
+          <a:blip r:embed="rId2">
+            <a:extLst>
+              <a:ext uri="{28A0092B-C50C-407E-A947-70E740481C1C}">
+                <a14:useLocalDpi xmlns:a14="http://schemas.microsoft.com/office/drawing/2010/main" val="0"/>
+              </a:ext>
+            </a:extLst>
+          </a:blip>
+          <a:stretch>
+            <a:fillRect/>
+          </a:stretch>
+        </p:blipFill>
+        <p:spPr>
+          <a:xfrm>
+            <a:off x="7620000" y="1907177"/>
+            <a:ext cx="4322324" cy="3241743"/>
+          </a:xfrm>
+          <a:prstGeom prst="rect">
+            <a:avLst/>
+          </a:prstGeom>
+        </p:spPr>
+      </p:pic>
     </p:spTree>
     <p:extLst>
       <p:ext uri="{BB962C8B-B14F-4D97-AF65-F5344CB8AC3E}">
-        <p14:creationId xmlns:p14="http://schemas.microsoft.com/office/powerpoint/2010/main" val="1119063968"/>
+        <p14:creationId xmlns:p14="http://schemas.microsoft.com/office/powerpoint/2010/main" val="1301528849"/>
       </p:ext>
     </p:extLst>
   </p:cSld>
@@ -8120,7 +7954,7 @@
           <p:cNvPr id="2" name="Content Placeholder 1">
             <a:extLst>
               <a:ext uri="{FF2B5EF4-FFF2-40B4-BE49-F238E27FC236}">
-                <a16:creationId xmlns:a16="http://schemas.microsoft.com/office/drawing/2014/main" id="{6EB96FBA-52A4-40CA-A15A-F72E74991854}"/>
+                <a16:creationId xmlns:a16="http://schemas.microsoft.com/office/drawing/2014/main" id="{D3B4F882-F018-4200-8E7D-B00FF2516E43}"/>
               </a:ext>
             </a:extLst>
           </p:cNvPr>
@@ -8131,14 +7965,11 @@
             <p:ph idx="1"/>
           </p:nvPr>
         </p:nvSpPr>
-        <p:spPr>
-          <a:xfrm>
-            <a:off x="1037617" y="2645924"/>
-            <a:ext cx="5972783" cy="3066900"/>
-          </a:xfrm>
-        </p:spPr>
-        <p:txBody>
-          <a:bodyPr/>
+        <p:spPr/>
+        <p:txBody>
+          <a:bodyPr>
+            <a:normAutofit/>
+          </a:bodyPr>
           <a:lstStyle/>
           <a:p>
             <a:pPr marL="285750" indent="-285750">
@@ -8147,60 +7978,61 @@
             </a:pPr>
             <a:r>
               <a:rPr lang="en-US" noProof="0" dirty="0"/>
-              <a:t>Docker images are the basis of containers. </a:t>
-            </a:r>
-          </a:p>
-          <a:p>
-            <a:pPr marL="285750" indent="-285750">
+              <a:t>Take a base image to build over it. Two options to build the new image:</a:t>
+            </a:r>
+          </a:p>
+          <a:p>
+            <a:pPr marL="1276325" lvl="1" indent="-285750">
               <a:buFont typeface="Arial" panose="020B0604020202020204" pitchFamily="34" charset="0"/>
               <a:buChar char="•"/>
             </a:pPr>
             <a:r>
-              <a:rPr lang="en-US" noProof="0" dirty="0"/>
-              <a:t>An Image is an ordered collection of root filesystem changes and the corresponding execution parameters for use within a container runtime. </a:t>
-            </a:r>
-          </a:p>
-          <a:p>
-            <a:pPr marL="285750" indent="-285750">
+              <a:rPr lang="en-US" sz="1600" noProof="0" dirty="0"/>
+              <a:t>Via the docker commit command, </a:t>
+            </a:r>
+            <a:r>
+              <a:rPr lang="en-US" sz="1600" noProof="0" dirty="0">
+                <a:sym typeface="Wingdings" panose="05000000000000000000" pitchFamily="2" charset="2"/>
+              </a:rPr>
+              <a:t>not recommended.</a:t>
+            </a:r>
+            <a:endParaRPr lang="en-US" sz="1600" noProof="0" dirty="0"/>
+          </a:p>
+          <a:p>
+            <a:pPr marL="1276325" lvl="1" indent="-285750">
               <a:buFont typeface="Arial" panose="020B0604020202020204" pitchFamily="34" charset="0"/>
               <a:buChar char="•"/>
             </a:pPr>
             <a:r>
-              <a:rPr lang="en-US" noProof="0" dirty="0"/>
-              <a:t>An image typically contains a union of layered filesystems stacked on top of each other. Common </a:t>
-            </a:r>
-            <a:r>
-              <a:rPr lang="en-US" dirty="0"/>
-              <a:t>parent images are shared, not duplicated.</a:t>
-            </a:r>
-            <a:endParaRPr lang="en-US" noProof="0" dirty="0"/>
-          </a:p>
-          <a:p>
-            <a:pPr marL="285750" indent="-285750">
+              <a:rPr lang="en-US" sz="1600" noProof="0" dirty="0"/>
+              <a:t>Via the docker build command with a </a:t>
+            </a:r>
+            <a:r>
+              <a:rPr lang="en-US" sz="1600" noProof="0" dirty="0" err="1"/>
+              <a:t>Dockerfile</a:t>
+            </a:r>
+            <a:r>
+              <a:rPr lang="en-US" sz="1600" noProof="0" dirty="0"/>
+              <a:t>. The Docker file uses a basic DSL (Domain Specific Language) with instructions for Building Docker images. </a:t>
+            </a:r>
+          </a:p>
+          <a:p>
+            <a:pPr marL="1276325" lvl="1" indent="-285750">
               <a:buFont typeface="Arial" panose="020B0604020202020204" pitchFamily="34" charset="0"/>
               <a:buChar char="•"/>
             </a:pPr>
             <a:r>
-              <a:rPr lang="en-US" noProof="0" dirty="0"/>
-              <a:t>An image does not have state and it never changes.</a:t>
-            </a:r>
-          </a:p>
-          <a:p>
-            <a:pPr marL="285750" indent="-285750">
+              <a:rPr lang="en-US" sz="1600" noProof="0" dirty="0"/>
+              <a:t>Docker file is the recommended approach, It provides a more repeatable, transparent, and idempotent mechanism for creating images.</a:t>
+            </a:r>
+          </a:p>
+          <a:p>
+            <a:pPr marL="1276325" lvl="1" indent="-285750">
               <a:buFont typeface="Arial" panose="020B0604020202020204" pitchFamily="34" charset="0"/>
               <a:buChar char="•"/>
             </a:pPr>
-            <a:r>
-              <a:rPr lang="en-US" noProof="0" dirty="0"/>
-              <a:t>Find and store images at image repositories (Docker Hub, Azure Container Registry…)</a:t>
-            </a:r>
-          </a:p>
-          <a:p>
             <a:endParaRPr lang="en-US" noProof="0" dirty="0"/>
           </a:p>
-          <a:p>
-            <a:endParaRPr lang="en-US" noProof="0" dirty="0"/>
-          </a:p>
         </p:txBody>
       </p:sp>
       <p:sp>
@@ -8208,7 +8040,7 @@
           <p:cNvPr id="3" name="Title 2">
             <a:extLst>
               <a:ext uri="{FF2B5EF4-FFF2-40B4-BE49-F238E27FC236}">
-                <a16:creationId xmlns:a16="http://schemas.microsoft.com/office/drawing/2014/main" id="{EE3A7B0B-35B5-469D-B363-F854B208C2E0}"/>
+                <a16:creationId xmlns:a16="http://schemas.microsoft.com/office/drawing/2014/main" id="{BA733C37-A7B8-4AC8-B716-8C5061CDF993}"/>
               </a:ext>
             </a:extLst>
           </p:cNvPr>
@@ -8226,74 +8058,15 @@
           <a:p>
             <a:r>
               <a:rPr lang="en-US" noProof="0" dirty="0"/>
-              <a:t>Images</a:t>
-            </a:r>
-          </a:p>
-        </p:txBody>
-      </p:sp>
-      <p:sp>
-        <p:nvSpPr>
-          <p:cNvPr id="6" name="Picture Placeholder 5">
-            <a:extLst>
-              <a:ext uri="{FF2B5EF4-FFF2-40B4-BE49-F238E27FC236}">
-                <a16:creationId xmlns:a16="http://schemas.microsoft.com/office/drawing/2014/main" id="{2FC55173-906C-44C9-89D5-A3F60C2E6991}"/>
-              </a:ext>
-            </a:extLst>
-          </p:cNvPr>
-          <p:cNvSpPr>
-            <a:spLocks noGrp="1"/>
-          </p:cNvSpPr>
-          <p:nvPr>
-            <p:ph type="pic" sz="quarter" idx="10"/>
-          </p:nvPr>
-        </p:nvSpPr>
-        <p:spPr>
-          <a:xfrm>
-            <a:off x="7620000" y="0"/>
-            <a:ext cx="4572000" cy="6858000"/>
-          </a:xfrm>
-        </p:spPr>
-      </p:sp>
-      <p:pic>
-        <p:nvPicPr>
-          <p:cNvPr id="5" name="Picture 4" descr="A close up of a logo&#10;&#10;Description generated with very high confidence">
-            <a:extLst>
-              <a:ext uri="{FF2B5EF4-FFF2-40B4-BE49-F238E27FC236}">
-                <a16:creationId xmlns:a16="http://schemas.microsoft.com/office/drawing/2014/main" id="{173A5979-E0A1-46A5-8295-5F7FB8CBBD3A}"/>
-              </a:ext>
-            </a:extLst>
-          </p:cNvPr>
-          <p:cNvPicPr>
-            <a:picLocks noChangeAspect="1"/>
-          </p:cNvPicPr>
-          <p:nvPr/>
-        </p:nvPicPr>
-        <p:blipFill>
-          <a:blip r:embed="rId2">
-            <a:extLst>
-              <a:ext uri="{28A0092B-C50C-407E-A947-70E740481C1C}">
-                <a14:useLocalDpi xmlns:a14="http://schemas.microsoft.com/office/drawing/2010/main" val="0"/>
-              </a:ext>
-            </a:extLst>
-          </a:blip>
-          <a:stretch>
-            <a:fillRect/>
-          </a:stretch>
-        </p:blipFill>
-        <p:spPr>
-          <a:xfrm>
-            <a:off x="7620000" y="1907177"/>
-            <a:ext cx="4322324" cy="3241743"/>
-          </a:xfrm>
-          <a:prstGeom prst="rect">
-            <a:avLst/>
-          </a:prstGeom>
-        </p:spPr>
-      </p:pic>
+              <a:t>How to create a new image</a:t>
+            </a:r>
+          </a:p>
+        </p:txBody>
+      </p:sp>
     </p:spTree>
     <p:extLst>
       <p:ext uri="{BB962C8B-B14F-4D97-AF65-F5344CB8AC3E}">
-        <p14:creationId xmlns:p14="http://schemas.microsoft.com/office/powerpoint/2010/main" val="1301528849"/>
+        <p14:creationId xmlns:p14="http://schemas.microsoft.com/office/powerpoint/2010/main" val="1666618764"/>
       </p:ext>
     </p:extLst>
   </p:cSld>
@@ -8320,98 +8093,47 @@
           <a:chExt cx="0" cy="0"/>
         </a:xfrm>
       </p:grpSpPr>
-      <p:sp>
-        <p:nvSpPr>
-          <p:cNvPr id="2" name="Content Placeholder 1">
+      <p:pic>
+        <p:nvPicPr>
+          <p:cNvPr id="10" name="Content Placeholder 9" descr="A black sign with white text&#10;&#10;Description generated with high confidence">
             <a:extLst>
               <a:ext uri="{FF2B5EF4-FFF2-40B4-BE49-F238E27FC236}">
-                <a16:creationId xmlns:a16="http://schemas.microsoft.com/office/drawing/2014/main" id="{D3B4F882-F018-4200-8E7D-B00FF2516E43}"/>
+                <a16:creationId xmlns:a16="http://schemas.microsoft.com/office/drawing/2014/main" id="{4F8B4760-39AE-4968-A656-2A79A57E45C3}"/>
               </a:ext>
             </a:extLst>
           </p:cNvPr>
-          <p:cNvSpPr>
-            <a:spLocks noGrp="1"/>
-          </p:cNvSpPr>
+          <p:cNvPicPr>
+            <a:picLocks noGrp="1" noChangeAspect="1"/>
+          </p:cNvPicPr>
           <p:nvPr>
             <p:ph idx="1"/>
           </p:nvPr>
-        </p:nvSpPr>
-        <p:spPr/>
-        <p:txBody>
-          <a:bodyPr>
-            <a:normAutofit/>
-          </a:bodyPr>
-          <a:lstStyle/>
-          <a:p>
-            <a:pPr marL="285750" indent="-285750">
-              <a:buFont typeface="Arial" panose="020B0604020202020204" pitchFamily="34" charset="0"/>
-              <a:buChar char="•"/>
-            </a:pPr>
-            <a:r>
-              <a:rPr lang="en-US" noProof="0" dirty="0"/>
-              <a:t>Take a base image to build over it. Two options to build the new image:</a:t>
-            </a:r>
-          </a:p>
-          <a:p>
-            <a:pPr marL="1276325" lvl="1" indent="-285750">
-              <a:buFont typeface="Arial" panose="020B0604020202020204" pitchFamily="34" charset="0"/>
-              <a:buChar char="•"/>
-            </a:pPr>
-            <a:r>
-              <a:rPr lang="en-US" sz="1600" noProof="0" dirty="0"/>
-              <a:t>Via the docker commit command, </a:t>
-            </a:r>
-            <a:r>
-              <a:rPr lang="en-US" sz="1600" noProof="0" dirty="0">
-                <a:sym typeface="Wingdings" panose="05000000000000000000" pitchFamily="2" charset="2"/>
-              </a:rPr>
-              <a:t>not recommended.</a:t>
-            </a:r>
-            <a:endParaRPr lang="en-US" sz="1600" noProof="0" dirty="0"/>
-          </a:p>
-          <a:p>
-            <a:pPr marL="1276325" lvl="1" indent="-285750">
-              <a:buFont typeface="Arial" panose="020B0604020202020204" pitchFamily="34" charset="0"/>
-              <a:buChar char="•"/>
-            </a:pPr>
-            <a:r>
-              <a:rPr lang="en-US" sz="1600" noProof="0" dirty="0"/>
-              <a:t>Via the docker build command with a </a:t>
-            </a:r>
-            <a:r>
-              <a:rPr lang="en-US" sz="1600" noProof="0" dirty="0" err="1"/>
-              <a:t>Dockerfile</a:t>
-            </a:r>
-            <a:r>
-              <a:rPr lang="en-US" sz="1600" noProof="0" dirty="0"/>
-              <a:t>. The Docker file uses a basic DSL (Domain Specific Language) with instructions for Building Docker images. </a:t>
-            </a:r>
-          </a:p>
-          <a:p>
-            <a:pPr marL="1276325" lvl="1" indent="-285750">
-              <a:buFont typeface="Arial" panose="020B0604020202020204" pitchFamily="34" charset="0"/>
-              <a:buChar char="•"/>
-            </a:pPr>
-            <a:r>
-              <a:rPr lang="en-US" sz="1600" noProof="0" dirty="0"/>
-              <a:t>Docker file is the recommended approach, It provides a more repeatable, transparent, and idempotent mechanism for creating images.</a:t>
-            </a:r>
-          </a:p>
-          <a:p>
-            <a:pPr marL="1276325" lvl="1" indent="-285750">
-              <a:buFont typeface="Arial" panose="020B0604020202020204" pitchFamily="34" charset="0"/>
-              <a:buChar char="•"/>
-            </a:pPr>
-            <a:endParaRPr lang="en-US" noProof="0" dirty="0"/>
-          </a:p>
-        </p:txBody>
-      </p:sp>
+        </p:nvPicPr>
+        <p:blipFill>
+          <a:blip r:embed="rId2">
+            <a:extLst>
+              <a:ext uri="{28A0092B-C50C-407E-A947-70E740481C1C}">
+                <a14:useLocalDpi xmlns:a14="http://schemas.microsoft.com/office/drawing/2010/main" val="0"/>
+              </a:ext>
+            </a:extLst>
+          </a:blip>
+          <a:stretch>
+            <a:fillRect/>
+          </a:stretch>
+        </p:blipFill>
+        <p:spPr>
+          <a:xfrm>
+            <a:off x="2361115" y="2390626"/>
+            <a:ext cx="7101551" cy="2622361"/>
+          </a:xfrm>
+        </p:spPr>
+      </p:pic>
       <p:sp>
         <p:nvSpPr>
           <p:cNvPr id="3" name="Title 2">
             <a:extLst>
               <a:ext uri="{FF2B5EF4-FFF2-40B4-BE49-F238E27FC236}">
-                <a16:creationId xmlns:a16="http://schemas.microsoft.com/office/drawing/2014/main" id="{BA733C37-A7B8-4AC8-B716-8C5061CDF993}"/>
+                <a16:creationId xmlns:a16="http://schemas.microsoft.com/office/drawing/2014/main" id="{1C513275-3F3B-4E01-8564-C5026F43B419}"/>
               </a:ext>
             </a:extLst>
           </p:cNvPr>
@@ -8429,7 +8151,7 @@
           <a:p>
             <a:r>
               <a:rPr lang="en-US" noProof="0" dirty="0"/>
-              <a:t>How to create a new image</a:t>
+              <a:t>Docker file</a:t>
             </a:r>
           </a:p>
         </p:txBody>
@@ -8437,7 +8159,7 @@
     </p:spTree>
     <p:extLst>
       <p:ext uri="{BB962C8B-B14F-4D97-AF65-F5344CB8AC3E}">
-        <p14:creationId xmlns:p14="http://schemas.microsoft.com/office/powerpoint/2010/main" val="1666618764"/>
+        <p14:creationId xmlns:p14="http://schemas.microsoft.com/office/powerpoint/2010/main" val="3496958000"/>
       </p:ext>
     </p:extLst>
   </p:cSld>
@@ -8464,47 +8186,12 @@
           <a:chExt cx="0" cy="0"/>
         </a:xfrm>
       </p:grpSpPr>
-      <p:pic>
-        <p:nvPicPr>
-          <p:cNvPr id="10" name="Content Placeholder 9" descr="A black sign with white text&#10;&#10;Description generated with high confidence">
+      <p:sp>
+        <p:nvSpPr>
+          <p:cNvPr id="2" name="Text Placeholder 1">
             <a:extLst>
               <a:ext uri="{FF2B5EF4-FFF2-40B4-BE49-F238E27FC236}">
-                <a16:creationId xmlns:a16="http://schemas.microsoft.com/office/drawing/2014/main" id="{4F8B4760-39AE-4968-A656-2A79A57E45C3}"/>
-              </a:ext>
-            </a:extLst>
-          </p:cNvPr>
-          <p:cNvPicPr>
-            <a:picLocks noGrp="1" noChangeAspect="1"/>
-          </p:cNvPicPr>
-          <p:nvPr>
-            <p:ph idx="1"/>
-          </p:nvPr>
-        </p:nvPicPr>
-        <p:blipFill>
-          <a:blip r:embed="rId2">
-            <a:extLst>
-              <a:ext uri="{28A0092B-C50C-407E-A947-70E740481C1C}">
-                <a14:useLocalDpi xmlns:a14="http://schemas.microsoft.com/office/drawing/2010/main" val="0"/>
-              </a:ext>
-            </a:extLst>
-          </a:blip>
-          <a:stretch>
-            <a:fillRect/>
-          </a:stretch>
-        </p:blipFill>
-        <p:spPr>
-          <a:xfrm>
-            <a:off x="2361115" y="2390626"/>
-            <a:ext cx="7101551" cy="2622361"/>
-          </a:xfrm>
-        </p:spPr>
-      </p:pic>
-      <p:sp>
-        <p:nvSpPr>
-          <p:cNvPr id="3" name="Title 2">
-            <a:extLst>
-              <a:ext uri="{FF2B5EF4-FFF2-40B4-BE49-F238E27FC236}">
-                <a16:creationId xmlns:a16="http://schemas.microsoft.com/office/drawing/2014/main" id="{1C513275-3F3B-4E01-8564-C5026F43B419}"/>
+                <a16:creationId xmlns:a16="http://schemas.microsoft.com/office/drawing/2014/main" id="{E68DA33A-59E3-4BEC-B00A-A3F6A5C8A272}"/>
               </a:ext>
             </a:extLst>
           </p:cNvPr>
@@ -8512,7 +8199,7 @@
             <a:spLocks noGrp="1"/>
           </p:cNvSpPr>
           <p:nvPr>
-            <p:ph type="title"/>
+            <p:ph type="body" sz="quarter" idx="10"/>
           </p:nvPr>
         </p:nvSpPr>
         <p:spPr/>
@@ -8522,7 +8209,7 @@
           <a:p>
             <a:r>
               <a:rPr lang="en-US" noProof="0" dirty="0"/>
-              <a:t>Docker file</a:t>
+              <a:t>Practice 1: build your own docker image</a:t>
             </a:r>
           </a:p>
         </p:txBody>
@@ -8530,7 +8217,7 @@
     </p:spTree>
     <p:extLst>
       <p:ext uri="{BB962C8B-B14F-4D97-AF65-F5344CB8AC3E}">
-        <p14:creationId xmlns:p14="http://schemas.microsoft.com/office/powerpoint/2010/main" val="3496958000"/>
+        <p14:creationId xmlns:p14="http://schemas.microsoft.com/office/powerpoint/2010/main" val="737140017"/>
       </p:ext>
     </p:extLst>
   </p:cSld>
@@ -8559,10 +8246,10 @@
       </p:grpSpPr>
       <p:sp>
         <p:nvSpPr>
-          <p:cNvPr id="2" name="Text Placeholder 1">
+          <p:cNvPr id="2" name="Content Placeholder 1">
             <a:extLst>
               <a:ext uri="{FF2B5EF4-FFF2-40B4-BE49-F238E27FC236}">
-                <a16:creationId xmlns:a16="http://schemas.microsoft.com/office/drawing/2014/main" id="{E68DA33A-59E3-4BEC-B00A-A3F6A5C8A272}"/>
+                <a16:creationId xmlns:a16="http://schemas.microsoft.com/office/drawing/2014/main" id="{A6A5CFDB-76E5-466C-A1F7-D533781B3790}"/>
               </a:ext>
             </a:extLst>
           </p:cNvPr>
@@ -8570,25 +8257,136 @@
             <a:spLocks noGrp="1"/>
           </p:cNvSpPr>
           <p:nvPr>
-            <p:ph type="body" sz="quarter" idx="10"/>
+            <p:ph idx="1"/>
           </p:nvPr>
         </p:nvSpPr>
-        <p:spPr/>
+        <p:spPr>
+          <a:xfrm>
+            <a:off x="5865223" y="2334854"/>
+            <a:ext cx="5872820" cy="3083339"/>
+          </a:xfrm>
+        </p:spPr>
         <p:txBody>
           <a:bodyPr/>
           <a:lstStyle/>
           <a:p>
+            <a:pPr marL="285750" indent="-285750">
+              <a:buFont typeface="Arial" panose="020B0604020202020204" pitchFamily="34" charset="0"/>
+              <a:buChar char="•"/>
+            </a:pPr>
             <a:r>
               <a:rPr lang="en-US" noProof="0" dirty="0"/>
-              <a:t>Practice 1: build your own docker image</a:t>
-            </a:r>
-          </a:p>
-        </p:txBody>
-      </p:sp>
+              <a:t>It is a tool for defining multi-container Docker Applications.</a:t>
+            </a:r>
+          </a:p>
+          <a:p>
+            <a:pPr marL="285750" indent="-285750">
+              <a:buFont typeface="Arial" panose="020B0604020202020204" pitchFamily="34" charset="0"/>
+              <a:buChar char="•"/>
+            </a:pPr>
+            <a:r>
+              <a:rPr lang="en-US" noProof="0" dirty="0"/>
+              <a:t>It is installed separately from Docker (</a:t>
+            </a:r>
+            <a:r>
+              <a:rPr lang="en-US" noProof="0" dirty="0" err="1"/>
+              <a:t>f.i</a:t>
+            </a:r>
+            <a:r>
+              <a:rPr lang="en-US" noProof="0" dirty="0"/>
+              <a:t>. currently not installed by default in Azure VM for containers)</a:t>
+            </a:r>
+          </a:p>
+          <a:p>
+            <a:pPr marL="285750" indent="-285750">
+              <a:buFont typeface="Arial" panose="020B0604020202020204" pitchFamily="34" charset="0"/>
+              <a:buChar char="•"/>
+            </a:pPr>
+            <a:r>
+              <a:rPr lang="en-US" noProof="0" dirty="0"/>
+              <a:t>Based on the Docker file plus docker-compose configuration files</a:t>
+            </a:r>
+          </a:p>
+          <a:p>
+            <a:pPr marL="285750" indent="-285750">
+              <a:buFont typeface="Arial" panose="020B0604020202020204" pitchFamily="34" charset="0"/>
+              <a:buChar char="•"/>
+            </a:pPr>
+            <a:r>
+              <a:rPr lang="en-US" noProof="0" dirty="0"/>
+              <a:t>Multiple docker-compose files structure to compose the final desired configuration</a:t>
+            </a:r>
+          </a:p>
+        </p:txBody>
+      </p:sp>
+      <p:sp>
+        <p:nvSpPr>
+          <p:cNvPr id="3" name="Title 2">
+            <a:extLst>
+              <a:ext uri="{FF2B5EF4-FFF2-40B4-BE49-F238E27FC236}">
+                <a16:creationId xmlns:a16="http://schemas.microsoft.com/office/drawing/2014/main" id="{FB27F8CD-1E47-4857-B9C1-2BA30F84D61D}"/>
+              </a:ext>
+            </a:extLst>
+          </p:cNvPr>
+          <p:cNvSpPr>
+            <a:spLocks noGrp="1"/>
+          </p:cNvSpPr>
+          <p:nvPr>
+            <p:ph type="title"/>
+          </p:nvPr>
+        </p:nvSpPr>
+        <p:spPr/>
+        <p:txBody>
+          <a:bodyPr/>
+          <a:lstStyle/>
+          <a:p>
+            <a:r>
+              <a:rPr lang="en-US" noProof="0" dirty="0"/>
+              <a:t>Docker compose</a:t>
+            </a:r>
+          </a:p>
+        </p:txBody>
+      </p:sp>
+      <p:pic>
+        <p:nvPicPr>
+          <p:cNvPr id="5" name="Picture 4" descr="A screenshot of a cell phone&#10;&#10;Description generated with very high confidence">
+            <a:extLst>
+              <a:ext uri="{FF2B5EF4-FFF2-40B4-BE49-F238E27FC236}">
+                <a16:creationId xmlns:a16="http://schemas.microsoft.com/office/drawing/2014/main" id="{C88B6C46-7A10-44B1-BD42-7A19A1DEC756}"/>
+              </a:ext>
+            </a:extLst>
+          </p:cNvPr>
+          <p:cNvPicPr>
+            <a:picLocks noChangeAspect="1"/>
+          </p:cNvPicPr>
+          <p:nvPr/>
+        </p:nvPicPr>
+        <p:blipFill>
+          <a:blip r:embed="rId2">
+            <a:extLst>
+              <a:ext uri="{28A0092B-C50C-407E-A947-70E740481C1C}">
+                <a14:useLocalDpi xmlns:a14="http://schemas.microsoft.com/office/drawing/2010/main" val="0"/>
+              </a:ext>
+            </a:extLst>
+          </a:blip>
+          <a:stretch>
+            <a:fillRect/>
+          </a:stretch>
+        </p:blipFill>
+        <p:spPr>
+          <a:xfrm>
+            <a:off x="780514" y="2334854"/>
+            <a:ext cx="4859384" cy="2658679"/>
+          </a:xfrm>
+          <a:prstGeom prst="rect">
+            <a:avLst/>
+          </a:prstGeom>
+        </p:spPr>
+      </p:pic>
     </p:spTree>
     <p:extLst>
       <p:ext uri="{BB962C8B-B14F-4D97-AF65-F5344CB8AC3E}">
-        <p14:creationId xmlns:p14="http://schemas.microsoft.com/office/powerpoint/2010/main" val="737140017"/>
+        <p14:creationId xmlns:p14="http://schemas.microsoft.com/office/powerpoint/2010/main" val="317120456"/>
       </p:ext>
     </p:extLst>
   </p:cSld>
@@ -8620,7 +8418,7 @@
           <p:cNvPr id="2" name="Content Placeholder 1">
             <a:extLst>
               <a:ext uri="{FF2B5EF4-FFF2-40B4-BE49-F238E27FC236}">
-                <a16:creationId xmlns:a16="http://schemas.microsoft.com/office/drawing/2014/main" id="{A6A5CFDB-76E5-466C-A1F7-D533781B3790}"/>
+                <a16:creationId xmlns:a16="http://schemas.microsoft.com/office/drawing/2014/main" id="{270B15D4-EE64-439C-BCD6-2902F3295806}"/>
               </a:ext>
             </a:extLst>
           </p:cNvPr>
@@ -8631,12 +8429,7 @@
             <p:ph idx="1"/>
           </p:nvPr>
         </p:nvSpPr>
-        <p:spPr>
-          <a:xfrm>
-            <a:off x="5865223" y="2334854"/>
-            <a:ext cx="5872820" cy="3083339"/>
-          </a:xfrm>
-        </p:spPr>
+        <p:spPr/>
         <p:txBody>
           <a:bodyPr/>
           <a:lstStyle/>
@@ -8646,8 +8439,22 @@
               <a:buChar char="•"/>
             </a:pPr>
             <a:r>
-              <a:rPr lang="en-US" noProof="0" dirty="0"/>
-              <a:t>It is a tool for defining multi-container Docker Applications.</a:t>
+              <a:rPr lang="en-US" dirty="0"/>
+              <a:t>Main file is docker-</a:t>
+            </a:r>
+            <a:r>
+              <a:rPr lang="en-US" dirty="0" err="1"/>
+              <a:t>compose.yml</a:t>
+            </a:r>
+            <a:r>
+              <a:rPr lang="en-US" dirty="0"/>
+              <a:t> </a:t>
+            </a:r>
+            <a:r>
+              <a:rPr lang="en-US" dirty="0">
+                <a:sym typeface="Wingdings" panose="05000000000000000000" pitchFamily="2" charset="2"/>
+              </a:rPr>
+              <a:t> the more basic information about the service</a:t>
             </a:r>
           </a:p>
           <a:p>
@@ -8656,16 +8463,22 @@
               <a:buChar char="•"/>
             </a:pPr>
             <a:r>
-              <a:rPr lang="en-US" noProof="0" dirty="0"/>
-              <a:t>It is installed separately from Docker (</a:t>
-            </a:r>
-            <a:r>
-              <a:rPr lang="en-US" noProof="0" dirty="0" err="1"/>
-              <a:t>f.i</a:t>
-            </a:r>
-            <a:r>
-              <a:rPr lang="en-US" noProof="0" dirty="0"/>
-              <a:t>. currently not installed by default in Azure VM for containers)</a:t>
+              <a:rPr lang="en-US" dirty="0"/>
+              <a:t>Docker-</a:t>
+            </a:r>
+            <a:r>
+              <a:rPr lang="en-US" dirty="0" err="1"/>
+              <a:t>compose.override.yml</a:t>
+            </a:r>
+            <a:r>
+              <a:rPr lang="en-US" dirty="0"/>
+              <a:t> </a:t>
+            </a:r>
+            <a:r>
+              <a:rPr lang="en-US" dirty="0">
+                <a:sym typeface="Wingdings" panose="05000000000000000000" pitchFamily="2" charset="2"/>
+              </a:rPr>
+              <a:t> definition of the environment variables and default values</a:t>
             </a:r>
           </a:p>
           <a:p>
@@ -8674,8 +8487,10 @@
               <a:buChar char="•"/>
             </a:pPr>
             <a:r>
-              <a:rPr lang="en-US" noProof="0" dirty="0"/>
-              <a:t>Based on the Docker file plus docker-compose configuration files</a:t>
+              <a:rPr lang="en-US" dirty="0">
+                <a:sym typeface="Wingdings" panose="05000000000000000000" pitchFamily="2" charset="2"/>
+              </a:rPr>
+              <a:t>Other files to set values for other environments</a:t>
             </a:r>
           </a:p>
           <a:p>
@@ -8684,9 +8499,90 @@
               <a:buChar char="•"/>
             </a:pPr>
             <a:r>
-              <a:rPr lang="en-US" noProof="0" dirty="0"/>
-              <a:t>Multiple docker-compose files structure to compose the final desired configuration</a:t>
-            </a:r>
+              <a:rPr lang="es-ES" dirty="0" err="1">
+                <a:sym typeface="Wingdings" panose="05000000000000000000" pitchFamily="2" charset="2"/>
+              </a:rPr>
+              <a:t>Possibility</a:t>
+            </a:r>
+            <a:r>
+              <a:rPr lang="es-ES" dirty="0">
+                <a:sym typeface="Wingdings" panose="05000000000000000000" pitchFamily="2" charset="2"/>
+              </a:rPr>
+              <a:t> </a:t>
+            </a:r>
+            <a:r>
+              <a:rPr lang="es-ES" dirty="0" err="1">
+                <a:sym typeface="Wingdings" panose="05000000000000000000" pitchFamily="2" charset="2"/>
+              </a:rPr>
+              <a:t>of</a:t>
+            </a:r>
+            <a:r>
+              <a:rPr lang="es-ES" dirty="0">
+                <a:sym typeface="Wingdings" panose="05000000000000000000" pitchFamily="2" charset="2"/>
+              </a:rPr>
+              <a:t> </a:t>
+            </a:r>
+            <a:r>
+              <a:rPr lang="es-ES" dirty="0" err="1">
+                <a:sym typeface="Wingdings" panose="05000000000000000000" pitchFamily="2" charset="2"/>
+              </a:rPr>
+              <a:t>value</a:t>
+            </a:r>
+            <a:r>
+              <a:rPr lang="es-ES" dirty="0">
+                <a:sym typeface="Wingdings" panose="05000000000000000000" pitchFamily="2" charset="2"/>
+              </a:rPr>
+              <a:t> </a:t>
+            </a:r>
+            <a:r>
+              <a:rPr lang="es-ES" dirty="0" err="1">
+                <a:sym typeface="Wingdings" panose="05000000000000000000" pitchFamily="2" charset="2"/>
+              </a:rPr>
+              <a:t>substitution</a:t>
+            </a:r>
+            <a:r>
+              <a:rPr lang="es-ES" dirty="0">
+                <a:sym typeface="Wingdings" panose="05000000000000000000" pitchFamily="2" charset="2"/>
+              </a:rPr>
+              <a:t> </a:t>
+            </a:r>
+            <a:r>
+              <a:rPr lang="es-ES" dirty="0" err="1">
+                <a:sym typeface="Wingdings" panose="05000000000000000000" pitchFamily="2" charset="2"/>
+              </a:rPr>
+              <a:t>through</a:t>
+            </a:r>
+            <a:r>
+              <a:rPr lang="es-ES" dirty="0">
+                <a:sym typeface="Wingdings" panose="05000000000000000000" pitchFamily="2" charset="2"/>
+              </a:rPr>
+              <a:t> </a:t>
+            </a:r>
+            <a:r>
+              <a:rPr lang="es-ES" dirty="0" err="1">
+                <a:sym typeface="Wingdings" panose="05000000000000000000" pitchFamily="2" charset="2"/>
+              </a:rPr>
+              <a:t>the</a:t>
+            </a:r>
+            <a:r>
+              <a:rPr lang="es-ES" dirty="0">
+                <a:sym typeface="Wingdings" panose="05000000000000000000" pitchFamily="2" charset="2"/>
+              </a:rPr>
+              <a:t> .</a:t>
+            </a:r>
+            <a:r>
+              <a:rPr lang="es-ES" dirty="0" err="1">
+                <a:sym typeface="Wingdings" panose="05000000000000000000" pitchFamily="2" charset="2"/>
+              </a:rPr>
+              <a:t>env</a:t>
+            </a:r>
+            <a:r>
+              <a:rPr lang="es-ES" dirty="0">
+                <a:sym typeface="Wingdings" panose="05000000000000000000" pitchFamily="2" charset="2"/>
+              </a:rPr>
+              <a:t> file</a:t>
+            </a:r>
+            <a:endParaRPr lang="en-US" dirty="0"/>
           </a:p>
         </p:txBody>
       </p:sp>
@@ -8695,7 +8591,7 @@
           <p:cNvPr id="3" name="Title 2">
             <a:extLst>
               <a:ext uri="{FF2B5EF4-FFF2-40B4-BE49-F238E27FC236}">
-                <a16:creationId xmlns:a16="http://schemas.microsoft.com/office/drawing/2014/main" id="{FB27F8CD-1E47-4857-B9C1-2BA30F84D61D}"/>
+                <a16:creationId xmlns:a16="http://schemas.microsoft.com/office/drawing/2014/main" id="{02C3B8EB-9F5E-4919-BFC3-7D341572275C}"/>
               </a:ext>
             </a:extLst>
           </p:cNvPr>
@@ -8712,18 +8608,18 @@
           <a:lstStyle/>
           <a:p>
             <a:r>
-              <a:rPr lang="en-US" noProof="0" dirty="0"/>
-              <a:t>Docker compose</a:t>
+              <a:rPr lang="en-US" dirty="0"/>
+              <a:t>Compose files</a:t>
             </a:r>
           </a:p>
         </p:txBody>
       </p:sp>
       <p:pic>
         <p:nvPicPr>
-          <p:cNvPr id="5" name="Picture 4" descr="A screenshot of a cell phone&#10;&#10;Description generated with very high confidence">
+          <p:cNvPr id="4" name="Imagen 3">
             <a:extLst>
               <a:ext uri="{FF2B5EF4-FFF2-40B4-BE49-F238E27FC236}">
-                <a16:creationId xmlns:a16="http://schemas.microsoft.com/office/drawing/2014/main" id="{C88B6C46-7A10-44B1-BD42-7A19A1DEC756}"/>
+                <a16:creationId xmlns:a16="http://schemas.microsoft.com/office/drawing/2014/main" id="{5FB7F963-75AB-4E87-9602-D58E7A77F07D}"/>
               </a:ext>
             </a:extLst>
           </p:cNvPr>
@@ -8733,21 +8629,15 @@
           <p:nvPr/>
         </p:nvPicPr>
         <p:blipFill>
-          <a:blip r:embed="rId2">
-            <a:extLst>
-              <a:ext uri="{28A0092B-C50C-407E-A947-70E740481C1C}">
-                <a14:useLocalDpi xmlns:a14="http://schemas.microsoft.com/office/drawing/2010/main" val="0"/>
-              </a:ext>
-            </a:extLst>
-          </a:blip>
+          <a:blip r:embed="rId2"/>
           <a:stretch>
             <a:fillRect/>
           </a:stretch>
         </p:blipFill>
         <p:spPr>
           <a:xfrm>
-            <a:off x="780514" y="2334854"/>
-            <a:ext cx="4859384" cy="2658679"/>
+            <a:off x="4352925" y="4007007"/>
+            <a:ext cx="3486150" cy="2295525"/>
           </a:xfrm>
           <a:prstGeom prst="rect">
             <a:avLst/>
@@ -8757,7 +8647,7 @@
     </p:spTree>
     <p:extLst>
       <p:ext uri="{BB962C8B-B14F-4D97-AF65-F5344CB8AC3E}">
-        <p14:creationId xmlns:p14="http://schemas.microsoft.com/office/powerpoint/2010/main" val="317120456"/>
+        <p14:creationId xmlns:p14="http://schemas.microsoft.com/office/powerpoint/2010/main" val="3446764012"/>
       </p:ext>
     </p:extLst>
   </p:cSld>
@@ -8805,32 +8695,36 @@
           <a:bodyPr/>
           <a:lstStyle/>
           <a:p>
-            <a:r>
-              <a:rPr lang="en-US" dirty="0"/>
-              <a:t>Compose, override, </a:t>
-            </a:r>
-            <a:r>
-              <a:rPr lang="en-US" dirty="0" err="1"/>
-              <a:t>etc</a:t>
-            </a:r>
+            <a:pPr marL="285750" indent="-285750">
+              <a:buFont typeface="Arial" panose="020B0604020202020204" pitchFamily="34" charset="0"/>
+              <a:buChar char="•"/>
+            </a:pPr>
+            <a:r>
+              <a:rPr lang="en-US" dirty="0">
+                <a:sym typeface="Wingdings" panose="05000000000000000000" pitchFamily="2" charset="2"/>
+              </a:rPr>
+              <a:t>Possibility of value substitution through the .</a:t>
+            </a:r>
+            <a:r>
+              <a:rPr lang="en-US" dirty="0" err="1">
+                <a:sym typeface="Wingdings" panose="05000000000000000000" pitchFamily="2" charset="2"/>
+              </a:rPr>
+              <a:t>env</a:t>
+            </a:r>
+            <a:r>
+              <a:rPr lang="en-US" dirty="0">
+                <a:sym typeface="Wingdings" panose="05000000000000000000" pitchFamily="2" charset="2"/>
+              </a:rPr>
+              <a:t> file</a:t>
+            </a:r>
+          </a:p>
+          <a:p>
+            <a:endParaRPr lang="en-US" dirty="0">
+              <a:sym typeface="Wingdings" panose="05000000000000000000" pitchFamily="2" charset="2"/>
+            </a:endParaRPr>
+          </a:p>
+          <a:p>
             <a:endParaRPr lang="en-US" dirty="0"/>
-          </a:p>
-          <a:p>
-            <a:endParaRPr lang="en-US" dirty="0"/>
-          </a:p>
-          <a:p>
-            <a:r>
-              <a:rPr lang="en-US" dirty="0"/>
-              <a:t>Show </a:t>
-            </a:r>
-            <a:r>
-              <a:rPr lang="en-US" dirty="0" err="1"/>
-              <a:t>environemnt</a:t>
-            </a:r>
-            <a:r>
-              <a:rPr lang="en-US" dirty="0"/>
-              <a:t> variables + substitution mechanism</a:t>
-            </a:r>
           </a:p>
         </p:txBody>
       </p:sp>
@@ -8856,20 +8750,187 @@
           <a:lstStyle/>
           <a:p>
             <a:r>
-              <a:rPr lang="ca-ES" dirty="0" err="1"/>
-              <a:t>Compose</a:t>
-            </a:r>
-            <a:r>
-              <a:rPr lang="ca-ES" dirty="0"/>
-              <a:t> files</a:t>
-            </a:r>
-          </a:p>
-        </p:txBody>
-      </p:sp>
+              <a:rPr lang="en-US" dirty="0"/>
+              <a:t>Value substitution</a:t>
+            </a:r>
+          </a:p>
+        </p:txBody>
+      </p:sp>
+      <p:pic>
+        <p:nvPicPr>
+          <p:cNvPr id="7" name="Imagen 6">
+            <a:extLst>
+              <a:ext uri="{FF2B5EF4-FFF2-40B4-BE49-F238E27FC236}">
+                <a16:creationId xmlns:a16="http://schemas.microsoft.com/office/drawing/2014/main" id="{B3FAF78F-CBA0-434E-84A2-56E2D92DA1EE}"/>
+              </a:ext>
+            </a:extLst>
+          </p:cNvPr>
+          <p:cNvPicPr>
+            <a:picLocks noChangeAspect="1"/>
+          </p:cNvPicPr>
+          <p:nvPr/>
+        </p:nvPicPr>
+        <p:blipFill>
+          <a:blip r:embed="rId2"/>
+          <a:stretch>
+            <a:fillRect/>
+          </a:stretch>
+        </p:blipFill>
+        <p:spPr>
+          <a:xfrm>
+            <a:off x="2263952" y="5062574"/>
+            <a:ext cx="7610475" cy="628650"/>
+          </a:xfrm>
+          <a:prstGeom prst="rect">
+            <a:avLst/>
+          </a:prstGeom>
+        </p:spPr>
+      </p:pic>
+      <p:sp>
+        <p:nvSpPr>
+          <p:cNvPr id="9" name="CuadroTexto 8">
+            <a:extLst>
+              <a:ext uri="{FF2B5EF4-FFF2-40B4-BE49-F238E27FC236}">
+                <a16:creationId xmlns:a16="http://schemas.microsoft.com/office/drawing/2014/main" id="{A61709E3-AFD3-499D-BE61-FD162028D863}"/>
+              </a:ext>
+            </a:extLst>
+          </p:cNvPr>
+          <p:cNvSpPr txBox="1"/>
+          <p:nvPr/>
+        </p:nvSpPr>
+        <p:spPr>
+          <a:xfrm>
+            <a:off x="2263952" y="3205288"/>
+            <a:ext cx="4400282" cy="338554"/>
+          </a:xfrm>
+          <a:prstGeom prst="rect">
+            <a:avLst/>
+          </a:prstGeom>
+          <a:noFill/>
+        </p:spPr>
+        <p:txBody>
+          <a:bodyPr wrap="square" rtlCol="0">
+            <a:spAutoFit/>
+          </a:bodyPr>
+          <a:lstStyle/>
+          <a:p>
+            <a:r>
+              <a:rPr lang="es-ES" sz="1600" dirty="0" err="1">
+                <a:solidFill>
+                  <a:schemeClr val="tx2"/>
+                </a:solidFill>
+                <a:latin typeface="Open Sans" panose="020B0606030504020204" pitchFamily="34" charset="0"/>
+                <a:ea typeface="Open Sans" panose="020B0606030504020204" pitchFamily="34" charset="0"/>
+                <a:cs typeface="Open Sans" panose="020B0606030504020204" pitchFamily="34" charset="0"/>
+              </a:rPr>
+              <a:t>docker-compose.override.yml</a:t>
+            </a:r>
+            <a:endParaRPr lang="en-US" sz="1600" dirty="0">
+              <a:solidFill>
+                <a:schemeClr val="tx2"/>
+              </a:solidFill>
+              <a:latin typeface="Open Sans" panose="020B0606030504020204" pitchFamily="34" charset="0"/>
+              <a:ea typeface="Open Sans" panose="020B0606030504020204" pitchFamily="34" charset="0"/>
+              <a:cs typeface="Open Sans" panose="020B0606030504020204" pitchFamily="34" charset="0"/>
+            </a:endParaRPr>
+          </a:p>
+        </p:txBody>
+      </p:sp>
+      <p:sp>
+        <p:nvSpPr>
+          <p:cNvPr id="11" name="CuadroTexto 10">
+            <a:extLst>
+              <a:ext uri="{FF2B5EF4-FFF2-40B4-BE49-F238E27FC236}">
+                <a16:creationId xmlns:a16="http://schemas.microsoft.com/office/drawing/2014/main" id="{4D23CC94-1BD6-4D8A-AB1E-B74DC73AE06D}"/>
+              </a:ext>
+            </a:extLst>
+          </p:cNvPr>
+          <p:cNvSpPr txBox="1"/>
+          <p:nvPr/>
+        </p:nvSpPr>
+        <p:spPr>
+          <a:xfrm>
+            <a:off x="2287562" y="4722851"/>
+            <a:ext cx="4400282" cy="338554"/>
+          </a:xfrm>
+          <a:prstGeom prst="rect">
+            <a:avLst/>
+          </a:prstGeom>
+          <a:noFill/>
+        </p:spPr>
+        <p:txBody>
+          <a:bodyPr wrap="square" rtlCol="0">
+            <a:spAutoFit/>
+          </a:bodyPr>
+          <a:lstStyle/>
+          <a:p>
+            <a:r>
+              <a:rPr lang="es-ES" sz="1600" dirty="0">
+                <a:solidFill>
+                  <a:schemeClr val="tx2"/>
+                </a:solidFill>
+                <a:latin typeface="Open Sans" panose="020B0606030504020204" pitchFamily="34" charset="0"/>
+                <a:ea typeface="Open Sans" panose="020B0606030504020204" pitchFamily="34" charset="0"/>
+                <a:cs typeface="Open Sans" panose="020B0606030504020204" pitchFamily="34" charset="0"/>
+              </a:rPr>
+              <a:t>.</a:t>
+            </a:r>
+            <a:r>
+              <a:rPr lang="es-ES" sz="1600" dirty="0" err="1">
+                <a:solidFill>
+                  <a:schemeClr val="tx2"/>
+                </a:solidFill>
+                <a:latin typeface="Open Sans" panose="020B0606030504020204" pitchFamily="34" charset="0"/>
+                <a:ea typeface="Open Sans" panose="020B0606030504020204" pitchFamily="34" charset="0"/>
+                <a:cs typeface="Open Sans" panose="020B0606030504020204" pitchFamily="34" charset="0"/>
+              </a:rPr>
+              <a:t>env</a:t>
+            </a:r>
+            <a:endParaRPr lang="en-US" sz="1600" dirty="0">
+              <a:solidFill>
+                <a:schemeClr val="tx2"/>
+              </a:solidFill>
+              <a:latin typeface="Open Sans" panose="020B0606030504020204" pitchFamily="34" charset="0"/>
+              <a:ea typeface="Open Sans" panose="020B0606030504020204" pitchFamily="34" charset="0"/>
+              <a:cs typeface="Open Sans" panose="020B0606030504020204" pitchFamily="34" charset="0"/>
+            </a:endParaRPr>
+          </a:p>
+        </p:txBody>
+      </p:sp>
+      <p:pic>
+        <p:nvPicPr>
+          <p:cNvPr id="13" name="Imagen 12">
+            <a:extLst>
+              <a:ext uri="{FF2B5EF4-FFF2-40B4-BE49-F238E27FC236}">
+                <a16:creationId xmlns:a16="http://schemas.microsoft.com/office/drawing/2014/main" id="{0C3CB4A2-4E16-46F3-BA93-D8B53B38B4CB}"/>
+              </a:ext>
+            </a:extLst>
+          </p:cNvPr>
+          <p:cNvPicPr>
+            <a:picLocks noChangeAspect="1"/>
+          </p:cNvPicPr>
+          <p:nvPr/>
+        </p:nvPicPr>
+        <p:blipFill>
+          <a:blip r:embed="rId3"/>
+          <a:stretch>
+            <a:fillRect/>
+          </a:stretch>
+        </p:blipFill>
+        <p:spPr>
+          <a:xfrm>
+            <a:off x="2263952" y="3571746"/>
+            <a:ext cx="7705725" cy="752475"/>
+          </a:xfrm>
+          <a:prstGeom prst="rect">
+            <a:avLst/>
+          </a:prstGeom>
+        </p:spPr>
+      </p:pic>
     </p:spTree>
     <p:extLst>
       <p:ext uri="{BB962C8B-B14F-4D97-AF65-F5344CB8AC3E}">
-        <p14:creationId xmlns:p14="http://schemas.microsoft.com/office/powerpoint/2010/main" val="3446764012"/>
+        <p14:creationId xmlns:p14="http://schemas.microsoft.com/office/powerpoint/2010/main" val="1473399647"/>
       </p:ext>
     </p:extLst>
   </p:cSld>

--- a/Docu/Microservices_day_1.pptx
+++ b/Docu/Microservices_day_1.pptx
@@ -5,7 +5,7 @@
     <p:sldMasterId id="2147483660" r:id="rId1"/>
   </p:sldMasterIdLst>
   <p:notesMasterIdLst>
-    <p:notesMasterId r:id="rId30"/>
+    <p:notesMasterId r:id="rId34"/>
   </p:notesMasterIdLst>
   <p:sldIdLst>
     <p:sldId id="256" r:id="rId2"/>
@@ -13,29 +13,33 @@
     <p:sldId id="277" r:id="rId4"/>
     <p:sldId id="278" r:id="rId5"/>
     <p:sldId id="279" r:id="rId6"/>
-    <p:sldId id="281" r:id="rId7"/>
-    <p:sldId id="282" r:id="rId8"/>
-    <p:sldId id="259" r:id="rId9"/>
-    <p:sldId id="258" r:id="rId10"/>
-    <p:sldId id="285" r:id="rId11"/>
-    <p:sldId id="261" r:id="rId12"/>
-    <p:sldId id="262" r:id="rId13"/>
-    <p:sldId id="263" r:id="rId14"/>
-    <p:sldId id="264" r:id="rId15"/>
-    <p:sldId id="265" r:id="rId16"/>
-    <p:sldId id="269" r:id="rId17"/>
-    <p:sldId id="270" r:id="rId18"/>
-    <p:sldId id="271" r:id="rId19"/>
-    <p:sldId id="287" r:id="rId20"/>
-    <p:sldId id="272" r:id="rId21"/>
-    <p:sldId id="273" r:id="rId22"/>
-    <p:sldId id="274" r:id="rId23"/>
-    <p:sldId id="275" r:id="rId24"/>
-    <p:sldId id="276" r:id="rId25"/>
-    <p:sldId id="286" r:id="rId26"/>
-    <p:sldId id="288" r:id="rId27"/>
-    <p:sldId id="283" r:id="rId28"/>
-    <p:sldId id="284" r:id="rId29"/>
+    <p:sldId id="291" r:id="rId7"/>
+    <p:sldId id="292" r:id="rId8"/>
+    <p:sldId id="281" r:id="rId9"/>
+    <p:sldId id="282" r:id="rId10"/>
+    <p:sldId id="259" r:id="rId11"/>
+    <p:sldId id="258" r:id="rId12"/>
+    <p:sldId id="285" r:id="rId13"/>
+    <p:sldId id="261" r:id="rId14"/>
+    <p:sldId id="262" r:id="rId15"/>
+    <p:sldId id="263" r:id="rId16"/>
+    <p:sldId id="264" r:id="rId17"/>
+    <p:sldId id="265" r:id="rId18"/>
+    <p:sldId id="269" r:id="rId19"/>
+    <p:sldId id="270" r:id="rId20"/>
+    <p:sldId id="271" r:id="rId21"/>
+    <p:sldId id="287" r:id="rId22"/>
+    <p:sldId id="289" r:id="rId23"/>
+    <p:sldId id="290" r:id="rId24"/>
+    <p:sldId id="272" r:id="rId25"/>
+    <p:sldId id="273" r:id="rId26"/>
+    <p:sldId id="274" r:id="rId27"/>
+    <p:sldId id="275" r:id="rId28"/>
+    <p:sldId id="276" r:id="rId29"/>
+    <p:sldId id="286" r:id="rId30"/>
+    <p:sldId id="288" r:id="rId31"/>
+    <p:sldId id="283" r:id="rId32"/>
+    <p:sldId id="284" r:id="rId33"/>
   </p:sldIdLst>
   <p:sldSz cx="12192000" cy="6858000"/>
   <p:notesSz cx="6858000" cy="9144000"/>
@@ -228,7 +232,7 @@
           <a:p>
             <a:fld id="{6340D008-C73D-4C5B-A9DE-E32B4AFE5B1C}" type="datetimeFigureOut">
               <a:rPr lang="ca-ES" smtClean="0"/>
-              <a:t>18/11/2017</a:t>
+              <a:t>10/12/2017</a:t>
             </a:fld>
             <a:endParaRPr lang="ca-ES"/>
           </a:p>
@@ -387,7 +391,7 @@
           <a:p>
             <a:fld id="{D05CA920-75A4-429A-BE6D-453D29DADB95}" type="slidenum">
               <a:rPr lang="ca-ES" smtClean="0"/>
-              <a:t>‹Nº›</a:t>
+              <a:t>‹#›</a:t>
             </a:fld>
             <a:endParaRPr lang="ca-ES"/>
           </a:p>
@@ -561,7 +565,7 @@
           <a:p>
             <a:fld id="{D05CA920-75A4-429A-BE6D-453D29DADB95}" type="slidenum">
               <a:rPr lang="ca-ES" smtClean="0"/>
-              <a:t>11</a:t>
+              <a:t>13</a:t>
             </a:fld>
             <a:endParaRPr lang="ca-ES"/>
           </a:p>
@@ -665,7 +669,7 @@
           <a:p>
             <a:fld id="{D05CA920-75A4-429A-BE6D-453D29DADB95}" type="slidenum">
               <a:rPr lang="ca-ES" smtClean="0"/>
-              <a:t>14</a:t>
+              <a:t>16</a:t>
             </a:fld>
             <a:endParaRPr lang="ca-ES"/>
           </a:p>
@@ -5042,6 +5046,44 @@
           <a:chExt cx="0" cy="0"/>
         </a:xfrm>
       </p:grpSpPr>
+      <p:sp>
+        <p:nvSpPr>
+          <p:cNvPr id="4" name="Title 1"/>
+          <p:cNvSpPr>
+            <a:spLocks noGrp="1"/>
+          </p:cNvSpPr>
+          <p:nvPr>
+            <p:ph type="title"/>
+          </p:nvPr>
+        </p:nvSpPr>
+        <p:spPr>
+          <a:xfrm>
+            <a:off x="1911526" y="1140822"/>
+            <a:ext cx="9514119" cy="766355"/>
+          </a:xfrm>
+        </p:spPr>
+        <p:txBody>
+          <a:bodyPr>
+            <a:normAutofit/>
+          </a:bodyPr>
+          <a:lstStyle>
+            <a:lvl1pPr>
+              <a:defRPr sz="3600" cap="all" baseline="0">
+                <a:solidFill>
+                  <a:schemeClr val="tx1"/>
+                </a:solidFill>
+              </a:defRPr>
+            </a:lvl1pPr>
+          </a:lstStyle>
+          <a:p>
+            <a:r>
+              <a:rPr lang="en-US" dirty="0"/>
+              <a:t>Click to edit Master title style</a:t>
+            </a:r>
+            <a:endParaRPr lang="es-ES" dirty="0"/>
+          </a:p>
+        </p:txBody>
+      </p:sp>
       <p:pic>
         <p:nvPicPr>
           <p:cNvPr id="3" name="Picture 2"/>
@@ -5072,44 +5114,6 @@
           </a:prstGeom>
         </p:spPr>
       </p:pic>
-      <p:sp>
-        <p:nvSpPr>
-          <p:cNvPr id="4" name="Title 1"/>
-          <p:cNvSpPr>
-            <a:spLocks noGrp="1"/>
-          </p:cNvSpPr>
-          <p:nvPr>
-            <p:ph type="title"/>
-          </p:nvPr>
-        </p:nvSpPr>
-        <p:spPr>
-          <a:xfrm>
-            <a:off x="1911526" y="1140822"/>
-            <a:ext cx="9514119" cy="766355"/>
-          </a:xfrm>
-        </p:spPr>
-        <p:txBody>
-          <a:bodyPr>
-            <a:normAutofit/>
-          </a:bodyPr>
-          <a:lstStyle>
-            <a:lvl1pPr>
-              <a:defRPr sz="3600" cap="all" baseline="0">
-                <a:solidFill>
-                  <a:schemeClr val="tx1"/>
-                </a:solidFill>
-              </a:defRPr>
-            </a:lvl1pPr>
-          </a:lstStyle>
-          <a:p>
-            <a:r>
-              <a:rPr lang="en-US" dirty="0"/>
-              <a:t>Click to edit Master title style</a:t>
-            </a:r>
-            <a:endParaRPr lang="es-ES" dirty="0"/>
-          </a:p>
-        </p:txBody>
-      </p:sp>
     </p:spTree>
     <p:extLst>
       <p:ext uri="{BB962C8B-B14F-4D97-AF65-F5344CB8AC3E}">
@@ -5120,6 +5124,7 @@
   <p:clrMapOvr>
     <a:masterClrMapping/>
   </p:clrMapOvr>
+  <p:hf hdr="0" ftr="0" dt="0"/>
 </p:sldLayout>
 </file>
 
@@ -6025,6 +6030,7 @@
     <p:sldLayoutId id="2147483682" r:id="rId23"/>
     <p:sldLayoutId id="2147483683" r:id="rId24"/>
   </p:sldLayoutIdLst>
+  <p:hf hdr="0" ftr="0" dt="0"/>
   <p:txStyles>
     <p:titleStyle>
       <a:lvl1pPr algn="l" defTabSz="1219170" rtl="0" eaLnBrk="1" latinLnBrk="0" hangingPunct="1">
@@ -6327,10 +6333,10 @@
       </p:grpSpPr>
       <p:sp>
         <p:nvSpPr>
-          <p:cNvPr id="2" name="Content Placeholder 1">
+          <p:cNvPr id="2" name="Text Placeholder 1">
             <a:extLst>
               <a:ext uri="{FF2B5EF4-FFF2-40B4-BE49-F238E27FC236}">
-                <a16:creationId xmlns:a16="http://schemas.microsoft.com/office/drawing/2014/main" id="{02027660-A241-438C-8365-F7A016276B08}"/>
+                <a16:creationId xmlns:a16="http://schemas.microsoft.com/office/drawing/2014/main" id="{A94D6304-4111-452E-882F-AC7928E48BC7}"/>
               </a:ext>
             </a:extLst>
           </p:cNvPr>
@@ -6338,104 +6344,30 @@
             <a:spLocks noGrp="1"/>
           </p:cNvSpPr>
           <p:nvPr>
-            <p:ph idx="1"/>
+            <p:ph type="body" sz="quarter" idx="10"/>
           </p:nvPr>
         </p:nvSpPr>
-        <p:spPr/>
+        <p:spPr>
+          <a:xfrm>
+            <a:off x="1955800" y="2922062"/>
+            <a:ext cx="7939949" cy="830997"/>
+          </a:xfrm>
+        </p:spPr>
         <p:txBody>
           <a:bodyPr/>
           <a:lstStyle/>
           <a:p>
             <a:r>
-              <a:rPr lang="en-US" dirty="0"/>
-              <a:t>A couple of hints about the size from the industry:</a:t>
-            </a:r>
-          </a:p>
-          <a:p>
-            <a:pPr marL="285750" indent="-285750">
-              <a:buFont typeface="Arial" panose="020B0604020202020204" pitchFamily="34" charset="0"/>
-              <a:buChar char="•"/>
-            </a:pPr>
-            <a:r>
-              <a:rPr lang="en-US" dirty="0"/>
-              <a:t>Small enough to be managed by one team </a:t>
-            </a:r>
-            <a:r>
-              <a:rPr lang="en-US" dirty="0">
-                <a:sym typeface="Wingdings" panose="05000000000000000000" pitchFamily="2" charset="2"/>
-              </a:rPr>
-              <a:t> Aligned to the team structures</a:t>
-            </a:r>
-          </a:p>
-          <a:p>
-            <a:pPr marL="285750" indent="-285750">
-              <a:buFont typeface="Arial" panose="020B0604020202020204" pitchFamily="34" charset="0"/>
-              <a:buChar char="•"/>
-            </a:pPr>
-            <a:r>
-              <a:rPr lang="en-US" dirty="0">
-                <a:sym typeface="Wingdings" panose="05000000000000000000" pitchFamily="2" charset="2"/>
-              </a:rPr>
-              <a:t>Some teams agree is small in time development (i.e. some weeks)</a:t>
-            </a:r>
-          </a:p>
-          <a:p>
-            <a:endParaRPr lang="en-US" dirty="0">
-              <a:sym typeface="Wingdings" panose="05000000000000000000" pitchFamily="2" charset="2"/>
-            </a:endParaRPr>
-          </a:p>
-          <a:p>
-            <a:r>
-              <a:rPr lang="en-US" dirty="0">
-                <a:sym typeface="Wingdings" panose="05000000000000000000" pitchFamily="2" charset="2"/>
-              </a:rPr>
-              <a:t>Bounded contexts separate the services and stablish clear borders between them.</a:t>
-            </a:r>
-          </a:p>
-          <a:p>
-            <a:endParaRPr lang="ca-ES" dirty="0"/>
-          </a:p>
-          <a:p>
-            <a:endParaRPr lang="ca-ES" dirty="0"/>
-          </a:p>
-          <a:p>
-            <a:endParaRPr lang="ca-ES" dirty="0"/>
-          </a:p>
-        </p:txBody>
-      </p:sp>
-      <p:sp>
-        <p:nvSpPr>
-          <p:cNvPr id="3" name="Title 2">
-            <a:extLst>
-              <a:ext uri="{FF2B5EF4-FFF2-40B4-BE49-F238E27FC236}">
-                <a16:creationId xmlns:a16="http://schemas.microsoft.com/office/drawing/2014/main" id="{4E8B4B29-CD29-4A21-980B-8E2BE89D3BE3}"/>
-              </a:ext>
-            </a:extLst>
-          </p:cNvPr>
-          <p:cNvSpPr>
-            <a:spLocks noGrp="1"/>
-          </p:cNvSpPr>
-          <p:nvPr>
-            <p:ph type="title"/>
-          </p:nvPr>
-        </p:nvSpPr>
-        <p:spPr/>
-        <p:txBody>
-          <a:bodyPr/>
-          <a:lstStyle/>
-          <a:p>
-            <a:r>
-              <a:rPr lang="ca-ES" dirty="0" err="1"/>
-              <a:t>Small</a:t>
-            </a:r>
-            <a:endParaRPr lang="ca-ES" dirty="0"/>
+              <a:rPr lang="en-US" noProof="0" dirty="0"/>
+              <a:t>Microservices architecture: characteristics &amp; benefits</a:t>
+            </a:r>
           </a:p>
         </p:txBody>
       </p:sp>
     </p:spTree>
     <p:extLst>
       <p:ext uri="{BB962C8B-B14F-4D97-AF65-F5344CB8AC3E}">
-        <p14:creationId xmlns:p14="http://schemas.microsoft.com/office/powerpoint/2010/main" val="2274200242"/>
+        <p14:creationId xmlns:p14="http://schemas.microsoft.com/office/powerpoint/2010/main" val="1341135555"/>
       </p:ext>
     </p:extLst>
   </p:cSld>
@@ -6467,7 +6399,7 @@
           <p:cNvPr id="2" name="Content Placeholder 1">
             <a:extLst>
               <a:ext uri="{FF2B5EF4-FFF2-40B4-BE49-F238E27FC236}">
-                <a16:creationId xmlns:a16="http://schemas.microsoft.com/office/drawing/2014/main" id="{1CF11DEE-1E9E-4818-94EE-37497378FE28}"/>
+                <a16:creationId xmlns:a16="http://schemas.microsoft.com/office/drawing/2014/main" id="{DD4AB3B3-7EA2-4B08-BFA2-3E101E5D3957}"/>
               </a:ext>
             </a:extLst>
           </p:cNvPr>
@@ -6480,68 +6412,60 @@
         </p:nvSpPr>
         <p:spPr/>
         <p:txBody>
-          <a:bodyPr>
-            <a:normAutofit/>
-          </a:bodyPr>
+          <a:bodyPr/>
           <a:lstStyle/>
           <a:p>
             <a:r>
               <a:rPr lang="en-US" noProof="0" dirty="0"/>
-              <a:t>It might be deployed as an isolated service</a:t>
-            </a:r>
-          </a:p>
-          <a:p>
+              <a:t>Does not mean:</a:t>
+            </a:r>
+          </a:p>
+          <a:p>
+            <a:pPr marL="285750" indent="-285750">
+              <a:buFont typeface="Arial" panose="020B0604020202020204" pitchFamily="34" charset="0"/>
+              <a:buChar char="•"/>
+            </a:pPr>
+            <a:r>
+              <a:rPr lang="en-US" noProof="0" dirty="0"/>
+              <a:t>Small number of lines of code</a:t>
+            </a:r>
+          </a:p>
+          <a:p>
+            <a:pPr marL="285750" indent="-285750">
+              <a:buFont typeface="Arial" panose="020B0604020202020204" pitchFamily="34" charset="0"/>
+              <a:buChar char="•"/>
+            </a:pPr>
             <a:endParaRPr lang="en-US" noProof="0" dirty="0"/>
           </a:p>
           <a:p>
             <a:r>
               <a:rPr lang="en-US" noProof="0" dirty="0"/>
-              <a:t>All communication between the services themselves are via network calls to enforce separation between the services. </a:t>
+              <a:t>It refers to:</a:t>
+            </a:r>
+          </a:p>
+          <a:p>
+            <a:pPr marL="285750" indent="-285750">
+              <a:buFont typeface="Arial" panose="020B0604020202020204" pitchFamily="34" charset="0"/>
+              <a:buChar char="•"/>
+            </a:pPr>
+            <a:r>
+              <a:rPr lang="en-US" noProof="0" dirty="0"/>
+              <a:t>Cohesive: focused on doing one thing well</a:t>
+            </a:r>
+          </a:p>
+          <a:p>
+            <a:pPr marL="285750" indent="-285750">
+              <a:buFont typeface="Arial" panose="020B0604020202020204" pitchFamily="34" charset="0"/>
+              <a:buChar char="•"/>
+            </a:pPr>
+            <a:r>
+              <a:rPr lang="en-US" noProof="0" dirty="0"/>
+              <a:t>Clear delimited business boundaries</a:t>
             </a:r>
           </a:p>
           <a:p>
             <a:endParaRPr lang="en-US" noProof="0" dirty="0"/>
           </a:p>
-          <a:p>
-            <a:r>
-              <a:rPr lang="en-US" dirty="0"/>
-              <a:t>S</a:t>
-            </a:r>
-            <a:r>
-              <a:rPr lang="en-US" noProof="0" dirty="0" err="1"/>
-              <a:t>ervices</a:t>
-            </a:r>
-            <a:r>
-              <a:rPr lang="en-US" noProof="0" dirty="0"/>
-              <a:t> change independently of each other, and </a:t>
-            </a:r>
-            <a:r>
-              <a:rPr lang="en-US" dirty="0"/>
-              <a:t>are</a:t>
-            </a:r>
-            <a:r>
-              <a:rPr lang="en-US" noProof="0" dirty="0"/>
-              <a:t> deployed without requiring consumers to change.</a:t>
-            </a:r>
-          </a:p>
-          <a:p>
-            <a:endParaRPr lang="en-US" noProof="0" dirty="0"/>
-          </a:p>
-          <a:p>
-            <a:r>
-              <a:rPr lang="en-US" dirty="0"/>
-              <a:t>The golden rule: </a:t>
-            </a:r>
-          </a:p>
-          <a:p>
-            <a:r>
-              <a:rPr lang="en-US" dirty="0"/>
-              <a:t>Can you make a change to a service and deploy it by itself without changing anything else? </a:t>
-            </a:r>
-          </a:p>
-          <a:p>
-            <a:endParaRPr lang="en-US" noProof="0" dirty="0"/>
-          </a:p>
         </p:txBody>
       </p:sp>
       <p:sp>
@@ -6549,7 +6473,7 @@
           <p:cNvPr id="3" name="Title 2">
             <a:extLst>
               <a:ext uri="{FF2B5EF4-FFF2-40B4-BE49-F238E27FC236}">
-                <a16:creationId xmlns:a16="http://schemas.microsoft.com/office/drawing/2014/main" id="{EFC79224-3316-4770-A582-A153DE2F247B}"/>
+                <a16:creationId xmlns:a16="http://schemas.microsoft.com/office/drawing/2014/main" id="{407D83D5-F244-425B-8AAC-8B51EF5E2D05}"/>
               </a:ext>
             </a:extLst>
           </p:cNvPr>
@@ -6562,12 +6486,14 @@
         </p:nvSpPr>
         <p:spPr/>
         <p:txBody>
-          <a:bodyPr/>
+          <a:bodyPr>
+            <a:normAutofit/>
+          </a:bodyPr>
           <a:lstStyle/>
           <a:p>
             <a:r>
               <a:rPr lang="en-US" noProof="0" dirty="0"/>
-              <a:t>Autonomous</a:t>
+              <a:t>Small</a:t>
             </a:r>
           </a:p>
         </p:txBody>
@@ -6575,7 +6501,7 @@
     </p:spTree>
     <p:extLst>
       <p:ext uri="{BB962C8B-B14F-4D97-AF65-F5344CB8AC3E}">
-        <p14:creationId xmlns:p14="http://schemas.microsoft.com/office/powerpoint/2010/main" val="1313444787"/>
+        <p14:creationId xmlns:p14="http://schemas.microsoft.com/office/powerpoint/2010/main" val="1875151050"/>
       </p:ext>
     </p:extLst>
   </p:cSld>
@@ -6607,7 +6533,7 @@
           <p:cNvPr id="2" name="Content Placeholder 1">
             <a:extLst>
               <a:ext uri="{FF2B5EF4-FFF2-40B4-BE49-F238E27FC236}">
-                <a16:creationId xmlns:a16="http://schemas.microsoft.com/office/drawing/2014/main" id="{CC7183DC-5DD8-4AD5-A696-5AEF58A5C7B9}"/>
+                <a16:creationId xmlns:a16="http://schemas.microsoft.com/office/drawing/2014/main" id="{02027660-A241-438C-8365-F7A016276B08}"/>
               </a:ext>
             </a:extLst>
           </p:cNvPr>
@@ -6624,42 +6550,59 @@
           <a:lstStyle/>
           <a:p>
             <a:r>
-              <a:rPr lang="en-US" noProof="0" dirty="0"/>
-              <a:t>Use the right tool for each job</a:t>
-            </a:r>
-          </a:p>
-          <a:p>
-            <a:endParaRPr lang="en-US" noProof="0" dirty="0"/>
-          </a:p>
-          <a:p>
-            <a:r>
-              <a:rPr lang="en-US" noProof="0" dirty="0"/>
-              <a:t>Freedom for the teams to decide what fits better for them</a:t>
-            </a:r>
-          </a:p>
-          <a:p>
-            <a:endParaRPr lang="en-US" noProof="0" dirty="0"/>
-          </a:p>
-          <a:p>
-            <a:r>
-              <a:rPr lang="en-US" noProof="0" dirty="0"/>
-              <a:t>Easy to start in new technologies due to the small size of the microservices</a:t>
-            </a:r>
-          </a:p>
-          <a:p>
-            <a:endParaRPr lang="en-US" noProof="0" dirty="0"/>
-          </a:p>
-          <a:p>
-            <a:r>
-              <a:rPr lang="en-US" b="1" noProof="0" dirty="0"/>
-              <a:t>Be careful:</a:t>
-            </a:r>
-          </a:p>
-          <a:p>
-            <a:r>
-              <a:rPr lang="en-US" noProof="0" dirty="0"/>
-              <a:t>The more technologies used, the more overhead for our organization </a:t>
-            </a:r>
+              <a:rPr lang="en-US" dirty="0"/>
+              <a:t>A couple of hints about the size from the industry:</a:t>
+            </a:r>
+          </a:p>
+          <a:p>
+            <a:pPr marL="285750" indent="-285750">
+              <a:buFont typeface="Arial" panose="020B0604020202020204" pitchFamily="34" charset="0"/>
+              <a:buChar char="•"/>
+            </a:pPr>
+            <a:r>
+              <a:rPr lang="en-US" dirty="0"/>
+              <a:t>Small enough to be managed by one team </a:t>
+            </a:r>
+            <a:r>
+              <a:rPr lang="en-US" dirty="0">
+                <a:sym typeface="Wingdings" panose="05000000000000000000" pitchFamily="2" charset="2"/>
+              </a:rPr>
+              <a:t> Aligned to the team structures</a:t>
+            </a:r>
+          </a:p>
+          <a:p>
+            <a:pPr marL="285750" indent="-285750">
+              <a:buFont typeface="Arial" panose="020B0604020202020204" pitchFamily="34" charset="0"/>
+              <a:buChar char="•"/>
+            </a:pPr>
+            <a:r>
+              <a:rPr lang="en-US" dirty="0">
+                <a:sym typeface="Wingdings" panose="05000000000000000000" pitchFamily="2" charset="2"/>
+              </a:rPr>
+              <a:t>Some teams agree is small in time development (i.e. some weeks)</a:t>
+            </a:r>
+          </a:p>
+          <a:p>
+            <a:endParaRPr lang="en-US" dirty="0">
+              <a:sym typeface="Wingdings" panose="05000000000000000000" pitchFamily="2" charset="2"/>
+            </a:endParaRPr>
+          </a:p>
+          <a:p>
+            <a:r>
+              <a:rPr lang="en-US" dirty="0">
+                <a:sym typeface="Wingdings" panose="05000000000000000000" pitchFamily="2" charset="2"/>
+              </a:rPr>
+              <a:t>Bounded contexts separate the services and stablish clear borders between them.</a:t>
+            </a:r>
+          </a:p>
+          <a:p>
+            <a:endParaRPr lang="ca-ES" dirty="0"/>
+          </a:p>
+          <a:p>
+            <a:endParaRPr lang="ca-ES" dirty="0"/>
+          </a:p>
+          <a:p>
+            <a:endParaRPr lang="ca-ES" dirty="0"/>
           </a:p>
         </p:txBody>
       </p:sp>
@@ -6668,7 +6611,7 @@
           <p:cNvPr id="3" name="Title 2">
             <a:extLst>
               <a:ext uri="{FF2B5EF4-FFF2-40B4-BE49-F238E27FC236}">
-                <a16:creationId xmlns:a16="http://schemas.microsoft.com/office/drawing/2014/main" id="{F1A6F2D5-9D8A-4969-A2BC-3724C90DF6D4}"/>
+                <a16:creationId xmlns:a16="http://schemas.microsoft.com/office/drawing/2014/main" id="{4E8B4B29-CD29-4A21-980B-8E2BE89D3BE3}"/>
               </a:ext>
             </a:extLst>
           </p:cNvPr>
@@ -6681,22 +6624,21 @@
         </p:nvSpPr>
         <p:spPr/>
         <p:txBody>
-          <a:bodyPr>
-            <a:normAutofit/>
-          </a:bodyPr>
+          <a:bodyPr/>
           <a:lstStyle/>
           <a:p>
             <a:r>
-              <a:rPr lang="en-US" noProof="0" dirty="0"/>
-              <a:t>Technology Heterogeneity</a:t>
-            </a:r>
+              <a:rPr lang="ca-ES" dirty="0" err="1"/>
+              <a:t>Small</a:t>
+            </a:r>
+            <a:endParaRPr lang="ca-ES" dirty="0"/>
           </a:p>
         </p:txBody>
       </p:sp>
     </p:spTree>
     <p:extLst>
       <p:ext uri="{BB962C8B-B14F-4D97-AF65-F5344CB8AC3E}">
-        <p14:creationId xmlns:p14="http://schemas.microsoft.com/office/powerpoint/2010/main" val="644039356"/>
+        <p14:creationId xmlns:p14="http://schemas.microsoft.com/office/powerpoint/2010/main" val="2274200242"/>
       </p:ext>
     </p:extLst>
   </p:cSld>
@@ -6728,7 +6670,7 @@
           <p:cNvPr id="2" name="Content Placeholder 1">
             <a:extLst>
               <a:ext uri="{FF2B5EF4-FFF2-40B4-BE49-F238E27FC236}">
-                <a16:creationId xmlns:a16="http://schemas.microsoft.com/office/drawing/2014/main" id="{3DD08E3E-B57E-452F-B158-5C56D8DFE035}"/>
+                <a16:creationId xmlns:a16="http://schemas.microsoft.com/office/drawing/2014/main" id="{1CF11DEE-1E9E-4818-94EE-37497378FE28}"/>
               </a:ext>
             </a:extLst>
           </p:cNvPr>
@@ -6741,12 +6683,14 @@
         </p:nvSpPr>
         <p:spPr/>
         <p:txBody>
-          <a:bodyPr/>
+          <a:bodyPr>
+            <a:normAutofit/>
+          </a:bodyPr>
           <a:lstStyle/>
           <a:p>
             <a:r>
               <a:rPr lang="en-US" noProof="0" dirty="0"/>
-              <a:t>If one component fails, the rest of the System does not collapse.</a:t>
+              <a:t>It might be deployed as an isolated service</a:t>
             </a:r>
           </a:p>
           <a:p>
@@ -6755,7 +6699,7 @@
           <a:p>
             <a:r>
               <a:rPr lang="en-US" noProof="0" dirty="0"/>
-              <a:t>Counter example: monolithic application, one part fails, the whole application fails.</a:t>
+              <a:t>All communication between the services themselves are via network calls to enforce separation between the services. </a:t>
             </a:r>
           </a:p>
           <a:p>
@@ -6763,13 +6707,44 @@
           </a:p>
           <a:p>
             <a:r>
+              <a:rPr lang="en-US" dirty="0"/>
+              <a:t>S</a:t>
+            </a:r>
+            <a:r>
+              <a:rPr lang="en-US" noProof="0" dirty="0" err="1"/>
+              <a:t>ervices</a:t>
+            </a:r>
+            <a:r>
               <a:rPr lang="en-US" noProof="0" dirty="0"/>
-              <a:t>MSA favors take resilience strategies, BUT they are not for free and must be taken into account during development.</a:t>
+              <a:t> change independently of each other, and </a:t>
+            </a:r>
+            <a:r>
+              <a:rPr lang="en-US" dirty="0"/>
+              <a:t>are</a:t>
+            </a:r>
+            <a:r>
+              <a:rPr lang="en-US" noProof="0" dirty="0"/>
+              <a:t> deployed without requiring consumers to change.</a:t>
             </a:r>
           </a:p>
           <a:p>
             <a:endParaRPr lang="en-US" noProof="0" dirty="0"/>
           </a:p>
+          <a:p>
+            <a:r>
+              <a:rPr lang="en-US" dirty="0"/>
+              <a:t>The golden rule: </a:t>
+            </a:r>
+          </a:p>
+          <a:p>
+            <a:r>
+              <a:rPr lang="en-US" dirty="0"/>
+              <a:t>Can you make a change to a service and deploy it by itself without changing anything else? </a:t>
+            </a:r>
+          </a:p>
+          <a:p>
+            <a:endParaRPr lang="en-US" noProof="0" dirty="0"/>
+          </a:p>
         </p:txBody>
       </p:sp>
       <p:sp>
@@ -6777,7 +6752,7 @@
           <p:cNvPr id="3" name="Title 2">
             <a:extLst>
               <a:ext uri="{FF2B5EF4-FFF2-40B4-BE49-F238E27FC236}">
-                <a16:creationId xmlns:a16="http://schemas.microsoft.com/office/drawing/2014/main" id="{C813B04F-8075-4D61-A59B-478BAE6B8AD1}"/>
+                <a16:creationId xmlns:a16="http://schemas.microsoft.com/office/drawing/2014/main" id="{EFC79224-3316-4770-A582-A153DE2F247B}"/>
               </a:ext>
             </a:extLst>
           </p:cNvPr>
@@ -6790,14 +6765,12 @@
         </p:nvSpPr>
         <p:spPr/>
         <p:txBody>
-          <a:bodyPr>
-            <a:normAutofit/>
-          </a:bodyPr>
+          <a:bodyPr/>
           <a:lstStyle/>
           <a:p>
             <a:r>
               <a:rPr lang="en-US" noProof="0" dirty="0"/>
-              <a:t>Resilience</a:t>
+              <a:t>Autonomous</a:t>
             </a:r>
           </a:p>
         </p:txBody>
@@ -6805,7 +6778,7 @@
     </p:spTree>
     <p:extLst>
       <p:ext uri="{BB962C8B-B14F-4D97-AF65-F5344CB8AC3E}">
-        <p14:creationId xmlns:p14="http://schemas.microsoft.com/office/powerpoint/2010/main" val="3166054510"/>
+        <p14:creationId xmlns:p14="http://schemas.microsoft.com/office/powerpoint/2010/main" val="1313444787"/>
       </p:ext>
     </p:extLst>
   </p:cSld>
@@ -6834,10 +6807,71 @@
       </p:grpSpPr>
       <p:sp>
         <p:nvSpPr>
+          <p:cNvPr id="2" name="Content Placeholder 1">
+            <a:extLst>
+              <a:ext uri="{FF2B5EF4-FFF2-40B4-BE49-F238E27FC236}">
+                <a16:creationId xmlns:a16="http://schemas.microsoft.com/office/drawing/2014/main" id="{CC7183DC-5DD8-4AD5-A696-5AEF58A5C7B9}"/>
+              </a:ext>
+            </a:extLst>
+          </p:cNvPr>
+          <p:cNvSpPr>
+            <a:spLocks noGrp="1"/>
+          </p:cNvSpPr>
+          <p:nvPr>
+            <p:ph idx="1"/>
+          </p:nvPr>
+        </p:nvSpPr>
+        <p:spPr/>
+        <p:txBody>
+          <a:bodyPr/>
+          <a:lstStyle/>
+          <a:p>
+            <a:r>
+              <a:rPr lang="en-US" noProof="0" dirty="0"/>
+              <a:t>Use the right tool for each job</a:t>
+            </a:r>
+          </a:p>
+          <a:p>
+            <a:endParaRPr lang="en-US" noProof="0" dirty="0"/>
+          </a:p>
+          <a:p>
+            <a:r>
+              <a:rPr lang="en-US" noProof="0" dirty="0"/>
+              <a:t>Freedom for the teams to decide what fits better for them</a:t>
+            </a:r>
+          </a:p>
+          <a:p>
+            <a:endParaRPr lang="en-US" noProof="0" dirty="0"/>
+          </a:p>
+          <a:p>
+            <a:r>
+              <a:rPr lang="en-US" noProof="0" dirty="0"/>
+              <a:t>Easy to start in new technologies due to the small size of the microservices</a:t>
+            </a:r>
+          </a:p>
+          <a:p>
+            <a:endParaRPr lang="en-US" noProof="0" dirty="0"/>
+          </a:p>
+          <a:p>
+            <a:r>
+              <a:rPr lang="en-US" b="1" noProof="0" dirty="0"/>
+              <a:t>Be careful:</a:t>
+            </a:r>
+          </a:p>
+          <a:p>
+            <a:r>
+              <a:rPr lang="en-US" noProof="0" dirty="0"/>
+              <a:t>The more technologies used, the more overhead for our organization </a:t>
+            </a:r>
+          </a:p>
+        </p:txBody>
+      </p:sp>
+      <p:sp>
+        <p:nvSpPr>
           <p:cNvPr id="3" name="Title 2">
             <a:extLst>
               <a:ext uri="{FF2B5EF4-FFF2-40B4-BE49-F238E27FC236}">
-                <a16:creationId xmlns:a16="http://schemas.microsoft.com/office/drawing/2014/main" id="{E53C27A4-C4BF-41B2-8491-EB2CEABFEF4F}"/>
+                <a16:creationId xmlns:a16="http://schemas.microsoft.com/office/drawing/2014/main" id="{F1A6F2D5-9D8A-4969-A2BC-3724C90DF6D4}"/>
               </a:ext>
             </a:extLst>
           </p:cNvPr>
@@ -6851,111 +6885,21 @@
         <p:spPr/>
         <p:txBody>
           <a:bodyPr>
-            <a:normAutofit fontScale="90000"/>
+            <a:normAutofit/>
           </a:bodyPr>
           <a:lstStyle/>
           <a:p>
             <a:r>
               <a:rPr lang="en-US" noProof="0" dirty="0"/>
-              <a:t>Scaling</a:t>
-            </a:r>
-            <a:br>
-              <a:rPr lang="en-US" noProof="0" dirty="0"/>
-            </a:br>
-            <a:endParaRPr lang="en-US" noProof="0" dirty="0"/>
-          </a:p>
-        </p:txBody>
-      </p:sp>
-      <p:pic>
-        <p:nvPicPr>
-          <p:cNvPr id="5" name="Picture 4" descr="A picture containing object, gallery&#10;&#10;Description generated with very high confidence">
-            <a:extLst>
-              <a:ext uri="{FF2B5EF4-FFF2-40B4-BE49-F238E27FC236}">
-                <a16:creationId xmlns:a16="http://schemas.microsoft.com/office/drawing/2014/main" id="{3DA2A58A-DB31-49F3-96B1-D933015D9CAA}"/>
-              </a:ext>
-            </a:extLst>
-          </p:cNvPr>
-          <p:cNvPicPr>
-            <a:picLocks noChangeAspect="1"/>
-          </p:cNvPicPr>
-          <p:nvPr/>
-        </p:nvPicPr>
-        <p:blipFill>
-          <a:blip r:embed="rId3">
-            <a:extLst>
-              <a:ext uri="{28A0092B-C50C-407E-A947-70E740481C1C}">
-                <a14:useLocalDpi xmlns:a14="http://schemas.microsoft.com/office/drawing/2010/main" val="0"/>
-              </a:ext>
-            </a:extLst>
-          </a:blip>
-          <a:stretch>
-            <a:fillRect/>
-          </a:stretch>
-        </p:blipFill>
-        <p:spPr>
-          <a:xfrm>
-            <a:off x="2673965" y="1686888"/>
-            <a:ext cx="6477234" cy="3962543"/>
-          </a:xfrm>
-          <a:prstGeom prst="rect">
-            <a:avLst/>
-          </a:prstGeom>
-        </p:spPr>
-      </p:pic>
-      <p:sp>
-        <p:nvSpPr>
-          <p:cNvPr id="6" name="TextBox 5">
-            <a:extLst>
-              <a:ext uri="{FF2B5EF4-FFF2-40B4-BE49-F238E27FC236}">
-                <a16:creationId xmlns:a16="http://schemas.microsoft.com/office/drawing/2014/main" id="{32112E6B-DC3F-4E90-A7D1-201BD102DC6F}"/>
-              </a:ext>
-            </a:extLst>
-          </p:cNvPr>
-          <p:cNvSpPr txBox="1"/>
-          <p:nvPr/>
-        </p:nvSpPr>
-        <p:spPr>
-          <a:xfrm>
-            <a:off x="4770474" y="5918791"/>
-            <a:ext cx="3827721" cy="369332"/>
-          </a:xfrm>
-          <a:prstGeom prst="rect">
-            <a:avLst/>
-          </a:prstGeom>
-          <a:noFill/>
-        </p:spPr>
-        <p:txBody>
-          <a:bodyPr wrap="square" rtlCol="0">
-            <a:spAutoFit/>
-          </a:bodyPr>
-          <a:lstStyle/>
-          <a:p>
-            <a:r>
-              <a:rPr lang="ca-ES" dirty="0"/>
-              <a:t>Picture </a:t>
-            </a:r>
-            <a:r>
-              <a:rPr lang="ca-ES" dirty="0" err="1"/>
-              <a:t>by</a:t>
-            </a:r>
-            <a:r>
-              <a:rPr lang="ca-ES" dirty="0"/>
-              <a:t> </a:t>
-            </a:r>
-            <a:r>
-              <a:rPr lang="ca-ES" dirty="0" err="1">
-                <a:hlinkClick r:id="rId4"/>
-              </a:rPr>
-              <a:t>Fowler</a:t>
-            </a:r>
-            <a:endParaRPr lang="ca-ES" dirty="0"/>
+              <a:t>Technology Heterogeneity</a:t>
+            </a:r>
           </a:p>
         </p:txBody>
       </p:sp>
     </p:spTree>
     <p:extLst>
       <p:ext uri="{BB962C8B-B14F-4D97-AF65-F5344CB8AC3E}">
-        <p14:creationId xmlns:p14="http://schemas.microsoft.com/office/powerpoint/2010/main" val="432833756"/>
+        <p14:creationId xmlns:p14="http://schemas.microsoft.com/office/powerpoint/2010/main" val="644039356"/>
       </p:ext>
     </p:extLst>
   </p:cSld>
@@ -6987,7 +6931,7 @@
           <p:cNvPr id="2" name="Content Placeholder 1">
             <a:extLst>
               <a:ext uri="{FF2B5EF4-FFF2-40B4-BE49-F238E27FC236}">
-                <a16:creationId xmlns:a16="http://schemas.microsoft.com/office/drawing/2014/main" id="{EB2E3D6F-3F29-4EA5-8D1E-50FBC3BE0FA2}"/>
+                <a16:creationId xmlns:a16="http://schemas.microsoft.com/office/drawing/2014/main" id="{3DD08E3E-B57E-452F-B158-5C56D8DFE035}"/>
               </a:ext>
             </a:extLst>
           </p:cNvPr>
@@ -7004,83 +6948,31 @@
           <a:lstStyle/>
           <a:p>
             <a:r>
-              <a:rPr lang="en-US" b="1" noProof="0" dirty="0"/>
-              <a:t>Ease of deployment: </a:t>
-            </a:r>
-            <a:r>
               <a:rPr lang="en-US" noProof="0" dirty="0"/>
-              <a:t>IF we maintain the services louse coupled and with the ability to be deployed </a:t>
-            </a:r>
-            <a:r>
-              <a:rPr lang="en-US" noProof="0" dirty="0" err="1"/>
-              <a:t>isolately</a:t>
-            </a:r>
+              <a:t>If one component fails, the rest of the System does not collapse.</a:t>
+            </a:r>
+          </a:p>
+          <a:p>
+            <a:endParaRPr lang="en-US" noProof="0" dirty="0"/>
+          </a:p>
+          <a:p>
             <a:r>
               <a:rPr lang="en-US" noProof="0" dirty="0"/>
-              <a:t>. It is </a:t>
-            </a:r>
-            <a:r>
-              <a:rPr lang="en-US" noProof="0" dirty="0" err="1"/>
-              <a:t>easi</a:t>
-            </a:r>
-            <a:r>
-              <a:rPr lang="en-US" dirty="0" err="1"/>
-              <a:t>er</a:t>
-            </a:r>
-            <a:r>
-              <a:rPr lang="en-US" dirty="0"/>
-              <a:t> to deploy more often.</a:t>
-            </a:r>
+              <a:t>Counter example: monolithic application, one part fails, the whole application fails.</a:t>
+            </a:r>
+          </a:p>
+          <a:p>
             <a:endParaRPr lang="en-US" noProof="0" dirty="0"/>
           </a:p>
           <a:p>
+            <a:r>
+              <a:rPr lang="en-US" noProof="0" dirty="0"/>
+              <a:t>MSA favors take resilience strategies, BUT they are not for free and must be taken into account during development.</a:t>
+            </a:r>
+          </a:p>
+          <a:p>
             <a:endParaRPr lang="en-US" noProof="0" dirty="0"/>
           </a:p>
-          <a:p>
-            <a:r>
-              <a:rPr lang="en-US" b="1" dirty="0"/>
-              <a:t>Organizational Alignment : </a:t>
-            </a:r>
-            <a:r>
-              <a:rPr lang="en-US" dirty="0"/>
-              <a:t>large teams sharing code base are problematic. One small team on service.</a:t>
-            </a:r>
-          </a:p>
-          <a:p>
-            <a:endParaRPr lang="en-US" dirty="0"/>
-          </a:p>
-          <a:p>
-            <a:r>
-              <a:rPr lang="en-US" b="1" noProof="0" dirty="0"/>
-              <a:t>Ease of replacement</a:t>
-            </a:r>
-            <a:r>
-              <a:rPr lang="en-US" b="1" dirty="0"/>
-              <a:t>:  </a:t>
-            </a:r>
-            <a:r>
-              <a:rPr lang="en-US" dirty="0" err="1"/>
-              <a:t>Confortable</a:t>
-            </a:r>
-            <a:r>
-              <a:rPr lang="en-US" dirty="0"/>
-              <a:t> </a:t>
-            </a:r>
-            <a:r>
-              <a:rPr lang="en-US" dirty="0" err="1"/>
-              <a:t>rewritting</a:t>
-            </a:r>
-            <a:r>
-              <a:rPr lang="en-US" dirty="0"/>
-              <a:t> services or removing one when it is not needed anymore, in contrast with typical large codebases.</a:t>
-            </a:r>
-          </a:p>
-          <a:p>
-            <a:endParaRPr lang="en-US" noProof="0" dirty="0"/>
-          </a:p>
-          <a:p>
-            <a:endParaRPr lang="en-US" noProof="0" dirty="0"/>
-          </a:p>
         </p:txBody>
       </p:sp>
       <p:sp>
@@ -7088,7 +6980,7 @@
           <p:cNvPr id="3" name="Title 2">
             <a:extLst>
               <a:ext uri="{FF2B5EF4-FFF2-40B4-BE49-F238E27FC236}">
-                <a16:creationId xmlns:a16="http://schemas.microsoft.com/office/drawing/2014/main" id="{3595BDB3-2693-4720-A68B-120BFBBA85B9}"/>
+                <a16:creationId xmlns:a16="http://schemas.microsoft.com/office/drawing/2014/main" id="{C813B04F-8075-4D61-A59B-478BAE6B8AD1}"/>
               </a:ext>
             </a:extLst>
           </p:cNvPr>
@@ -7108,7 +7000,7 @@
           <a:p>
             <a:r>
               <a:rPr lang="en-US" noProof="0" dirty="0"/>
-              <a:t>And more…</a:t>
+              <a:t>Resilience</a:t>
             </a:r>
           </a:p>
         </p:txBody>
@@ -7116,7 +7008,7 @@
     </p:spTree>
     <p:extLst>
       <p:ext uri="{BB962C8B-B14F-4D97-AF65-F5344CB8AC3E}">
-        <p14:creationId xmlns:p14="http://schemas.microsoft.com/office/powerpoint/2010/main" val="1520885005"/>
+        <p14:creationId xmlns:p14="http://schemas.microsoft.com/office/powerpoint/2010/main" val="3166054510"/>
       </p:ext>
     </p:extLst>
   </p:cSld>
@@ -7145,10 +7037,10 @@
       </p:grpSpPr>
       <p:sp>
         <p:nvSpPr>
-          <p:cNvPr id="2" name="Text Placeholder 1">
+          <p:cNvPr id="3" name="Title 2">
             <a:extLst>
               <a:ext uri="{FF2B5EF4-FFF2-40B4-BE49-F238E27FC236}">
-                <a16:creationId xmlns:a16="http://schemas.microsoft.com/office/drawing/2014/main" id="{48C5584F-D316-42A4-B6A0-BC2351667F3F}"/>
+                <a16:creationId xmlns:a16="http://schemas.microsoft.com/office/drawing/2014/main" id="{E53C27A4-C4BF-41B2-8491-EB2CEABFEF4F}"/>
               </a:ext>
             </a:extLst>
           </p:cNvPr>
@@ -7156,25 +7048,117 @@
             <a:spLocks noGrp="1"/>
           </p:cNvSpPr>
           <p:nvPr>
-            <p:ph type="body" sz="quarter" idx="10"/>
+            <p:ph type="title"/>
           </p:nvPr>
         </p:nvSpPr>
         <p:spPr/>
         <p:txBody>
-          <a:bodyPr/>
+          <a:bodyPr>
+            <a:normAutofit fontScale="90000"/>
+          </a:bodyPr>
           <a:lstStyle/>
           <a:p>
             <a:r>
               <a:rPr lang="en-US" noProof="0" dirty="0"/>
-              <a:t>Docker containers</a:t>
-            </a:r>
+              <a:t>Scaling</a:t>
+            </a:r>
+            <a:br>
+              <a:rPr lang="en-US" noProof="0" dirty="0"/>
+            </a:br>
+            <a:endParaRPr lang="en-US" noProof="0" dirty="0"/>
+          </a:p>
+        </p:txBody>
+      </p:sp>
+      <p:pic>
+        <p:nvPicPr>
+          <p:cNvPr id="5" name="Picture 4" descr="A picture containing object, gallery&#10;&#10;Description generated with very high confidence">
+            <a:extLst>
+              <a:ext uri="{FF2B5EF4-FFF2-40B4-BE49-F238E27FC236}">
+                <a16:creationId xmlns:a16="http://schemas.microsoft.com/office/drawing/2014/main" id="{3DA2A58A-DB31-49F3-96B1-D933015D9CAA}"/>
+              </a:ext>
+            </a:extLst>
+          </p:cNvPr>
+          <p:cNvPicPr>
+            <a:picLocks noChangeAspect="1"/>
+          </p:cNvPicPr>
+          <p:nvPr/>
+        </p:nvPicPr>
+        <p:blipFill>
+          <a:blip r:embed="rId3">
+            <a:extLst>
+              <a:ext uri="{28A0092B-C50C-407E-A947-70E740481C1C}">
+                <a14:useLocalDpi xmlns:a14="http://schemas.microsoft.com/office/drawing/2010/main" val="0"/>
+              </a:ext>
+            </a:extLst>
+          </a:blip>
+          <a:stretch>
+            <a:fillRect/>
+          </a:stretch>
+        </p:blipFill>
+        <p:spPr>
+          <a:xfrm>
+            <a:off x="2673965" y="1686888"/>
+            <a:ext cx="6477234" cy="3962543"/>
+          </a:xfrm>
+          <a:prstGeom prst="rect">
+            <a:avLst/>
+          </a:prstGeom>
+        </p:spPr>
+      </p:pic>
+      <p:sp>
+        <p:nvSpPr>
+          <p:cNvPr id="6" name="TextBox 5">
+            <a:extLst>
+              <a:ext uri="{FF2B5EF4-FFF2-40B4-BE49-F238E27FC236}">
+                <a16:creationId xmlns:a16="http://schemas.microsoft.com/office/drawing/2014/main" id="{32112E6B-DC3F-4E90-A7D1-201BD102DC6F}"/>
+              </a:ext>
+            </a:extLst>
+          </p:cNvPr>
+          <p:cNvSpPr txBox="1"/>
+          <p:nvPr/>
+        </p:nvSpPr>
+        <p:spPr>
+          <a:xfrm>
+            <a:off x="4770474" y="5918791"/>
+            <a:ext cx="3827721" cy="369332"/>
+          </a:xfrm>
+          <a:prstGeom prst="rect">
+            <a:avLst/>
+          </a:prstGeom>
+          <a:noFill/>
+        </p:spPr>
+        <p:txBody>
+          <a:bodyPr wrap="square" rtlCol="0">
+            <a:spAutoFit/>
+          </a:bodyPr>
+          <a:lstStyle/>
+          <a:p>
+            <a:r>
+              <a:rPr lang="ca-ES" dirty="0"/>
+              <a:t>Picture </a:t>
+            </a:r>
+            <a:r>
+              <a:rPr lang="ca-ES" dirty="0" err="1"/>
+              <a:t>by</a:t>
+            </a:r>
+            <a:r>
+              <a:rPr lang="ca-ES" dirty="0"/>
+              <a:t> </a:t>
+            </a:r>
+            <a:r>
+              <a:rPr lang="ca-ES" dirty="0" err="1">
+                <a:hlinkClick r:id="rId4"/>
+              </a:rPr>
+              <a:t>Fowler</a:t>
+            </a:r>
+            <a:endParaRPr lang="ca-ES" dirty="0"/>
           </a:p>
         </p:txBody>
       </p:sp>
     </p:spTree>
     <p:extLst>
       <p:ext uri="{BB962C8B-B14F-4D97-AF65-F5344CB8AC3E}">
-        <p14:creationId xmlns:p14="http://schemas.microsoft.com/office/powerpoint/2010/main" val="3260730342"/>
+        <p14:creationId xmlns:p14="http://schemas.microsoft.com/office/powerpoint/2010/main" val="432833756"/>
       </p:ext>
     </p:extLst>
   </p:cSld>
@@ -7201,48 +7185,12 @@
           <a:chExt cx="0" cy="0"/>
         </a:xfrm>
       </p:grpSpPr>
-      <p:pic>
-        <p:nvPicPr>
-          <p:cNvPr id="5" name="Picture 4">
+      <p:sp>
+        <p:nvSpPr>
+          <p:cNvPr id="2" name="Content Placeholder 1">
             <a:extLst>
               <a:ext uri="{FF2B5EF4-FFF2-40B4-BE49-F238E27FC236}">
-                <a16:creationId xmlns:a16="http://schemas.microsoft.com/office/drawing/2014/main" id="{56A14D62-2AEB-4FCD-8325-CC563A95A5D9}"/>
-              </a:ext>
-            </a:extLst>
-          </p:cNvPr>
-          <p:cNvPicPr>
-            <a:picLocks noChangeAspect="1"/>
-          </p:cNvPicPr>
-          <p:nvPr/>
-        </p:nvPicPr>
-        <p:blipFill>
-          <a:blip r:embed="rId2">
-            <a:extLst>
-              <a:ext uri="{28A0092B-C50C-407E-A947-70E740481C1C}">
-                <a14:useLocalDpi xmlns:a14="http://schemas.microsoft.com/office/drawing/2010/main" val="0"/>
-              </a:ext>
-            </a:extLst>
-          </a:blip>
-          <a:stretch>
-            <a:fillRect/>
-          </a:stretch>
-        </p:blipFill>
-        <p:spPr>
-          <a:xfrm>
-            <a:off x="6798036" y="508072"/>
-            <a:ext cx="2579594" cy="2301439"/>
-          </a:xfrm>
-          <a:prstGeom prst="rect">
-            <a:avLst/>
-          </a:prstGeom>
-        </p:spPr>
-      </p:pic>
-      <p:sp>
-        <p:nvSpPr>
-          <p:cNvPr id="2" name="Content Placeholder 1">
-            <a:extLst>
-              <a:ext uri="{FF2B5EF4-FFF2-40B4-BE49-F238E27FC236}">
-                <a16:creationId xmlns:a16="http://schemas.microsoft.com/office/drawing/2014/main" id="{8D10AC17-A007-4052-A057-844B6E9530D1}"/>
+                <a16:creationId xmlns:a16="http://schemas.microsoft.com/office/drawing/2014/main" id="{EB2E3D6F-3F29-4EA5-8D1E-50FBC3BE0FA2}"/>
               </a:ext>
             </a:extLst>
           </p:cNvPr>
@@ -7259,27 +7207,70 @@
           <a:lstStyle/>
           <a:p>
             <a:r>
+              <a:rPr lang="en-US" b="1" noProof="0" dirty="0"/>
+              <a:t>Ease of deployment: </a:t>
+            </a:r>
+            <a:r>
               <a:rPr lang="en-US" noProof="0" dirty="0"/>
-              <a:t>A container image is a lightweight, stand-alone, executable package of a piece of software that includes everything needed to run it: code, runtime, system tools, system libraries, settings.</a:t>
-            </a:r>
+              <a:t>IF we maintain the services louse coupled and with the ability to be deployed isolate. It is more easy</a:t>
+            </a:r>
+            <a:r>
+              <a:rPr lang="en-US" dirty="0"/>
+              <a:t> to </a:t>
+            </a:r>
+            <a:r>
+              <a:rPr lang="en-US" u="sng" dirty="0"/>
+              <a:t>deploy more often and in the hardware that best matches the requirements.</a:t>
+            </a:r>
+            <a:endParaRPr lang="en-US" u="sng" noProof="0" dirty="0"/>
           </a:p>
           <a:p>
             <a:endParaRPr lang="en-US" noProof="0" dirty="0"/>
           </a:p>
           <a:p>
             <a:r>
-              <a:rPr lang="en-US" noProof="0" dirty="0"/>
-              <a:t>An application or process which runs in a container is packaged with all the required dependencies and configuration files; It’s given the illusion that there are no other processes running outside of its container.</a:t>
+              <a:rPr lang="en-US" b="1" dirty="0"/>
+              <a:t>Organizational Alignment : </a:t>
+            </a:r>
+            <a:r>
+              <a:rPr lang="en-US" dirty="0"/>
+              <a:t>large teams sharing code base are problematic. </a:t>
+            </a:r>
+            <a:r>
+              <a:rPr lang="en-US" u="sng" dirty="0"/>
+              <a:t>One small team on service</a:t>
+            </a:r>
+            <a:r>
+              <a:rPr lang="en-US" dirty="0"/>
+              <a:t>.</a:t>
+            </a:r>
+          </a:p>
+          <a:p>
+            <a:endParaRPr lang="en-US" dirty="0"/>
+          </a:p>
+          <a:p>
+            <a:r>
+              <a:rPr lang="en-US" b="1" noProof="0" dirty="0"/>
+              <a:t>Ease of replacement</a:t>
+            </a:r>
+            <a:r>
+              <a:rPr lang="en-US" b="1" dirty="0"/>
+              <a:t>:  </a:t>
+            </a:r>
+            <a:r>
+              <a:rPr lang="en-US" u="sng" dirty="0"/>
+              <a:t>Comfortable rewriting services </a:t>
+            </a:r>
+            <a:r>
+              <a:rPr lang="en-US" dirty="0"/>
+              <a:t>or removing one when it is not needed anymore, in contrast with typical large codebases.</a:t>
             </a:r>
           </a:p>
           <a:p>
             <a:endParaRPr lang="en-US" noProof="0" dirty="0"/>
           </a:p>
           <a:p>
-            <a:r>
-              <a:rPr lang="en-US" noProof="0" dirty="0"/>
-              <a:t>Docker is a company that provides technology for the whole containers environment (creation, storage, deployment…)</a:t>
-            </a:r>
+            <a:endParaRPr lang="en-US" noProof="0" dirty="0"/>
           </a:p>
         </p:txBody>
       </p:sp>
@@ -7288,7 +7279,7 @@
           <p:cNvPr id="3" name="Title 2">
             <a:extLst>
               <a:ext uri="{FF2B5EF4-FFF2-40B4-BE49-F238E27FC236}">
-                <a16:creationId xmlns:a16="http://schemas.microsoft.com/office/drawing/2014/main" id="{BED93E0B-01C5-454B-9027-B4BD4BAAE0AF}"/>
+                <a16:creationId xmlns:a16="http://schemas.microsoft.com/office/drawing/2014/main" id="{3595BDB3-2693-4720-A68B-120BFBBA85B9}"/>
               </a:ext>
             </a:extLst>
           </p:cNvPr>
@@ -7301,12 +7292,14 @@
         </p:nvSpPr>
         <p:spPr/>
         <p:txBody>
-          <a:bodyPr/>
+          <a:bodyPr>
+            <a:normAutofit/>
+          </a:bodyPr>
           <a:lstStyle/>
           <a:p>
             <a:r>
               <a:rPr lang="en-US" noProof="0" dirty="0"/>
-              <a:t>Introduction</a:t>
+              <a:t>And more…</a:t>
             </a:r>
           </a:p>
         </p:txBody>
@@ -7314,7 +7307,7 @@
     </p:spTree>
     <p:extLst>
       <p:ext uri="{BB962C8B-B14F-4D97-AF65-F5344CB8AC3E}">
-        <p14:creationId xmlns:p14="http://schemas.microsoft.com/office/powerpoint/2010/main" val="952206539"/>
+        <p14:creationId xmlns:p14="http://schemas.microsoft.com/office/powerpoint/2010/main" val="1520885005"/>
       </p:ext>
     </p:extLst>
   </p:cSld>
@@ -7343,10 +7336,10 @@
       </p:grpSpPr>
       <p:sp>
         <p:nvSpPr>
-          <p:cNvPr id="2" name="Content Placeholder 1">
+          <p:cNvPr id="2" name="Text Placeholder 1">
             <a:extLst>
               <a:ext uri="{FF2B5EF4-FFF2-40B4-BE49-F238E27FC236}">
-                <a16:creationId xmlns:a16="http://schemas.microsoft.com/office/drawing/2014/main" id="{01EC30AE-81B1-4BB3-98C7-4FAE7B41C186}"/>
+                <a16:creationId xmlns:a16="http://schemas.microsoft.com/office/drawing/2014/main" id="{48C5584F-D316-42A4-B6A0-BC2351667F3F}"/>
               </a:ext>
             </a:extLst>
           </p:cNvPr>
@@ -7354,152 +7347,25 @@
             <a:spLocks noGrp="1"/>
           </p:cNvSpPr>
           <p:nvPr>
-            <p:ph idx="1"/>
+            <p:ph type="body" sz="quarter" idx="10"/>
           </p:nvPr>
         </p:nvSpPr>
-        <p:spPr>
-          <a:xfrm>
-            <a:off x="1720480" y="2163111"/>
-            <a:ext cx="9522823" cy="3030903"/>
-          </a:xfrm>
-        </p:spPr>
+        <p:spPr/>
         <p:txBody>
           <a:bodyPr/>
           <a:lstStyle/>
           <a:p>
             <a:r>
               <a:rPr lang="en-US" noProof="0" dirty="0"/>
-              <a:t>Containers and virtual machines have similar resource isolation and allocation benefits, but function differently. Because containers virtualize the operating system instead of hardware, containers are more portable and efficient.</a:t>
-            </a:r>
-          </a:p>
-        </p:txBody>
-      </p:sp>
-      <p:sp>
-        <p:nvSpPr>
-          <p:cNvPr id="3" name="Title 2">
-            <a:extLst>
-              <a:ext uri="{FF2B5EF4-FFF2-40B4-BE49-F238E27FC236}">
-                <a16:creationId xmlns:a16="http://schemas.microsoft.com/office/drawing/2014/main" id="{93960851-D4E1-4649-9B18-734BD0F1A7A5}"/>
-              </a:ext>
-            </a:extLst>
-          </p:cNvPr>
-          <p:cNvSpPr>
-            <a:spLocks noGrp="1"/>
-          </p:cNvSpPr>
-          <p:nvPr>
-            <p:ph type="title"/>
-          </p:nvPr>
-        </p:nvSpPr>
-        <p:spPr/>
-        <p:txBody>
-          <a:bodyPr/>
-          <a:lstStyle/>
-          <a:p>
-            <a:r>
-              <a:rPr lang="en-US" noProof="0" dirty="0"/>
-              <a:t>Container vs Virtual machine</a:t>
-            </a:r>
-          </a:p>
-        </p:txBody>
-      </p:sp>
-      <p:pic>
-        <p:nvPicPr>
-          <p:cNvPr id="1026" name="Picture 2" descr="Containers">
-            <a:extLst>
-              <a:ext uri="{FF2B5EF4-FFF2-40B4-BE49-F238E27FC236}">
-                <a16:creationId xmlns:a16="http://schemas.microsoft.com/office/drawing/2014/main" id="{1BAC5403-7428-405E-9116-817AEFF707B8}"/>
-              </a:ext>
-            </a:extLst>
-          </p:cNvPr>
-          <p:cNvPicPr>
-            <a:picLocks noChangeAspect="1" noChangeArrowheads="1"/>
-          </p:cNvPicPr>
-          <p:nvPr/>
-        </p:nvPicPr>
-        <p:blipFill>
-          <a:blip r:embed="rId2">
-            <a:extLst>
-              <a:ext uri="{28A0092B-C50C-407E-A947-70E740481C1C}">
-                <a14:useLocalDpi xmlns:a14="http://schemas.microsoft.com/office/drawing/2010/main" val="0"/>
-              </a:ext>
-            </a:extLst>
-          </a:blip>
-          <a:srcRect/>
-          <a:stretch>
-            <a:fillRect/>
-          </a:stretch>
-        </p:blipFill>
-        <p:spPr bwMode="auto">
-          <a:xfrm>
-            <a:off x="2265229" y="3203643"/>
-            <a:ext cx="3059043" cy="2742853"/>
-          </a:xfrm>
-          <a:prstGeom prst="rect">
-            <a:avLst/>
-          </a:prstGeom>
-          <a:noFill/>
-          <a:extLst>
-            <a:ext uri="{909E8E84-426E-40DD-AFC4-6F175D3DCCD1}">
-              <a14:hiddenFill xmlns:a14="http://schemas.microsoft.com/office/drawing/2010/main">
-                <a:solidFill>
-                  <a:srgbClr val="FFFFFF"/>
-                </a:solidFill>
-              </a14:hiddenFill>
-            </a:ext>
-          </a:extLst>
-        </p:spPr>
-      </p:pic>
-      <p:pic>
-        <p:nvPicPr>
-          <p:cNvPr id="1028" name="Picture 4" descr="virtual machines">
-            <a:extLst>
-              <a:ext uri="{FF2B5EF4-FFF2-40B4-BE49-F238E27FC236}">
-                <a16:creationId xmlns:a16="http://schemas.microsoft.com/office/drawing/2014/main" id="{184EF460-F1E8-4CCC-8828-2D2845EB4BCC}"/>
-              </a:ext>
-            </a:extLst>
-          </p:cNvPr>
-          <p:cNvPicPr>
-            <a:picLocks noChangeAspect="1" noChangeArrowheads="1"/>
-          </p:cNvPicPr>
-          <p:nvPr/>
-        </p:nvPicPr>
-        <p:blipFill>
-          <a:blip r:embed="rId3">
-            <a:extLst>
-              <a:ext uri="{28A0092B-C50C-407E-A947-70E740481C1C}">
-                <a14:useLocalDpi xmlns:a14="http://schemas.microsoft.com/office/drawing/2010/main" val="0"/>
-              </a:ext>
-            </a:extLst>
-          </a:blip>
-          <a:srcRect/>
-          <a:stretch>
-            <a:fillRect/>
-          </a:stretch>
-        </p:blipFill>
-        <p:spPr bwMode="auto">
-          <a:xfrm>
-            <a:off x="6386843" y="3268038"/>
-            <a:ext cx="3003590" cy="2699294"/>
-          </a:xfrm>
-          <a:prstGeom prst="rect">
-            <a:avLst/>
-          </a:prstGeom>
-          <a:noFill/>
-          <a:extLst>
-            <a:ext uri="{909E8E84-426E-40DD-AFC4-6F175D3DCCD1}">
-              <a14:hiddenFill xmlns:a14="http://schemas.microsoft.com/office/drawing/2010/main">
-                <a:solidFill>
-                  <a:srgbClr val="FFFFFF"/>
-                </a:solidFill>
-              </a14:hiddenFill>
-            </a:ext>
-          </a:extLst>
-        </p:spPr>
-      </p:pic>
+              <a:t>Docker containers</a:t>
+            </a:r>
+          </a:p>
+        </p:txBody>
+      </p:sp>
     </p:spTree>
     <p:extLst>
       <p:ext uri="{BB962C8B-B14F-4D97-AF65-F5344CB8AC3E}">
-        <p14:creationId xmlns:p14="http://schemas.microsoft.com/office/powerpoint/2010/main" val="900962903"/>
+        <p14:creationId xmlns:p14="http://schemas.microsoft.com/office/powerpoint/2010/main" val="3260730342"/>
       </p:ext>
     </p:extLst>
   </p:cSld>
@@ -7526,12 +7392,48 @@
           <a:chExt cx="0" cy="0"/>
         </a:xfrm>
       </p:grpSpPr>
-      <p:sp>
-        <p:nvSpPr>
-          <p:cNvPr id="2" name="Marcador de contenido 1">
+      <p:pic>
+        <p:nvPicPr>
+          <p:cNvPr id="5" name="Picture 4">
             <a:extLst>
               <a:ext uri="{FF2B5EF4-FFF2-40B4-BE49-F238E27FC236}">
-                <a16:creationId xmlns:a16="http://schemas.microsoft.com/office/drawing/2014/main" id="{38D63069-8753-4DE3-AE0C-9DEAC0EF7485}"/>
+                <a16:creationId xmlns:a16="http://schemas.microsoft.com/office/drawing/2014/main" id="{56A14D62-2AEB-4FCD-8325-CC563A95A5D9}"/>
+              </a:ext>
+            </a:extLst>
+          </p:cNvPr>
+          <p:cNvPicPr>
+            <a:picLocks noChangeAspect="1"/>
+          </p:cNvPicPr>
+          <p:nvPr/>
+        </p:nvPicPr>
+        <p:blipFill>
+          <a:blip r:embed="rId2">
+            <a:extLst>
+              <a:ext uri="{28A0092B-C50C-407E-A947-70E740481C1C}">
+                <a14:useLocalDpi xmlns:a14="http://schemas.microsoft.com/office/drawing/2010/main" val="0"/>
+              </a:ext>
+            </a:extLst>
+          </a:blip>
+          <a:stretch>
+            <a:fillRect/>
+          </a:stretch>
+        </p:blipFill>
+        <p:spPr>
+          <a:xfrm>
+            <a:off x="6798036" y="508072"/>
+            <a:ext cx="2579594" cy="2301439"/>
+          </a:xfrm>
+          <a:prstGeom prst="rect">
+            <a:avLst/>
+          </a:prstGeom>
+        </p:spPr>
+      </p:pic>
+      <p:sp>
+        <p:nvSpPr>
+          <p:cNvPr id="2" name="Content Placeholder 1">
+            <a:extLst>
+              <a:ext uri="{FF2B5EF4-FFF2-40B4-BE49-F238E27FC236}">
+                <a16:creationId xmlns:a16="http://schemas.microsoft.com/office/drawing/2014/main" id="{8D10AC17-A007-4052-A057-844B6E9530D1}"/>
               </a:ext>
             </a:extLst>
           </p:cNvPr>
@@ -7548,87 +7450,36 @@
           <a:lstStyle/>
           <a:p>
             <a:r>
-              <a:rPr lang="en-US" dirty="0"/>
-              <a:t>Pros:</a:t>
-            </a:r>
-          </a:p>
-          <a:p>
-            <a:pPr marL="285750" indent="-285750">
-              <a:buFont typeface="Arial" panose="020B0604020202020204" pitchFamily="34" charset="0"/>
-              <a:buChar char="•"/>
-            </a:pPr>
-            <a:r>
-              <a:rPr lang="en-US" dirty="0"/>
-              <a:t>Less resources required</a:t>
-            </a:r>
-          </a:p>
-          <a:p>
-            <a:pPr marL="285750" indent="-285750">
-              <a:buFont typeface="Arial" panose="020B0604020202020204" pitchFamily="34" charset="0"/>
-              <a:buChar char="•"/>
-            </a:pPr>
-            <a:r>
-              <a:rPr lang="en-US" dirty="0"/>
-              <a:t>Much faster to initialize</a:t>
-            </a:r>
-          </a:p>
-          <a:p>
-            <a:pPr marL="285750" indent="-285750">
-              <a:buFont typeface="Arial" panose="020B0604020202020204" pitchFamily="34" charset="0"/>
-              <a:buChar char="•"/>
-            </a:pPr>
-            <a:r>
-              <a:rPr lang="en-US" dirty="0"/>
-              <a:t>You can put more containers than VM in the same host machine</a:t>
-            </a:r>
-          </a:p>
-          <a:p>
-            <a:pPr marL="285750" indent="-285750">
-              <a:buFont typeface="Arial" panose="020B0604020202020204" pitchFamily="34" charset="0"/>
-              <a:buChar char="•"/>
-            </a:pPr>
-            <a:r>
-              <a:rPr lang="en-US" dirty="0"/>
-              <a:t>Layer composition makes it easier to create new images</a:t>
-            </a:r>
-          </a:p>
-          <a:p>
-            <a:endParaRPr lang="en-US" dirty="0"/>
-          </a:p>
-          <a:p>
-            <a:r>
-              <a:rPr lang="en-US" dirty="0"/>
-              <a:t>Cons:</a:t>
-            </a:r>
-          </a:p>
-          <a:p>
-            <a:pPr marL="285750" indent="-285750">
-              <a:buFont typeface="Arial" panose="020B0604020202020204" pitchFamily="34" charset="0"/>
-              <a:buChar char="•"/>
-            </a:pPr>
-            <a:r>
-              <a:rPr lang="en-US" dirty="0"/>
-              <a:t>Less isolation tan for VM</a:t>
-            </a:r>
-          </a:p>
-          <a:p>
-            <a:pPr marL="285750" indent="-285750">
-              <a:buFont typeface="Arial" panose="020B0604020202020204" pitchFamily="34" charset="0"/>
-              <a:buChar char="•"/>
-            </a:pPr>
-            <a:r>
-              <a:rPr lang="en-US" dirty="0"/>
-              <a:t>You cannot use another OS</a:t>
-            </a:r>
-          </a:p>
-        </p:txBody>
-      </p:sp>
-      <p:sp>
-        <p:nvSpPr>
-          <p:cNvPr id="3" name="Título 2">
+              <a:rPr lang="en-US" noProof="0" dirty="0"/>
+              <a:t>A container image is a lightweight, stand-alone, executable package of a piece of software that includes everything needed to run it: code, runtime, system tools, system libraries, settings.</a:t>
+            </a:r>
+          </a:p>
+          <a:p>
+            <a:endParaRPr lang="en-US" noProof="0" dirty="0"/>
+          </a:p>
+          <a:p>
+            <a:r>
+              <a:rPr lang="en-US" noProof="0" dirty="0"/>
+              <a:t>An application or process which runs in a container is packaged with all the required dependencies and configuration files; It’s given the illusion that there are no other processes running outside of its container.</a:t>
+            </a:r>
+          </a:p>
+          <a:p>
+            <a:endParaRPr lang="en-US" noProof="0" dirty="0"/>
+          </a:p>
+          <a:p>
+            <a:r>
+              <a:rPr lang="en-US" noProof="0" dirty="0"/>
+              <a:t>Docker is a company that provides technology for the whole containers environment (creation, storage, deployment…)</a:t>
+            </a:r>
+          </a:p>
+        </p:txBody>
+      </p:sp>
+      <p:sp>
+        <p:nvSpPr>
+          <p:cNvPr id="3" name="Title 2">
             <a:extLst>
               <a:ext uri="{FF2B5EF4-FFF2-40B4-BE49-F238E27FC236}">
-                <a16:creationId xmlns:a16="http://schemas.microsoft.com/office/drawing/2014/main" id="{47C1E7BA-D2B2-4845-AA7C-751A81CF9D35}"/>
+                <a16:creationId xmlns:a16="http://schemas.microsoft.com/office/drawing/2014/main" id="{BED93E0B-01C5-454B-9027-B4BD4BAAE0AF}"/>
               </a:ext>
             </a:extLst>
           </p:cNvPr>
@@ -7645,8 +7496,8 @@
           <a:lstStyle/>
           <a:p>
             <a:r>
-              <a:rPr lang="en-US" dirty="0"/>
-              <a:t>Container vs virtual machine</a:t>
+              <a:rPr lang="en-US" noProof="0" dirty="0"/>
+              <a:t>Introduction</a:t>
             </a:r>
           </a:p>
         </p:txBody>
@@ -7654,7 +7505,7 @@
     </p:spTree>
     <p:extLst>
       <p:ext uri="{BB962C8B-B14F-4D97-AF65-F5344CB8AC3E}">
-        <p14:creationId xmlns:p14="http://schemas.microsoft.com/office/powerpoint/2010/main" val="1119063968"/>
+        <p14:creationId xmlns:p14="http://schemas.microsoft.com/office/powerpoint/2010/main" val="952206539"/>
       </p:ext>
     </p:extLst>
   </p:cSld>
@@ -7749,7 +7600,7 @@
           <p:cNvPr id="2" name="Content Placeholder 1">
             <a:extLst>
               <a:ext uri="{FF2B5EF4-FFF2-40B4-BE49-F238E27FC236}">
-                <a16:creationId xmlns:a16="http://schemas.microsoft.com/office/drawing/2014/main" id="{6EB96FBA-52A4-40CA-A15A-F72E74991854}"/>
+                <a16:creationId xmlns:a16="http://schemas.microsoft.com/office/drawing/2014/main" id="{01EC30AE-81B1-4BB3-98C7-4FAE7B41C186}"/>
               </a:ext>
             </a:extLst>
           </p:cNvPr>
@@ -7762,73 +7613,18 @@
         </p:nvSpPr>
         <p:spPr>
           <a:xfrm>
-            <a:off x="1037617" y="2645924"/>
-            <a:ext cx="5972783" cy="3066900"/>
+            <a:off x="1720480" y="2163111"/>
+            <a:ext cx="9522823" cy="3030903"/>
           </a:xfrm>
         </p:spPr>
         <p:txBody>
           <a:bodyPr/>
           <a:lstStyle/>
           <a:p>
-            <a:pPr marL="285750" indent="-285750">
-              <a:buFont typeface="Arial" panose="020B0604020202020204" pitchFamily="34" charset="0"/>
-              <a:buChar char="•"/>
-            </a:pPr>
             <a:r>
               <a:rPr lang="en-US" noProof="0" dirty="0"/>
-              <a:t>Docker images are the basis of containers. </a:t>
-            </a:r>
-          </a:p>
-          <a:p>
-            <a:pPr marL="285750" indent="-285750">
-              <a:buFont typeface="Arial" panose="020B0604020202020204" pitchFamily="34" charset="0"/>
-              <a:buChar char="•"/>
-            </a:pPr>
-            <a:r>
-              <a:rPr lang="en-US" noProof="0" dirty="0"/>
-              <a:t>An Image is an ordered collection of root filesystem changes and the corresponding execution parameters for use within a container runtime. </a:t>
-            </a:r>
-          </a:p>
-          <a:p>
-            <a:pPr marL="285750" indent="-285750">
-              <a:buFont typeface="Arial" panose="020B0604020202020204" pitchFamily="34" charset="0"/>
-              <a:buChar char="•"/>
-            </a:pPr>
-            <a:r>
-              <a:rPr lang="en-US" noProof="0" dirty="0"/>
-              <a:t>An image typically contains a union of layered filesystems stacked on top of each other. Common </a:t>
-            </a:r>
-            <a:r>
-              <a:rPr lang="en-US" dirty="0"/>
-              <a:t>parent images are shared, not duplicated.</a:t>
-            </a:r>
-            <a:endParaRPr lang="en-US" noProof="0" dirty="0"/>
-          </a:p>
-          <a:p>
-            <a:pPr marL="285750" indent="-285750">
-              <a:buFont typeface="Arial" panose="020B0604020202020204" pitchFamily="34" charset="0"/>
-              <a:buChar char="•"/>
-            </a:pPr>
-            <a:r>
-              <a:rPr lang="en-US" noProof="0" dirty="0"/>
-              <a:t>An image does not have state and it never changes.</a:t>
-            </a:r>
-          </a:p>
-          <a:p>
-            <a:pPr marL="285750" indent="-285750">
-              <a:buFont typeface="Arial" panose="020B0604020202020204" pitchFamily="34" charset="0"/>
-              <a:buChar char="•"/>
-            </a:pPr>
-            <a:r>
-              <a:rPr lang="en-US" noProof="0" dirty="0"/>
-              <a:t>Find and store images at image repositories (Docker Hub, Azure Container Registry…)</a:t>
-            </a:r>
-          </a:p>
-          <a:p>
-            <a:endParaRPr lang="en-US" noProof="0" dirty="0"/>
-          </a:p>
-          <a:p>
-            <a:endParaRPr lang="en-US" noProof="0" dirty="0"/>
+              <a:t>Containers and virtual machines have similar resource isolation and allocation benefits, but function differently. Because containers virtualize the operating system instead of hardware, containers are more portable and efficient.</a:t>
+            </a:r>
           </a:p>
         </p:txBody>
       </p:sp>
@@ -7837,7 +7633,7 @@
           <p:cNvPr id="3" name="Title 2">
             <a:extLst>
               <a:ext uri="{FF2B5EF4-FFF2-40B4-BE49-F238E27FC236}">
-                <a16:creationId xmlns:a16="http://schemas.microsoft.com/office/drawing/2014/main" id="{EE3A7B0B-35B5-469D-B363-F854B208C2E0}"/>
+                <a16:creationId xmlns:a16="http://schemas.microsoft.com/office/drawing/2014/main" id="{93960851-D4E1-4649-9B18-734BD0F1A7A5}"/>
               </a:ext>
             </a:extLst>
           </p:cNvPr>
@@ -7855,45 +7651,22 @@
           <a:p>
             <a:r>
               <a:rPr lang="en-US" noProof="0" dirty="0"/>
-              <a:t>Images</a:t>
-            </a:r>
-          </a:p>
-        </p:txBody>
-      </p:sp>
-      <p:sp>
-        <p:nvSpPr>
-          <p:cNvPr id="6" name="Picture Placeholder 5">
-            <a:extLst>
-              <a:ext uri="{FF2B5EF4-FFF2-40B4-BE49-F238E27FC236}">
-                <a16:creationId xmlns:a16="http://schemas.microsoft.com/office/drawing/2014/main" id="{2FC55173-906C-44C9-89D5-A3F60C2E6991}"/>
-              </a:ext>
-            </a:extLst>
-          </p:cNvPr>
-          <p:cNvSpPr>
-            <a:spLocks noGrp="1"/>
-          </p:cNvSpPr>
-          <p:nvPr>
-            <p:ph type="pic" sz="quarter" idx="10"/>
-          </p:nvPr>
-        </p:nvSpPr>
-        <p:spPr>
-          <a:xfrm>
-            <a:off x="7620000" y="0"/>
-            <a:ext cx="4572000" cy="6858000"/>
-          </a:xfrm>
-        </p:spPr>
+              <a:t>Container vs Virtual machine</a:t>
+            </a:r>
+          </a:p>
+        </p:txBody>
       </p:sp>
       <p:pic>
         <p:nvPicPr>
-          <p:cNvPr id="5" name="Picture 4" descr="A close up of a logo&#10;&#10;Description generated with very high confidence">
+          <p:cNvPr id="1026" name="Picture 2" descr="Containers">
             <a:extLst>
               <a:ext uri="{FF2B5EF4-FFF2-40B4-BE49-F238E27FC236}">
-                <a16:creationId xmlns:a16="http://schemas.microsoft.com/office/drawing/2014/main" id="{173A5979-E0A1-46A5-8295-5F7FB8CBBD3A}"/>
+                <a16:creationId xmlns:a16="http://schemas.microsoft.com/office/drawing/2014/main" id="{1BAC5403-7428-405E-9116-817AEFF707B8}"/>
               </a:ext>
             </a:extLst>
           </p:cNvPr>
           <p:cNvPicPr>
-            <a:picLocks noChangeAspect="1"/>
+            <a:picLocks noChangeAspect="1" noChangeArrowheads="1"/>
           </p:cNvPicPr>
           <p:nvPr/>
         </p:nvPicPr>
@@ -7905,24 +7678,82 @@
               </a:ext>
             </a:extLst>
           </a:blip>
+          <a:srcRect/>
           <a:stretch>
             <a:fillRect/>
           </a:stretch>
         </p:blipFill>
-        <p:spPr>
-          <a:xfrm>
-            <a:off x="7620000" y="1907177"/>
-            <a:ext cx="4322324" cy="3241743"/>
+        <p:spPr bwMode="auto">
+          <a:xfrm>
+            <a:off x="2265229" y="3203643"/>
+            <a:ext cx="3059043" cy="2742853"/>
           </a:xfrm>
           <a:prstGeom prst="rect">
             <a:avLst/>
           </a:prstGeom>
+          <a:noFill/>
+          <a:extLst>
+            <a:ext uri="{909E8E84-426E-40DD-AFC4-6F175D3DCCD1}">
+              <a14:hiddenFill xmlns:a14="http://schemas.microsoft.com/office/drawing/2010/main">
+                <a:solidFill>
+                  <a:srgbClr val="FFFFFF"/>
+                </a:solidFill>
+              </a14:hiddenFill>
+            </a:ext>
+          </a:extLst>
+        </p:spPr>
+      </p:pic>
+      <p:pic>
+        <p:nvPicPr>
+          <p:cNvPr id="1028" name="Picture 4" descr="virtual machines">
+            <a:extLst>
+              <a:ext uri="{FF2B5EF4-FFF2-40B4-BE49-F238E27FC236}">
+                <a16:creationId xmlns:a16="http://schemas.microsoft.com/office/drawing/2014/main" id="{184EF460-F1E8-4CCC-8828-2D2845EB4BCC}"/>
+              </a:ext>
+            </a:extLst>
+          </p:cNvPr>
+          <p:cNvPicPr>
+            <a:picLocks noChangeAspect="1" noChangeArrowheads="1"/>
+          </p:cNvPicPr>
+          <p:nvPr/>
+        </p:nvPicPr>
+        <p:blipFill>
+          <a:blip r:embed="rId3">
+            <a:extLst>
+              <a:ext uri="{28A0092B-C50C-407E-A947-70E740481C1C}">
+                <a14:useLocalDpi xmlns:a14="http://schemas.microsoft.com/office/drawing/2010/main" val="0"/>
+              </a:ext>
+            </a:extLst>
+          </a:blip>
+          <a:srcRect/>
+          <a:stretch>
+            <a:fillRect/>
+          </a:stretch>
+        </p:blipFill>
+        <p:spPr bwMode="auto">
+          <a:xfrm>
+            <a:off x="6386843" y="3268038"/>
+            <a:ext cx="3003590" cy="2699294"/>
+          </a:xfrm>
+          <a:prstGeom prst="rect">
+            <a:avLst/>
+          </a:prstGeom>
+          <a:noFill/>
+          <a:extLst>
+            <a:ext uri="{909E8E84-426E-40DD-AFC4-6F175D3DCCD1}">
+              <a14:hiddenFill xmlns:a14="http://schemas.microsoft.com/office/drawing/2010/main">
+                <a:solidFill>
+                  <a:srgbClr val="FFFFFF"/>
+                </a:solidFill>
+              </a14:hiddenFill>
+            </a:ext>
+          </a:extLst>
         </p:spPr>
       </p:pic>
     </p:spTree>
     <p:extLst>
       <p:ext uri="{BB962C8B-B14F-4D97-AF65-F5344CB8AC3E}">
-        <p14:creationId xmlns:p14="http://schemas.microsoft.com/office/powerpoint/2010/main" val="1301528849"/>
+        <p14:creationId xmlns:p14="http://schemas.microsoft.com/office/powerpoint/2010/main" val="900962903"/>
       </p:ext>
     </p:extLst>
   </p:cSld>
@@ -7951,10 +7782,10 @@
       </p:grpSpPr>
       <p:sp>
         <p:nvSpPr>
-          <p:cNvPr id="2" name="Content Placeholder 1">
+          <p:cNvPr id="2" name="Marcador de contenido 1">
             <a:extLst>
               <a:ext uri="{FF2B5EF4-FFF2-40B4-BE49-F238E27FC236}">
-                <a16:creationId xmlns:a16="http://schemas.microsoft.com/office/drawing/2014/main" id="{D3B4F882-F018-4200-8E7D-B00FF2516E43}"/>
+                <a16:creationId xmlns:a16="http://schemas.microsoft.com/office/drawing/2014/main" id="{38D63069-8753-4DE3-AE0C-9DEAC0EF7485}"/>
               </a:ext>
             </a:extLst>
           </p:cNvPr>
@@ -7967,80 +7798,91 @@
         </p:nvSpPr>
         <p:spPr/>
         <p:txBody>
-          <a:bodyPr>
-            <a:normAutofit/>
-          </a:bodyPr>
+          <a:bodyPr/>
           <a:lstStyle/>
+          <a:p>
+            <a:r>
+              <a:rPr lang="en-US" dirty="0"/>
+              <a:t>Pros:</a:t>
+            </a:r>
+          </a:p>
           <a:p>
             <a:pPr marL="285750" indent="-285750">
               <a:buFont typeface="Arial" panose="020B0604020202020204" pitchFamily="34" charset="0"/>
               <a:buChar char="•"/>
             </a:pPr>
             <a:r>
-              <a:rPr lang="en-US" noProof="0" dirty="0"/>
-              <a:t>Take a base image to build over it. Two options to build the new image:</a:t>
-            </a:r>
-          </a:p>
-          <a:p>
-            <a:pPr marL="1276325" lvl="1" indent="-285750">
+              <a:rPr lang="en-US" dirty="0"/>
+              <a:t>Less resources required</a:t>
+            </a:r>
+          </a:p>
+          <a:p>
+            <a:pPr marL="285750" indent="-285750">
               <a:buFont typeface="Arial" panose="020B0604020202020204" pitchFamily="34" charset="0"/>
               <a:buChar char="•"/>
             </a:pPr>
             <a:r>
-              <a:rPr lang="en-US" sz="1600" noProof="0" dirty="0"/>
-              <a:t>Via the docker commit command, </a:t>
-            </a:r>
-            <a:r>
-              <a:rPr lang="en-US" sz="1600" noProof="0" dirty="0">
-                <a:sym typeface="Wingdings" panose="05000000000000000000" pitchFamily="2" charset="2"/>
-              </a:rPr>
-              <a:t>not recommended.</a:t>
-            </a:r>
-            <a:endParaRPr lang="en-US" sz="1600" noProof="0" dirty="0"/>
-          </a:p>
-          <a:p>
-            <a:pPr marL="1276325" lvl="1" indent="-285750">
+              <a:rPr lang="en-US" dirty="0"/>
+              <a:t>Much faster to initialize</a:t>
+            </a:r>
+          </a:p>
+          <a:p>
+            <a:pPr marL="285750" indent="-285750">
               <a:buFont typeface="Arial" panose="020B0604020202020204" pitchFamily="34" charset="0"/>
               <a:buChar char="•"/>
             </a:pPr>
             <a:r>
-              <a:rPr lang="en-US" sz="1600" noProof="0" dirty="0"/>
-              <a:t>Via the docker build command with a </a:t>
-            </a:r>
-            <a:r>
-              <a:rPr lang="en-US" sz="1600" noProof="0" dirty="0" err="1"/>
-              <a:t>Dockerfile</a:t>
-            </a:r>
-            <a:r>
-              <a:rPr lang="en-US" sz="1600" noProof="0" dirty="0"/>
-              <a:t>. The Docker file uses a basic DSL (Domain Specific Language) with instructions for Building Docker images. </a:t>
-            </a:r>
-          </a:p>
-          <a:p>
-            <a:pPr marL="1276325" lvl="1" indent="-285750">
+              <a:rPr lang="en-US" dirty="0"/>
+              <a:t>You can put more containers than VM in the same host machine</a:t>
+            </a:r>
+          </a:p>
+          <a:p>
+            <a:pPr marL="285750" indent="-285750">
               <a:buFont typeface="Arial" panose="020B0604020202020204" pitchFamily="34" charset="0"/>
               <a:buChar char="•"/>
             </a:pPr>
             <a:r>
-              <a:rPr lang="en-US" sz="1600" noProof="0" dirty="0"/>
-              <a:t>Docker file is the recommended approach, It provides a more repeatable, transparent, and idempotent mechanism for creating images.</a:t>
-            </a:r>
-          </a:p>
-          <a:p>
-            <a:pPr marL="1276325" lvl="1" indent="-285750">
+              <a:rPr lang="en-US" dirty="0"/>
+              <a:t>Layer composition makes it easier to create new images</a:t>
+            </a:r>
+          </a:p>
+          <a:p>
+            <a:endParaRPr lang="en-US" dirty="0"/>
+          </a:p>
+          <a:p>
+            <a:r>
+              <a:rPr lang="en-US" dirty="0"/>
+              <a:t>Cons:</a:t>
+            </a:r>
+          </a:p>
+          <a:p>
+            <a:pPr marL="285750" indent="-285750">
               <a:buFont typeface="Arial" panose="020B0604020202020204" pitchFamily="34" charset="0"/>
               <a:buChar char="•"/>
             </a:pPr>
-            <a:endParaRPr lang="en-US" noProof="0" dirty="0"/>
-          </a:p>
-        </p:txBody>
-      </p:sp>
-      <p:sp>
-        <p:nvSpPr>
-          <p:cNvPr id="3" name="Title 2">
+            <a:r>
+              <a:rPr lang="en-US" dirty="0"/>
+              <a:t>Less isolation tan for VM</a:t>
+            </a:r>
+          </a:p>
+          <a:p>
+            <a:pPr marL="285750" indent="-285750">
+              <a:buFont typeface="Arial" panose="020B0604020202020204" pitchFamily="34" charset="0"/>
+              <a:buChar char="•"/>
+            </a:pPr>
+            <a:r>
+              <a:rPr lang="en-US" dirty="0"/>
+              <a:t>You cannot use another OS</a:t>
+            </a:r>
+          </a:p>
+        </p:txBody>
+      </p:sp>
+      <p:sp>
+        <p:nvSpPr>
+          <p:cNvPr id="3" name="Título 2">
             <a:extLst>
               <a:ext uri="{FF2B5EF4-FFF2-40B4-BE49-F238E27FC236}">
-                <a16:creationId xmlns:a16="http://schemas.microsoft.com/office/drawing/2014/main" id="{BA733C37-A7B8-4AC8-B716-8C5061CDF993}"/>
+                <a16:creationId xmlns:a16="http://schemas.microsoft.com/office/drawing/2014/main" id="{47C1E7BA-D2B2-4845-AA7C-751A81CF9D35}"/>
               </a:ext>
             </a:extLst>
           </p:cNvPr>
@@ -8057,8 +7899,8 @@
           <a:lstStyle/>
           <a:p>
             <a:r>
-              <a:rPr lang="en-US" noProof="0" dirty="0"/>
-              <a:t>How to create a new image</a:t>
+              <a:rPr lang="en-US" dirty="0"/>
+              <a:t>Container vs virtual machine</a:t>
             </a:r>
           </a:p>
         </p:txBody>
@@ -8066,7 +7908,7 @@
     </p:spTree>
     <p:extLst>
       <p:ext uri="{BB962C8B-B14F-4D97-AF65-F5344CB8AC3E}">
-        <p14:creationId xmlns:p14="http://schemas.microsoft.com/office/powerpoint/2010/main" val="1666618764"/>
+        <p14:creationId xmlns:p14="http://schemas.microsoft.com/office/powerpoint/2010/main" val="1119063968"/>
       </p:ext>
     </p:extLst>
   </p:cSld>
@@ -8093,47 +7935,124 @@
           <a:chExt cx="0" cy="0"/>
         </a:xfrm>
       </p:grpSpPr>
-      <p:pic>
-        <p:nvPicPr>
-          <p:cNvPr id="10" name="Content Placeholder 9" descr="A black sign with white text&#10;&#10;Description generated with high confidence">
+      <p:sp>
+        <p:nvSpPr>
+          <p:cNvPr id="2" name="Content Placeholder 1">
             <a:extLst>
               <a:ext uri="{FF2B5EF4-FFF2-40B4-BE49-F238E27FC236}">
-                <a16:creationId xmlns:a16="http://schemas.microsoft.com/office/drawing/2014/main" id="{4F8B4760-39AE-4968-A656-2A79A57E45C3}"/>
+                <a16:creationId xmlns:a16="http://schemas.microsoft.com/office/drawing/2014/main" id="{CDEAF6D2-0AE1-45D1-8CAD-80DB97CE555E}"/>
               </a:ext>
             </a:extLst>
           </p:cNvPr>
-          <p:cNvPicPr>
-            <a:picLocks noGrp="1" noChangeAspect="1"/>
-          </p:cNvPicPr>
+          <p:cNvSpPr>
+            <a:spLocks noGrp="1"/>
+          </p:cNvSpPr>
           <p:nvPr>
             <p:ph idx="1"/>
           </p:nvPr>
-        </p:nvPicPr>
-        <p:blipFill>
-          <a:blip r:embed="rId2">
-            <a:extLst>
-              <a:ext uri="{28A0092B-C50C-407E-A947-70E740481C1C}">
-                <a14:useLocalDpi xmlns:a14="http://schemas.microsoft.com/office/drawing/2010/main" val="0"/>
-              </a:ext>
-            </a:extLst>
-          </a:blip>
-          <a:stretch>
-            <a:fillRect/>
-          </a:stretch>
-        </p:blipFill>
-        <p:spPr>
-          <a:xfrm>
-            <a:off x="2361115" y="2390626"/>
-            <a:ext cx="7101551" cy="2622361"/>
-          </a:xfrm>
-        </p:spPr>
-      </p:pic>
+        </p:nvSpPr>
+        <p:spPr>
+          <a:xfrm>
+            <a:off x="1902824" y="2681920"/>
+            <a:ext cx="9522822" cy="3300666"/>
+          </a:xfrm>
+        </p:spPr>
+        <p:txBody>
+          <a:bodyPr>
+            <a:normAutofit/>
+          </a:bodyPr>
+          <a:lstStyle/>
+          <a:p>
+            <a:endParaRPr lang="en-US" i="1" dirty="0"/>
+          </a:p>
+          <a:p>
+            <a:endParaRPr lang="en-US"/>
+          </a:p>
+          <a:p>
+            <a:endParaRPr lang="en-US" dirty="0"/>
+          </a:p>
+          <a:p>
+            <a:r>
+              <a:rPr lang="en-US" dirty="0"/>
+              <a:t>Containers are convenient for the microservices:</a:t>
+            </a:r>
+          </a:p>
+          <a:p>
+            <a:pPr marL="285750" indent="-285750">
+              <a:buFont typeface="Arial" panose="020B0604020202020204" pitchFamily="34" charset="0"/>
+              <a:buChar char="•"/>
+            </a:pPr>
+            <a:r>
+              <a:rPr lang="en-US" dirty="0"/>
+              <a:t>Encapsulates the service with all its dependencies </a:t>
+            </a:r>
+          </a:p>
+          <a:p>
+            <a:pPr marL="285750" indent="-285750">
+              <a:buFont typeface="Arial" panose="020B0604020202020204" pitchFamily="34" charset="0"/>
+              <a:buChar char="•"/>
+            </a:pPr>
+            <a:r>
+              <a:rPr lang="en-US" dirty="0"/>
+              <a:t>Fast to create, destroy and recycle instances of the services</a:t>
+            </a:r>
+          </a:p>
+          <a:p>
+            <a:pPr marL="285750" indent="-285750">
+              <a:buFont typeface="Arial" panose="020B0604020202020204" pitchFamily="34" charset="0"/>
+              <a:buChar char="•"/>
+            </a:pPr>
+            <a:r>
+              <a:rPr lang="en-US" dirty="0"/>
+              <a:t>Many instances per host (“cheap” in resources)</a:t>
+            </a:r>
+          </a:p>
+          <a:p>
+            <a:pPr marL="285750" indent="-285750">
+              <a:buFont typeface="Arial" panose="020B0604020202020204" pitchFamily="34" charset="0"/>
+              <a:buChar char="•"/>
+            </a:pPr>
+            <a:r>
+              <a:rPr lang="en-US" dirty="0"/>
+              <a:t>No commitment to a technology</a:t>
+            </a:r>
+          </a:p>
+          <a:p>
+            <a:pPr marL="285750" indent="-285750">
+              <a:buFont typeface="Arial" panose="020B0604020202020204" pitchFamily="34" charset="0"/>
+              <a:buChar char="•"/>
+            </a:pPr>
+            <a:r>
+              <a:rPr lang="en-US" dirty="0"/>
+              <a:t>Mature orchestrators (Kubernetes, Docker Swarm, Apache Mesos…)</a:t>
+            </a:r>
+          </a:p>
+          <a:p>
+            <a:pPr marL="285750" indent="-285750">
+              <a:buFont typeface="Arial" panose="020B0604020202020204" pitchFamily="34" charset="0"/>
+              <a:buChar char="•"/>
+            </a:pPr>
+            <a:endParaRPr lang="en-US" dirty="0"/>
+          </a:p>
+          <a:p>
+            <a:pPr algn="ctr"/>
+            <a:endParaRPr lang="en-US" b="1" dirty="0"/>
+          </a:p>
+          <a:p>
+            <a:pPr marL="285750" indent="-285750">
+              <a:buFont typeface="Arial" panose="020B0604020202020204" pitchFamily="34" charset="0"/>
+              <a:buChar char="•"/>
+            </a:pPr>
+            <a:endParaRPr lang="ca-ES" dirty="0"/>
+          </a:p>
+        </p:txBody>
+      </p:sp>
       <p:sp>
         <p:nvSpPr>
           <p:cNvPr id="3" name="Title 2">
             <a:extLst>
               <a:ext uri="{FF2B5EF4-FFF2-40B4-BE49-F238E27FC236}">
-                <a16:creationId xmlns:a16="http://schemas.microsoft.com/office/drawing/2014/main" id="{1C513275-3F3B-4E01-8564-C5026F43B419}"/>
+                <a16:creationId xmlns:a16="http://schemas.microsoft.com/office/drawing/2014/main" id="{18A552C9-F115-43AE-AB13-DF436EC0A7D0}"/>
               </a:ext>
             </a:extLst>
           </p:cNvPr>
@@ -8150,8 +8069,48 @@
           <a:lstStyle/>
           <a:p>
             <a:r>
-              <a:rPr lang="en-US" noProof="0" dirty="0"/>
-              <a:t>Docker file</a:t>
+              <a:rPr lang="en-US" dirty="0"/>
+              <a:t>Microservices and containers</a:t>
+            </a:r>
+          </a:p>
+        </p:txBody>
+      </p:sp>
+      <p:sp>
+        <p:nvSpPr>
+          <p:cNvPr id="4" name="TextBox 3">
+            <a:extLst>
+              <a:ext uri="{FF2B5EF4-FFF2-40B4-BE49-F238E27FC236}">
+                <a16:creationId xmlns:a16="http://schemas.microsoft.com/office/drawing/2014/main" id="{72DCA085-DA39-403C-B331-412BEC289654}"/>
+              </a:ext>
+            </a:extLst>
+          </p:cNvPr>
+          <p:cNvSpPr txBox="1"/>
+          <p:nvPr/>
+        </p:nvSpPr>
+        <p:spPr>
+          <a:xfrm>
+            <a:off x="2190307" y="2228737"/>
+            <a:ext cx="7917711" cy="906366"/>
+          </a:xfrm>
+          <a:prstGeom prst="rect">
+            <a:avLst/>
+          </a:prstGeom>
+          <a:noFill/>
+          <a:ln w="25400">
+            <a:solidFill>
+              <a:schemeClr val="accent1"/>
+            </a:solidFill>
+          </a:ln>
+        </p:spPr>
+        <p:txBody>
+          <a:bodyPr wrap="square" lIns="180000" tIns="144000" rIns="180000" bIns="144000" rtlCol="0">
+            <a:spAutoFit/>
+          </a:bodyPr>
+          <a:lstStyle/>
+          <a:p>
+            <a:r>
+              <a:rPr lang="en-US" sz="2000" i="1" dirty="0"/>
+              <a:t>Microservices architecture needs light-weight mechanisms, small independently deployable services, scalability and portability</a:t>
             </a:r>
           </a:p>
         </p:txBody>
@@ -8159,7 +8118,7 @@
     </p:spTree>
     <p:extLst>
       <p:ext uri="{BB962C8B-B14F-4D97-AF65-F5344CB8AC3E}">
-        <p14:creationId xmlns:p14="http://schemas.microsoft.com/office/powerpoint/2010/main" val="3496958000"/>
+        <p14:creationId xmlns:p14="http://schemas.microsoft.com/office/powerpoint/2010/main" val="1951993794"/>
       </p:ext>
     </p:extLst>
   </p:cSld>
@@ -8172,6 +8131,20 @@
 <file path=ppt/slides/slide23.xml><?xml version="1.0" encoding="utf-8"?>
 <p:sld xmlns:a="http://schemas.openxmlformats.org/drawingml/2006/main" xmlns:r="http://schemas.openxmlformats.org/officeDocument/2006/relationships" xmlns:p="http://schemas.openxmlformats.org/presentationml/2006/main">
   <p:cSld>
+    <p:bg>
+      <p:bgPr>
+        <a:blipFill dpi="0" rotWithShape="1">
+          <a:blip r:embed="rId2">
+            <a:lum/>
+          </a:blip>
+          <a:srcRect/>
+          <a:stretch>
+            <a:fillRect/>
+          </a:stretch>
+        </a:blipFill>
+        <a:effectLst/>
+      </p:bgPr>
+    </p:bg>
     <p:spTree>
       <p:nvGrpSpPr>
         <p:cNvPr id="1" name=""/>
@@ -8188,10 +8161,10 @@
       </p:grpSpPr>
       <p:sp>
         <p:nvSpPr>
-          <p:cNvPr id="2" name="Text Placeholder 1">
+          <p:cNvPr id="2" name="Content Placeholder 1">
             <a:extLst>
               <a:ext uri="{FF2B5EF4-FFF2-40B4-BE49-F238E27FC236}">
-                <a16:creationId xmlns:a16="http://schemas.microsoft.com/office/drawing/2014/main" id="{E68DA33A-59E3-4BEC-B00A-A3F6A5C8A272}"/>
+                <a16:creationId xmlns:a16="http://schemas.microsoft.com/office/drawing/2014/main" id="{CDEAF6D2-0AE1-45D1-8CAD-80DB97CE555E}"/>
               </a:ext>
             </a:extLst>
           </p:cNvPr>
@@ -8199,7 +8172,89 @@
             <a:spLocks noGrp="1"/>
           </p:cNvSpPr>
           <p:nvPr>
-            <p:ph type="body" sz="quarter" idx="10"/>
+            <p:ph idx="1"/>
+          </p:nvPr>
+        </p:nvSpPr>
+        <p:spPr/>
+        <p:txBody>
+          <a:bodyPr>
+            <a:normAutofit/>
+          </a:bodyPr>
+          <a:lstStyle/>
+          <a:p>
+            <a:pPr marL="285750" indent="-285750">
+              <a:buFont typeface="Arial" panose="020B0604020202020204" pitchFamily="34" charset="0"/>
+              <a:buChar char="•"/>
+            </a:pPr>
+            <a:r>
+              <a:rPr lang="en-US" sz="2000" dirty="0"/>
+              <a:t>Create portable, repeatable environments </a:t>
+            </a:r>
+          </a:p>
+          <a:p>
+            <a:pPr marL="285750" indent="-285750">
+              <a:buFont typeface="Arial" panose="020B0604020202020204" pitchFamily="34" charset="0"/>
+              <a:buChar char="•"/>
+            </a:pPr>
+            <a:r>
+              <a:rPr lang="en-US" sz="2000" dirty="0"/>
+              <a:t>Use tools without installing them (ex. AZ tools, </a:t>
+            </a:r>
+            <a:r>
+              <a:rPr lang="en-US" sz="2000" dirty="0" err="1"/>
+              <a:t>.Net</a:t>
+            </a:r>
+            <a:r>
+              <a:rPr lang="en-US" sz="2000" dirty="0"/>
+              <a:t> SDK …)</a:t>
+            </a:r>
+          </a:p>
+          <a:p>
+            <a:pPr marL="285750" indent="-285750">
+              <a:buFont typeface="Arial" panose="020B0604020202020204" pitchFamily="34" charset="0"/>
+              <a:buChar char="•"/>
+            </a:pPr>
+            <a:r>
+              <a:rPr lang="en-US" sz="2000" dirty="0"/>
+              <a:t>Run several applications at the same time with incompatible dependencies </a:t>
+            </a:r>
+          </a:p>
+          <a:p>
+            <a:pPr marL="285750" indent="-285750">
+              <a:buFont typeface="Arial" panose="020B0604020202020204" pitchFamily="34" charset="0"/>
+              <a:buChar char="•"/>
+            </a:pPr>
+            <a:endParaRPr lang="en-US" sz="2000" dirty="0"/>
+          </a:p>
+          <a:p>
+            <a:endParaRPr lang="en-US" i="1" dirty="0"/>
+          </a:p>
+          <a:p>
+            <a:endParaRPr lang="en-US" dirty="0"/>
+          </a:p>
+          <a:p>
+            <a:pPr marL="285750" indent="-285750">
+              <a:buFont typeface="Arial" panose="020B0604020202020204" pitchFamily="34" charset="0"/>
+              <a:buChar char="•"/>
+            </a:pPr>
+            <a:endParaRPr lang="ca-ES" dirty="0"/>
+          </a:p>
+        </p:txBody>
+      </p:sp>
+      <p:sp>
+        <p:nvSpPr>
+          <p:cNvPr id="3" name="Title 2">
+            <a:extLst>
+              <a:ext uri="{FF2B5EF4-FFF2-40B4-BE49-F238E27FC236}">
+                <a16:creationId xmlns:a16="http://schemas.microsoft.com/office/drawing/2014/main" id="{18A552C9-F115-43AE-AB13-DF436EC0A7D0}"/>
+              </a:ext>
+            </a:extLst>
+          </p:cNvPr>
+          <p:cNvSpPr>
+            <a:spLocks noGrp="1"/>
+          </p:cNvSpPr>
+          <p:nvPr>
+            <p:ph type="title"/>
           </p:nvPr>
         </p:nvSpPr>
         <p:spPr/>
@@ -8208,8 +8263,8 @@
           <a:lstStyle/>
           <a:p>
             <a:r>
-              <a:rPr lang="en-US" noProof="0" dirty="0"/>
-              <a:t>Practice 1: build your own docker image</a:t>
+              <a:rPr lang="en-US" dirty="0"/>
+              <a:t>More container usages</a:t>
             </a:r>
           </a:p>
         </p:txBody>
@@ -8217,7 +8272,7 @@
     </p:spTree>
     <p:extLst>
       <p:ext uri="{BB962C8B-B14F-4D97-AF65-F5344CB8AC3E}">
-        <p14:creationId xmlns:p14="http://schemas.microsoft.com/office/powerpoint/2010/main" val="737140017"/>
+        <p14:creationId xmlns:p14="http://schemas.microsoft.com/office/powerpoint/2010/main" val="178377512"/>
       </p:ext>
     </p:extLst>
   </p:cSld>
@@ -8249,7 +8304,7 @@
           <p:cNvPr id="2" name="Content Placeholder 1">
             <a:extLst>
               <a:ext uri="{FF2B5EF4-FFF2-40B4-BE49-F238E27FC236}">
-                <a16:creationId xmlns:a16="http://schemas.microsoft.com/office/drawing/2014/main" id="{A6A5CFDB-76E5-466C-A1F7-D533781B3790}"/>
+                <a16:creationId xmlns:a16="http://schemas.microsoft.com/office/drawing/2014/main" id="{6EB96FBA-52A4-40CA-A15A-F72E74991854}"/>
               </a:ext>
             </a:extLst>
           </p:cNvPr>
@@ -8262,8 +8317,8 @@
         </p:nvSpPr>
         <p:spPr>
           <a:xfrm>
-            <a:off x="5865223" y="2334854"/>
-            <a:ext cx="5872820" cy="3083339"/>
+            <a:off x="1037617" y="2645924"/>
+            <a:ext cx="5972783" cy="3066900"/>
           </a:xfrm>
         </p:spPr>
         <p:txBody>
@@ -8276,7 +8331,7 @@
             </a:pPr>
             <a:r>
               <a:rPr lang="en-US" noProof="0" dirty="0"/>
-              <a:t>It is a tool for defining multi-container Docker Applications.</a:t>
+              <a:t>Docker images are the basis of containers. </a:t>
             </a:r>
           </a:p>
           <a:p>
@@ -8286,15 +8341,7 @@
             </a:pPr>
             <a:r>
               <a:rPr lang="en-US" noProof="0" dirty="0"/>
-              <a:t>It is installed separately from Docker (</a:t>
-            </a:r>
-            <a:r>
-              <a:rPr lang="en-US" noProof="0" dirty="0" err="1"/>
-              <a:t>f.i</a:t>
-            </a:r>
-            <a:r>
-              <a:rPr lang="en-US" noProof="0" dirty="0"/>
-              <a:t>. currently not installed by default in Azure VM for containers)</a:t>
+              <a:t>An Image is an ordered collection of root filesystem changes and the corresponding execution parameters for use within a container runtime. </a:t>
             </a:r>
           </a:p>
           <a:p>
@@ -8304,8 +8351,13 @@
             </a:pPr>
             <a:r>
               <a:rPr lang="en-US" noProof="0" dirty="0"/>
-              <a:t>Based on the Docker file plus docker-compose configuration files</a:t>
-            </a:r>
+              <a:t>An image typically contains a union of layered filesystems stacked on top of each other. Common </a:t>
+            </a:r>
+            <a:r>
+              <a:rPr lang="en-US" dirty="0"/>
+              <a:t>parent images are shared, not duplicated.</a:t>
+            </a:r>
+            <a:endParaRPr lang="en-US" noProof="0" dirty="0"/>
           </a:p>
           <a:p>
             <a:pPr marL="285750" indent="-285750">
@@ -8314,8 +8366,24 @@
             </a:pPr>
             <a:r>
               <a:rPr lang="en-US" noProof="0" dirty="0"/>
-              <a:t>Multiple docker-compose files structure to compose the final desired configuration</a:t>
-            </a:r>
+              <a:t>An image does not have state and it never changes.</a:t>
+            </a:r>
+          </a:p>
+          <a:p>
+            <a:pPr marL="285750" indent="-285750">
+              <a:buFont typeface="Arial" panose="020B0604020202020204" pitchFamily="34" charset="0"/>
+              <a:buChar char="•"/>
+            </a:pPr>
+            <a:r>
+              <a:rPr lang="en-US" noProof="0" dirty="0"/>
+              <a:t>Find and store images at image repositories (Docker Hub, Azure Container Registry…)</a:t>
+            </a:r>
+          </a:p>
+          <a:p>
+            <a:endParaRPr lang="en-US" noProof="0" dirty="0"/>
+          </a:p>
+          <a:p>
+            <a:endParaRPr lang="en-US" noProof="0" dirty="0"/>
           </a:p>
         </p:txBody>
       </p:sp>
@@ -8324,7 +8392,7 @@
           <p:cNvPr id="3" name="Title 2">
             <a:extLst>
               <a:ext uri="{FF2B5EF4-FFF2-40B4-BE49-F238E27FC236}">
-                <a16:creationId xmlns:a16="http://schemas.microsoft.com/office/drawing/2014/main" id="{FB27F8CD-1E47-4857-B9C1-2BA30F84D61D}"/>
+                <a16:creationId xmlns:a16="http://schemas.microsoft.com/office/drawing/2014/main" id="{EE3A7B0B-35B5-469D-B363-F854B208C2E0}"/>
               </a:ext>
             </a:extLst>
           </p:cNvPr>
@@ -8342,17 +8410,40 @@
           <a:p>
             <a:r>
               <a:rPr lang="en-US" noProof="0" dirty="0"/>
-              <a:t>Docker compose</a:t>
-            </a:r>
-          </a:p>
-        </p:txBody>
+              <a:t>Images</a:t>
+            </a:r>
+          </a:p>
+        </p:txBody>
+      </p:sp>
+      <p:sp>
+        <p:nvSpPr>
+          <p:cNvPr id="6" name="Picture Placeholder 5">
+            <a:extLst>
+              <a:ext uri="{FF2B5EF4-FFF2-40B4-BE49-F238E27FC236}">
+                <a16:creationId xmlns:a16="http://schemas.microsoft.com/office/drawing/2014/main" id="{2FC55173-906C-44C9-89D5-A3F60C2E6991}"/>
+              </a:ext>
+            </a:extLst>
+          </p:cNvPr>
+          <p:cNvSpPr>
+            <a:spLocks noGrp="1"/>
+          </p:cNvSpPr>
+          <p:nvPr>
+            <p:ph type="pic" sz="quarter" idx="10"/>
+          </p:nvPr>
+        </p:nvSpPr>
+        <p:spPr>
+          <a:xfrm>
+            <a:off x="7620000" y="0"/>
+            <a:ext cx="4572000" cy="6858000"/>
+          </a:xfrm>
+        </p:spPr>
       </p:sp>
       <p:pic>
         <p:nvPicPr>
-          <p:cNvPr id="5" name="Picture 4" descr="A screenshot of a cell phone&#10;&#10;Description generated with very high confidence">
+          <p:cNvPr id="5" name="Picture 4" descr="A close up of a logo&#10;&#10;Description generated with very high confidence">
             <a:extLst>
               <a:ext uri="{FF2B5EF4-FFF2-40B4-BE49-F238E27FC236}">
-                <a16:creationId xmlns:a16="http://schemas.microsoft.com/office/drawing/2014/main" id="{C88B6C46-7A10-44B1-BD42-7A19A1DEC756}"/>
+                <a16:creationId xmlns:a16="http://schemas.microsoft.com/office/drawing/2014/main" id="{173A5979-E0A1-46A5-8295-5F7FB8CBBD3A}"/>
               </a:ext>
             </a:extLst>
           </p:cNvPr>
@@ -8375,8 +8466,8 @@
         </p:blipFill>
         <p:spPr>
           <a:xfrm>
-            <a:off x="780514" y="2334854"/>
-            <a:ext cx="4859384" cy="2658679"/>
+            <a:off x="7620000" y="1907177"/>
+            <a:ext cx="4322324" cy="3241743"/>
           </a:xfrm>
           <a:prstGeom prst="rect">
             <a:avLst/>
@@ -8386,7 +8477,7 @@
     </p:spTree>
     <p:extLst>
       <p:ext uri="{BB962C8B-B14F-4D97-AF65-F5344CB8AC3E}">
-        <p14:creationId xmlns:p14="http://schemas.microsoft.com/office/powerpoint/2010/main" val="317120456"/>
+        <p14:creationId xmlns:p14="http://schemas.microsoft.com/office/powerpoint/2010/main" val="1301528849"/>
       </p:ext>
     </p:extLst>
   </p:cSld>
@@ -8418,7 +8509,7 @@
           <p:cNvPr id="2" name="Content Placeholder 1">
             <a:extLst>
               <a:ext uri="{FF2B5EF4-FFF2-40B4-BE49-F238E27FC236}">
-                <a16:creationId xmlns:a16="http://schemas.microsoft.com/office/drawing/2014/main" id="{270B15D4-EE64-439C-BCD6-2902F3295806}"/>
+                <a16:creationId xmlns:a16="http://schemas.microsoft.com/office/drawing/2014/main" id="{D3B4F882-F018-4200-8E7D-B00FF2516E43}"/>
               </a:ext>
             </a:extLst>
           </p:cNvPr>
@@ -8431,7 +8522,9 @@
         </p:nvSpPr>
         <p:spPr/>
         <p:txBody>
-          <a:bodyPr/>
+          <a:bodyPr>
+            <a:normAutofit/>
+          </a:bodyPr>
           <a:lstStyle/>
           <a:p>
             <a:pPr marL="285750" indent="-285750">
@@ -8439,150 +8532,61 @@
               <a:buChar char="•"/>
             </a:pPr>
             <a:r>
-              <a:rPr lang="en-US" dirty="0"/>
-              <a:t>Main file is docker-</a:t>
-            </a:r>
-            <a:r>
-              <a:rPr lang="en-US" dirty="0" err="1"/>
-              <a:t>compose.yml</a:t>
-            </a:r>
-            <a:r>
-              <a:rPr lang="en-US" dirty="0"/>
-              <a:t> </a:t>
-            </a:r>
-            <a:r>
-              <a:rPr lang="en-US" dirty="0">
-                <a:sym typeface="Wingdings" panose="05000000000000000000" pitchFamily="2" charset="2"/>
-              </a:rPr>
-              <a:t> the more basic information about the service</a:t>
-            </a:r>
-          </a:p>
-          <a:p>
-            <a:pPr marL="285750" indent="-285750">
+              <a:rPr lang="en-US" noProof="0" dirty="0"/>
+              <a:t>Take a base image to build over it. Two options to build the new image:</a:t>
+            </a:r>
+          </a:p>
+          <a:p>
+            <a:pPr marL="1276325" lvl="1" indent="-285750">
               <a:buFont typeface="Arial" panose="020B0604020202020204" pitchFamily="34" charset="0"/>
               <a:buChar char="•"/>
             </a:pPr>
             <a:r>
-              <a:rPr lang="en-US" dirty="0"/>
-              <a:t>Docker-</a:t>
-            </a:r>
-            <a:r>
-              <a:rPr lang="en-US" dirty="0" err="1"/>
-              <a:t>compose.override.yml</a:t>
-            </a:r>
-            <a:r>
-              <a:rPr lang="en-US" dirty="0"/>
-              <a:t> </a:t>
-            </a:r>
-            <a:r>
-              <a:rPr lang="en-US" dirty="0">
+              <a:rPr lang="en-US" sz="1600" noProof="0" dirty="0"/>
+              <a:t>Via the docker commit command, </a:t>
+            </a:r>
+            <a:r>
+              <a:rPr lang="en-US" sz="1600" noProof="0" dirty="0">
                 <a:sym typeface="Wingdings" panose="05000000000000000000" pitchFamily="2" charset="2"/>
               </a:rPr>
-              <a:t> definition of the environment variables and default values</a:t>
-            </a:r>
-          </a:p>
-          <a:p>
-            <a:pPr marL="285750" indent="-285750">
+              <a:t>not recommended.</a:t>
+            </a:r>
+            <a:endParaRPr lang="en-US" sz="1600" noProof="0" dirty="0"/>
+          </a:p>
+          <a:p>
+            <a:pPr marL="1276325" lvl="1" indent="-285750">
               <a:buFont typeface="Arial" panose="020B0604020202020204" pitchFamily="34" charset="0"/>
               <a:buChar char="•"/>
             </a:pPr>
             <a:r>
-              <a:rPr lang="en-US" dirty="0">
-                <a:sym typeface="Wingdings" panose="05000000000000000000" pitchFamily="2" charset="2"/>
-              </a:rPr>
-              <a:t>Other files to set values for other environments</a:t>
-            </a:r>
-          </a:p>
-          <a:p>
-            <a:pPr marL="285750" indent="-285750">
+              <a:rPr lang="en-US" sz="1600" noProof="0" dirty="0"/>
+              <a:t>Via the docker build command with a </a:t>
+            </a:r>
+            <a:r>
+              <a:rPr lang="en-US" sz="1600" noProof="0" dirty="0" err="1"/>
+              <a:t>Dockerfile</a:t>
+            </a:r>
+            <a:r>
+              <a:rPr lang="en-US" sz="1600" noProof="0" dirty="0"/>
+              <a:t>. The Docker file uses a basic DSL (Domain Specific Language) with instructions for Building Docker images. </a:t>
+            </a:r>
+          </a:p>
+          <a:p>
+            <a:pPr marL="1276325" lvl="1" indent="-285750">
               <a:buFont typeface="Arial" panose="020B0604020202020204" pitchFamily="34" charset="0"/>
               <a:buChar char="•"/>
             </a:pPr>
             <a:r>
-              <a:rPr lang="es-ES" dirty="0" err="1">
-                <a:sym typeface="Wingdings" panose="05000000000000000000" pitchFamily="2" charset="2"/>
-              </a:rPr>
-              <a:t>Possibility</a:t>
-            </a:r>
-            <a:r>
-              <a:rPr lang="es-ES" dirty="0">
-                <a:sym typeface="Wingdings" panose="05000000000000000000" pitchFamily="2" charset="2"/>
-              </a:rPr>
-              <a:t> </a:t>
-            </a:r>
-            <a:r>
-              <a:rPr lang="es-ES" dirty="0" err="1">
-                <a:sym typeface="Wingdings" panose="05000000000000000000" pitchFamily="2" charset="2"/>
-              </a:rPr>
-              <a:t>of</a:t>
-            </a:r>
-            <a:r>
-              <a:rPr lang="es-ES" dirty="0">
-                <a:sym typeface="Wingdings" panose="05000000000000000000" pitchFamily="2" charset="2"/>
-              </a:rPr>
-              <a:t> </a:t>
-            </a:r>
-            <a:r>
-              <a:rPr lang="es-ES" dirty="0" err="1">
-                <a:sym typeface="Wingdings" panose="05000000000000000000" pitchFamily="2" charset="2"/>
-              </a:rPr>
-              <a:t>value</a:t>
-            </a:r>
-            <a:r>
-              <a:rPr lang="es-ES" dirty="0">
-                <a:sym typeface="Wingdings" panose="05000000000000000000" pitchFamily="2" charset="2"/>
-              </a:rPr>
-              <a:t> </a:t>
-            </a:r>
-            <a:r>
-              <a:rPr lang="es-ES" dirty="0" err="1">
-                <a:sym typeface="Wingdings" panose="05000000000000000000" pitchFamily="2" charset="2"/>
-              </a:rPr>
-              <a:t>substitution</a:t>
-            </a:r>
-            <a:r>
-              <a:rPr lang="es-ES" dirty="0">
-                <a:sym typeface="Wingdings" panose="05000000000000000000" pitchFamily="2" charset="2"/>
-              </a:rPr>
-              <a:t> </a:t>
-            </a:r>
-            <a:r>
-              <a:rPr lang="es-ES" dirty="0" err="1">
-                <a:sym typeface="Wingdings" panose="05000000000000000000" pitchFamily="2" charset="2"/>
-              </a:rPr>
-              <a:t>through</a:t>
-            </a:r>
-            <a:r>
-              <a:rPr lang="es-ES" dirty="0">
-                <a:sym typeface="Wingdings" panose="05000000000000000000" pitchFamily="2" charset="2"/>
-              </a:rPr>
-              <a:t> </a:t>
-            </a:r>
-            <a:r>
-              <a:rPr lang="es-ES" dirty="0" err="1">
-                <a:sym typeface="Wingdings" panose="05000000000000000000" pitchFamily="2" charset="2"/>
-              </a:rPr>
-              <a:t>the</a:t>
-            </a:r>
-            <a:r>
-              <a:rPr lang="es-ES" dirty="0">
-                <a:sym typeface="Wingdings" panose="05000000000000000000" pitchFamily="2" charset="2"/>
-              </a:rPr>
-              <a:t> .</a:t>
-            </a:r>
-            <a:r>
-              <a:rPr lang="es-ES" dirty="0" err="1">
-                <a:sym typeface="Wingdings" panose="05000000000000000000" pitchFamily="2" charset="2"/>
-              </a:rPr>
-              <a:t>env</a:t>
-            </a:r>
-            <a:r>
-              <a:rPr lang="es-ES" dirty="0">
-                <a:sym typeface="Wingdings" panose="05000000000000000000" pitchFamily="2" charset="2"/>
-              </a:rPr>
-              <a:t> file</a:t>
-            </a:r>
-            <a:endParaRPr lang="en-US" dirty="0"/>
+              <a:rPr lang="en-US" sz="1600" noProof="0" dirty="0"/>
+              <a:t>Docker file is the recommended approach, It provides a more repeatable, transparent, and idempotent mechanism for creating images.</a:t>
+            </a:r>
+          </a:p>
+          <a:p>
+            <a:pPr marL="1276325" lvl="1" indent="-285750">
+              <a:buFont typeface="Arial" panose="020B0604020202020204" pitchFamily="34" charset="0"/>
+              <a:buChar char="•"/>
+            </a:pPr>
+            <a:endParaRPr lang="en-US" noProof="0" dirty="0"/>
           </a:p>
         </p:txBody>
       </p:sp>
@@ -8591,7 +8595,7 @@
           <p:cNvPr id="3" name="Title 2">
             <a:extLst>
               <a:ext uri="{FF2B5EF4-FFF2-40B4-BE49-F238E27FC236}">
-                <a16:creationId xmlns:a16="http://schemas.microsoft.com/office/drawing/2014/main" id="{02C3B8EB-9F5E-4919-BFC3-7D341572275C}"/>
+                <a16:creationId xmlns:a16="http://schemas.microsoft.com/office/drawing/2014/main" id="{BA733C37-A7B8-4AC8-B716-8C5061CDF993}"/>
               </a:ext>
             </a:extLst>
           </p:cNvPr>
@@ -8608,46 +8612,16 @@
           <a:lstStyle/>
           <a:p>
             <a:r>
-              <a:rPr lang="en-US" dirty="0"/>
-              <a:t>Compose files</a:t>
-            </a:r>
-          </a:p>
-        </p:txBody>
-      </p:sp>
-      <p:pic>
-        <p:nvPicPr>
-          <p:cNvPr id="4" name="Imagen 3">
-            <a:extLst>
-              <a:ext uri="{FF2B5EF4-FFF2-40B4-BE49-F238E27FC236}">
-                <a16:creationId xmlns:a16="http://schemas.microsoft.com/office/drawing/2014/main" id="{5FB7F963-75AB-4E87-9602-D58E7A77F07D}"/>
-              </a:ext>
-            </a:extLst>
-          </p:cNvPr>
-          <p:cNvPicPr>
-            <a:picLocks noChangeAspect="1"/>
-          </p:cNvPicPr>
-          <p:nvPr/>
-        </p:nvPicPr>
-        <p:blipFill>
-          <a:blip r:embed="rId2"/>
-          <a:stretch>
-            <a:fillRect/>
-          </a:stretch>
-        </p:blipFill>
-        <p:spPr>
-          <a:xfrm>
-            <a:off x="4352925" y="4007007"/>
-            <a:ext cx="3486150" cy="2295525"/>
-          </a:xfrm>
-          <a:prstGeom prst="rect">
-            <a:avLst/>
-          </a:prstGeom>
-        </p:spPr>
-      </p:pic>
+              <a:rPr lang="en-US" noProof="0" dirty="0"/>
+              <a:t>How to create a new image</a:t>
+            </a:r>
+          </a:p>
+        </p:txBody>
+      </p:sp>
     </p:spTree>
     <p:extLst>
       <p:ext uri="{BB962C8B-B14F-4D97-AF65-F5344CB8AC3E}">
-        <p14:creationId xmlns:p14="http://schemas.microsoft.com/office/powerpoint/2010/main" val="3446764012"/>
+        <p14:creationId xmlns:p14="http://schemas.microsoft.com/office/powerpoint/2010/main" val="1666618764"/>
       </p:ext>
     </p:extLst>
   </p:cSld>
@@ -8674,66 +8648,47 @@
           <a:chExt cx="0" cy="0"/>
         </a:xfrm>
       </p:grpSpPr>
-      <p:sp>
-        <p:nvSpPr>
-          <p:cNvPr id="2" name="Content Placeholder 1">
+      <p:pic>
+        <p:nvPicPr>
+          <p:cNvPr id="10" name="Content Placeholder 9" descr="A black sign with white text&#10;&#10;Description generated with high confidence">
             <a:extLst>
               <a:ext uri="{FF2B5EF4-FFF2-40B4-BE49-F238E27FC236}">
-                <a16:creationId xmlns:a16="http://schemas.microsoft.com/office/drawing/2014/main" id="{270B15D4-EE64-439C-BCD6-2902F3295806}"/>
+                <a16:creationId xmlns:a16="http://schemas.microsoft.com/office/drawing/2014/main" id="{4F8B4760-39AE-4968-A656-2A79A57E45C3}"/>
               </a:ext>
             </a:extLst>
           </p:cNvPr>
-          <p:cNvSpPr>
-            <a:spLocks noGrp="1"/>
-          </p:cNvSpPr>
+          <p:cNvPicPr>
+            <a:picLocks noGrp="1" noChangeAspect="1"/>
+          </p:cNvPicPr>
           <p:nvPr>
             <p:ph idx="1"/>
           </p:nvPr>
-        </p:nvSpPr>
-        <p:spPr/>
-        <p:txBody>
-          <a:bodyPr/>
-          <a:lstStyle/>
-          <a:p>
-            <a:pPr marL="285750" indent="-285750">
-              <a:buFont typeface="Arial" panose="020B0604020202020204" pitchFamily="34" charset="0"/>
-              <a:buChar char="•"/>
-            </a:pPr>
-            <a:r>
-              <a:rPr lang="en-US" dirty="0">
-                <a:sym typeface="Wingdings" panose="05000000000000000000" pitchFamily="2" charset="2"/>
-              </a:rPr>
-              <a:t>Possibility of value substitution through the .</a:t>
-            </a:r>
-            <a:r>
-              <a:rPr lang="en-US" dirty="0" err="1">
-                <a:sym typeface="Wingdings" panose="05000000000000000000" pitchFamily="2" charset="2"/>
-              </a:rPr>
-              <a:t>env</a:t>
-            </a:r>
-            <a:r>
-              <a:rPr lang="en-US" dirty="0">
-                <a:sym typeface="Wingdings" panose="05000000000000000000" pitchFamily="2" charset="2"/>
-              </a:rPr>
-              <a:t> file</a:t>
-            </a:r>
-          </a:p>
-          <a:p>
-            <a:endParaRPr lang="en-US" dirty="0">
-              <a:sym typeface="Wingdings" panose="05000000000000000000" pitchFamily="2" charset="2"/>
-            </a:endParaRPr>
-          </a:p>
-          <a:p>
-            <a:endParaRPr lang="en-US" dirty="0"/>
-          </a:p>
-        </p:txBody>
-      </p:sp>
+        </p:nvPicPr>
+        <p:blipFill>
+          <a:blip r:embed="rId2">
+            <a:extLst>
+              <a:ext uri="{28A0092B-C50C-407E-A947-70E740481C1C}">
+                <a14:useLocalDpi xmlns:a14="http://schemas.microsoft.com/office/drawing/2010/main" val="0"/>
+              </a:ext>
+            </a:extLst>
+          </a:blip>
+          <a:stretch>
+            <a:fillRect/>
+          </a:stretch>
+        </p:blipFill>
+        <p:spPr>
+          <a:xfrm>
+            <a:off x="2361115" y="2390626"/>
+            <a:ext cx="7101551" cy="2622361"/>
+          </a:xfrm>
+        </p:spPr>
+      </p:pic>
       <p:sp>
         <p:nvSpPr>
           <p:cNvPr id="3" name="Title 2">
             <a:extLst>
               <a:ext uri="{FF2B5EF4-FFF2-40B4-BE49-F238E27FC236}">
-                <a16:creationId xmlns:a16="http://schemas.microsoft.com/office/drawing/2014/main" id="{02C3B8EB-9F5E-4919-BFC3-7D341572275C}"/>
+                <a16:creationId xmlns:a16="http://schemas.microsoft.com/office/drawing/2014/main" id="{1C513275-3F3B-4E01-8564-C5026F43B419}"/>
               </a:ext>
             </a:extLst>
           </p:cNvPr>
@@ -8750,187 +8705,16 @@
           <a:lstStyle/>
           <a:p>
             <a:r>
-              <a:rPr lang="en-US" dirty="0"/>
-              <a:t>Value substitution</a:t>
-            </a:r>
-          </a:p>
-        </p:txBody>
-      </p:sp>
-      <p:pic>
-        <p:nvPicPr>
-          <p:cNvPr id="7" name="Imagen 6">
-            <a:extLst>
-              <a:ext uri="{FF2B5EF4-FFF2-40B4-BE49-F238E27FC236}">
-                <a16:creationId xmlns:a16="http://schemas.microsoft.com/office/drawing/2014/main" id="{B3FAF78F-CBA0-434E-84A2-56E2D92DA1EE}"/>
-              </a:ext>
-            </a:extLst>
-          </p:cNvPr>
-          <p:cNvPicPr>
-            <a:picLocks noChangeAspect="1"/>
-          </p:cNvPicPr>
-          <p:nvPr/>
-        </p:nvPicPr>
-        <p:blipFill>
-          <a:blip r:embed="rId2"/>
-          <a:stretch>
-            <a:fillRect/>
-          </a:stretch>
-        </p:blipFill>
-        <p:spPr>
-          <a:xfrm>
-            <a:off x="2263952" y="5062574"/>
-            <a:ext cx="7610475" cy="628650"/>
-          </a:xfrm>
-          <a:prstGeom prst="rect">
-            <a:avLst/>
-          </a:prstGeom>
-        </p:spPr>
-      </p:pic>
-      <p:sp>
-        <p:nvSpPr>
-          <p:cNvPr id="9" name="CuadroTexto 8">
-            <a:extLst>
-              <a:ext uri="{FF2B5EF4-FFF2-40B4-BE49-F238E27FC236}">
-                <a16:creationId xmlns:a16="http://schemas.microsoft.com/office/drawing/2014/main" id="{A61709E3-AFD3-499D-BE61-FD162028D863}"/>
-              </a:ext>
-            </a:extLst>
-          </p:cNvPr>
-          <p:cNvSpPr txBox="1"/>
-          <p:nvPr/>
-        </p:nvSpPr>
-        <p:spPr>
-          <a:xfrm>
-            <a:off x="2263952" y="3205288"/>
-            <a:ext cx="4400282" cy="338554"/>
-          </a:xfrm>
-          <a:prstGeom prst="rect">
-            <a:avLst/>
-          </a:prstGeom>
-          <a:noFill/>
-        </p:spPr>
-        <p:txBody>
-          <a:bodyPr wrap="square" rtlCol="0">
-            <a:spAutoFit/>
-          </a:bodyPr>
-          <a:lstStyle/>
-          <a:p>
-            <a:r>
-              <a:rPr lang="es-ES" sz="1600" dirty="0" err="1">
-                <a:solidFill>
-                  <a:schemeClr val="tx2"/>
-                </a:solidFill>
-                <a:latin typeface="Open Sans" panose="020B0606030504020204" pitchFamily="34" charset="0"/>
-                <a:ea typeface="Open Sans" panose="020B0606030504020204" pitchFamily="34" charset="0"/>
-                <a:cs typeface="Open Sans" panose="020B0606030504020204" pitchFamily="34" charset="0"/>
-              </a:rPr>
-              <a:t>docker-compose.override.yml</a:t>
-            </a:r>
-            <a:endParaRPr lang="en-US" sz="1600" dirty="0">
-              <a:solidFill>
-                <a:schemeClr val="tx2"/>
-              </a:solidFill>
-              <a:latin typeface="Open Sans" panose="020B0606030504020204" pitchFamily="34" charset="0"/>
-              <a:ea typeface="Open Sans" panose="020B0606030504020204" pitchFamily="34" charset="0"/>
-              <a:cs typeface="Open Sans" panose="020B0606030504020204" pitchFamily="34" charset="0"/>
-            </a:endParaRPr>
-          </a:p>
-        </p:txBody>
-      </p:sp>
-      <p:sp>
-        <p:nvSpPr>
-          <p:cNvPr id="11" name="CuadroTexto 10">
-            <a:extLst>
-              <a:ext uri="{FF2B5EF4-FFF2-40B4-BE49-F238E27FC236}">
-                <a16:creationId xmlns:a16="http://schemas.microsoft.com/office/drawing/2014/main" id="{4D23CC94-1BD6-4D8A-AB1E-B74DC73AE06D}"/>
-              </a:ext>
-            </a:extLst>
-          </p:cNvPr>
-          <p:cNvSpPr txBox="1"/>
-          <p:nvPr/>
-        </p:nvSpPr>
-        <p:spPr>
-          <a:xfrm>
-            <a:off x="2287562" y="4722851"/>
-            <a:ext cx="4400282" cy="338554"/>
-          </a:xfrm>
-          <a:prstGeom prst="rect">
-            <a:avLst/>
-          </a:prstGeom>
-          <a:noFill/>
-        </p:spPr>
-        <p:txBody>
-          <a:bodyPr wrap="square" rtlCol="0">
-            <a:spAutoFit/>
-          </a:bodyPr>
-          <a:lstStyle/>
-          <a:p>
-            <a:r>
-              <a:rPr lang="es-ES" sz="1600" dirty="0">
-                <a:solidFill>
-                  <a:schemeClr val="tx2"/>
-                </a:solidFill>
-                <a:latin typeface="Open Sans" panose="020B0606030504020204" pitchFamily="34" charset="0"/>
-                <a:ea typeface="Open Sans" panose="020B0606030504020204" pitchFamily="34" charset="0"/>
-                <a:cs typeface="Open Sans" panose="020B0606030504020204" pitchFamily="34" charset="0"/>
-              </a:rPr>
-              <a:t>.</a:t>
-            </a:r>
-            <a:r>
-              <a:rPr lang="es-ES" sz="1600" dirty="0" err="1">
-                <a:solidFill>
-                  <a:schemeClr val="tx2"/>
-                </a:solidFill>
-                <a:latin typeface="Open Sans" panose="020B0606030504020204" pitchFamily="34" charset="0"/>
-                <a:ea typeface="Open Sans" panose="020B0606030504020204" pitchFamily="34" charset="0"/>
-                <a:cs typeface="Open Sans" panose="020B0606030504020204" pitchFamily="34" charset="0"/>
-              </a:rPr>
-              <a:t>env</a:t>
-            </a:r>
-            <a:endParaRPr lang="en-US" sz="1600" dirty="0">
-              <a:solidFill>
-                <a:schemeClr val="tx2"/>
-              </a:solidFill>
-              <a:latin typeface="Open Sans" panose="020B0606030504020204" pitchFamily="34" charset="0"/>
-              <a:ea typeface="Open Sans" panose="020B0606030504020204" pitchFamily="34" charset="0"/>
-              <a:cs typeface="Open Sans" panose="020B0606030504020204" pitchFamily="34" charset="0"/>
-            </a:endParaRPr>
-          </a:p>
-        </p:txBody>
-      </p:sp>
-      <p:pic>
-        <p:nvPicPr>
-          <p:cNvPr id="13" name="Imagen 12">
-            <a:extLst>
-              <a:ext uri="{FF2B5EF4-FFF2-40B4-BE49-F238E27FC236}">
-                <a16:creationId xmlns:a16="http://schemas.microsoft.com/office/drawing/2014/main" id="{0C3CB4A2-4E16-46F3-BA93-D8B53B38B4CB}"/>
-              </a:ext>
-            </a:extLst>
-          </p:cNvPr>
-          <p:cNvPicPr>
-            <a:picLocks noChangeAspect="1"/>
-          </p:cNvPicPr>
-          <p:nvPr/>
-        </p:nvPicPr>
-        <p:blipFill>
-          <a:blip r:embed="rId3"/>
-          <a:stretch>
-            <a:fillRect/>
-          </a:stretch>
-        </p:blipFill>
-        <p:spPr>
-          <a:xfrm>
-            <a:off x="2263952" y="3571746"/>
-            <a:ext cx="7705725" cy="752475"/>
-          </a:xfrm>
-          <a:prstGeom prst="rect">
-            <a:avLst/>
-          </a:prstGeom>
-        </p:spPr>
-      </p:pic>
+              <a:rPr lang="en-US" noProof="0" dirty="0"/>
+              <a:t>Docker file</a:t>
+            </a:r>
+          </a:p>
+        </p:txBody>
+      </p:sp>
     </p:spTree>
     <p:extLst>
       <p:ext uri="{BB962C8B-B14F-4D97-AF65-F5344CB8AC3E}">
-        <p14:creationId xmlns:p14="http://schemas.microsoft.com/office/powerpoint/2010/main" val="1473399647"/>
+        <p14:creationId xmlns:p14="http://schemas.microsoft.com/office/powerpoint/2010/main" val="3496958000"/>
       </p:ext>
     </p:extLst>
   </p:cSld>
@@ -8959,10 +8743,10 @@
       </p:grpSpPr>
       <p:sp>
         <p:nvSpPr>
-          <p:cNvPr id="2" name="Content Placeholder 1">
+          <p:cNvPr id="2" name="Text Placeholder 1">
             <a:extLst>
               <a:ext uri="{FF2B5EF4-FFF2-40B4-BE49-F238E27FC236}">
-                <a16:creationId xmlns:a16="http://schemas.microsoft.com/office/drawing/2014/main" id="{1C6408A6-102A-4816-BE08-8BC69F69A4EE}"/>
+                <a16:creationId xmlns:a16="http://schemas.microsoft.com/office/drawing/2014/main" id="{E68DA33A-59E3-4BEC-B00A-A3F6A5C8A272}"/>
               </a:ext>
             </a:extLst>
           </p:cNvPr>
@@ -8970,7 +8754,7 @@
             <a:spLocks noGrp="1"/>
           </p:cNvSpPr>
           <p:nvPr>
-            <p:ph idx="1"/>
+            <p:ph type="body" sz="quarter" idx="10"/>
           </p:nvPr>
         </p:nvSpPr>
         <p:spPr/>
@@ -8978,90 +8762,17 @@
           <a:bodyPr/>
           <a:lstStyle/>
           <a:p>
-            <a:endParaRPr lang="ca-ES" dirty="0"/>
-          </a:p>
-          <a:p>
-            <a:endParaRPr lang="ca-ES" dirty="0"/>
-          </a:p>
-        </p:txBody>
-      </p:sp>
-      <p:sp>
-        <p:nvSpPr>
-          <p:cNvPr id="3" name="Title 2">
-            <a:extLst>
-              <a:ext uri="{FF2B5EF4-FFF2-40B4-BE49-F238E27FC236}">
-                <a16:creationId xmlns:a16="http://schemas.microsoft.com/office/drawing/2014/main" id="{2ED9B935-713F-47A4-A346-A2FE9FC32CAB}"/>
-              </a:ext>
-            </a:extLst>
-          </p:cNvPr>
-          <p:cNvSpPr>
-            <a:spLocks noGrp="1"/>
-          </p:cNvSpPr>
-          <p:nvPr>
-            <p:ph type="title"/>
-          </p:nvPr>
-        </p:nvSpPr>
-        <p:spPr/>
-        <p:txBody>
-          <a:bodyPr/>
-          <a:lstStyle/>
-          <a:p>
-            <a:r>
-              <a:rPr lang="ca-ES" dirty="0" err="1"/>
-              <a:t>Some</a:t>
-            </a:r>
-            <a:r>
-              <a:rPr lang="ca-ES" dirty="0"/>
-              <a:t> </a:t>
-            </a:r>
-            <a:r>
-              <a:rPr lang="ca-ES" dirty="0" err="1"/>
-              <a:t>options</a:t>
-            </a:r>
-            <a:endParaRPr lang="ca-ES" dirty="0"/>
-          </a:p>
-        </p:txBody>
-      </p:sp>
-      <p:pic>
-        <p:nvPicPr>
-          <p:cNvPr id="13" name="Picture 12" descr="A screenshot of a cell phone&#10;&#10;Description generated with high confidence">
-            <a:extLst>
-              <a:ext uri="{FF2B5EF4-FFF2-40B4-BE49-F238E27FC236}">
-                <a16:creationId xmlns:a16="http://schemas.microsoft.com/office/drawing/2014/main" id="{982AF909-53F4-4931-A4C6-0A2FAE43A5B7}"/>
-              </a:ext>
-            </a:extLst>
-          </p:cNvPr>
-          <p:cNvPicPr>
-            <a:picLocks noChangeAspect="1"/>
-          </p:cNvPicPr>
-          <p:nvPr/>
-        </p:nvPicPr>
-        <p:blipFill>
-          <a:blip r:embed="rId2">
-            <a:extLst>
-              <a:ext uri="{28A0092B-C50C-407E-A947-70E740481C1C}">
-                <a14:useLocalDpi xmlns:a14="http://schemas.microsoft.com/office/drawing/2010/main" val="0"/>
-              </a:ext>
-            </a:extLst>
-          </a:blip>
-          <a:stretch>
-            <a:fillRect/>
-          </a:stretch>
-        </p:blipFill>
-        <p:spPr>
-          <a:xfrm>
-            <a:off x="2012836" y="2681920"/>
-            <a:ext cx="7060542" cy="1063082"/>
-          </a:xfrm>
-          <a:prstGeom prst="rect">
-            <a:avLst/>
-          </a:prstGeom>
-        </p:spPr>
-      </p:pic>
+            <a:r>
+              <a:rPr lang="en-US" noProof="0" dirty="0"/>
+              <a:t>Practice 1: build your own docker image</a:t>
+            </a:r>
+          </a:p>
+        </p:txBody>
+      </p:sp>
     </p:spTree>
     <p:extLst>
       <p:ext uri="{BB962C8B-B14F-4D97-AF65-F5344CB8AC3E}">
-        <p14:creationId xmlns:p14="http://schemas.microsoft.com/office/powerpoint/2010/main" val="1914445659"/>
+        <p14:creationId xmlns:p14="http://schemas.microsoft.com/office/powerpoint/2010/main" val="737140017"/>
       </p:ext>
     </p:extLst>
   </p:cSld>
@@ -9090,10 +8801,10 @@
       </p:grpSpPr>
       <p:sp>
         <p:nvSpPr>
-          <p:cNvPr id="2" name="Text Placeholder 1">
+          <p:cNvPr id="2" name="Content Placeholder 1">
             <a:extLst>
               <a:ext uri="{FF2B5EF4-FFF2-40B4-BE49-F238E27FC236}">
-                <a16:creationId xmlns:a16="http://schemas.microsoft.com/office/drawing/2014/main" id="{E68DA33A-59E3-4BEC-B00A-A3F6A5C8A272}"/>
+                <a16:creationId xmlns:a16="http://schemas.microsoft.com/office/drawing/2014/main" id="{A6A5CFDB-76E5-466C-A1F7-D533781B3790}"/>
               </a:ext>
             </a:extLst>
           </p:cNvPr>
@@ -9101,30 +8812,397 @@
             <a:spLocks noGrp="1"/>
           </p:cNvSpPr>
           <p:nvPr>
-            <p:ph type="body" sz="quarter" idx="10"/>
+            <p:ph idx="1"/>
           </p:nvPr>
         </p:nvSpPr>
-        <p:spPr/>
+        <p:spPr>
+          <a:xfrm>
+            <a:off x="5865223" y="2334854"/>
+            <a:ext cx="5872820" cy="3083339"/>
+          </a:xfrm>
+        </p:spPr>
         <p:txBody>
           <a:bodyPr/>
           <a:lstStyle/>
           <a:p>
+            <a:pPr marL="285750" indent="-285750">
+              <a:buFont typeface="Arial" panose="020B0604020202020204" pitchFamily="34" charset="0"/>
+              <a:buChar char="•"/>
+            </a:pPr>
             <a:r>
               <a:rPr lang="en-US" noProof="0" dirty="0"/>
-              <a:t>Practice 2: </a:t>
-            </a:r>
-            <a:r>
-              <a:rPr lang="en-US" dirty="0"/>
-              <a:t> build and run with docker compose</a:t>
-            </a:r>
-            <a:endParaRPr lang="en-US" noProof="0" dirty="0"/>
-          </a:p>
-        </p:txBody>
-      </p:sp>
+              <a:t>It is a tool for defining multi-container Docker Applications.</a:t>
+            </a:r>
+          </a:p>
+          <a:p>
+            <a:pPr marL="285750" indent="-285750">
+              <a:buFont typeface="Arial" panose="020B0604020202020204" pitchFamily="34" charset="0"/>
+              <a:buChar char="•"/>
+            </a:pPr>
+            <a:r>
+              <a:rPr lang="en-US" noProof="0" dirty="0"/>
+              <a:t>It is installed separately from Docker (</a:t>
+            </a:r>
+            <a:r>
+              <a:rPr lang="en-US" noProof="0" dirty="0" err="1"/>
+              <a:t>f.i</a:t>
+            </a:r>
+            <a:r>
+              <a:rPr lang="en-US" noProof="0" dirty="0"/>
+              <a:t>. currently not installed by default in Azure VM for containers)</a:t>
+            </a:r>
+          </a:p>
+          <a:p>
+            <a:pPr marL="285750" indent="-285750">
+              <a:buFont typeface="Arial" panose="020B0604020202020204" pitchFamily="34" charset="0"/>
+              <a:buChar char="•"/>
+            </a:pPr>
+            <a:r>
+              <a:rPr lang="en-US" noProof="0" dirty="0"/>
+              <a:t>Based on the Docker file plus docker-compose configuration files</a:t>
+            </a:r>
+          </a:p>
+          <a:p>
+            <a:pPr marL="285750" indent="-285750">
+              <a:buFont typeface="Arial" panose="020B0604020202020204" pitchFamily="34" charset="0"/>
+              <a:buChar char="•"/>
+            </a:pPr>
+            <a:r>
+              <a:rPr lang="en-US" noProof="0" dirty="0"/>
+              <a:t>Multiple docker-compose files structure to compose the final desired configuration</a:t>
+            </a:r>
+          </a:p>
+        </p:txBody>
+      </p:sp>
+      <p:sp>
+        <p:nvSpPr>
+          <p:cNvPr id="3" name="Title 2">
+            <a:extLst>
+              <a:ext uri="{FF2B5EF4-FFF2-40B4-BE49-F238E27FC236}">
+                <a16:creationId xmlns:a16="http://schemas.microsoft.com/office/drawing/2014/main" id="{FB27F8CD-1E47-4857-B9C1-2BA30F84D61D}"/>
+              </a:ext>
+            </a:extLst>
+          </p:cNvPr>
+          <p:cNvSpPr>
+            <a:spLocks noGrp="1"/>
+          </p:cNvSpPr>
+          <p:nvPr>
+            <p:ph type="title"/>
+          </p:nvPr>
+        </p:nvSpPr>
+        <p:spPr/>
+        <p:txBody>
+          <a:bodyPr/>
+          <a:lstStyle/>
+          <a:p>
+            <a:r>
+              <a:rPr lang="en-US" noProof="0" dirty="0"/>
+              <a:t>Docker compose</a:t>
+            </a:r>
+          </a:p>
+        </p:txBody>
+      </p:sp>
+      <p:pic>
+        <p:nvPicPr>
+          <p:cNvPr id="5" name="Picture 4" descr="A screenshot of a cell phone&#10;&#10;Description generated with very high confidence">
+            <a:extLst>
+              <a:ext uri="{FF2B5EF4-FFF2-40B4-BE49-F238E27FC236}">
+                <a16:creationId xmlns:a16="http://schemas.microsoft.com/office/drawing/2014/main" id="{C88B6C46-7A10-44B1-BD42-7A19A1DEC756}"/>
+              </a:ext>
+            </a:extLst>
+          </p:cNvPr>
+          <p:cNvPicPr>
+            <a:picLocks noChangeAspect="1"/>
+          </p:cNvPicPr>
+          <p:nvPr/>
+        </p:nvPicPr>
+        <p:blipFill>
+          <a:blip r:embed="rId2">
+            <a:extLst>
+              <a:ext uri="{28A0092B-C50C-407E-A947-70E740481C1C}">
+                <a14:useLocalDpi xmlns:a14="http://schemas.microsoft.com/office/drawing/2010/main" val="0"/>
+              </a:ext>
+            </a:extLst>
+          </a:blip>
+          <a:stretch>
+            <a:fillRect/>
+          </a:stretch>
+        </p:blipFill>
+        <p:spPr>
+          <a:xfrm>
+            <a:off x="780514" y="2334854"/>
+            <a:ext cx="4859384" cy="2658679"/>
+          </a:xfrm>
+          <a:prstGeom prst="rect">
+            <a:avLst/>
+          </a:prstGeom>
+        </p:spPr>
+      </p:pic>
     </p:spTree>
     <p:extLst>
       <p:ext uri="{BB962C8B-B14F-4D97-AF65-F5344CB8AC3E}">
-        <p14:creationId xmlns:p14="http://schemas.microsoft.com/office/powerpoint/2010/main" val="562086155"/>
+        <p14:creationId xmlns:p14="http://schemas.microsoft.com/office/powerpoint/2010/main" val="317120456"/>
+      </p:ext>
+    </p:extLst>
+  </p:cSld>
+  <p:clrMapOvr>
+    <a:masterClrMapping/>
+  </p:clrMapOvr>
+</p:sld>
+</file>
+
+<file path=ppt/slides/slide29.xml><?xml version="1.0" encoding="utf-8"?>
+<p:sld xmlns:a="http://schemas.openxmlformats.org/drawingml/2006/main" xmlns:r="http://schemas.openxmlformats.org/officeDocument/2006/relationships" xmlns:p="http://schemas.openxmlformats.org/presentationml/2006/main">
+  <p:cSld>
+    <p:spTree>
+      <p:nvGrpSpPr>
+        <p:cNvPr id="1" name=""/>
+        <p:cNvGrpSpPr/>
+        <p:nvPr/>
+      </p:nvGrpSpPr>
+      <p:grpSpPr>
+        <a:xfrm>
+          <a:off x="0" y="0"/>
+          <a:ext cx="0" cy="0"/>
+          <a:chOff x="0" y="0"/>
+          <a:chExt cx="0" cy="0"/>
+        </a:xfrm>
+      </p:grpSpPr>
+      <p:sp>
+        <p:nvSpPr>
+          <p:cNvPr id="2" name="Content Placeholder 1">
+            <a:extLst>
+              <a:ext uri="{FF2B5EF4-FFF2-40B4-BE49-F238E27FC236}">
+                <a16:creationId xmlns:a16="http://schemas.microsoft.com/office/drawing/2014/main" id="{270B15D4-EE64-439C-BCD6-2902F3295806}"/>
+              </a:ext>
+            </a:extLst>
+          </p:cNvPr>
+          <p:cNvSpPr>
+            <a:spLocks noGrp="1"/>
+          </p:cNvSpPr>
+          <p:nvPr>
+            <p:ph idx="1"/>
+          </p:nvPr>
+        </p:nvSpPr>
+        <p:spPr/>
+        <p:txBody>
+          <a:bodyPr/>
+          <a:lstStyle/>
+          <a:p>
+            <a:pPr marL="285750" indent="-285750">
+              <a:buFont typeface="Arial" panose="020B0604020202020204" pitchFamily="34" charset="0"/>
+              <a:buChar char="•"/>
+            </a:pPr>
+            <a:r>
+              <a:rPr lang="en-US" dirty="0"/>
+              <a:t>Main file is docker-</a:t>
+            </a:r>
+            <a:r>
+              <a:rPr lang="en-US" dirty="0" err="1"/>
+              <a:t>compose.yml</a:t>
+            </a:r>
+            <a:r>
+              <a:rPr lang="en-US" dirty="0"/>
+              <a:t> </a:t>
+            </a:r>
+            <a:r>
+              <a:rPr lang="en-US" dirty="0">
+                <a:sym typeface="Wingdings" panose="05000000000000000000" pitchFamily="2" charset="2"/>
+              </a:rPr>
+              <a:t> the more basic information about the service</a:t>
+            </a:r>
+          </a:p>
+          <a:p>
+            <a:pPr marL="285750" indent="-285750">
+              <a:buFont typeface="Arial" panose="020B0604020202020204" pitchFamily="34" charset="0"/>
+              <a:buChar char="•"/>
+            </a:pPr>
+            <a:r>
+              <a:rPr lang="en-US" dirty="0"/>
+              <a:t>Docker-</a:t>
+            </a:r>
+            <a:r>
+              <a:rPr lang="en-US" dirty="0" err="1"/>
+              <a:t>compose.override.yml</a:t>
+            </a:r>
+            <a:r>
+              <a:rPr lang="en-US" dirty="0"/>
+              <a:t> </a:t>
+            </a:r>
+            <a:r>
+              <a:rPr lang="en-US" dirty="0">
+                <a:sym typeface="Wingdings" panose="05000000000000000000" pitchFamily="2" charset="2"/>
+              </a:rPr>
+              <a:t> definition of the environment variables and default values</a:t>
+            </a:r>
+          </a:p>
+          <a:p>
+            <a:pPr marL="285750" indent="-285750">
+              <a:buFont typeface="Arial" panose="020B0604020202020204" pitchFamily="34" charset="0"/>
+              <a:buChar char="•"/>
+            </a:pPr>
+            <a:r>
+              <a:rPr lang="en-US" dirty="0">
+                <a:sym typeface="Wingdings" panose="05000000000000000000" pitchFamily="2" charset="2"/>
+              </a:rPr>
+              <a:t>Other files to set values for other environments</a:t>
+            </a:r>
+          </a:p>
+          <a:p>
+            <a:pPr marL="285750" indent="-285750">
+              <a:buFont typeface="Arial" panose="020B0604020202020204" pitchFamily="34" charset="0"/>
+              <a:buChar char="•"/>
+            </a:pPr>
+            <a:r>
+              <a:rPr lang="es-ES" dirty="0" err="1">
+                <a:sym typeface="Wingdings" panose="05000000000000000000" pitchFamily="2" charset="2"/>
+              </a:rPr>
+              <a:t>Possibility</a:t>
+            </a:r>
+            <a:r>
+              <a:rPr lang="es-ES" dirty="0">
+                <a:sym typeface="Wingdings" panose="05000000000000000000" pitchFamily="2" charset="2"/>
+              </a:rPr>
+              <a:t> </a:t>
+            </a:r>
+            <a:r>
+              <a:rPr lang="es-ES" dirty="0" err="1">
+                <a:sym typeface="Wingdings" panose="05000000000000000000" pitchFamily="2" charset="2"/>
+              </a:rPr>
+              <a:t>of</a:t>
+            </a:r>
+            <a:r>
+              <a:rPr lang="es-ES" dirty="0">
+                <a:sym typeface="Wingdings" panose="05000000000000000000" pitchFamily="2" charset="2"/>
+              </a:rPr>
+              <a:t> </a:t>
+            </a:r>
+            <a:r>
+              <a:rPr lang="es-ES" dirty="0" err="1">
+                <a:sym typeface="Wingdings" panose="05000000000000000000" pitchFamily="2" charset="2"/>
+              </a:rPr>
+              <a:t>value</a:t>
+            </a:r>
+            <a:r>
+              <a:rPr lang="es-ES" dirty="0">
+                <a:sym typeface="Wingdings" panose="05000000000000000000" pitchFamily="2" charset="2"/>
+              </a:rPr>
+              <a:t> </a:t>
+            </a:r>
+            <a:r>
+              <a:rPr lang="es-ES" dirty="0" err="1">
+                <a:sym typeface="Wingdings" panose="05000000000000000000" pitchFamily="2" charset="2"/>
+              </a:rPr>
+              <a:t>substitution</a:t>
+            </a:r>
+            <a:r>
+              <a:rPr lang="es-ES" dirty="0">
+                <a:sym typeface="Wingdings" panose="05000000000000000000" pitchFamily="2" charset="2"/>
+              </a:rPr>
+              <a:t> </a:t>
+            </a:r>
+            <a:r>
+              <a:rPr lang="es-ES" dirty="0" err="1">
+                <a:sym typeface="Wingdings" panose="05000000000000000000" pitchFamily="2" charset="2"/>
+              </a:rPr>
+              <a:t>through</a:t>
+            </a:r>
+            <a:r>
+              <a:rPr lang="es-ES" dirty="0">
+                <a:sym typeface="Wingdings" panose="05000000000000000000" pitchFamily="2" charset="2"/>
+              </a:rPr>
+              <a:t> </a:t>
+            </a:r>
+            <a:r>
+              <a:rPr lang="es-ES" dirty="0" err="1">
+                <a:sym typeface="Wingdings" panose="05000000000000000000" pitchFamily="2" charset="2"/>
+              </a:rPr>
+              <a:t>the</a:t>
+            </a:r>
+            <a:r>
+              <a:rPr lang="es-ES" dirty="0">
+                <a:sym typeface="Wingdings" panose="05000000000000000000" pitchFamily="2" charset="2"/>
+              </a:rPr>
+              <a:t> .</a:t>
+            </a:r>
+            <a:r>
+              <a:rPr lang="es-ES" dirty="0" err="1">
+                <a:sym typeface="Wingdings" panose="05000000000000000000" pitchFamily="2" charset="2"/>
+              </a:rPr>
+              <a:t>env</a:t>
+            </a:r>
+            <a:r>
+              <a:rPr lang="es-ES" dirty="0">
+                <a:sym typeface="Wingdings" panose="05000000000000000000" pitchFamily="2" charset="2"/>
+              </a:rPr>
+              <a:t> file</a:t>
+            </a:r>
+            <a:endParaRPr lang="en-US" dirty="0"/>
+          </a:p>
+        </p:txBody>
+      </p:sp>
+      <p:sp>
+        <p:nvSpPr>
+          <p:cNvPr id="3" name="Title 2">
+            <a:extLst>
+              <a:ext uri="{FF2B5EF4-FFF2-40B4-BE49-F238E27FC236}">
+                <a16:creationId xmlns:a16="http://schemas.microsoft.com/office/drawing/2014/main" id="{02C3B8EB-9F5E-4919-BFC3-7D341572275C}"/>
+              </a:ext>
+            </a:extLst>
+          </p:cNvPr>
+          <p:cNvSpPr>
+            <a:spLocks noGrp="1"/>
+          </p:cNvSpPr>
+          <p:nvPr>
+            <p:ph type="title"/>
+          </p:nvPr>
+        </p:nvSpPr>
+        <p:spPr/>
+        <p:txBody>
+          <a:bodyPr/>
+          <a:lstStyle/>
+          <a:p>
+            <a:r>
+              <a:rPr lang="en-US" dirty="0"/>
+              <a:t>Compose files</a:t>
+            </a:r>
+          </a:p>
+        </p:txBody>
+      </p:sp>
+      <p:pic>
+        <p:nvPicPr>
+          <p:cNvPr id="4" name="Imagen 3">
+            <a:extLst>
+              <a:ext uri="{FF2B5EF4-FFF2-40B4-BE49-F238E27FC236}">
+                <a16:creationId xmlns:a16="http://schemas.microsoft.com/office/drawing/2014/main" id="{5FB7F963-75AB-4E87-9602-D58E7A77F07D}"/>
+              </a:ext>
+            </a:extLst>
+          </p:cNvPr>
+          <p:cNvPicPr>
+            <a:picLocks noChangeAspect="1"/>
+          </p:cNvPicPr>
+          <p:nvPr/>
+        </p:nvPicPr>
+        <p:blipFill>
+          <a:blip r:embed="rId2"/>
+          <a:stretch>
+            <a:fillRect/>
+          </a:stretch>
+        </p:blipFill>
+        <p:spPr>
+          <a:xfrm>
+            <a:off x="4352925" y="4007007"/>
+            <a:ext cx="3486150" cy="2295525"/>
+          </a:xfrm>
+          <a:prstGeom prst="rect">
+            <a:avLst/>
+          </a:prstGeom>
+        </p:spPr>
+      </p:pic>
+    </p:spTree>
+    <p:extLst>
+      <p:ext uri="{BB962C8B-B14F-4D97-AF65-F5344CB8AC3E}">
+        <p14:creationId xmlns:p14="http://schemas.microsoft.com/office/powerpoint/2010/main" val="3446764012"/>
       </p:ext>
     </p:extLst>
   </p:cSld>
@@ -9335,6 +9413,483 @@
     <p:extLst>
       <p:ext uri="{BB962C8B-B14F-4D97-AF65-F5344CB8AC3E}">
         <p14:creationId xmlns:p14="http://schemas.microsoft.com/office/powerpoint/2010/main" val="2651920209"/>
+      </p:ext>
+    </p:extLst>
+  </p:cSld>
+  <p:clrMapOvr>
+    <a:masterClrMapping/>
+  </p:clrMapOvr>
+</p:sld>
+</file>
+
+<file path=ppt/slides/slide30.xml><?xml version="1.0" encoding="utf-8"?>
+<p:sld xmlns:a="http://schemas.openxmlformats.org/drawingml/2006/main" xmlns:r="http://schemas.openxmlformats.org/officeDocument/2006/relationships" xmlns:p="http://schemas.openxmlformats.org/presentationml/2006/main">
+  <p:cSld>
+    <p:spTree>
+      <p:nvGrpSpPr>
+        <p:cNvPr id="1" name=""/>
+        <p:cNvGrpSpPr/>
+        <p:nvPr/>
+      </p:nvGrpSpPr>
+      <p:grpSpPr>
+        <a:xfrm>
+          <a:off x="0" y="0"/>
+          <a:ext cx="0" cy="0"/>
+          <a:chOff x="0" y="0"/>
+          <a:chExt cx="0" cy="0"/>
+        </a:xfrm>
+      </p:grpSpPr>
+      <p:sp>
+        <p:nvSpPr>
+          <p:cNvPr id="2" name="Content Placeholder 1">
+            <a:extLst>
+              <a:ext uri="{FF2B5EF4-FFF2-40B4-BE49-F238E27FC236}">
+                <a16:creationId xmlns:a16="http://schemas.microsoft.com/office/drawing/2014/main" id="{270B15D4-EE64-439C-BCD6-2902F3295806}"/>
+              </a:ext>
+            </a:extLst>
+          </p:cNvPr>
+          <p:cNvSpPr>
+            <a:spLocks noGrp="1"/>
+          </p:cNvSpPr>
+          <p:nvPr>
+            <p:ph idx="1"/>
+          </p:nvPr>
+        </p:nvSpPr>
+        <p:spPr/>
+        <p:txBody>
+          <a:bodyPr/>
+          <a:lstStyle/>
+          <a:p>
+            <a:pPr marL="285750" indent="-285750">
+              <a:buFont typeface="Arial" panose="020B0604020202020204" pitchFamily="34" charset="0"/>
+              <a:buChar char="•"/>
+            </a:pPr>
+            <a:r>
+              <a:rPr lang="en-US" dirty="0">
+                <a:sym typeface="Wingdings" panose="05000000000000000000" pitchFamily="2" charset="2"/>
+              </a:rPr>
+              <a:t>Possibility of value substitution through the .</a:t>
+            </a:r>
+            <a:r>
+              <a:rPr lang="en-US" dirty="0" err="1">
+                <a:sym typeface="Wingdings" panose="05000000000000000000" pitchFamily="2" charset="2"/>
+              </a:rPr>
+              <a:t>env</a:t>
+            </a:r>
+            <a:r>
+              <a:rPr lang="en-US" dirty="0">
+                <a:sym typeface="Wingdings" panose="05000000000000000000" pitchFamily="2" charset="2"/>
+              </a:rPr>
+              <a:t> file</a:t>
+            </a:r>
+          </a:p>
+          <a:p>
+            <a:endParaRPr lang="en-US" dirty="0">
+              <a:sym typeface="Wingdings" panose="05000000000000000000" pitchFamily="2" charset="2"/>
+            </a:endParaRPr>
+          </a:p>
+          <a:p>
+            <a:endParaRPr lang="en-US" dirty="0"/>
+          </a:p>
+        </p:txBody>
+      </p:sp>
+      <p:sp>
+        <p:nvSpPr>
+          <p:cNvPr id="3" name="Title 2">
+            <a:extLst>
+              <a:ext uri="{FF2B5EF4-FFF2-40B4-BE49-F238E27FC236}">
+                <a16:creationId xmlns:a16="http://schemas.microsoft.com/office/drawing/2014/main" id="{02C3B8EB-9F5E-4919-BFC3-7D341572275C}"/>
+              </a:ext>
+            </a:extLst>
+          </p:cNvPr>
+          <p:cNvSpPr>
+            <a:spLocks noGrp="1"/>
+          </p:cNvSpPr>
+          <p:nvPr>
+            <p:ph type="title"/>
+          </p:nvPr>
+        </p:nvSpPr>
+        <p:spPr/>
+        <p:txBody>
+          <a:bodyPr/>
+          <a:lstStyle/>
+          <a:p>
+            <a:r>
+              <a:rPr lang="en-US" dirty="0"/>
+              <a:t>Value substitution</a:t>
+            </a:r>
+          </a:p>
+        </p:txBody>
+      </p:sp>
+      <p:pic>
+        <p:nvPicPr>
+          <p:cNvPr id="7" name="Imagen 6">
+            <a:extLst>
+              <a:ext uri="{FF2B5EF4-FFF2-40B4-BE49-F238E27FC236}">
+                <a16:creationId xmlns:a16="http://schemas.microsoft.com/office/drawing/2014/main" id="{B3FAF78F-CBA0-434E-84A2-56E2D92DA1EE}"/>
+              </a:ext>
+            </a:extLst>
+          </p:cNvPr>
+          <p:cNvPicPr>
+            <a:picLocks noChangeAspect="1"/>
+          </p:cNvPicPr>
+          <p:nvPr/>
+        </p:nvPicPr>
+        <p:blipFill>
+          <a:blip r:embed="rId2"/>
+          <a:stretch>
+            <a:fillRect/>
+          </a:stretch>
+        </p:blipFill>
+        <p:spPr>
+          <a:xfrm>
+            <a:off x="2263952" y="5062574"/>
+            <a:ext cx="7610475" cy="628650"/>
+          </a:xfrm>
+          <a:prstGeom prst="rect">
+            <a:avLst/>
+          </a:prstGeom>
+        </p:spPr>
+      </p:pic>
+      <p:sp>
+        <p:nvSpPr>
+          <p:cNvPr id="9" name="CuadroTexto 8">
+            <a:extLst>
+              <a:ext uri="{FF2B5EF4-FFF2-40B4-BE49-F238E27FC236}">
+                <a16:creationId xmlns:a16="http://schemas.microsoft.com/office/drawing/2014/main" id="{A61709E3-AFD3-499D-BE61-FD162028D863}"/>
+              </a:ext>
+            </a:extLst>
+          </p:cNvPr>
+          <p:cNvSpPr txBox="1"/>
+          <p:nvPr/>
+        </p:nvSpPr>
+        <p:spPr>
+          <a:xfrm>
+            <a:off x="2263952" y="3205288"/>
+            <a:ext cx="4400282" cy="338554"/>
+          </a:xfrm>
+          <a:prstGeom prst="rect">
+            <a:avLst/>
+          </a:prstGeom>
+          <a:noFill/>
+        </p:spPr>
+        <p:txBody>
+          <a:bodyPr wrap="square" rtlCol="0">
+            <a:spAutoFit/>
+          </a:bodyPr>
+          <a:lstStyle/>
+          <a:p>
+            <a:r>
+              <a:rPr lang="es-ES" sz="1600" dirty="0" err="1">
+                <a:solidFill>
+                  <a:schemeClr val="tx2"/>
+                </a:solidFill>
+                <a:latin typeface="Open Sans" panose="020B0606030504020204" pitchFamily="34" charset="0"/>
+                <a:ea typeface="Open Sans" panose="020B0606030504020204" pitchFamily="34" charset="0"/>
+                <a:cs typeface="Open Sans" panose="020B0606030504020204" pitchFamily="34" charset="0"/>
+              </a:rPr>
+              <a:t>docker-compose.override.yml</a:t>
+            </a:r>
+            <a:endParaRPr lang="en-US" sz="1600" dirty="0">
+              <a:solidFill>
+                <a:schemeClr val="tx2"/>
+              </a:solidFill>
+              <a:latin typeface="Open Sans" panose="020B0606030504020204" pitchFamily="34" charset="0"/>
+              <a:ea typeface="Open Sans" panose="020B0606030504020204" pitchFamily="34" charset="0"/>
+              <a:cs typeface="Open Sans" panose="020B0606030504020204" pitchFamily="34" charset="0"/>
+            </a:endParaRPr>
+          </a:p>
+        </p:txBody>
+      </p:sp>
+      <p:sp>
+        <p:nvSpPr>
+          <p:cNvPr id="11" name="CuadroTexto 10">
+            <a:extLst>
+              <a:ext uri="{FF2B5EF4-FFF2-40B4-BE49-F238E27FC236}">
+                <a16:creationId xmlns:a16="http://schemas.microsoft.com/office/drawing/2014/main" id="{4D23CC94-1BD6-4D8A-AB1E-B74DC73AE06D}"/>
+              </a:ext>
+            </a:extLst>
+          </p:cNvPr>
+          <p:cNvSpPr txBox="1"/>
+          <p:nvPr/>
+        </p:nvSpPr>
+        <p:spPr>
+          <a:xfrm>
+            <a:off x="2287562" y="4722851"/>
+            <a:ext cx="4400282" cy="338554"/>
+          </a:xfrm>
+          <a:prstGeom prst="rect">
+            <a:avLst/>
+          </a:prstGeom>
+          <a:noFill/>
+        </p:spPr>
+        <p:txBody>
+          <a:bodyPr wrap="square" rtlCol="0">
+            <a:spAutoFit/>
+          </a:bodyPr>
+          <a:lstStyle/>
+          <a:p>
+            <a:r>
+              <a:rPr lang="es-ES" sz="1600" dirty="0">
+                <a:solidFill>
+                  <a:schemeClr val="tx2"/>
+                </a:solidFill>
+                <a:latin typeface="Open Sans" panose="020B0606030504020204" pitchFamily="34" charset="0"/>
+                <a:ea typeface="Open Sans" panose="020B0606030504020204" pitchFamily="34" charset="0"/>
+                <a:cs typeface="Open Sans" panose="020B0606030504020204" pitchFamily="34" charset="0"/>
+              </a:rPr>
+              <a:t>.</a:t>
+            </a:r>
+            <a:r>
+              <a:rPr lang="es-ES" sz="1600" dirty="0" err="1">
+                <a:solidFill>
+                  <a:schemeClr val="tx2"/>
+                </a:solidFill>
+                <a:latin typeface="Open Sans" panose="020B0606030504020204" pitchFamily="34" charset="0"/>
+                <a:ea typeface="Open Sans" panose="020B0606030504020204" pitchFamily="34" charset="0"/>
+                <a:cs typeface="Open Sans" panose="020B0606030504020204" pitchFamily="34" charset="0"/>
+              </a:rPr>
+              <a:t>env</a:t>
+            </a:r>
+            <a:endParaRPr lang="en-US" sz="1600" dirty="0">
+              <a:solidFill>
+                <a:schemeClr val="tx2"/>
+              </a:solidFill>
+              <a:latin typeface="Open Sans" panose="020B0606030504020204" pitchFamily="34" charset="0"/>
+              <a:ea typeface="Open Sans" panose="020B0606030504020204" pitchFamily="34" charset="0"/>
+              <a:cs typeface="Open Sans" panose="020B0606030504020204" pitchFamily="34" charset="0"/>
+            </a:endParaRPr>
+          </a:p>
+        </p:txBody>
+      </p:sp>
+      <p:pic>
+        <p:nvPicPr>
+          <p:cNvPr id="13" name="Imagen 12">
+            <a:extLst>
+              <a:ext uri="{FF2B5EF4-FFF2-40B4-BE49-F238E27FC236}">
+                <a16:creationId xmlns:a16="http://schemas.microsoft.com/office/drawing/2014/main" id="{0C3CB4A2-4E16-46F3-BA93-D8B53B38B4CB}"/>
+              </a:ext>
+            </a:extLst>
+          </p:cNvPr>
+          <p:cNvPicPr>
+            <a:picLocks noChangeAspect="1"/>
+          </p:cNvPicPr>
+          <p:nvPr/>
+        </p:nvPicPr>
+        <p:blipFill>
+          <a:blip r:embed="rId3"/>
+          <a:stretch>
+            <a:fillRect/>
+          </a:stretch>
+        </p:blipFill>
+        <p:spPr>
+          <a:xfrm>
+            <a:off x="2263952" y="3571746"/>
+            <a:ext cx="7705725" cy="752475"/>
+          </a:xfrm>
+          <a:prstGeom prst="rect">
+            <a:avLst/>
+          </a:prstGeom>
+        </p:spPr>
+      </p:pic>
+    </p:spTree>
+    <p:extLst>
+      <p:ext uri="{BB962C8B-B14F-4D97-AF65-F5344CB8AC3E}">
+        <p14:creationId xmlns:p14="http://schemas.microsoft.com/office/powerpoint/2010/main" val="1473399647"/>
+      </p:ext>
+    </p:extLst>
+  </p:cSld>
+  <p:clrMapOvr>
+    <a:masterClrMapping/>
+  </p:clrMapOvr>
+</p:sld>
+</file>
+
+<file path=ppt/slides/slide31.xml><?xml version="1.0" encoding="utf-8"?>
+<p:sld xmlns:a="http://schemas.openxmlformats.org/drawingml/2006/main" xmlns:r="http://schemas.openxmlformats.org/officeDocument/2006/relationships" xmlns:p="http://schemas.openxmlformats.org/presentationml/2006/main">
+  <p:cSld>
+    <p:spTree>
+      <p:nvGrpSpPr>
+        <p:cNvPr id="1" name=""/>
+        <p:cNvGrpSpPr/>
+        <p:nvPr/>
+      </p:nvGrpSpPr>
+      <p:grpSpPr>
+        <a:xfrm>
+          <a:off x="0" y="0"/>
+          <a:ext cx="0" cy="0"/>
+          <a:chOff x="0" y="0"/>
+          <a:chExt cx="0" cy="0"/>
+        </a:xfrm>
+      </p:grpSpPr>
+      <p:sp>
+        <p:nvSpPr>
+          <p:cNvPr id="2" name="Content Placeholder 1">
+            <a:extLst>
+              <a:ext uri="{FF2B5EF4-FFF2-40B4-BE49-F238E27FC236}">
+                <a16:creationId xmlns:a16="http://schemas.microsoft.com/office/drawing/2014/main" id="{1C6408A6-102A-4816-BE08-8BC69F69A4EE}"/>
+              </a:ext>
+            </a:extLst>
+          </p:cNvPr>
+          <p:cNvSpPr>
+            <a:spLocks noGrp="1"/>
+          </p:cNvSpPr>
+          <p:nvPr>
+            <p:ph idx="1"/>
+          </p:nvPr>
+        </p:nvSpPr>
+        <p:spPr/>
+        <p:txBody>
+          <a:bodyPr/>
+          <a:lstStyle/>
+          <a:p>
+            <a:endParaRPr lang="ca-ES" dirty="0"/>
+          </a:p>
+          <a:p>
+            <a:endParaRPr lang="ca-ES" dirty="0"/>
+          </a:p>
+        </p:txBody>
+      </p:sp>
+      <p:sp>
+        <p:nvSpPr>
+          <p:cNvPr id="3" name="Title 2">
+            <a:extLst>
+              <a:ext uri="{FF2B5EF4-FFF2-40B4-BE49-F238E27FC236}">
+                <a16:creationId xmlns:a16="http://schemas.microsoft.com/office/drawing/2014/main" id="{2ED9B935-713F-47A4-A346-A2FE9FC32CAB}"/>
+              </a:ext>
+            </a:extLst>
+          </p:cNvPr>
+          <p:cNvSpPr>
+            <a:spLocks noGrp="1"/>
+          </p:cNvSpPr>
+          <p:nvPr>
+            <p:ph type="title"/>
+          </p:nvPr>
+        </p:nvSpPr>
+        <p:spPr/>
+        <p:txBody>
+          <a:bodyPr/>
+          <a:lstStyle/>
+          <a:p>
+            <a:r>
+              <a:rPr lang="ca-ES" dirty="0" err="1"/>
+              <a:t>Some</a:t>
+            </a:r>
+            <a:r>
+              <a:rPr lang="ca-ES" dirty="0"/>
+              <a:t> </a:t>
+            </a:r>
+            <a:r>
+              <a:rPr lang="ca-ES" dirty="0" err="1"/>
+              <a:t>options</a:t>
+            </a:r>
+            <a:endParaRPr lang="ca-ES" dirty="0"/>
+          </a:p>
+        </p:txBody>
+      </p:sp>
+      <p:pic>
+        <p:nvPicPr>
+          <p:cNvPr id="13" name="Picture 12" descr="A screenshot of a cell phone&#10;&#10;Description generated with high confidence">
+            <a:extLst>
+              <a:ext uri="{FF2B5EF4-FFF2-40B4-BE49-F238E27FC236}">
+                <a16:creationId xmlns:a16="http://schemas.microsoft.com/office/drawing/2014/main" id="{982AF909-53F4-4931-A4C6-0A2FAE43A5B7}"/>
+              </a:ext>
+            </a:extLst>
+          </p:cNvPr>
+          <p:cNvPicPr>
+            <a:picLocks noChangeAspect="1"/>
+          </p:cNvPicPr>
+          <p:nvPr/>
+        </p:nvPicPr>
+        <p:blipFill>
+          <a:blip r:embed="rId2">
+            <a:extLst>
+              <a:ext uri="{28A0092B-C50C-407E-A947-70E740481C1C}">
+                <a14:useLocalDpi xmlns:a14="http://schemas.microsoft.com/office/drawing/2010/main" val="0"/>
+              </a:ext>
+            </a:extLst>
+          </a:blip>
+          <a:stretch>
+            <a:fillRect/>
+          </a:stretch>
+        </p:blipFill>
+        <p:spPr>
+          <a:xfrm>
+            <a:off x="2012836" y="2681920"/>
+            <a:ext cx="7060542" cy="1063082"/>
+          </a:xfrm>
+          <a:prstGeom prst="rect">
+            <a:avLst/>
+          </a:prstGeom>
+        </p:spPr>
+      </p:pic>
+    </p:spTree>
+    <p:extLst>
+      <p:ext uri="{BB962C8B-B14F-4D97-AF65-F5344CB8AC3E}">
+        <p14:creationId xmlns:p14="http://schemas.microsoft.com/office/powerpoint/2010/main" val="1914445659"/>
+      </p:ext>
+    </p:extLst>
+  </p:cSld>
+  <p:clrMapOvr>
+    <a:masterClrMapping/>
+  </p:clrMapOvr>
+</p:sld>
+</file>
+
+<file path=ppt/slides/slide32.xml><?xml version="1.0" encoding="utf-8"?>
+<p:sld xmlns:a="http://schemas.openxmlformats.org/drawingml/2006/main" xmlns:r="http://schemas.openxmlformats.org/officeDocument/2006/relationships" xmlns:p="http://schemas.openxmlformats.org/presentationml/2006/main">
+  <p:cSld>
+    <p:spTree>
+      <p:nvGrpSpPr>
+        <p:cNvPr id="1" name=""/>
+        <p:cNvGrpSpPr/>
+        <p:nvPr/>
+      </p:nvGrpSpPr>
+      <p:grpSpPr>
+        <a:xfrm>
+          <a:off x="0" y="0"/>
+          <a:ext cx="0" cy="0"/>
+          <a:chOff x="0" y="0"/>
+          <a:chExt cx="0" cy="0"/>
+        </a:xfrm>
+      </p:grpSpPr>
+      <p:sp>
+        <p:nvSpPr>
+          <p:cNvPr id="2" name="Text Placeholder 1">
+            <a:extLst>
+              <a:ext uri="{FF2B5EF4-FFF2-40B4-BE49-F238E27FC236}">
+                <a16:creationId xmlns:a16="http://schemas.microsoft.com/office/drawing/2014/main" id="{E68DA33A-59E3-4BEC-B00A-A3F6A5C8A272}"/>
+              </a:ext>
+            </a:extLst>
+          </p:cNvPr>
+          <p:cNvSpPr>
+            <a:spLocks noGrp="1"/>
+          </p:cNvSpPr>
+          <p:nvPr>
+            <p:ph type="body" sz="quarter" idx="10"/>
+          </p:nvPr>
+        </p:nvSpPr>
+        <p:spPr/>
+        <p:txBody>
+          <a:bodyPr/>
+          <a:lstStyle/>
+          <a:p>
+            <a:r>
+              <a:rPr lang="en-US" noProof="0" dirty="0"/>
+              <a:t>Practice 2: </a:t>
+            </a:r>
+            <a:r>
+              <a:rPr lang="en-US" dirty="0"/>
+              <a:t> build and run with docker compose</a:t>
+            </a:r>
+            <a:endParaRPr lang="en-US" noProof="0" dirty="0"/>
+          </a:p>
+        </p:txBody>
+      </p:sp>
+    </p:spTree>
+    <p:extLst>
+      <p:ext uri="{BB962C8B-B14F-4D97-AF65-F5344CB8AC3E}">
+        <p14:creationId xmlns:p14="http://schemas.microsoft.com/office/powerpoint/2010/main" val="562086155"/>
       </p:ext>
     </p:extLst>
   </p:cSld>
@@ -9580,7 +10135,9 @@
         </p:nvSpPr>
         <p:spPr/>
         <p:txBody>
-          <a:bodyPr/>
+          <a:bodyPr>
+            <a:normAutofit lnSpcReduction="10000"/>
+          </a:bodyPr>
           <a:lstStyle/>
           <a:p>
             <a:pPr lvl="0"/>
@@ -9594,7 +10151,7 @@
             <a:pPr lvl="1"/>
             <a:r>
               <a:rPr lang="en-US" sz="1600" dirty="0"/>
-              <a:t>Invoke objects over HTTP </a:t>
+              <a:t>Invoke object methods over HTTP </a:t>
             </a:r>
             <a:endParaRPr lang="es-ES" sz="1600" dirty="0"/>
           </a:p>
@@ -9604,7 +10161,13 @@
               <a:rPr lang="en-US" sz="1600" dirty="0"/>
               <a:t>Interoperation between systems implemented on different languages.</a:t>
             </a:r>
-            <a:endParaRPr lang="es-ES" sz="1600" dirty="0"/>
+          </a:p>
+          <a:p>
+            <a:pPr lvl="1"/>
+            <a:r>
+              <a:rPr lang="en-US" sz="1600" dirty="0"/>
+              <a:t>Not simple protocol: multiple layers, complex XMLs</a:t>
+            </a:r>
           </a:p>
           <a:p>
             <a:pPr lvl="1"/>
@@ -9631,14 +10194,31 @@
               <a:rPr lang="en-US" sz="1600" dirty="0"/>
               <a:t>It uses HTTP verbs as defined in specification</a:t>
             </a:r>
+          </a:p>
+          <a:p>
+            <a:pPr lvl="1"/>
+            <a:r>
+              <a:rPr lang="en-US" sz="1600" dirty="0"/>
+              <a:t>It works with resources</a:t>
+            </a:r>
+          </a:p>
+          <a:p>
+            <a:pPr lvl="1"/>
+            <a:r>
+              <a:rPr lang="en-US" sz="1600" dirty="0"/>
+              <a:t>Highly decoupled from the consumers</a:t>
+            </a:r>
             <a:endParaRPr lang="es-ES" sz="1600" dirty="0"/>
           </a:p>
           <a:p>
             <a:pPr lvl="1"/>
             <a:r>
               <a:rPr lang="en-US" sz="1600" dirty="0"/>
-              <a:t>Designed for high scalability</a:t>
-            </a:r>
+              <a:t>Designed for high scalability (generally lighter than SOAP)</a:t>
+            </a:r>
+          </a:p>
+          <a:p>
+            <a:pPr lvl="1"/>
             <a:endParaRPr lang="es-ES" sz="1600" dirty="0"/>
           </a:p>
           <a:p>
@@ -9718,7 +10298,7 @@
           <p:cNvPr id="2" name="Content Placeholder 1">
             <a:extLst>
               <a:ext uri="{FF2B5EF4-FFF2-40B4-BE49-F238E27FC236}">
-                <a16:creationId xmlns:a16="http://schemas.microsoft.com/office/drawing/2014/main" id="{D53B3C48-3893-4347-96BD-E26435312F9E}"/>
+                <a16:creationId xmlns:a16="http://schemas.microsoft.com/office/drawing/2014/main" id="{36D23AE8-837A-4D06-A9FA-2692E97C30C2}"/>
               </a:ext>
             </a:extLst>
           </p:cNvPr>
@@ -9731,38 +10311,16 @@
         </p:nvSpPr>
         <p:spPr/>
         <p:txBody>
-          <a:bodyPr/>
+          <a:bodyPr>
+            <a:normAutofit/>
+          </a:bodyPr>
           <a:lstStyle/>
           <a:p>
-            <a:pPr lvl="0"/>
-            <a:r>
-              <a:rPr lang="en-US" dirty="0"/>
-              <a:t>SOA: from the experiences emerges the term SOA to define a way to design services that collaborate together</a:t>
-            </a:r>
-            <a:endParaRPr lang="es-ES" dirty="0"/>
-          </a:p>
-          <a:p>
             <a:pPr lvl="1"/>
-            <a:r>
-              <a:rPr lang="en-US" sz="1600" dirty="0"/>
-              <a:t>Substitute large monolithic apps by a more sensible design for services.</a:t>
-            </a:r>
             <a:endParaRPr lang="es-ES" sz="1600" dirty="0"/>
           </a:p>
           <a:p>
-            <a:pPr lvl="1"/>
-            <a:r>
-              <a:rPr lang="en-US" sz="1600" dirty="0"/>
-              <a:t>Multiple interpretations and implementations, some of them very coupled to vendor.</a:t>
-            </a:r>
-            <a:endParaRPr lang="es-ES" sz="1600" dirty="0"/>
-          </a:p>
-          <a:p>
-            <a:pPr lvl="1"/>
-            <a:r>
-              <a:rPr lang="en-US" sz="1600" dirty="0"/>
-              <a:t>Important improvement. Compared to microservices, still not too based in real-world practices.</a:t>
-            </a:r>
+            <a:endParaRPr lang="ca-ES" dirty="0"/>
           </a:p>
         </p:txBody>
       </p:sp>
@@ -9771,7 +10329,7 @@
           <p:cNvPr id="3" name="Title 2">
             <a:extLst>
               <a:ext uri="{FF2B5EF4-FFF2-40B4-BE49-F238E27FC236}">
-                <a16:creationId xmlns:a16="http://schemas.microsoft.com/office/drawing/2014/main" id="{C25340A4-2315-439C-8F6D-F1FC8BD6F976}"/>
+                <a16:creationId xmlns:a16="http://schemas.microsoft.com/office/drawing/2014/main" id="{045C3877-A738-4733-B4E1-6C7F8D6C4A2B}"/>
               </a:ext>
             </a:extLst>
           </p:cNvPr>
@@ -9803,10 +10361,116 @@
           </a:p>
         </p:txBody>
       </p:sp>
+      <p:pic>
+        <p:nvPicPr>
+          <p:cNvPr id="4" name="Picture 3">
+            <a:extLst>
+              <a:ext uri="{FF2B5EF4-FFF2-40B4-BE49-F238E27FC236}">
+                <a16:creationId xmlns:a16="http://schemas.microsoft.com/office/drawing/2014/main" id="{2B669684-A0EB-4A33-8FBE-4A8A6B0DCEB7}"/>
+              </a:ext>
+            </a:extLst>
+          </p:cNvPr>
+          <p:cNvPicPr>
+            <a:picLocks noChangeAspect="1"/>
+          </p:cNvPicPr>
+          <p:nvPr/>
+        </p:nvPicPr>
+        <p:blipFill>
+          <a:blip r:embed="rId2"/>
+          <a:stretch>
+            <a:fillRect/>
+          </a:stretch>
+        </p:blipFill>
+        <p:spPr>
+          <a:xfrm>
+            <a:off x="812653" y="2253947"/>
+            <a:ext cx="5730920" cy="2587776"/>
+          </a:xfrm>
+          <a:prstGeom prst="rect">
+            <a:avLst/>
+          </a:prstGeom>
+          <a:ln w="22225">
+            <a:solidFill>
+              <a:schemeClr val="accent1"/>
+            </a:solidFill>
+          </a:ln>
+        </p:spPr>
+      </p:pic>
+      <p:pic>
+        <p:nvPicPr>
+          <p:cNvPr id="5" name="Picture 4">
+            <a:extLst>
+              <a:ext uri="{FF2B5EF4-FFF2-40B4-BE49-F238E27FC236}">
+                <a16:creationId xmlns:a16="http://schemas.microsoft.com/office/drawing/2014/main" id="{31D84C47-9E31-4298-A7A7-39B7F8F24808}"/>
+              </a:ext>
+            </a:extLst>
+          </p:cNvPr>
+          <p:cNvPicPr>
+            <a:picLocks noChangeAspect="1"/>
+          </p:cNvPicPr>
+          <p:nvPr/>
+        </p:nvPicPr>
+        <p:blipFill>
+          <a:blip r:embed="rId3"/>
+          <a:stretch>
+            <a:fillRect/>
+          </a:stretch>
+        </p:blipFill>
+        <p:spPr>
+          <a:xfrm>
+            <a:off x="7439962" y="3117235"/>
+            <a:ext cx="3697423" cy="623530"/>
+          </a:xfrm>
+          <a:prstGeom prst="rect">
+            <a:avLst/>
+          </a:prstGeom>
+          <a:noFill/>
+          <a:ln w="22225">
+            <a:solidFill>
+              <a:schemeClr val="accent1"/>
+            </a:solidFill>
+          </a:ln>
+        </p:spPr>
+      </p:pic>
+      <p:sp>
+        <p:nvSpPr>
+          <p:cNvPr id="6" name="TextBox 5">
+            <a:extLst>
+              <a:ext uri="{FF2B5EF4-FFF2-40B4-BE49-F238E27FC236}">
+                <a16:creationId xmlns:a16="http://schemas.microsoft.com/office/drawing/2014/main" id="{8F615FC5-0099-4F55-AD66-FDDCFABAB012}"/>
+              </a:ext>
+            </a:extLst>
+          </p:cNvPr>
+          <p:cNvSpPr txBox="1"/>
+          <p:nvPr/>
+        </p:nvSpPr>
+        <p:spPr>
+          <a:xfrm>
+            <a:off x="6713975" y="3244334"/>
+            <a:ext cx="555584" cy="369332"/>
+          </a:xfrm>
+          <a:prstGeom prst="rect">
+            <a:avLst/>
+          </a:prstGeom>
+          <a:noFill/>
+        </p:spPr>
+        <p:txBody>
+          <a:bodyPr wrap="square" rtlCol="0">
+            <a:spAutoFit/>
+          </a:bodyPr>
+          <a:lstStyle/>
+          <a:p>
+            <a:r>
+              <a:rPr lang="ca-ES" b="1" dirty="0"/>
+              <a:t>VS</a:t>
+            </a:r>
+          </a:p>
+        </p:txBody>
+      </p:sp>
     </p:spTree>
     <p:extLst>
       <p:ext uri="{BB962C8B-B14F-4D97-AF65-F5344CB8AC3E}">
-        <p14:creationId xmlns:p14="http://schemas.microsoft.com/office/powerpoint/2010/main" val="2436607959"/>
+        <p14:creationId xmlns:p14="http://schemas.microsoft.com/office/powerpoint/2010/main" val="2829185239"/>
       </p:ext>
     </p:extLst>
   </p:cSld>
@@ -9838,7 +10502,7 @@
           <p:cNvPr id="2" name="Content Placeholder 1">
             <a:extLst>
               <a:ext uri="{FF2B5EF4-FFF2-40B4-BE49-F238E27FC236}">
-                <a16:creationId xmlns:a16="http://schemas.microsoft.com/office/drawing/2014/main" id="{F5E312AF-CE81-493F-95A0-213221814F71}"/>
+                <a16:creationId xmlns:a16="http://schemas.microsoft.com/office/drawing/2014/main" id="{36D23AE8-837A-4D06-A9FA-2692E97C30C2}"/>
               </a:ext>
             </a:extLst>
           </p:cNvPr>
@@ -9851,23 +10515,16 @@
         </p:nvSpPr>
         <p:spPr/>
         <p:txBody>
-          <a:bodyPr/>
+          <a:bodyPr>
+            <a:normAutofit/>
+          </a:bodyPr>
           <a:lstStyle/>
           <a:p>
-            <a:r>
-              <a:rPr lang="en-US" dirty="0"/>
-              <a:t>The microservice approach has emerged from real-world use, taking our better understanding of systems and architecture to do SOA well. So you should instead think of microservices as a specific approach for SOA in the same way that XP or Scrum are specific approaches for Agile software development. </a:t>
-            </a:r>
-          </a:p>
-          <a:p>
-            <a:endParaRPr lang="en-US" sz="1400" dirty="0"/>
-          </a:p>
-          <a:p>
-            <a:r>
-              <a:rPr lang="en-US" sz="1200" dirty="0"/>
-              <a:t>(From Sam Newman, Building microservices).</a:t>
-            </a:r>
-            <a:endParaRPr lang="ca-ES" sz="1200" dirty="0"/>
+            <a:pPr lvl="1"/>
+            <a:endParaRPr lang="es-ES" sz="1600" dirty="0"/>
+          </a:p>
+          <a:p>
+            <a:endParaRPr lang="ca-ES" dirty="0"/>
           </a:p>
         </p:txBody>
       </p:sp>
@@ -9876,7 +10533,7 @@
           <p:cNvPr id="3" name="Title 2">
             <a:extLst>
               <a:ext uri="{FF2B5EF4-FFF2-40B4-BE49-F238E27FC236}">
-                <a16:creationId xmlns:a16="http://schemas.microsoft.com/office/drawing/2014/main" id="{042D7237-2BAD-40B0-A0A0-437647732E12}"/>
+                <a16:creationId xmlns:a16="http://schemas.microsoft.com/office/drawing/2014/main" id="{045C3877-A738-4733-B4E1-6C7F8D6C4A2B}"/>
               </a:ext>
             </a:extLst>
           </p:cNvPr>
@@ -9908,10 +10565,115 @@
           </a:p>
         </p:txBody>
       </p:sp>
+      <p:sp>
+        <p:nvSpPr>
+          <p:cNvPr id="6" name="TextBox 5">
+            <a:extLst>
+              <a:ext uri="{FF2B5EF4-FFF2-40B4-BE49-F238E27FC236}">
+                <a16:creationId xmlns:a16="http://schemas.microsoft.com/office/drawing/2014/main" id="{8F615FC5-0099-4F55-AD66-FDDCFABAB012}"/>
+              </a:ext>
+            </a:extLst>
+          </p:cNvPr>
+          <p:cNvSpPr txBox="1"/>
+          <p:nvPr/>
+        </p:nvSpPr>
+        <p:spPr>
+          <a:xfrm>
+            <a:off x="6713975" y="3244334"/>
+            <a:ext cx="555584" cy="369332"/>
+          </a:xfrm>
+          <a:prstGeom prst="rect">
+            <a:avLst/>
+          </a:prstGeom>
+          <a:noFill/>
+        </p:spPr>
+        <p:txBody>
+          <a:bodyPr wrap="square" rtlCol="0">
+            <a:spAutoFit/>
+          </a:bodyPr>
+          <a:lstStyle/>
+          <a:p>
+            <a:r>
+              <a:rPr lang="ca-ES" b="1" dirty="0"/>
+              <a:t>VS</a:t>
+            </a:r>
+          </a:p>
+        </p:txBody>
+      </p:sp>
+      <p:pic>
+        <p:nvPicPr>
+          <p:cNvPr id="8" name="Picture 7">
+            <a:extLst>
+              <a:ext uri="{FF2B5EF4-FFF2-40B4-BE49-F238E27FC236}">
+                <a16:creationId xmlns:a16="http://schemas.microsoft.com/office/drawing/2014/main" id="{CB1CE70A-E0B4-4BF0-A054-B610180A9210}"/>
+              </a:ext>
+            </a:extLst>
+          </p:cNvPr>
+          <p:cNvPicPr>
+            <a:picLocks noChangeAspect="1"/>
+          </p:cNvPicPr>
+          <p:nvPr/>
+        </p:nvPicPr>
+        <p:blipFill>
+          <a:blip r:embed="rId2"/>
+          <a:stretch>
+            <a:fillRect/>
+          </a:stretch>
+        </p:blipFill>
+        <p:spPr>
+          <a:xfrm>
+            <a:off x="867294" y="2135111"/>
+            <a:ext cx="5676278" cy="2587777"/>
+          </a:xfrm>
+          <a:prstGeom prst="rect">
+            <a:avLst/>
+          </a:prstGeom>
+          <a:ln w="25400">
+            <a:solidFill>
+              <a:schemeClr val="accent1"/>
+            </a:solidFill>
+          </a:ln>
+        </p:spPr>
+      </p:pic>
+      <p:pic>
+        <p:nvPicPr>
+          <p:cNvPr id="9" name="Picture 8">
+            <a:extLst>
+              <a:ext uri="{FF2B5EF4-FFF2-40B4-BE49-F238E27FC236}">
+                <a16:creationId xmlns:a16="http://schemas.microsoft.com/office/drawing/2014/main" id="{8DB0D236-D47A-4CC9-8C10-ADDEBB54C98D}"/>
+              </a:ext>
+            </a:extLst>
+          </p:cNvPr>
+          <p:cNvPicPr>
+            <a:picLocks noChangeAspect="1"/>
+          </p:cNvPicPr>
+          <p:nvPr/>
+        </p:nvPicPr>
+        <p:blipFill>
+          <a:blip r:embed="rId3"/>
+          <a:stretch>
+            <a:fillRect/>
+          </a:stretch>
+        </p:blipFill>
+        <p:spPr>
+          <a:xfrm>
+            <a:off x="7439962" y="3012487"/>
+            <a:ext cx="4003362" cy="833023"/>
+          </a:xfrm>
+          <a:prstGeom prst="rect">
+            <a:avLst/>
+          </a:prstGeom>
+          <a:ln w="25400">
+            <a:solidFill>
+              <a:schemeClr val="accent1"/>
+            </a:solidFill>
+          </a:ln>
+        </p:spPr>
+      </p:pic>
     </p:spTree>
     <p:extLst>
       <p:ext uri="{BB962C8B-B14F-4D97-AF65-F5344CB8AC3E}">
-        <p14:creationId xmlns:p14="http://schemas.microsoft.com/office/powerpoint/2010/main" val="2100225475"/>
+        <p14:creationId xmlns:p14="http://schemas.microsoft.com/office/powerpoint/2010/main" val="3415976938"/>
       </p:ext>
     </p:extLst>
   </p:cSld>
@@ -9940,10 +10702,10 @@
       </p:grpSpPr>
       <p:sp>
         <p:nvSpPr>
-          <p:cNvPr id="2" name="Text Placeholder 1">
+          <p:cNvPr id="2" name="Content Placeholder 1">
             <a:extLst>
               <a:ext uri="{FF2B5EF4-FFF2-40B4-BE49-F238E27FC236}">
-                <a16:creationId xmlns:a16="http://schemas.microsoft.com/office/drawing/2014/main" id="{A94D6304-4111-452E-882F-AC7928E48BC7}"/>
+                <a16:creationId xmlns:a16="http://schemas.microsoft.com/office/drawing/2014/main" id="{D53B3C48-3893-4347-96BD-E26435312F9E}"/>
               </a:ext>
             </a:extLst>
           </p:cNvPr>
@@ -9951,30 +10713,94 @@
             <a:spLocks noGrp="1"/>
           </p:cNvSpPr>
           <p:nvPr>
-            <p:ph type="body" sz="quarter" idx="10"/>
+            <p:ph idx="1"/>
           </p:nvPr>
         </p:nvSpPr>
-        <p:spPr>
-          <a:xfrm>
-            <a:off x="1955800" y="2922062"/>
-            <a:ext cx="7939949" cy="830997"/>
-          </a:xfrm>
-        </p:spPr>
+        <p:spPr/>
         <p:txBody>
           <a:bodyPr/>
           <a:lstStyle/>
           <a:p>
-            <a:r>
-              <a:rPr lang="en-US" noProof="0" dirty="0"/>
-              <a:t>Microservices architecture: characteristics &amp; benefits</a:t>
-            </a:r>
+            <a:pPr lvl="0"/>
+            <a:r>
+              <a:rPr lang="en-US" dirty="0"/>
+              <a:t>SOA: from the experiences emerges the term SOA to define a way to design services that collaborate together</a:t>
+            </a:r>
+            <a:endParaRPr lang="es-ES" dirty="0"/>
+          </a:p>
+          <a:p>
+            <a:pPr lvl="1"/>
+            <a:r>
+              <a:rPr lang="en-US" sz="1600" dirty="0"/>
+              <a:t>Substitute large monolithic apps by a more sensible design for services.</a:t>
+            </a:r>
+          </a:p>
+          <a:p>
+            <a:pPr lvl="1"/>
+            <a:r>
+              <a:rPr lang="en-US" sz="1600" dirty="0"/>
+              <a:t>Important improvement but it is presented as theory</a:t>
+            </a:r>
+            <a:endParaRPr lang="es-ES" sz="1600" dirty="0"/>
+          </a:p>
+          <a:p>
+            <a:pPr lvl="2"/>
+            <a:r>
+              <a:rPr lang="en-US" sz="1600" dirty="0"/>
+              <a:t>Multiple interpretations and implementations, some of them very coupled to vendor. </a:t>
+            </a:r>
+          </a:p>
+          <a:p>
+            <a:pPr lvl="2"/>
+            <a:r>
+              <a:rPr lang="en-US" sz="1600" dirty="0"/>
+              <a:t>Example: ESB with a lot of logic</a:t>
+            </a:r>
+            <a:endParaRPr lang="es-ES" sz="1600" dirty="0"/>
+          </a:p>
+        </p:txBody>
+      </p:sp>
+      <p:sp>
+        <p:nvSpPr>
+          <p:cNvPr id="3" name="Title 2">
+            <a:extLst>
+              <a:ext uri="{FF2B5EF4-FFF2-40B4-BE49-F238E27FC236}">
+                <a16:creationId xmlns:a16="http://schemas.microsoft.com/office/drawing/2014/main" id="{C25340A4-2315-439C-8F6D-F1FC8BD6F976}"/>
+              </a:ext>
+            </a:extLst>
+          </p:cNvPr>
+          <p:cNvSpPr>
+            <a:spLocks noGrp="1"/>
+          </p:cNvSpPr>
+          <p:nvPr>
+            <p:ph type="title"/>
+          </p:nvPr>
+        </p:nvSpPr>
+        <p:spPr/>
+        <p:txBody>
+          <a:bodyPr/>
+          <a:lstStyle/>
+          <a:p>
+            <a:r>
+              <a:rPr lang="ca-ES" dirty="0" err="1"/>
+              <a:t>Some</a:t>
+            </a:r>
+            <a:r>
+              <a:rPr lang="ca-ES" dirty="0"/>
+              <a:t> </a:t>
+            </a:r>
+            <a:r>
+              <a:rPr lang="ca-ES" dirty="0" err="1"/>
+              <a:t>history</a:t>
+            </a:r>
+            <a:endParaRPr lang="ca-ES" dirty="0"/>
           </a:p>
         </p:txBody>
       </p:sp>
     </p:spTree>
     <p:extLst>
       <p:ext uri="{BB962C8B-B14F-4D97-AF65-F5344CB8AC3E}">
-        <p14:creationId xmlns:p14="http://schemas.microsoft.com/office/powerpoint/2010/main" val="1341135555"/>
+        <p14:creationId xmlns:p14="http://schemas.microsoft.com/office/powerpoint/2010/main" val="2436607959"/>
       </p:ext>
     </p:extLst>
   </p:cSld>
@@ -10006,7 +10832,7 @@
           <p:cNvPr id="2" name="Content Placeholder 1">
             <a:extLst>
               <a:ext uri="{FF2B5EF4-FFF2-40B4-BE49-F238E27FC236}">
-                <a16:creationId xmlns:a16="http://schemas.microsoft.com/office/drawing/2014/main" id="{DD4AB3B3-7EA2-4B08-BFA2-3E101E5D3957}"/>
+                <a16:creationId xmlns:a16="http://schemas.microsoft.com/office/drawing/2014/main" id="{F5E312AF-CE81-493F-95A0-213221814F71}"/>
               </a:ext>
             </a:extLst>
           </p:cNvPr>
@@ -10023,55 +10849,19 @@
           <a:lstStyle/>
           <a:p>
             <a:r>
-              <a:rPr lang="en-US" noProof="0" dirty="0"/>
-              <a:t>Does not mean:</a:t>
-            </a:r>
-          </a:p>
-          <a:p>
-            <a:pPr marL="285750" indent="-285750">
-              <a:buFont typeface="Arial" panose="020B0604020202020204" pitchFamily="34" charset="0"/>
-              <a:buChar char="•"/>
-            </a:pPr>
-            <a:r>
-              <a:rPr lang="en-US" noProof="0" dirty="0"/>
-              <a:t>Small number of lines of code</a:t>
-            </a:r>
-          </a:p>
-          <a:p>
-            <a:pPr marL="285750" indent="-285750">
-              <a:buFont typeface="Arial" panose="020B0604020202020204" pitchFamily="34" charset="0"/>
-              <a:buChar char="•"/>
-            </a:pPr>
-            <a:endParaRPr lang="en-US" noProof="0" dirty="0"/>
-          </a:p>
-          <a:p>
-            <a:r>
-              <a:rPr lang="en-US" noProof="0" dirty="0"/>
-              <a:t>It refers to:</a:t>
-            </a:r>
-          </a:p>
-          <a:p>
-            <a:pPr marL="285750" indent="-285750">
-              <a:buFont typeface="Arial" panose="020B0604020202020204" pitchFamily="34" charset="0"/>
-              <a:buChar char="•"/>
-            </a:pPr>
-            <a:r>
-              <a:rPr lang="en-US" noProof="0" dirty="0"/>
-              <a:t>Cohesive: focused on doing one thing well</a:t>
-            </a:r>
-          </a:p>
-          <a:p>
-            <a:pPr marL="285750" indent="-285750">
-              <a:buFont typeface="Arial" panose="020B0604020202020204" pitchFamily="34" charset="0"/>
-              <a:buChar char="•"/>
-            </a:pPr>
-            <a:r>
-              <a:rPr lang="en-US" noProof="0" dirty="0"/>
-              <a:t>Clear delimited business boundaries</a:t>
-            </a:r>
-          </a:p>
-          <a:p>
-            <a:endParaRPr lang="en-US" noProof="0" dirty="0"/>
+              <a:rPr lang="en-US" dirty="0"/>
+              <a:t>The microservice approach has emerged from real-world use, taking our better understanding of systems and architecture to do SOA well. So you should instead think of microservices as a specific approach for SOA in the same way that XP or Scrum are specific approaches for Agile software development. </a:t>
+            </a:r>
+          </a:p>
+          <a:p>
+            <a:endParaRPr lang="en-US" sz="1400" dirty="0"/>
+          </a:p>
+          <a:p>
+            <a:r>
+              <a:rPr lang="en-US" sz="1200" dirty="0"/>
+              <a:t>(From Sam Newman, Building microservices).</a:t>
+            </a:r>
+            <a:endParaRPr lang="ca-ES" sz="1200" dirty="0"/>
           </a:p>
         </p:txBody>
       </p:sp>
@@ -10080,7 +10870,7 @@
           <p:cNvPr id="3" name="Title 2">
             <a:extLst>
               <a:ext uri="{FF2B5EF4-FFF2-40B4-BE49-F238E27FC236}">
-                <a16:creationId xmlns:a16="http://schemas.microsoft.com/office/drawing/2014/main" id="{407D83D5-F244-425B-8AAC-8B51EF5E2D05}"/>
+                <a16:creationId xmlns:a16="http://schemas.microsoft.com/office/drawing/2014/main" id="{042D7237-2BAD-40B0-A0A0-437647732E12}"/>
               </a:ext>
             </a:extLst>
           </p:cNvPr>
@@ -10093,22 +10883,29 @@
         </p:nvSpPr>
         <p:spPr/>
         <p:txBody>
-          <a:bodyPr>
-            <a:normAutofit/>
-          </a:bodyPr>
+          <a:bodyPr/>
           <a:lstStyle/>
           <a:p>
             <a:r>
-              <a:rPr lang="en-US" noProof="0" dirty="0"/>
-              <a:t>Small</a:t>
-            </a:r>
+              <a:rPr lang="ca-ES" dirty="0" err="1"/>
+              <a:t>Some</a:t>
+            </a:r>
+            <a:r>
+              <a:rPr lang="ca-ES" dirty="0"/>
+              <a:t> </a:t>
+            </a:r>
+            <a:r>
+              <a:rPr lang="ca-ES" dirty="0" err="1"/>
+              <a:t>history</a:t>
+            </a:r>
+            <a:endParaRPr lang="ca-ES" dirty="0"/>
           </a:p>
         </p:txBody>
       </p:sp>
     </p:spTree>
     <p:extLst>
       <p:ext uri="{BB962C8B-B14F-4D97-AF65-F5344CB8AC3E}">
-        <p14:creationId xmlns:p14="http://schemas.microsoft.com/office/powerpoint/2010/main" val="1875151050"/>
+        <p14:creationId xmlns:p14="http://schemas.microsoft.com/office/powerpoint/2010/main" val="2100225475"/>
       </p:ext>
     </p:extLst>
   </p:cSld>

--- a/Docu/Microservices_day_1.pptx
+++ b/Docu/Microservices_day_1.pptx
@@ -232,7 +232,7 @@
           <a:p>
             <a:fld id="{6340D008-C73D-4C5B-A9DE-E32B4AFE5B1C}" type="datetimeFigureOut">
               <a:rPr lang="ca-ES" smtClean="0"/>
-              <a:t>10/12/2017</a:t>
+              <a:t>12/12/2017</a:t>
             </a:fld>
             <a:endParaRPr lang="ca-ES"/>
           </a:p>
@@ -8218,6 +8218,21 @@
               <a:rPr lang="en-US" sz="2000" dirty="0"/>
               <a:t>Run several applications at the same time with incompatible dependencies </a:t>
             </a:r>
+          </a:p>
+          <a:p>
+            <a:pPr marL="285750" indent="-285750">
+              <a:buFont typeface="Arial" panose="020B0604020202020204" pitchFamily="34" charset="0"/>
+              <a:buChar char="•"/>
+            </a:pPr>
+            <a:r>
+              <a:rPr lang="en-US" sz="2000" dirty="0"/>
+              <a:t>Basically, you can containerize any app </a:t>
+            </a:r>
+            <a:r>
+              <a:rPr lang="en-US" sz="2000"/>
+              <a:t>or service</a:t>
+            </a:r>
+            <a:endParaRPr lang="en-US" sz="2000" dirty="0"/>
           </a:p>
           <a:p>
             <a:pPr marL="285750" indent="-285750">

--- a/Docu/Microservices_day_1.pptx
+++ b/Docu/Microservices_day_1.pptx
@@ -5,41 +5,42 @@
     <p:sldMasterId id="2147483660" r:id="rId1"/>
   </p:sldMasterIdLst>
   <p:notesMasterIdLst>
-    <p:notesMasterId r:id="rId34"/>
+    <p:notesMasterId r:id="rId35"/>
   </p:notesMasterIdLst>
   <p:sldIdLst>
     <p:sldId id="256" r:id="rId2"/>
-    <p:sldId id="257" r:id="rId3"/>
-    <p:sldId id="277" r:id="rId4"/>
-    <p:sldId id="278" r:id="rId5"/>
-    <p:sldId id="279" r:id="rId6"/>
-    <p:sldId id="291" r:id="rId7"/>
-    <p:sldId id="292" r:id="rId8"/>
-    <p:sldId id="281" r:id="rId9"/>
-    <p:sldId id="282" r:id="rId10"/>
-    <p:sldId id="259" r:id="rId11"/>
-    <p:sldId id="258" r:id="rId12"/>
-    <p:sldId id="285" r:id="rId13"/>
-    <p:sldId id="261" r:id="rId14"/>
-    <p:sldId id="262" r:id="rId15"/>
-    <p:sldId id="263" r:id="rId16"/>
-    <p:sldId id="264" r:id="rId17"/>
-    <p:sldId id="265" r:id="rId18"/>
-    <p:sldId id="269" r:id="rId19"/>
-    <p:sldId id="270" r:id="rId20"/>
-    <p:sldId id="271" r:id="rId21"/>
-    <p:sldId id="287" r:id="rId22"/>
-    <p:sldId id="289" r:id="rId23"/>
-    <p:sldId id="290" r:id="rId24"/>
-    <p:sldId id="272" r:id="rId25"/>
-    <p:sldId id="273" r:id="rId26"/>
-    <p:sldId id="274" r:id="rId27"/>
-    <p:sldId id="275" r:id="rId28"/>
-    <p:sldId id="276" r:id="rId29"/>
-    <p:sldId id="286" r:id="rId30"/>
-    <p:sldId id="288" r:id="rId31"/>
-    <p:sldId id="283" r:id="rId32"/>
-    <p:sldId id="284" r:id="rId33"/>
+    <p:sldId id="293" r:id="rId3"/>
+    <p:sldId id="257" r:id="rId4"/>
+    <p:sldId id="277" r:id="rId5"/>
+    <p:sldId id="278" r:id="rId6"/>
+    <p:sldId id="279" r:id="rId7"/>
+    <p:sldId id="291" r:id="rId8"/>
+    <p:sldId id="292" r:id="rId9"/>
+    <p:sldId id="281" r:id="rId10"/>
+    <p:sldId id="282" r:id="rId11"/>
+    <p:sldId id="259" r:id="rId12"/>
+    <p:sldId id="258" r:id="rId13"/>
+    <p:sldId id="285" r:id="rId14"/>
+    <p:sldId id="261" r:id="rId15"/>
+    <p:sldId id="262" r:id="rId16"/>
+    <p:sldId id="263" r:id="rId17"/>
+    <p:sldId id="264" r:id="rId18"/>
+    <p:sldId id="265" r:id="rId19"/>
+    <p:sldId id="269" r:id="rId20"/>
+    <p:sldId id="270" r:id="rId21"/>
+    <p:sldId id="271" r:id="rId22"/>
+    <p:sldId id="287" r:id="rId23"/>
+    <p:sldId id="289" r:id="rId24"/>
+    <p:sldId id="290" r:id="rId25"/>
+    <p:sldId id="272" r:id="rId26"/>
+    <p:sldId id="273" r:id="rId27"/>
+    <p:sldId id="274" r:id="rId28"/>
+    <p:sldId id="275" r:id="rId29"/>
+    <p:sldId id="276" r:id="rId30"/>
+    <p:sldId id="286" r:id="rId31"/>
+    <p:sldId id="288" r:id="rId32"/>
+    <p:sldId id="283" r:id="rId33"/>
+    <p:sldId id="284" r:id="rId34"/>
   </p:sldIdLst>
   <p:sldSz cx="12192000" cy="6858000"/>
   <p:notesSz cx="6858000" cy="9144000"/>
@@ -232,7 +233,7 @@
           <a:p>
             <a:fld id="{6340D008-C73D-4C5B-A9DE-E32B4AFE5B1C}" type="datetimeFigureOut">
               <a:rPr lang="ca-ES" smtClean="0"/>
-              <a:t>12/12/2017</a:t>
+              <a:t>14/12/2017</a:t>
             </a:fld>
             <a:endParaRPr lang="ca-ES"/>
           </a:p>
@@ -391,7 +392,7 @@
           <a:p>
             <a:fld id="{D05CA920-75A4-429A-BE6D-453D29DADB95}" type="slidenum">
               <a:rPr lang="ca-ES" smtClean="0"/>
-              <a:t>‹#›</a:t>
+              <a:t>‹Nº›</a:t>
             </a:fld>
             <a:endParaRPr lang="ca-ES"/>
           </a:p>
@@ -565,7 +566,7 @@
           <a:p>
             <a:fld id="{D05CA920-75A4-429A-BE6D-453D29DADB95}" type="slidenum">
               <a:rPr lang="ca-ES" smtClean="0"/>
-              <a:t>13</a:t>
+              <a:t>14</a:t>
             </a:fld>
             <a:endParaRPr lang="ca-ES"/>
           </a:p>
@@ -669,7 +670,7 @@
           <a:p>
             <a:fld id="{D05CA920-75A4-429A-BE6D-453D29DADB95}" type="slidenum">
               <a:rPr lang="ca-ES" smtClean="0"/>
-              <a:t>16</a:t>
+              <a:t>17</a:t>
             </a:fld>
             <a:endParaRPr lang="ca-ES"/>
           </a:p>
@@ -4689,6 +4690,765 @@
   <p:clrMapOvr>
     <a:masterClrMapping/>
   </p:clrMapOvr>
+</p:sldLayout>
+</file>
+
+<file path=ppt/slideLayouts/slideLayout25.xml><?xml version="1.0" encoding="utf-8"?>
+<p:sldLayout xmlns:a="http://schemas.openxmlformats.org/drawingml/2006/main" xmlns:r="http://schemas.openxmlformats.org/officeDocument/2006/relationships" xmlns:p="http://schemas.openxmlformats.org/presentationml/2006/main" userDrawn="1">
+  <p:cSld name="2 Ponentes">
+    <p:bg>
+      <p:bgPr>
+        <a:solidFill>
+          <a:schemeClr val="bg1">
+            <a:lumMod val="95000"/>
+          </a:schemeClr>
+        </a:solidFill>
+        <a:effectLst/>
+      </p:bgPr>
+    </p:bg>
+    <p:spTree>
+      <p:nvGrpSpPr>
+        <p:cNvPr id="1" name=""/>
+        <p:cNvGrpSpPr/>
+        <p:nvPr/>
+      </p:nvGrpSpPr>
+      <p:grpSpPr>
+        <a:xfrm>
+          <a:off x="0" y="0"/>
+          <a:ext cx="0" cy="0"/>
+          <a:chOff x="0" y="0"/>
+          <a:chExt cx="0" cy="0"/>
+        </a:xfrm>
+      </p:grpSpPr>
+      <p:pic>
+        <p:nvPicPr>
+          <p:cNvPr id="11" name="Picture 3" hidden="1"/>
+          <p:cNvPicPr>
+            <a:picLocks noChangeAspect="1"/>
+          </p:cNvPicPr>
+          <p:nvPr userDrawn="1"/>
+        </p:nvPicPr>
+        <p:blipFill>
+          <a:blip r:embed="rId2">
+            <a:extLst>
+              <a:ext uri="{28A0092B-C50C-407E-A947-70E740481C1C}">
+                <a14:useLocalDpi xmlns:a14="http://schemas.microsoft.com/office/drawing/2010/main" val="0"/>
+              </a:ext>
+            </a:extLst>
+          </a:blip>
+          <a:stretch>
+            <a:fillRect/>
+          </a:stretch>
+        </p:blipFill>
+        <p:spPr>
+          <a:xfrm>
+            <a:off x="2381" y="0"/>
+            <a:ext cx="12187238" cy="6858000"/>
+          </a:xfrm>
+          <a:prstGeom prst="rect">
+            <a:avLst/>
+          </a:prstGeom>
+        </p:spPr>
+      </p:pic>
+      <p:sp>
+        <p:nvSpPr>
+          <p:cNvPr id="7" name="Footer Placeholder 6"/>
+          <p:cNvSpPr>
+            <a:spLocks noGrp="1"/>
+          </p:cNvSpPr>
+          <p:nvPr>
+            <p:ph type="ftr" sz="quarter" idx="10"/>
+          </p:nvPr>
+        </p:nvSpPr>
+        <p:spPr>
+          <a:xfrm>
+            <a:off x="216263" y="6356350"/>
+            <a:ext cx="1861224" cy="365125"/>
+          </a:xfrm>
+        </p:spPr>
+        <p:txBody>
+          <a:bodyPr/>
+          <a:lstStyle>
+            <a:lvl1pPr algn="l">
+              <a:defRPr>
+                <a:solidFill>
+                  <a:srgbClr val="00D0FF"/>
+                </a:solidFill>
+              </a:defRPr>
+            </a:lvl1pPr>
+          </a:lstStyle>
+          <a:p>
+            <a:endParaRPr lang="es-ES" dirty="0"/>
+          </a:p>
+        </p:txBody>
+      </p:sp>
+      <p:sp>
+        <p:nvSpPr>
+          <p:cNvPr id="9" name="Slide Number Placeholder 8"/>
+          <p:cNvSpPr>
+            <a:spLocks noGrp="1"/>
+          </p:cNvSpPr>
+          <p:nvPr>
+            <p:ph type="sldNum" sz="quarter" idx="11"/>
+          </p:nvPr>
+        </p:nvSpPr>
+        <p:spPr/>
+        <p:txBody>
+          <a:bodyPr/>
+          <a:lstStyle>
+            <a:lvl1pPr>
+              <a:defRPr>
+                <a:solidFill>
+                  <a:schemeClr val="tx1"/>
+                </a:solidFill>
+              </a:defRPr>
+            </a:lvl1pPr>
+          </a:lstStyle>
+          <a:p>
+            <a:fld id="{88CB616A-2EDE-4F93-81C7-BE29C9C217CB}" type="slidenum">
+              <a:rPr lang="es-ES" smtClean="0"/>
+              <a:pPr/>
+              <a:t>‹Nº›</a:t>
+            </a:fld>
+            <a:endParaRPr lang="es-ES" dirty="0"/>
+          </a:p>
+        </p:txBody>
+      </p:sp>
+      <p:pic>
+        <p:nvPicPr>
+          <p:cNvPr id="6" name="Graphic 5"/>
+          <p:cNvPicPr>
+            <a:picLocks noChangeAspect="1"/>
+          </p:cNvPicPr>
+          <p:nvPr userDrawn="1"/>
+        </p:nvPicPr>
+        <p:blipFill>
+          <a:blip r:embed="rId3">
+            <a:extLst>
+              <a:ext uri="{96DAC541-7B7A-43D3-8B79-37D633B846F1}">
+                <asvg:svgBlip xmlns:asvg="http://schemas.microsoft.com/office/drawing/2016/SVG/main" r:embed="rId4"/>
+              </a:ext>
+            </a:extLst>
+          </a:blip>
+          <a:stretch>
+            <a:fillRect/>
+          </a:stretch>
+        </p:blipFill>
+        <p:spPr>
+          <a:xfrm>
+            <a:off x="5574000" y="6450171"/>
+            <a:ext cx="1044000" cy="177480"/>
+          </a:xfrm>
+          <a:prstGeom prst="rect">
+            <a:avLst/>
+          </a:prstGeom>
+        </p:spPr>
+      </p:pic>
+      <p:sp>
+        <p:nvSpPr>
+          <p:cNvPr id="3" name="Content Placeholder 2"/>
+          <p:cNvSpPr>
+            <a:spLocks noGrp="1"/>
+          </p:cNvSpPr>
+          <p:nvPr>
+            <p:ph idx="1"/>
+          </p:nvPr>
+        </p:nvSpPr>
+        <p:spPr>
+          <a:xfrm>
+            <a:off x="8653022" y="2918750"/>
+            <a:ext cx="3362258" cy="2120335"/>
+          </a:xfrm>
+        </p:spPr>
+        <p:txBody>
+          <a:bodyPr>
+            <a:normAutofit/>
+          </a:bodyPr>
+          <a:lstStyle>
+            <a:lvl1pPr marL="0" indent="0">
+              <a:buClr>
+                <a:schemeClr val="tx2"/>
+              </a:buClr>
+              <a:buSzPct val="70000"/>
+              <a:buFont typeface="Helvetica35-Thin" pitchFamily="34" charset="0"/>
+              <a:buNone/>
+              <a:defRPr sz="1400" baseline="0">
+                <a:solidFill>
+                  <a:schemeClr val="tx1"/>
+                </a:solidFill>
+                <a:latin typeface="+mj-lt"/>
+                <a:ea typeface="Open Sans" panose="020B0606030504020204" pitchFamily="34" charset="0"/>
+                <a:cs typeface="Open Sans" panose="020B0606030504020204" pitchFamily="34" charset="0"/>
+              </a:defRPr>
+            </a:lvl1pPr>
+            <a:lvl2pPr marL="990575" indent="-380990">
+              <a:buClr>
+                <a:schemeClr val="tx2"/>
+              </a:buClr>
+              <a:buSzPct val="70000"/>
+              <a:buFont typeface="Helvetica35-Thin" pitchFamily="34" charset="0"/>
+              <a:buChar char="–"/>
+              <a:defRPr>
+                <a:solidFill>
+                  <a:schemeClr val="tx2"/>
+                </a:solidFill>
+                <a:latin typeface="Open Sans" panose="020B0606030504020204" pitchFamily="34" charset="0"/>
+                <a:ea typeface="Open Sans" panose="020B0606030504020204" pitchFamily="34" charset="0"/>
+                <a:cs typeface="Open Sans" panose="020B0606030504020204" pitchFamily="34" charset="0"/>
+              </a:defRPr>
+            </a:lvl2pPr>
+            <a:lvl3pPr marL="1523962" indent="-304792">
+              <a:buClr>
+                <a:schemeClr val="tx2"/>
+              </a:buClr>
+              <a:buSzPct val="70000"/>
+              <a:buFont typeface="Helvetica35-Thin" pitchFamily="34" charset="0"/>
+              <a:buChar char="–"/>
+              <a:defRPr>
+                <a:solidFill>
+                  <a:schemeClr val="tx2"/>
+                </a:solidFill>
+                <a:latin typeface="Open Sans" panose="020B0606030504020204" pitchFamily="34" charset="0"/>
+                <a:ea typeface="Open Sans" panose="020B0606030504020204" pitchFamily="34" charset="0"/>
+                <a:cs typeface="Open Sans" panose="020B0606030504020204" pitchFamily="34" charset="0"/>
+              </a:defRPr>
+            </a:lvl3pPr>
+            <a:lvl4pPr marL="2133547" indent="-304792">
+              <a:buClr>
+                <a:schemeClr val="tx2"/>
+              </a:buClr>
+              <a:buSzPct val="70000"/>
+              <a:buFont typeface="Helvetica35-Thin" pitchFamily="34" charset="0"/>
+              <a:buChar char="–"/>
+              <a:defRPr>
+                <a:solidFill>
+                  <a:schemeClr val="tx2"/>
+                </a:solidFill>
+                <a:latin typeface="Open Sans" panose="020B0606030504020204" pitchFamily="34" charset="0"/>
+                <a:ea typeface="Open Sans" panose="020B0606030504020204" pitchFamily="34" charset="0"/>
+                <a:cs typeface="Open Sans" panose="020B0606030504020204" pitchFamily="34" charset="0"/>
+              </a:defRPr>
+            </a:lvl4pPr>
+            <a:lvl5pPr marL="2743131" indent="-304792">
+              <a:buClr>
+                <a:schemeClr val="tx2"/>
+              </a:buClr>
+              <a:buSzPct val="70000"/>
+              <a:buFont typeface="Helvetica35-Thin" pitchFamily="34" charset="0"/>
+              <a:buChar char="–"/>
+              <a:defRPr>
+                <a:solidFill>
+                  <a:schemeClr val="tx2"/>
+                </a:solidFill>
+                <a:latin typeface="Open Sans" panose="020B0606030504020204" pitchFamily="34" charset="0"/>
+                <a:ea typeface="Open Sans" panose="020B0606030504020204" pitchFamily="34" charset="0"/>
+                <a:cs typeface="Open Sans" panose="020B0606030504020204" pitchFamily="34" charset="0"/>
+              </a:defRPr>
+            </a:lvl5pPr>
+          </a:lstStyle>
+          <a:p>
+            <a:pPr lvl="0"/>
+            <a:r>
+              <a:rPr lang="en-US" dirty="0"/>
+              <a:t>Click to edit Master text styles</a:t>
+            </a:r>
+          </a:p>
+        </p:txBody>
+      </p:sp>
+      <p:sp>
+        <p:nvSpPr>
+          <p:cNvPr id="4" name="Title 3"/>
+          <p:cNvSpPr>
+            <a:spLocks noGrp="1"/>
+          </p:cNvSpPr>
+          <p:nvPr>
+            <p:ph type="title" hasCustomPrompt="1"/>
+          </p:nvPr>
+        </p:nvSpPr>
+        <p:spPr>
+          <a:xfrm>
+            <a:off x="8653023" y="1627866"/>
+            <a:ext cx="3362258" cy="890635"/>
+          </a:xfrm>
+        </p:spPr>
+        <p:txBody>
+          <a:bodyPr>
+            <a:normAutofit/>
+          </a:bodyPr>
+          <a:lstStyle>
+            <a:lvl1pPr algn="l">
+              <a:defRPr sz="2800" b="1" i="0">
+                <a:solidFill>
+                  <a:srgbClr val="43536D"/>
+                </a:solidFill>
+              </a:defRPr>
+            </a:lvl1pPr>
+          </a:lstStyle>
+          <a:p>
+            <a:r>
+              <a:rPr lang="en-US" dirty="0"/>
+              <a:t>Name Surname</a:t>
+            </a:r>
+            <a:endParaRPr lang="es-ES" dirty="0"/>
+          </a:p>
+        </p:txBody>
+      </p:sp>
+      <p:sp>
+        <p:nvSpPr>
+          <p:cNvPr id="5" name="Picture Placeholder 4"/>
+          <p:cNvSpPr>
+            <a:spLocks noGrp="1"/>
+          </p:cNvSpPr>
+          <p:nvPr>
+            <p:ph type="pic" sz="quarter" idx="12"/>
+          </p:nvPr>
+        </p:nvSpPr>
+        <p:spPr>
+          <a:xfrm>
+            <a:off x="6228677" y="1890584"/>
+            <a:ext cx="2156909" cy="3141736"/>
+          </a:xfrm>
+        </p:spPr>
+        <p:txBody>
+          <a:bodyPr/>
+          <a:lstStyle/>
+          <a:p>
+            <a:endParaRPr lang="es-ES" dirty="0"/>
+          </a:p>
+        </p:txBody>
+      </p:sp>
+      <p:cxnSp>
+        <p:nvCxnSpPr>
+          <p:cNvPr id="12" name="Straight Connector 11"/>
+          <p:cNvCxnSpPr>
+            <a:cxnSpLocks/>
+          </p:cNvCxnSpPr>
+          <p:nvPr userDrawn="1"/>
+        </p:nvCxnSpPr>
+        <p:spPr>
+          <a:xfrm>
+            <a:off x="8763536" y="2574702"/>
+            <a:ext cx="540000" cy="0"/>
+          </a:xfrm>
+          <a:prstGeom prst="line">
+            <a:avLst/>
+          </a:prstGeom>
+          <a:ln w="38100">
+            <a:solidFill>
+              <a:srgbClr val="00D0FF"/>
+            </a:solidFill>
+          </a:ln>
+        </p:spPr>
+        <p:style>
+          <a:lnRef idx="1">
+            <a:schemeClr val="accent1"/>
+          </a:lnRef>
+          <a:fillRef idx="0">
+            <a:schemeClr val="accent1"/>
+          </a:fillRef>
+          <a:effectRef idx="0">
+            <a:schemeClr val="accent1"/>
+          </a:effectRef>
+          <a:fontRef idx="minor">
+            <a:schemeClr val="tx1"/>
+          </a:fontRef>
+        </p:style>
+      </p:cxnSp>
+      <p:sp>
+        <p:nvSpPr>
+          <p:cNvPr id="14" name="Content Placeholder 2"/>
+          <p:cNvSpPr>
+            <a:spLocks noGrp="1"/>
+          </p:cNvSpPr>
+          <p:nvPr>
+            <p:ph idx="13"/>
+          </p:nvPr>
+        </p:nvSpPr>
+        <p:spPr>
+          <a:xfrm>
+            <a:off x="2640608" y="2925515"/>
+            <a:ext cx="3362258" cy="2120335"/>
+          </a:xfrm>
+        </p:spPr>
+        <p:txBody>
+          <a:bodyPr>
+            <a:normAutofit/>
+          </a:bodyPr>
+          <a:lstStyle>
+            <a:lvl1pPr marL="0" indent="0">
+              <a:buClr>
+                <a:schemeClr val="tx2"/>
+              </a:buClr>
+              <a:buSzPct val="70000"/>
+              <a:buFont typeface="Helvetica35-Thin" pitchFamily="34" charset="0"/>
+              <a:buNone/>
+              <a:defRPr sz="1400" baseline="0">
+                <a:solidFill>
+                  <a:schemeClr val="tx1"/>
+                </a:solidFill>
+                <a:latin typeface="+mj-lt"/>
+                <a:ea typeface="Open Sans" panose="020B0606030504020204" pitchFamily="34" charset="0"/>
+                <a:cs typeface="Open Sans" panose="020B0606030504020204" pitchFamily="34" charset="0"/>
+              </a:defRPr>
+            </a:lvl1pPr>
+            <a:lvl2pPr marL="990575" indent="-380990">
+              <a:buClr>
+                <a:schemeClr val="tx2"/>
+              </a:buClr>
+              <a:buSzPct val="70000"/>
+              <a:buFont typeface="Helvetica35-Thin" pitchFamily="34" charset="0"/>
+              <a:buChar char="–"/>
+              <a:defRPr>
+                <a:solidFill>
+                  <a:schemeClr val="tx2"/>
+                </a:solidFill>
+                <a:latin typeface="Open Sans" panose="020B0606030504020204" pitchFamily="34" charset="0"/>
+                <a:ea typeface="Open Sans" panose="020B0606030504020204" pitchFamily="34" charset="0"/>
+                <a:cs typeface="Open Sans" panose="020B0606030504020204" pitchFamily="34" charset="0"/>
+              </a:defRPr>
+            </a:lvl2pPr>
+            <a:lvl3pPr marL="1523962" indent="-304792">
+              <a:buClr>
+                <a:schemeClr val="tx2"/>
+              </a:buClr>
+              <a:buSzPct val="70000"/>
+              <a:buFont typeface="Helvetica35-Thin" pitchFamily="34" charset="0"/>
+              <a:buChar char="–"/>
+              <a:defRPr>
+                <a:solidFill>
+                  <a:schemeClr val="tx2"/>
+                </a:solidFill>
+                <a:latin typeface="Open Sans" panose="020B0606030504020204" pitchFamily="34" charset="0"/>
+                <a:ea typeface="Open Sans" panose="020B0606030504020204" pitchFamily="34" charset="0"/>
+                <a:cs typeface="Open Sans" panose="020B0606030504020204" pitchFamily="34" charset="0"/>
+              </a:defRPr>
+            </a:lvl3pPr>
+            <a:lvl4pPr marL="2133547" indent="-304792">
+              <a:buClr>
+                <a:schemeClr val="tx2"/>
+              </a:buClr>
+              <a:buSzPct val="70000"/>
+              <a:buFont typeface="Helvetica35-Thin" pitchFamily="34" charset="0"/>
+              <a:buChar char="–"/>
+              <a:defRPr>
+                <a:solidFill>
+                  <a:schemeClr val="tx2"/>
+                </a:solidFill>
+                <a:latin typeface="Open Sans" panose="020B0606030504020204" pitchFamily="34" charset="0"/>
+                <a:ea typeface="Open Sans" panose="020B0606030504020204" pitchFamily="34" charset="0"/>
+                <a:cs typeface="Open Sans" panose="020B0606030504020204" pitchFamily="34" charset="0"/>
+              </a:defRPr>
+            </a:lvl4pPr>
+            <a:lvl5pPr marL="2743131" indent="-304792">
+              <a:buClr>
+                <a:schemeClr val="tx2"/>
+              </a:buClr>
+              <a:buSzPct val="70000"/>
+              <a:buFont typeface="Helvetica35-Thin" pitchFamily="34" charset="0"/>
+              <a:buChar char="–"/>
+              <a:defRPr>
+                <a:solidFill>
+                  <a:schemeClr val="tx2"/>
+                </a:solidFill>
+                <a:latin typeface="Open Sans" panose="020B0606030504020204" pitchFamily="34" charset="0"/>
+                <a:ea typeface="Open Sans" panose="020B0606030504020204" pitchFamily="34" charset="0"/>
+                <a:cs typeface="Open Sans" panose="020B0606030504020204" pitchFamily="34" charset="0"/>
+              </a:defRPr>
+            </a:lvl5pPr>
+          </a:lstStyle>
+          <a:p>
+            <a:pPr lvl="0"/>
+            <a:r>
+              <a:rPr lang="en-US" dirty="0"/>
+              <a:t>Click to edit Master text styles</a:t>
+            </a:r>
+          </a:p>
+        </p:txBody>
+      </p:sp>
+      <p:sp>
+        <p:nvSpPr>
+          <p:cNvPr id="16" name="Picture Placeholder 4"/>
+          <p:cNvSpPr>
+            <a:spLocks noGrp="1"/>
+          </p:cNvSpPr>
+          <p:nvPr>
+            <p:ph type="pic" sz="quarter" idx="14"/>
+          </p:nvPr>
+        </p:nvSpPr>
+        <p:spPr>
+          <a:xfrm>
+            <a:off x="216263" y="1897349"/>
+            <a:ext cx="2156909" cy="3141736"/>
+          </a:xfrm>
+        </p:spPr>
+        <p:txBody>
+          <a:bodyPr/>
+          <a:lstStyle/>
+          <a:p>
+            <a:endParaRPr lang="es-ES" dirty="0"/>
+          </a:p>
+        </p:txBody>
+      </p:sp>
+      <p:cxnSp>
+        <p:nvCxnSpPr>
+          <p:cNvPr id="17" name="Straight Connector 11"/>
+          <p:cNvCxnSpPr>
+            <a:cxnSpLocks/>
+          </p:cNvCxnSpPr>
+          <p:nvPr userDrawn="1"/>
+        </p:nvCxnSpPr>
+        <p:spPr>
+          <a:xfrm>
+            <a:off x="2751122" y="2581467"/>
+            <a:ext cx="540000" cy="0"/>
+          </a:xfrm>
+          <a:prstGeom prst="line">
+            <a:avLst/>
+          </a:prstGeom>
+          <a:ln w="38100">
+            <a:solidFill>
+              <a:srgbClr val="00D0FF"/>
+            </a:solidFill>
+          </a:ln>
+        </p:spPr>
+        <p:style>
+          <a:lnRef idx="1">
+            <a:schemeClr val="accent1"/>
+          </a:lnRef>
+          <a:fillRef idx="0">
+            <a:schemeClr val="accent1"/>
+          </a:fillRef>
+          <a:effectRef idx="0">
+            <a:schemeClr val="accent1"/>
+          </a:effectRef>
+          <a:fontRef idx="minor">
+            <a:schemeClr val="tx1"/>
+          </a:fontRef>
+        </p:style>
+      </p:cxnSp>
+      <p:sp>
+        <p:nvSpPr>
+          <p:cNvPr id="20" name="Marcador de texto 19"/>
+          <p:cNvSpPr>
+            <a:spLocks noGrp="1"/>
+          </p:cNvSpPr>
+          <p:nvPr>
+            <p:ph type="body" sz="quarter" idx="15" hasCustomPrompt="1"/>
+          </p:nvPr>
+        </p:nvSpPr>
+        <p:spPr>
+          <a:xfrm>
+            <a:off x="2640608" y="1896201"/>
+            <a:ext cx="3362258" cy="615950"/>
+          </a:xfrm>
+        </p:spPr>
+        <p:txBody>
+          <a:bodyPr>
+            <a:normAutofit/>
+          </a:bodyPr>
+          <a:lstStyle>
+            <a:lvl1pPr>
+              <a:defRPr sz="2800" b="1">
+                <a:solidFill>
+                  <a:srgbClr val="43536D"/>
+                </a:solidFill>
+                <a:latin typeface="+mj-lt"/>
+              </a:defRPr>
+            </a:lvl1pPr>
+          </a:lstStyle>
+          <a:p>
+            <a:pPr lvl="0"/>
+            <a:r>
+              <a:rPr lang="es-ES" dirty="0"/>
+              <a:t>Nombre Apellido</a:t>
+            </a:r>
+          </a:p>
+        </p:txBody>
+      </p:sp>
+      <p:sp>
+        <p:nvSpPr>
+          <p:cNvPr id="8" name="Text Placeholder 7"/>
+          <p:cNvSpPr>
+            <a:spLocks noGrp="1"/>
+          </p:cNvSpPr>
+          <p:nvPr>
+            <p:ph type="body" sz="quarter" idx="16" hasCustomPrompt="1"/>
+          </p:nvPr>
+        </p:nvSpPr>
+        <p:spPr>
+          <a:xfrm>
+            <a:off x="2640608" y="2592292"/>
+            <a:ext cx="3362258" cy="326458"/>
+          </a:xfrm>
+        </p:spPr>
+        <p:txBody>
+          <a:bodyPr/>
+          <a:lstStyle>
+            <a:lvl1pPr>
+              <a:defRPr sz="1800">
+                <a:solidFill>
+                  <a:srgbClr val="43536D"/>
+                </a:solidFill>
+              </a:defRPr>
+            </a:lvl1pPr>
+          </a:lstStyle>
+          <a:p>
+            <a:pPr lvl="0"/>
+            <a:r>
+              <a:rPr lang="es-ES" dirty="0"/>
+              <a:t>CARGO</a:t>
+            </a:r>
+          </a:p>
+        </p:txBody>
+      </p:sp>
+      <p:sp>
+        <p:nvSpPr>
+          <p:cNvPr id="19" name="Text Placeholder 7"/>
+          <p:cNvSpPr>
+            <a:spLocks noGrp="1"/>
+          </p:cNvSpPr>
+          <p:nvPr>
+            <p:ph type="body" sz="quarter" idx="17" hasCustomPrompt="1"/>
+          </p:nvPr>
+        </p:nvSpPr>
+        <p:spPr>
+          <a:xfrm>
+            <a:off x="8653022" y="2599057"/>
+            <a:ext cx="3362258" cy="326458"/>
+          </a:xfrm>
+        </p:spPr>
+        <p:txBody>
+          <a:bodyPr/>
+          <a:lstStyle>
+            <a:lvl1pPr>
+              <a:defRPr sz="1800">
+                <a:solidFill>
+                  <a:srgbClr val="43536D"/>
+                </a:solidFill>
+              </a:defRPr>
+            </a:lvl1pPr>
+          </a:lstStyle>
+          <a:p>
+            <a:pPr lvl="0"/>
+            <a:r>
+              <a:rPr lang="es-ES" dirty="0"/>
+              <a:t>CARGO</a:t>
+            </a:r>
+          </a:p>
+        </p:txBody>
+      </p:sp>
+      <p:sp>
+        <p:nvSpPr>
+          <p:cNvPr id="21" name="Marcador de texto 7"/>
+          <p:cNvSpPr>
+            <a:spLocks noGrp="1"/>
+          </p:cNvSpPr>
+          <p:nvPr>
+            <p:ph type="body" sz="quarter" idx="18" hasCustomPrompt="1"/>
+          </p:nvPr>
+        </p:nvSpPr>
+        <p:spPr>
+          <a:xfrm>
+            <a:off x="2640608" y="5101636"/>
+            <a:ext cx="3362259" cy="270241"/>
+          </a:xfrm>
+        </p:spPr>
+        <p:txBody>
+          <a:bodyPr>
+            <a:noAutofit/>
+          </a:bodyPr>
+          <a:lstStyle>
+            <a:lvl1pPr algn="l">
+              <a:defRPr sz="1600">
+                <a:solidFill>
+                  <a:srgbClr val="00D0FF"/>
+                </a:solidFill>
+              </a:defRPr>
+            </a:lvl1pPr>
+          </a:lstStyle>
+          <a:p>
+            <a:pPr lvl="0"/>
+            <a:r>
+              <a:rPr lang="es-ES" dirty="0"/>
+              <a:t>@</a:t>
+            </a:r>
+            <a:r>
+              <a:rPr lang="es-ES" dirty="0" err="1"/>
+              <a:t>nombretwitter</a:t>
+            </a:r>
+            <a:endParaRPr lang="es-ES" dirty="0"/>
+          </a:p>
+        </p:txBody>
+      </p:sp>
+      <p:sp>
+        <p:nvSpPr>
+          <p:cNvPr id="22" name="Marcador de texto 7"/>
+          <p:cNvSpPr>
+            <a:spLocks noGrp="1"/>
+          </p:cNvSpPr>
+          <p:nvPr>
+            <p:ph type="body" sz="quarter" idx="19" hasCustomPrompt="1"/>
+          </p:nvPr>
+        </p:nvSpPr>
+        <p:spPr>
+          <a:xfrm>
+            <a:off x="8653022" y="5101635"/>
+            <a:ext cx="3362257" cy="270241"/>
+          </a:xfrm>
+        </p:spPr>
+        <p:txBody>
+          <a:bodyPr>
+            <a:noAutofit/>
+          </a:bodyPr>
+          <a:lstStyle>
+            <a:lvl1pPr algn="l">
+              <a:defRPr sz="1600">
+                <a:solidFill>
+                  <a:srgbClr val="00D0FF"/>
+                </a:solidFill>
+              </a:defRPr>
+            </a:lvl1pPr>
+          </a:lstStyle>
+          <a:p>
+            <a:pPr lvl="0"/>
+            <a:r>
+              <a:rPr lang="es-ES" dirty="0"/>
+              <a:t>@</a:t>
+            </a:r>
+            <a:r>
+              <a:rPr lang="es-ES" dirty="0" err="1"/>
+              <a:t>nombretwitter</a:t>
+            </a:r>
+            <a:endParaRPr lang="es-ES" dirty="0"/>
+          </a:p>
+        </p:txBody>
+      </p:sp>
+    </p:spTree>
+    <p:extLst>
+      <p:ext uri="{BB962C8B-B14F-4D97-AF65-F5344CB8AC3E}">
+        <p14:creationId xmlns:p14="http://schemas.microsoft.com/office/powerpoint/2010/main" val="2546992177"/>
+      </p:ext>
+    </p:extLst>
+  </p:cSld>
+  <p:clrMapOvr>
+    <a:overrideClrMapping bg1="lt1" tx1="dk1" bg2="lt2" tx2="dk2" accent1="accent1" accent2="accent2" accent3="accent3" accent4="accent4" accent5="accent5" accent6="accent6" hlink="hlink" folHlink="folHlink"/>
+  </p:clrMapOvr>
+  <p:extLst mod="1">
+    <p:ext uri="{DCECCB84-F9BA-43D5-87BE-67443E8EF086}">
+      <p15:sldGuideLst xmlns:p15="http://schemas.microsoft.com/office/powerpoint/2012/main">
+        <p15:guide id="1" pos="892">
+          <p15:clr>
+            <a:srgbClr val="FBAE40"/>
+          </p15:clr>
+        </p15:guide>
+        <p15:guide id="2" pos="438">
+          <p15:clr>
+            <a:srgbClr val="FBAE40"/>
+          </p15:clr>
+        </p15:guide>
+      </p15:sldGuideLst>
+    </p:ext>
+  </p:extLst>
 </p:sldLayout>
 </file>
 
@@ -6029,6 +6789,7 @@
     <p:sldLayoutId id="2147483681" r:id="rId22"/>
     <p:sldLayoutId id="2147483682" r:id="rId23"/>
     <p:sldLayoutId id="2147483683" r:id="rId24"/>
+    <p:sldLayoutId id="2147483685" r:id="rId25"/>
   </p:sldLayoutIdLst>
   <p:hf hdr="0" ftr="0" dt="0"/>
   <p:txStyles>
@@ -6333,10 +7094,10 @@
       </p:grpSpPr>
       <p:sp>
         <p:nvSpPr>
-          <p:cNvPr id="2" name="Text Placeholder 1">
+          <p:cNvPr id="2" name="Content Placeholder 1">
             <a:extLst>
               <a:ext uri="{FF2B5EF4-FFF2-40B4-BE49-F238E27FC236}">
-                <a16:creationId xmlns:a16="http://schemas.microsoft.com/office/drawing/2014/main" id="{A94D6304-4111-452E-882F-AC7928E48BC7}"/>
+                <a16:creationId xmlns:a16="http://schemas.microsoft.com/office/drawing/2014/main" id="{F5E312AF-CE81-493F-95A0-213221814F71}"/>
               </a:ext>
             </a:extLst>
           </p:cNvPr>
@@ -6344,30 +7105,72 @@
             <a:spLocks noGrp="1"/>
           </p:cNvSpPr>
           <p:nvPr>
-            <p:ph type="body" sz="quarter" idx="10"/>
+            <p:ph idx="1"/>
           </p:nvPr>
         </p:nvSpPr>
-        <p:spPr>
-          <a:xfrm>
-            <a:off x="1955800" y="2922062"/>
-            <a:ext cx="7939949" cy="830997"/>
-          </a:xfrm>
-        </p:spPr>
+        <p:spPr/>
         <p:txBody>
           <a:bodyPr/>
           <a:lstStyle/>
           <a:p>
             <a:r>
-              <a:rPr lang="en-US" noProof="0" dirty="0"/>
-              <a:t>Microservices architecture: characteristics &amp; benefits</a:t>
-            </a:r>
+              <a:rPr lang="en-US" dirty="0"/>
+              <a:t>The microservice approach has emerged from real-world use, taking our better understanding of systems and architecture to do SOA well. So you should instead think of microservices as a specific approach for SOA in the same way that XP or Scrum are specific approaches for Agile software development. </a:t>
+            </a:r>
+          </a:p>
+          <a:p>
+            <a:endParaRPr lang="en-US" sz="1400" dirty="0"/>
+          </a:p>
+          <a:p>
+            <a:r>
+              <a:rPr lang="en-US" sz="1200" dirty="0"/>
+              <a:t>(From Sam Newman, Building microservices).</a:t>
+            </a:r>
+            <a:endParaRPr lang="ca-ES" sz="1200" dirty="0"/>
+          </a:p>
+        </p:txBody>
+      </p:sp>
+      <p:sp>
+        <p:nvSpPr>
+          <p:cNvPr id="3" name="Title 2">
+            <a:extLst>
+              <a:ext uri="{FF2B5EF4-FFF2-40B4-BE49-F238E27FC236}">
+                <a16:creationId xmlns:a16="http://schemas.microsoft.com/office/drawing/2014/main" id="{042D7237-2BAD-40B0-A0A0-437647732E12}"/>
+              </a:ext>
+            </a:extLst>
+          </p:cNvPr>
+          <p:cNvSpPr>
+            <a:spLocks noGrp="1"/>
+          </p:cNvSpPr>
+          <p:nvPr>
+            <p:ph type="title"/>
+          </p:nvPr>
+        </p:nvSpPr>
+        <p:spPr/>
+        <p:txBody>
+          <a:bodyPr/>
+          <a:lstStyle/>
+          <a:p>
+            <a:r>
+              <a:rPr lang="ca-ES" dirty="0" err="1"/>
+              <a:t>Some</a:t>
+            </a:r>
+            <a:r>
+              <a:rPr lang="ca-ES" dirty="0"/>
+              <a:t> </a:t>
+            </a:r>
+            <a:r>
+              <a:rPr lang="ca-ES" dirty="0" err="1"/>
+              <a:t>history</a:t>
+            </a:r>
+            <a:endParaRPr lang="ca-ES" dirty="0"/>
           </a:p>
         </p:txBody>
       </p:sp>
     </p:spTree>
     <p:extLst>
       <p:ext uri="{BB962C8B-B14F-4D97-AF65-F5344CB8AC3E}">
-        <p14:creationId xmlns:p14="http://schemas.microsoft.com/office/powerpoint/2010/main" val="1341135555"/>
+        <p14:creationId xmlns:p14="http://schemas.microsoft.com/office/powerpoint/2010/main" val="2100225475"/>
       </p:ext>
     </p:extLst>
   </p:cSld>
@@ -6396,10 +7199,10 @@
       </p:grpSpPr>
       <p:sp>
         <p:nvSpPr>
-          <p:cNvPr id="2" name="Content Placeholder 1">
+          <p:cNvPr id="2" name="Text Placeholder 1">
             <a:extLst>
               <a:ext uri="{FF2B5EF4-FFF2-40B4-BE49-F238E27FC236}">
-                <a16:creationId xmlns:a16="http://schemas.microsoft.com/office/drawing/2014/main" id="{DD4AB3B3-7EA2-4B08-BFA2-3E101E5D3957}"/>
+                <a16:creationId xmlns:a16="http://schemas.microsoft.com/office/drawing/2014/main" id="{A94D6304-4111-452E-882F-AC7928E48BC7}"/>
               </a:ext>
             </a:extLst>
           </p:cNvPr>
@@ -6407,93 +7210,22 @@
             <a:spLocks noGrp="1"/>
           </p:cNvSpPr>
           <p:nvPr>
-            <p:ph idx="1"/>
+            <p:ph type="body" sz="quarter" idx="10"/>
           </p:nvPr>
         </p:nvSpPr>
-        <p:spPr/>
+        <p:spPr>
+          <a:xfrm>
+            <a:off x="1955800" y="2922062"/>
+            <a:ext cx="7939949" cy="830997"/>
+          </a:xfrm>
+        </p:spPr>
         <p:txBody>
           <a:bodyPr/>
           <a:lstStyle/>
           <a:p>
             <a:r>
               <a:rPr lang="en-US" noProof="0" dirty="0"/>
-              <a:t>Does not mean:</a:t>
-            </a:r>
-          </a:p>
-          <a:p>
-            <a:pPr marL="285750" indent="-285750">
-              <a:buFont typeface="Arial" panose="020B0604020202020204" pitchFamily="34" charset="0"/>
-              <a:buChar char="•"/>
-            </a:pPr>
-            <a:r>
-              <a:rPr lang="en-US" noProof="0" dirty="0"/>
-              <a:t>Small number of lines of code</a:t>
-            </a:r>
-          </a:p>
-          <a:p>
-            <a:pPr marL="285750" indent="-285750">
-              <a:buFont typeface="Arial" panose="020B0604020202020204" pitchFamily="34" charset="0"/>
-              <a:buChar char="•"/>
-            </a:pPr>
-            <a:endParaRPr lang="en-US" noProof="0" dirty="0"/>
-          </a:p>
-          <a:p>
-            <a:r>
-              <a:rPr lang="en-US" noProof="0" dirty="0"/>
-              <a:t>It refers to:</a:t>
-            </a:r>
-          </a:p>
-          <a:p>
-            <a:pPr marL="285750" indent="-285750">
-              <a:buFont typeface="Arial" panose="020B0604020202020204" pitchFamily="34" charset="0"/>
-              <a:buChar char="•"/>
-            </a:pPr>
-            <a:r>
-              <a:rPr lang="en-US" noProof="0" dirty="0"/>
-              <a:t>Cohesive: focused on doing one thing well</a:t>
-            </a:r>
-          </a:p>
-          <a:p>
-            <a:pPr marL="285750" indent="-285750">
-              <a:buFont typeface="Arial" panose="020B0604020202020204" pitchFamily="34" charset="0"/>
-              <a:buChar char="•"/>
-            </a:pPr>
-            <a:r>
-              <a:rPr lang="en-US" noProof="0" dirty="0"/>
-              <a:t>Clear delimited business boundaries</a:t>
-            </a:r>
-          </a:p>
-          <a:p>
-            <a:endParaRPr lang="en-US" noProof="0" dirty="0"/>
-          </a:p>
-        </p:txBody>
-      </p:sp>
-      <p:sp>
-        <p:nvSpPr>
-          <p:cNvPr id="3" name="Title 2">
-            <a:extLst>
-              <a:ext uri="{FF2B5EF4-FFF2-40B4-BE49-F238E27FC236}">
-                <a16:creationId xmlns:a16="http://schemas.microsoft.com/office/drawing/2014/main" id="{407D83D5-F244-425B-8AAC-8B51EF5E2D05}"/>
-              </a:ext>
-            </a:extLst>
-          </p:cNvPr>
-          <p:cNvSpPr>
-            <a:spLocks noGrp="1"/>
-          </p:cNvSpPr>
-          <p:nvPr>
-            <p:ph type="title"/>
-          </p:nvPr>
-        </p:nvSpPr>
-        <p:spPr/>
-        <p:txBody>
-          <a:bodyPr>
-            <a:normAutofit/>
-          </a:bodyPr>
-          <a:lstStyle/>
-          <a:p>
-            <a:r>
-              <a:rPr lang="en-US" noProof="0" dirty="0"/>
-              <a:t>Small</a:t>
+              <a:t>Microservices architecture: characteristics &amp; benefits</a:t>
             </a:r>
           </a:p>
         </p:txBody>
@@ -6501,7 +7233,7 @@
     </p:spTree>
     <p:extLst>
       <p:ext uri="{BB962C8B-B14F-4D97-AF65-F5344CB8AC3E}">
-        <p14:creationId xmlns:p14="http://schemas.microsoft.com/office/powerpoint/2010/main" val="1875151050"/>
+        <p14:creationId xmlns:p14="http://schemas.microsoft.com/office/powerpoint/2010/main" val="1341135555"/>
       </p:ext>
     </p:extLst>
   </p:cSld>
@@ -6533,7 +7265,7 @@
           <p:cNvPr id="2" name="Content Placeholder 1">
             <a:extLst>
               <a:ext uri="{FF2B5EF4-FFF2-40B4-BE49-F238E27FC236}">
-                <a16:creationId xmlns:a16="http://schemas.microsoft.com/office/drawing/2014/main" id="{02027660-A241-438C-8365-F7A016276B08}"/>
+                <a16:creationId xmlns:a16="http://schemas.microsoft.com/office/drawing/2014/main" id="{DD4AB3B3-7EA2-4B08-BFA2-3E101E5D3957}"/>
               </a:ext>
             </a:extLst>
           </p:cNvPr>
@@ -6550,8 +7282,8 @@
           <a:lstStyle/>
           <a:p>
             <a:r>
-              <a:rPr lang="en-US" dirty="0"/>
-              <a:t>A couple of hints about the size from the industry:</a:t>
+              <a:rPr lang="en-US" noProof="0" dirty="0"/>
+              <a:t>Does not mean:</a:t>
             </a:r>
           </a:p>
           <a:p>
@@ -6560,14 +7292,8 @@
               <a:buChar char="•"/>
             </a:pPr>
             <a:r>
-              <a:rPr lang="en-US" dirty="0"/>
-              <a:t>Small enough to be managed by one team </a:t>
-            </a:r>
-            <a:r>
-              <a:rPr lang="en-US" dirty="0">
-                <a:sym typeface="Wingdings" panose="05000000000000000000" pitchFamily="2" charset="2"/>
-              </a:rPr>
-              <a:t> Aligned to the team structures</a:t>
+              <a:rPr lang="en-US" noProof="0" dirty="0"/>
+              <a:t>Small number of lines of code</a:t>
             </a:r>
           </a:p>
           <a:p>
@@ -6575,34 +7301,36 @@
               <a:buFont typeface="Arial" panose="020B0604020202020204" pitchFamily="34" charset="0"/>
               <a:buChar char="•"/>
             </a:pPr>
-            <a:r>
-              <a:rPr lang="en-US" dirty="0">
-                <a:sym typeface="Wingdings" panose="05000000000000000000" pitchFamily="2" charset="2"/>
-              </a:rPr>
-              <a:t>Some teams agree is small in time development (i.e. some weeks)</a:t>
-            </a:r>
-          </a:p>
-          <a:p>
-            <a:endParaRPr lang="en-US" dirty="0">
-              <a:sym typeface="Wingdings" panose="05000000000000000000" pitchFamily="2" charset="2"/>
-            </a:endParaRPr>
-          </a:p>
-          <a:p>
-            <a:r>
-              <a:rPr lang="en-US" dirty="0">
-                <a:sym typeface="Wingdings" panose="05000000000000000000" pitchFamily="2" charset="2"/>
-              </a:rPr>
-              <a:t>Bounded contexts separate the services and stablish clear borders between them.</a:t>
-            </a:r>
-          </a:p>
-          <a:p>
-            <a:endParaRPr lang="ca-ES" dirty="0"/>
-          </a:p>
-          <a:p>
-            <a:endParaRPr lang="ca-ES" dirty="0"/>
-          </a:p>
-          <a:p>
-            <a:endParaRPr lang="ca-ES" dirty="0"/>
+            <a:endParaRPr lang="en-US" noProof="0" dirty="0"/>
+          </a:p>
+          <a:p>
+            <a:r>
+              <a:rPr lang="en-US" noProof="0" dirty="0"/>
+              <a:t>It refers to:</a:t>
+            </a:r>
+          </a:p>
+          <a:p>
+            <a:pPr marL="285750" indent="-285750">
+              <a:buFont typeface="Arial" panose="020B0604020202020204" pitchFamily="34" charset="0"/>
+              <a:buChar char="•"/>
+            </a:pPr>
+            <a:r>
+              <a:rPr lang="en-US" noProof="0" dirty="0"/>
+              <a:t>Cohesive: focused on doing one thing well</a:t>
+            </a:r>
+          </a:p>
+          <a:p>
+            <a:pPr marL="285750" indent="-285750">
+              <a:buFont typeface="Arial" panose="020B0604020202020204" pitchFamily="34" charset="0"/>
+              <a:buChar char="•"/>
+            </a:pPr>
+            <a:r>
+              <a:rPr lang="en-US" noProof="0" dirty="0"/>
+              <a:t>Clear delimited business boundaries</a:t>
+            </a:r>
+          </a:p>
+          <a:p>
+            <a:endParaRPr lang="en-US" noProof="0" dirty="0"/>
           </a:p>
         </p:txBody>
       </p:sp>
@@ -6611,7 +7339,7 @@
           <p:cNvPr id="3" name="Title 2">
             <a:extLst>
               <a:ext uri="{FF2B5EF4-FFF2-40B4-BE49-F238E27FC236}">
-                <a16:creationId xmlns:a16="http://schemas.microsoft.com/office/drawing/2014/main" id="{4E8B4B29-CD29-4A21-980B-8E2BE89D3BE3}"/>
+                <a16:creationId xmlns:a16="http://schemas.microsoft.com/office/drawing/2014/main" id="{407D83D5-F244-425B-8AAC-8B51EF5E2D05}"/>
               </a:ext>
             </a:extLst>
           </p:cNvPr>
@@ -6624,21 +7352,22 @@
         </p:nvSpPr>
         <p:spPr/>
         <p:txBody>
-          <a:bodyPr/>
+          <a:bodyPr>
+            <a:normAutofit/>
+          </a:bodyPr>
           <a:lstStyle/>
           <a:p>
             <a:r>
-              <a:rPr lang="ca-ES" dirty="0" err="1"/>
+              <a:rPr lang="en-US" noProof="0" dirty="0"/>
               <a:t>Small</a:t>
             </a:r>
-            <a:endParaRPr lang="ca-ES" dirty="0"/>
           </a:p>
         </p:txBody>
       </p:sp>
     </p:spTree>
     <p:extLst>
       <p:ext uri="{BB962C8B-B14F-4D97-AF65-F5344CB8AC3E}">
-        <p14:creationId xmlns:p14="http://schemas.microsoft.com/office/powerpoint/2010/main" val="2274200242"/>
+        <p14:creationId xmlns:p14="http://schemas.microsoft.com/office/powerpoint/2010/main" val="1875151050"/>
       </p:ext>
     </p:extLst>
   </p:cSld>
@@ -6670,7 +7399,7 @@
           <p:cNvPr id="2" name="Content Placeholder 1">
             <a:extLst>
               <a:ext uri="{FF2B5EF4-FFF2-40B4-BE49-F238E27FC236}">
-                <a16:creationId xmlns:a16="http://schemas.microsoft.com/office/drawing/2014/main" id="{1CF11DEE-1E9E-4818-94EE-37497378FE28}"/>
+                <a16:creationId xmlns:a16="http://schemas.microsoft.com/office/drawing/2014/main" id="{02027660-A241-438C-8365-F7A016276B08}"/>
               </a:ext>
             </a:extLst>
           </p:cNvPr>
@@ -6683,67 +7412,63 @@
         </p:nvSpPr>
         <p:spPr/>
         <p:txBody>
-          <a:bodyPr>
-            <a:normAutofit/>
-          </a:bodyPr>
+          <a:bodyPr/>
           <a:lstStyle/>
           <a:p>
             <a:r>
-              <a:rPr lang="en-US" noProof="0" dirty="0"/>
-              <a:t>It might be deployed as an isolated service</a:t>
-            </a:r>
-          </a:p>
-          <a:p>
-            <a:endParaRPr lang="en-US" noProof="0" dirty="0"/>
-          </a:p>
-          <a:p>
-            <a:r>
-              <a:rPr lang="en-US" noProof="0" dirty="0"/>
-              <a:t>All communication between the services themselves are via network calls to enforce separation between the services. </a:t>
-            </a:r>
-          </a:p>
-          <a:p>
-            <a:endParaRPr lang="en-US" noProof="0" dirty="0"/>
-          </a:p>
-          <a:p>
-            <a:r>
               <a:rPr lang="en-US" dirty="0"/>
-              <a:t>S</a:t>
-            </a:r>
-            <a:r>
-              <a:rPr lang="en-US" noProof="0" dirty="0" err="1"/>
-              <a:t>ervices</a:t>
-            </a:r>
-            <a:r>
-              <a:rPr lang="en-US" noProof="0" dirty="0"/>
-              <a:t> change independently of each other, and </a:t>
-            </a:r>
+              <a:t>A couple of hints about the size from the industry:</a:t>
+            </a:r>
+          </a:p>
+          <a:p>
+            <a:pPr marL="285750" indent="-285750">
+              <a:buFont typeface="Arial" panose="020B0604020202020204" pitchFamily="34" charset="0"/>
+              <a:buChar char="•"/>
+            </a:pPr>
             <a:r>
               <a:rPr lang="en-US" dirty="0"/>
-              <a:t>are</a:t>
-            </a:r>
-            <a:r>
-              <a:rPr lang="en-US" noProof="0" dirty="0"/>
-              <a:t> deployed without requiring consumers to change.</a:t>
-            </a:r>
-          </a:p>
-          <a:p>
-            <a:endParaRPr lang="en-US" noProof="0" dirty="0"/>
-          </a:p>
-          <a:p>
-            <a:r>
-              <a:rPr lang="en-US" dirty="0"/>
-              <a:t>The golden rule: </a:t>
-            </a:r>
-          </a:p>
-          <a:p>
-            <a:r>
-              <a:rPr lang="en-US" dirty="0"/>
-              <a:t>Can you make a change to a service and deploy it by itself without changing anything else? </a:t>
-            </a:r>
-          </a:p>
-          <a:p>
-            <a:endParaRPr lang="en-US" noProof="0" dirty="0"/>
+              <a:t>Small enough to be managed by one team </a:t>
+            </a:r>
+            <a:r>
+              <a:rPr lang="en-US" dirty="0">
+                <a:sym typeface="Wingdings" panose="05000000000000000000" pitchFamily="2" charset="2"/>
+              </a:rPr>
+              <a:t> Aligned to the team structures</a:t>
+            </a:r>
+          </a:p>
+          <a:p>
+            <a:pPr marL="285750" indent="-285750">
+              <a:buFont typeface="Arial" panose="020B0604020202020204" pitchFamily="34" charset="0"/>
+              <a:buChar char="•"/>
+            </a:pPr>
+            <a:r>
+              <a:rPr lang="en-US" dirty="0">
+                <a:sym typeface="Wingdings" panose="05000000000000000000" pitchFamily="2" charset="2"/>
+              </a:rPr>
+              <a:t>Some teams agree is small in time development (i.e. some weeks)</a:t>
+            </a:r>
+          </a:p>
+          <a:p>
+            <a:endParaRPr lang="en-US" dirty="0">
+              <a:sym typeface="Wingdings" panose="05000000000000000000" pitchFamily="2" charset="2"/>
+            </a:endParaRPr>
+          </a:p>
+          <a:p>
+            <a:r>
+              <a:rPr lang="en-US" dirty="0">
+                <a:sym typeface="Wingdings" panose="05000000000000000000" pitchFamily="2" charset="2"/>
+              </a:rPr>
+              <a:t>Bounded contexts separate the services and stablish clear borders between them.</a:t>
+            </a:r>
+          </a:p>
+          <a:p>
+            <a:endParaRPr lang="ca-ES" dirty="0"/>
+          </a:p>
+          <a:p>
+            <a:endParaRPr lang="ca-ES" dirty="0"/>
+          </a:p>
+          <a:p>
+            <a:endParaRPr lang="ca-ES" dirty="0"/>
           </a:p>
         </p:txBody>
       </p:sp>
@@ -6752,7 +7477,7 @@
           <p:cNvPr id="3" name="Title 2">
             <a:extLst>
               <a:ext uri="{FF2B5EF4-FFF2-40B4-BE49-F238E27FC236}">
-                <a16:creationId xmlns:a16="http://schemas.microsoft.com/office/drawing/2014/main" id="{EFC79224-3316-4770-A582-A153DE2F247B}"/>
+                <a16:creationId xmlns:a16="http://schemas.microsoft.com/office/drawing/2014/main" id="{4E8B4B29-CD29-4A21-980B-8E2BE89D3BE3}"/>
               </a:ext>
             </a:extLst>
           </p:cNvPr>
@@ -6769,16 +7494,17 @@
           <a:lstStyle/>
           <a:p>
             <a:r>
-              <a:rPr lang="en-US" noProof="0" dirty="0"/>
-              <a:t>Autonomous</a:t>
-            </a:r>
+              <a:rPr lang="ca-ES" dirty="0" err="1"/>
+              <a:t>Small</a:t>
+            </a:r>
+            <a:endParaRPr lang="ca-ES" dirty="0"/>
           </a:p>
         </p:txBody>
       </p:sp>
     </p:spTree>
     <p:extLst>
       <p:ext uri="{BB962C8B-B14F-4D97-AF65-F5344CB8AC3E}">
-        <p14:creationId xmlns:p14="http://schemas.microsoft.com/office/powerpoint/2010/main" val="1313444787"/>
+        <p14:creationId xmlns:p14="http://schemas.microsoft.com/office/powerpoint/2010/main" val="2274200242"/>
       </p:ext>
     </p:extLst>
   </p:cSld>
@@ -6810,7 +7536,7 @@
           <p:cNvPr id="2" name="Content Placeholder 1">
             <a:extLst>
               <a:ext uri="{FF2B5EF4-FFF2-40B4-BE49-F238E27FC236}">
-                <a16:creationId xmlns:a16="http://schemas.microsoft.com/office/drawing/2014/main" id="{CC7183DC-5DD8-4AD5-A696-5AEF58A5C7B9}"/>
+                <a16:creationId xmlns:a16="http://schemas.microsoft.com/office/drawing/2014/main" id="{1CF11DEE-1E9E-4818-94EE-37497378FE28}"/>
               </a:ext>
             </a:extLst>
           </p:cNvPr>
@@ -6823,12 +7549,14 @@
         </p:nvSpPr>
         <p:spPr/>
         <p:txBody>
-          <a:bodyPr/>
+          <a:bodyPr>
+            <a:normAutofit/>
+          </a:bodyPr>
           <a:lstStyle/>
           <a:p>
             <a:r>
               <a:rPr lang="en-US" noProof="0" dirty="0"/>
-              <a:t>Use the right tool for each job</a:t>
+              <a:t>It might be deployed as an isolated service</a:t>
             </a:r>
           </a:p>
           <a:p>
@@ -6837,7 +7565,7 @@
           <a:p>
             <a:r>
               <a:rPr lang="en-US" noProof="0" dirty="0"/>
-              <a:t>Freedom for the teams to decide what fits better for them</a:t>
+              <a:t>All communication between the services themselves are via network calls to enforce separation between the services. </a:t>
             </a:r>
           </a:p>
           <a:p>
@@ -6845,8 +7573,24 @@
           </a:p>
           <a:p>
             <a:r>
+              <a:rPr lang="en-US" dirty="0"/>
+              <a:t>S</a:t>
+            </a:r>
+            <a:r>
+              <a:rPr lang="en-US" noProof="0" dirty="0" err="1"/>
+              <a:t>ervices</a:t>
+            </a:r>
+            <a:r>
               <a:rPr lang="en-US" noProof="0" dirty="0"/>
-              <a:t>Easy to start in new technologies due to the small size of the microservices</a:t>
+              <a:t> change independently of each other, and </a:t>
+            </a:r>
+            <a:r>
+              <a:rPr lang="en-US" dirty="0"/>
+              <a:t>are</a:t>
+            </a:r>
+            <a:r>
+              <a:rPr lang="en-US" noProof="0" dirty="0"/>
+              <a:t> deployed without requiring consumers to change.</a:t>
             </a:r>
           </a:p>
           <a:p>
@@ -6854,15 +7598,18 @@
           </a:p>
           <a:p>
             <a:r>
-              <a:rPr lang="en-US" b="1" noProof="0" dirty="0"/>
-              <a:t>Be careful:</a:t>
-            </a:r>
-          </a:p>
-          <a:p>
-            <a:r>
-              <a:rPr lang="en-US" noProof="0" dirty="0"/>
-              <a:t>The more technologies used, the more overhead for our organization </a:t>
-            </a:r>
+              <a:rPr lang="en-US" dirty="0"/>
+              <a:t>The golden rule: </a:t>
+            </a:r>
+          </a:p>
+          <a:p>
+            <a:r>
+              <a:rPr lang="en-US" dirty="0"/>
+              <a:t>Can you make a change to a service and deploy it by itself without changing anything else? </a:t>
+            </a:r>
+          </a:p>
+          <a:p>
+            <a:endParaRPr lang="en-US" noProof="0" dirty="0"/>
           </a:p>
         </p:txBody>
       </p:sp>
@@ -6871,7 +7618,7 @@
           <p:cNvPr id="3" name="Title 2">
             <a:extLst>
               <a:ext uri="{FF2B5EF4-FFF2-40B4-BE49-F238E27FC236}">
-                <a16:creationId xmlns:a16="http://schemas.microsoft.com/office/drawing/2014/main" id="{F1A6F2D5-9D8A-4969-A2BC-3724C90DF6D4}"/>
+                <a16:creationId xmlns:a16="http://schemas.microsoft.com/office/drawing/2014/main" id="{EFC79224-3316-4770-A582-A153DE2F247B}"/>
               </a:ext>
             </a:extLst>
           </p:cNvPr>
@@ -6884,14 +7631,12 @@
         </p:nvSpPr>
         <p:spPr/>
         <p:txBody>
-          <a:bodyPr>
-            <a:normAutofit/>
-          </a:bodyPr>
+          <a:bodyPr/>
           <a:lstStyle/>
           <a:p>
             <a:r>
               <a:rPr lang="en-US" noProof="0" dirty="0"/>
-              <a:t>Technology Heterogeneity</a:t>
+              <a:t>Autonomous</a:t>
             </a:r>
           </a:p>
         </p:txBody>
@@ -6899,7 +7644,7 @@
     </p:spTree>
     <p:extLst>
       <p:ext uri="{BB962C8B-B14F-4D97-AF65-F5344CB8AC3E}">
-        <p14:creationId xmlns:p14="http://schemas.microsoft.com/office/powerpoint/2010/main" val="644039356"/>
+        <p14:creationId xmlns:p14="http://schemas.microsoft.com/office/powerpoint/2010/main" val="1313444787"/>
       </p:ext>
     </p:extLst>
   </p:cSld>
@@ -6931,7 +7676,7 @@
           <p:cNvPr id="2" name="Content Placeholder 1">
             <a:extLst>
               <a:ext uri="{FF2B5EF4-FFF2-40B4-BE49-F238E27FC236}">
-                <a16:creationId xmlns:a16="http://schemas.microsoft.com/office/drawing/2014/main" id="{3DD08E3E-B57E-452F-B158-5C56D8DFE035}"/>
+                <a16:creationId xmlns:a16="http://schemas.microsoft.com/office/drawing/2014/main" id="{CC7183DC-5DD8-4AD5-A696-5AEF58A5C7B9}"/>
               </a:ext>
             </a:extLst>
           </p:cNvPr>
@@ -6949,7 +7694,7 @@
           <a:p>
             <a:r>
               <a:rPr lang="en-US" noProof="0" dirty="0"/>
-              <a:t>If one component fails, the rest of the System does not collapse.</a:t>
+              <a:t>Use the right tool for each job</a:t>
             </a:r>
           </a:p>
           <a:p>
@@ -6958,7 +7703,7 @@
           <a:p>
             <a:r>
               <a:rPr lang="en-US" noProof="0" dirty="0"/>
-              <a:t>Counter example: monolithic application, one part fails, the whole application fails.</a:t>
+              <a:t>Freedom for the teams to decide what fits better for them</a:t>
             </a:r>
           </a:p>
           <a:p>
@@ -6967,12 +7712,24 @@
           <a:p>
             <a:r>
               <a:rPr lang="en-US" noProof="0" dirty="0"/>
-              <a:t>MSA favors take resilience strategies, BUT they are not for free and must be taken into account during development.</a:t>
+              <a:t>Easy to start in new technologies due to the small size of the microservices</a:t>
             </a:r>
           </a:p>
           <a:p>
             <a:endParaRPr lang="en-US" noProof="0" dirty="0"/>
           </a:p>
+          <a:p>
+            <a:r>
+              <a:rPr lang="en-US" b="1" noProof="0" dirty="0"/>
+              <a:t>Be careful:</a:t>
+            </a:r>
+          </a:p>
+          <a:p>
+            <a:r>
+              <a:rPr lang="en-US" noProof="0" dirty="0"/>
+              <a:t>The more technologies used, the more overhead for our organization </a:t>
+            </a:r>
+          </a:p>
         </p:txBody>
       </p:sp>
       <p:sp>
@@ -6980,7 +7737,7 @@
           <p:cNvPr id="3" name="Title 2">
             <a:extLst>
               <a:ext uri="{FF2B5EF4-FFF2-40B4-BE49-F238E27FC236}">
-                <a16:creationId xmlns:a16="http://schemas.microsoft.com/office/drawing/2014/main" id="{C813B04F-8075-4D61-A59B-478BAE6B8AD1}"/>
+                <a16:creationId xmlns:a16="http://schemas.microsoft.com/office/drawing/2014/main" id="{F1A6F2D5-9D8A-4969-A2BC-3724C90DF6D4}"/>
               </a:ext>
             </a:extLst>
           </p:cNvPr>
@@ -7000,7 +7757,7 @@
           <a:p>
             <a:r>
               <a:rPr lang="en-US" noProof="0" dirty="0"/>
-              <a:t>Resilience</a:t>
+              <a:t>Technology Heterogeneity</a:t>
             </a:r>
           </a:p>
         </p:txBody>
@@ -7008,7 +7765,7 @@
     </p:spTree>
     <p:extLst>
       <p:ext uri="{BB962C8B-B14F-4D97-AF65-F5344CB8AC3E}">
-        <p14:creationId xmlns:p14="http://schemas.microsoft.com/office/powerpoint/2010/main" val="3166054510"/>
+        <p14:creationId xmlns:p14="http://schemas.microsoft.com/office/powerpoint/2010/main" val="644039356"/>
       </p:ext>
     </p:extLst>
   </p:cSld>
@@ -7037,10 +7794,59 @@
       </p:grpSpPr>
       <p:sp>
         <p:nvSpPr>
+          <p:cNvPr id="2" name="Content Placeholder 1">
+            <a:extLst>
+              <a:ext uri="{FF2B5EF4-FFF2-40B4-BE49-F238E27FC236}">
+                <a16:creationId xmlns:a16="http://schemas.microsoft.com/office/drawing/2014/main" id="{3DD08E3E-B57E-452F-B158-5C56D8DFE035}"/>
+              </a:ext>
+            </a:extLst>
+          </p:cNvPr>
+          <p:cNvSpPr>
+            <a:spLocks noGrp="1"/>
+          </p:cNvSpPr>
+          <p:nvPr>
+            <p:ph idx="1"/>
+          </p:nvPr>
+        </p:nvSpPr>
+        <p:spPr/>
+        <p:txBody>
+          <a:bodyPr/>
+          <a:lstStyle/>
+          <a:p>
+            <a:r>
+              <a:rPr lang="en-US" noProof="0" dirty="0"/>
+              <a:t>If one component fails, the rest of the System does not collapse.</a:t>
+            </a:r>
+          </a:p>
+          <a:p>
+            <a:endParaRPr lang="en-US" noProof="0" dirty="0"/>
+          </a:p>
+          <a:p>
+            <a:r>
+              <a:rPr lang="en-US" noProof="0" dirty="0"/>
+              <a:t>Counter example: monolithic application, one part fails, the whole application fails.</a:t>
+            </a:r>
+          </a:p>
+          <a:p>
+            <a:endParaRPr lang="en-US" noProof="0" dirty="0"/>
+          </a:p>
+          <a:p>
+            <a:r>
+              <a:rPr lang="en-US" noProof="0" dirty="0"/>
+              <a:t>MSA favors take resilience strategies, BUT they are not for free and must be taken into account during development.</a:t>
+            </a:r>
+          </a:p>
+          <a:p>
+            <a:endParaRPr lang="en-US" noProof="0" dirty="0"/>
+          </a:p>
+        </p:txBody>
+      </p:sp>
+      <p:sp>
+        <p:nvSpPr>
           <p:cNvPr id="3" name="Title 2">
             <a:extLst>
               <a:ext uri="{FF2B5EF4-FFF2-40B4-BE49-F238E27FC236}">
-                <a16:creationId xmlns:a16="http://schemas.microsoft.com/office/drawing/2014/main" id="{E53C27A4-C4BF-41B2-8491-EB2CEABFEF4F}"/>
+                <a16:creationId xmlns:a16="http://schemas.microsoft.com/office/drawing/2014/main" id="{C813B04F-8075-4D61-A59B-478BAE6B8AD1}"/>
               </a:ext>
             </a:extLst>
           </p:cNvPr>
@@ -7054,111 +7860,21 @@
         <p:spPr/>
         <p:txBody>
           <a:bodyPr>
-            <a:normAutofit fontScale="90000"/>
+            <a:normAutofit/>
           </a:bodyPr>
           <a:lstStyle/>
           <a:p>
             <a:r>
               <a:rPr lang="en-US" noProof="0" dirty="0"/>
-              <a:t>Scaling</a:t>
-            </a:r>
-            <a:br>
-              <a:rPr lang="en-US" noProof="0" dirty="0"/>
-            </a:br>
-            <a:endParaRPr lang="en-US" noProof="0" dirty="0"/>
-          </a:p>
-        </p:txBody>
-      </p:sp>
-      <p:pic>
-        <p:nvPicPr>
-          <p:cNvPr id="5" name="Picture 4" descr="A picture containing object, gallery&#10;&#10;Description generated with very high confidence">
-            <a:extLst>
-              <a:ext uri="{FF2B5EF4-FFF2-40B4-BE49-F238E27FC236}">
-                <a16:creationId xmlns:a16="http://schemas.microsoft.com/office/drawing/2014/main" id="{3DA2A58A-DB31-49F3-96B1-D933015D9CAA}"/>
-              </a:ext>
-            </a:extLst>
-          </p:cNvPr>
-          <p:cNvPicPr>
-            <a:picLocks noChangeAspect="1"/>
-          </p:cNvPicPr>
-          <p:nvPr/>
-        </p:nvPicPr>
-        <p:blipFill>
-          <a:blip r:embed="rId3">
-            <a:extLst>
-              <a:ext uri="{28A0092B-C50C-407E-A947-70E740481C1C}">
-                <a14:useLocalDpi xmlns:a14="http://schemas.microsoft.com/office/drawing/2010/main" val="0"/>
-              </a:ext>
-            </a:extLst>
-          </a:blip>
-          <a:stretch>
-            <a:fillRect/>
-          </a:stretch>
-        </p:blipFill>
-        <p:spPr>
-          <a:xfrm>
-            <a:off x="2673965" y="1686888"/>
-            <a:ext cx="6477234" cy="3962543"/>
-          </a:xfrm>
-          <a:prstGeom prst="rect">
-            <a:avLst/>
-          </a:prstGeom>
-        </p:spPr>
-      </p:pic>
-      <p:sp>
-        <p:nvSpPr>
-          <p:cNvPr id="6" name="TextBox 5">
-            <a:extLst>
-              <a:ext uri="{FF2B5EF4-FFF2-40B4-BE49-F238E27FC236}">
-                <a16:creationId xmlns:a16="http://schemas.microsoft.com/office/drawing/2014/main" id="{32112E6B-DC3F-4E90-A7D1-201BD102DC6F}"/>
-              </a:ext>
-            </a:extLst>
-          </p:cNvPr>
-          <p:cNvSpPr txBox="1"/>
-          <p:nvPr/>
-        </p:nvSpPr>
-        <p:spPr>
-          <a:xfrm>
-            <a:off x="4770474" y="5918791"/>
-            <a:ext cx="3827721" cy="369332"/>
-          </a:xfrm>
-          <a:prstGeom prst="rect">
-            <a:avLst/>
-          </a:prstGeom>
-          <a:noFill/>
-        </p:spPr>
-        <p:txBody>
-          <a:bodyPr wrap="square" rtlCol="0">
-            <a:spAutoFit/>
-          </a:bodyPr>
-          <a:lstStyle/>
-          <a:p>
-            <a:r>
-              <a:rPr lang="ca-ES" dirty="0"/>
-              <a:t>Picture </a:t>
-            </a:r>
-            <a:r>
-              <a:rPr lang="ca-ES" dirty="0" err="1"/>
-              <a:t>by</a:t>
-            </a:r>
-            <a:r>
-              <a:rPr lang="ca-ES" dirty="0"/>
-              <a:t> </a:t>
-            </a:r>
-            <a:r>
-              <a:rPr lang="ca-ES" dirty="0" err="1">
-                <a:hlinkClick r:id="rId4"/>
-              </a:rPr>
-              <a:t>Fowler</a:t>
-            </a:r>
-            <a:endParaRPr lang="ca-ES" dirty="0"/>
+              <a:t>Resilience</a:t>
+            </a:r>
           </a:p>
         </p:txBody>
       </p:sp>
     </p:spTree>
     <p:extLst>
       <p:ext uri="{BB962C8B-B14F-4D97-AF65-F5344CB8AC3E}">
-        <p14:creationId xmlns:p14="http://schemas.microsoft.com/office/powerpoint/2010/main" val="432833756"/>
+        <p14:creationId xmlns:p14="http://schemas.microsoft.com/office/powerpoint/2010/main" val="3166054510"/>
       </p:ext>
     </p:extLst>
   </p:cSld>
@@ -7187,99 +7903,10 @@
       </p:grpSpPr>
       <p:sp>
         <p:nvSpPr>
-          <p:cNvPr id="2" name="Content Placeholder 1">
+          <p:cNvPr id="3" name="Title 2">
             <a:extLst>
               <a:ext uri="{FF2B5EF4-FFF2-40B4-BE49-F238E27FC236}">
-                <a16:creationId xmlns:a16="http://schemas.microsoft.com/office/drawing/2014/main" id="{EB2E3D6F-3F29-4EA5-8D1E-50FBC3BE0FA2}"/>
-              </a:ext>
-            </a:extLst>
-          </p:cNvPr>
-          <p:cNvSpPr>
-            <a:spLocks noGrp="1"/>
-          </p:cNvSpPr>
-          <p:nvPr>
-            <p:ph idx="1"/>
-          </p:nvPr>
-        </p:nvSpPr>
-        <p:spPr/>
-        <p:txBody>
-          <a:bodyPr/>
-          <a:lstStyle/>
-          <a:p>
-            <a:r>
-              <a:rPr lang="en-US" b="1" noProof="0" dirty="0"/>
-              <a:t>Ease of deployment: </a:t>
-            </a:r>
-            <a:r>
-              <a:rPr lang="en-US" noProof="0" dirty="0"/>
-              <a:t>IF we maintain the services louse coupled and with the ability to be deployed isolate. It is more easy</a:t>
-            </a:r>
-            <a:r>
-              <a:rPr lang="en-US" dirty="0"/>
-              <a:t> to </a:t>
-            </a:r>
-            <a:r>
-              <a:rPr lang="en-US" u="sng" dirty="0"/>
-              <a:t>deploy more often and in the hardware that best matches the requirements.</a:t>
-            </a:r>
-            <a:endParaRPr lang="en-US" u="sng" noProof="0" dirty="0"/>
-          </a:p>
-          <a:p>
-            <a:endParaRPr lang="en-US" noProof="0" dirty="0"/>
-          </a:p>
-          <a:p>
-            <a:r>
-              <a:rPr lang="en-US" b="1" dirty="0"/>
-              <a:t>Organizational Alignment : </a:t>
-            </a:r>
-            <a:r>
-              <a:rPr lang="en-US" dirty="0"/>
-              <a:t>large teams sharing code base are problematic. </a:t>
-            </a:r>
-            <a:r>
-              <a:rPr lang="en-US" u="sng" dirty="0"/>
-              <a:t>One small team on service</a:t>
-            </a:r>
-            <a:r>
-              <a:rPr lang="en-US" dirty="0"/>
-              <a:t>.</a:t>
-            </a:r>
-          </a:p>
-          <a:p>
-            <a:endParaRPr lang="en-US" dirty="0"/>
-          </a:p>
-          <a:p>
-            <a:r>
-              <a:rPr lang="en-US" b="1" noProof="0" dirty="0"/>
-              <a:t>Ease of replacement</a:t>
-            </a:r>
-            <a:r>
-              <a:rPr lang="en-US" b="1" dirty="0"/>
-              <a:t>:  </a:t>
-            </a:r>
-            <a:r>
-              <a:rPr lang="en-US" u="sng" dirty="0"/>
-              <a:t>Comfortable rewriting services </a:t>
-            </a:r>
-            <a:r>
-              <a:rPr lang="en-US" dirty="0"/>
-              <a:t>or removing one when it is not needed anymore, in contrast with typical large codebases.</a:t>
-            </a:r>
-          </a:p>
-          <a:p>
-            <a:endParaRPr lang="en-US" noProof="0" dirty="0"/>
-          </a:p>
-          <a:p>
-            <a:endParaRPr lang="en-US" noProof="0" dirty="0"/>
-          </a:p>
-        </p:txBody>
-      </p:sp>
-      <p:sp>
-        <p:nvSpPr>
-          <p:cNvPr id="3" name="Title 2">
-            <a:extLst>
-              <a:ext uri="{FF2B5EF4-FFF2-40B4-BE49-F238E27FC236}">
-                <a16:creationId xmlns:a16="http://schemas.microsoft.com/office/drawing/2014/main" id="{3595BDB3-2693-4720-A68B-120BFBBA85B9}"/>
+                <a16:creationId xmlns:a16="http://schemas.microsoft.com/office/drawing/2014/main" id="{E53C27A4-C4BF-41B2-8491-EB2CEABFEF4F}"/>
               </a:ext>
             </a:extLst>
           </p:cNvPr>
@@ -7293,21 +7920,111 @@
         <p:spPr/>
         <p:txBody>
           <a:bodyPr>
-            <a:normAutofit/>
+            <a:normAutofit fontScale="90000"/>
           </a:bodyPr>
           <a:lstStyle/>
           <a:p>
             <a:r>
               <a:rPr lang="en-US" noProof="0" dirty="0"/>
-              <a:t>And more…</a:t>
-            </a:r>
+              <a:t>Scaling</a:t>
+            </a:r>
+            <a:br>
+              <a:rPr lang="en-US" noProof="0" dirty="0"/>
+            </a:br>
+            <a:endParaRPr lang="en-US" noProof="0" dirty="0"/>
+          </a:p>
+        </p:txBody>
+      </p:sp>
+      <p:pic>
+        <p:nvPicPr>
+          <p:cNvPr id="5" name="Picture 4" descr="A picture containing object, gallery&#10;&#10;Description generated with very high confidence">
+            <a:extLst>
+              <a:ext uri="{FF2B5EF4-FFF2-40B4-BE49-F238E27FC236}">
+                <a16:creationId xmlns:a16="http://schemas.microsoft.com/office/drawing/2014/main" id="{3DA2A58A-DB31-49F3-96B1-D933015D9CAA}"/>
+              </a:ext>
+            </a:extLst>
+          </p:cNvPr>
+          <p:cNvPicPr>
+            <a:picLocks noChangeAspect="1"/>
+          </p:cNvPicPr>
+          <p:nvPr/>
+        </p:nvPicPr>
+        <p:blipFill>
+          <a:blip r:embed="rId3">
+            <a:extLst>
+              <a:ext uri="{28A0092B-C50C-407E-A947-70E740481C1C}">
+                <a14:useLocalDpi xmlns:a14="http://schemas.microsoft.com/office/drawing/2010/main" val="0"/>
+              </a:ext>
+            </a:extLst>
+          </a:blip>
+          <a:stretch>
+            <a:fillRect/>
+          </a:stretch>
+        </p:blipFill>
+        <p:spPr>
+          <a:xfrm>
+            <a:off x="2673965" y="1686888"/>
+            <a:ext cx="6477234" cy="3962543"/>
+          </a:xfrm>
+          <a:prstGeom prst="rect">
+            <a:avLst/>
+          </a:prstGeom>
+        </p:spPr>
+      </p:pic>
+      <p:sp>
+        <p:nvSpPr>
+          <p:cNvPr id="6" name="TextBox 5">
+            <a:extLst>
+              <a:ext uri="{FF2B5EF4-FFF2-40B4-BE49-F238E27FC236}">
+                <a16:creationId xmlns:a16="http://schemas.microsoft.com/office/drawing/2014/main" id="{32112E6B-DC3F-4E90-A7D1-201BD102DC6F}"/>
+              </a:ext>
+            </a:extLst>
+          </p:cNvPr>
+          <p:cNvSpPr txBox="1"/>
+          <p:nvPr/>
+        </p:nvSpPr>
+        <p:spPr>
+          <a:xfrm>
+            <a:off x="4770474" y="5918791"/>
+            <a:ext cx="3827721" cy="369332"/>
+          </a:xfrm>
+          <a:prstGeom prst="rect">
+            <a:avLst/>
+          </a:prstGeom>
+          <a:noFill/>
+        </p:spPr>
+        <p:txBody>
+          <a:bodyPr wrap="square" rtlCol="0">
+            <a:spAutoFit/>
+          </a:bodyPr>
+          <a:lstStyle/>
+          <a:p>
+            <a:r>
+              <a:rPr lang="ca-ES" dirty="0"/>
+              <a:t>Picture </a:t>
+            </a:r>
+            <a:r>
+              <a:rPr lang="ca-ES" dirty="0" err="1"/>
+              <a:t>by</a:t>
+            </a:r>
+            <a:r>
+              <a:rPr lang="ca-ES" dirty="0"/>
+              <a:t> </a:t>
+            </a:r>
+            <a:r>
+              <a:rPr lang="ca-ES" dirty="0" err="1">
+                <a:hlinkClick r:id="rId4"/>
+              </a:rPr>
+              <a:t>Fowler</a:t>
+            </a:r>
+            <a:endParaRPr lang="ca-ES" dirty="0"/>
           </a:p>
         </p:txBody>
       </p:sp>
     </p:spTree>
     <p:extLst>
       <p:ext uri="{BB962C8B-B14F-4D97-AF65-F5344CB8AC3E}">
-        <p14:creationId xmlns:p14="http://schemas.microsoft.com/office/powerpoint/2010/main" val="1520885005"/>
+        <p14:creationId xmlns:p14="http://schemas.microsoft.com/office/powerpoint/2010/main" val="432833756"/>
       </p:ext>
     </p:extLst>
   </p:cSld>
@@ -7336,10 +8053,10 @@
       </p:grpSpPr>
       <p:sp>
         <p:nvSpPr>
-          <p:cNvPr id="2" name="Text Placeholder 1">
+          <p:cNvPr id="2" name="Content Placeholder 1">
             <a:extLst>
               <a:ext uri="{FF2B5EF4-FFF2-40B4-BE49-F238E27FC236}">
-                <a16:creationId xmlns:a16="http://schemas.microsoft.com/office/drawing/2014/main" id="{48C5584F-D316-42A4-B6A0-BC2351667F3F}"/>
+                <a16:creationId xmlns:a16="http://schemas.microsoft.com/office/drawing/2014/main" id="{EB2E3D6F-3F29-4EA5-8D1E-50FBC3BE0FA2}"/>
               </a:ext>
             </a:extLst>
           </p:cNvPr>
@@ -7347,7 +8064,7 @@
             <a:spLocks noGrp="1"/>
           </p:cNvSpPr>
           <p:nvPr>
-            <p:ph type="body" sz="quarter" idx="10"/>
+            <p:ph idx="1"/>
           </p:nvPr>
         </p:nvSpPr>
         <p:spPr/>
@@ -7356,8 +8073,99 @@
           <a:lstStyle/>
           <a:p>
             <a:r>
+              <a:rPr lang="en-US" b="1" noProof="0" dirty="0"/>
+              <a:t>Ease of deployment: </a:t>
+            </a:r>
+            <a:r>
               <a:rPr lang="en-US" noProof="0" dirty="0"/>
-              <a:t>Docker containers</a:t>
+              <a:t>IF we maintain the services louse coupled and with the ability to be deployed isolate. It is more easy</a:t>
+            </a:r>
+            <a:r>
+              <a:rPr lang="en-US" dirty="0"/>
+              <a:t> to </a:t>
+            </a:r>
+            <a:r>
+              <a:rPr lang="en-US" u="sng" dirty="0"/>
+              <a:t>deploy more often and in the hardware that best matches the requirements.</a:t>
+            </a:r>
+            <a:endParaRPr lang="en-US" u="sng" noProof="0" dirty="0"/>
+          </a:p>
+          <a:p>
+            <a:endParaRPr lang="en-US" noProof="0" dirty="0"/>
+          </a:p>
+          <a:p>
+            <a:r>
+              <a:rPr lang="en-US" b="1" dirty="0"/>
+              <a:t>Organizational Alignment : </a:t>
+            </a:r>
+            <a:r>
+              <a:rPr lang="en-US" dirty="0"/>
+              <a:t>large teams sharing code base are problematic. </a:t>
+            </a:r>
+            <a:r>
+              <a:rPr lang="en-US" u="sng" dirty="0"/>
+              <a:t>One small team on service</a:t>
+            </a:r>
+            <a:r>
+              <a:rPr lang="en-US" dirty="0"/>
+              <a:t>.</a:t>
+            </a:r>
+          </a:p>
+          <a:p>
+            <a:endParaRPr lang="en-US" dirty="0"/>
+          </a:p>
+          <a:p>
+            <a:r>
+              <a:rPr lang="en-US" b="1" noProof="0" dirty="0"/>
+              <a:t>Ease of replacement</a:t>
+            </a:r>
+            <a:r>
+              <a:rPr lang="en-US" b="1" dirty="0"/>
+              <a:t>:  </a:t>
+            </a:r>
+            <a:r>
+              <a:rPr lang="en-US" u="sng" dirty="0"/>
+              <a:t>Comfortable rewriting services </a:t>
+            </a:r>
+            <a:r>
+              <a:rPr lang="en-US" dirty="0"/>
+              <a:t>or removing one when it is not needed anymore, in contrast with typical large codebases.</a:t>
+            </a:r>
+          </a:p>
+          <a:p>
+            <a:endParaRPr lang="en-US" noProof="0" dirty="0"/>
+          </a:p>
+          <a:p>
+            <a:endParaRPr lang="en-US" noProof="0" dirty="0"/>
+          </a:p>
+        </p:txBody>
+      </p:sp>
+      <p:sp>
+        <p:nvSpPr>
+          <p:cNvPr id="3" name="Title 2">
+            <a:extLst>
+              <a:ext uri="{FF2B5EF4-FFF2-40B4-BE49-F238E27FC236}">
+                <a16:creationId xmlns:a16="http://schemas.microsoft.com/office/drawing/2014/main" id="{3595BDB3-2693-4720-A68B-120BFBBA85B9}"/>
+              </a:ext>
+            </a:extLst>
+          </p:cNvPr>
+          <p:cNvSpPr>
+            <a:spLocks noGrp="1"/>
+          </p:cNvSpPr>
+          <p:nvPr>
+            <p:ph type="title"/>
+          </p:nvPr>
+        </p:nvSpPr>
+        <p:spPr/>
+        <p:txBody>
+          <a:bodyPr>
+            <a:normAutofit/>
+          </a:bodyPr>
+          <a:lstStyle/>
+          <a:p>
+            <a:r>
+              <a:rPr lang="en-US" noProof="0" dirty="0"/>
+              <a:t>And more…</a:t>
             </a:r>
           </a:p>
         </p:txBody>
@@ -7365,7 +8173,7 @@
     </p:spTree>
     <p:extLst>
       <p:ext uri="{BB962C8B-B14F-4D97-AF65-F5344CB8AC3E}">
-        <p14:creationId xmlns:p14="http://schemas.microsoft.com/office/powerpoint/2010/main" val="3260730342"/>
+        <p14:creationId xmlns:p14="http://schemas.microsoft.com/office/powerpoint/2010/main" val="1520885005"/>
       </p:ext>
     </p:extLst>
   </p:cSld>
@@ -7392,48 +8200,12 @@
           <a:chExt cx="0" cy="0"/>
         </a:xfrm>
       </p:grpSpPr>
-      <p:pic>
-        <p:nvPicPr>
-          <p:cNvPr id="5" name="Picture 4">
+      <p:sp>
+        <p:nvSpPr>
+          <p:cNvPr id="2" name="Text Placeholder 1">
             <a:extLst>
               <a:ext uri="{FF2B5EF4-FFF2-40B4-BE49-F238E27FC236}">
-                <a16:creationId xmlns:a16="http://schemas.microsoft.com/office/drawing/2014/main" id="{56A14D62-2AEB-4FCD-8325-CC563A95A5D9}"/>
-              </a:ext>
-            </a:extLst>
-          </p:cNvPr>
-          <p:cNvPicPr>
-            <a:picLocks noChangeAspect="1"/>
-          </p:cNvPicPr>
-          <p:nvPr/>
-        </p:nvPicPr>
-        <p:blipFill>
-          <a:blip r:embed="rId2">
-            <a:extLst>
-              <a:ext uri="{28A0092B-C50C-407E-A947-70E740481C1C}">
-                <a14:useLocalDpi xmlns:a14="http://schemas.microsoft.com/office/drawing/2010/main" val="0"/>
-              </a:ext>
-            </a:extLst>
-          </a:blip>
-          <a:stretch>
-            <a:fillRect/>
-          </a:stretch>
-        </p:blipFill>
-        <p:spPr>
-          <a:xfrm>
-            <a:off x="6798036" y="508072"/>
-            <a:ext cx="2579594" cy="2301439"/>
-          </a:xfrm>
-          <a:prstGeom prst="rect">
-            <a:avLst/>
-          </a:prstGeom>
-        </p:spPr>
-      </p:pic>
-      <p:sp>
-        <p:nvSpPr>
-          <p:cNvPr id="2" name="Content Placeholder 1">
-            <a:extLst>
-              <a:ext uri="{FF2B5EF4-FFF2-40B4-BE49-F238E27FC236}">
-                <a16:creationId xmlns:a16="http://schemas.microsoft.com/office/drawing/2014/main" id="{8D10AC17-A007-4052-A057-844B6E9530D1}"/>
+                <a16:creationId xmlns:a16="http://schemas.microsoft.com/office/drawing/2014/main" id="{48C5584F-D316-42A4-B6A0-BC2351667F3F}"/>
               </a:ext>
             </a:extLst>
           </p:cNvPr>
@@ -7441,7 +8213,7 @@
             <a:spLocks noGrp="1"/>
           </p:cNvSpPr>
           <p:nvPr>
-            <p:ph idx="1"/>
+            <p:ph type="body" sz="quarter" idx="10"/>
           </p:nvPr>
         </p:nvSpPr>
         <p:spPr/>
@@ -7451,53 +8223,7 @@
           <a:p>
             <a:r>
               <a:rPr lang="en-US" noProof="0" dirty="0"/>
-              <a:t>A container image is a lightweight, stand-alone, executable package of a piece of software that includes everything needed to run it: code, runtime, system tools, system libraries, settings.</a:t>
-            </a:r>
-          </a:p>
-          <a:p>
-            <a:endParaRPr lang="en-US" noProof="0" dirty="0"/>
-          </a:p>
-          <a:p>
-            <a:r>
-              <a:rPr lang="en-US" noProof="0" dirty="0"/>
-              <a:t>An application or process which runs in a container is packaged with all the required dependencies and configuration files; It’s given the illusion that there are no other processes running outside of its container.</a:t>
-            </a:r>
-          </a:p>
-          <a:p>
-            <a:endParaRPr lang="en-US" noProof="0" dirty="0"/>
-          </a:p>
-          <a:p>
-            <a:r>
-              <a:rPr lang="en-US" noProof="0" dirty="0"/>
-              <a:t>Docker is a company that provides technology for the whole containers environment (creation, storage, deployment…)</a:t>
-            </a:r>
-          </a:p>
-        </p:txBody>
-      </p:sp>
-      <p:sp>
-        <p:nvSpPr>
-          <p:cNvPr id="3" name="Title 2">
-            <a:extLst>
-              <a:ext uri="{FF2B5EF4-FFF2-40B4-BE49-F238E27FC236}">
-                <a16:creationId xmlns:a16="http://schemas.microsoft.com/office/drawing/2014/main" id="{BED93E0B-01C5-454B-9027-B4BD4BAAE0AF}"/>
-              </a:ext>
-            </a:extLst>
-          </p:cNvPr>
-          <p:cNvSpPr>
-            <a:spLocks noGrp="1"/>
-          </p:cNvSpPr>
-          <p:nvPr>
-            <p:ph type="title"/>
-          </p:nvPr>
-        </p:nvSpPr>
-        <p:spPr/>
-        <p:txBody>
-          <a:bodyPr/>
-          <a:lstStyle/>
-          <a:p>
-            <a:r>
-              <a:rPr lang="en-US" noProof="0" dirty="0"/>
-              <a:t>Introduction</a:t>
+              <a:t>Docker containers</a:t>
             </a:r>
           </a:p>
         </p:txBody>
@@ -7505,7 +8231,7 @@
     </p:spTree>
     <p:extLst>
       <p:ext uri="{BB962C8B-B14F-4D97-AF65-F5344CB8AC3E}">
-        <p14:creationId xmlns:p14="http://schemas.microsoft.com/office/powerpoint/2010/main" val="952206539"/>
+        <p14:creationId xmlns:p14="http://schemas.microsoft.com/office/powerpoint/2010/main" val="3260730342"/>
       </p:ext>
     </p:extLst>
   </p:cSld>
@@ -7534,10 +8260,10 @@
       </p:grpSpPr>
       <p:sp>
         <p:nvSpPr>
-          <p:cNvPr id="2" name="Text Placeholder 1">
+          <p:cNvPr id="2" name="Footer Placeholder 1">
             <a:extLst>
               <a:ext uri="{FF2B5EF4-FFF2-40B4-BE49-F238E27FC236}">
-                <a16:creationId xmlns:a16="http://schemas.microsoft.com/office/drawing/2014/main" id="{EEF0377E-43ED-463E-ABCF-B046C778B685}"/>
+                <a16:creationId xmlns:a16="http://schemas.microsoft.com/office/drawing/2014/main" id="{76A0E08A-B20C-4B35-A17F-CFFE6C3AC20A}"/>
               </a:ext>
             </a:extLst>
           </p:cNvPr>
@@ -7545,22 +8271,463 @@
             <a:spLocks noGrp="1"/>
           </p:cNvSpPr>
           <p:nvPr>
-            <p:ph type="body" sz="quarter" idx="10"/>
+            <p:ph type="ftr" sz="quarter" idx="10"/>
           </p:nvPr>
         </p:nvSpPr>
-        <p:spPr>
-          <a:xfrm>
-            <a:off x="1871910" y="3546052"/>
-            <a:ext cx="4947734" cy="338554"/>
-          </a:xfrm>
-        </p:spPr>
+        <p:spPr/>
         <p:txBody>
           <a:bodyPr/>
           <a:lstStyle/>
           <a:p>
             <a:r>
+              <a:rPr lang="es-ES" dirty="0"/>
+              <a:t>@</a:t>
+            </a:r>
+            <a:r>
+              <a:rPr lang="es-ES" dirty="0" err="1"/>
+              <a:t>plainconcepts</a:t>
+            </a:r>
+            <a:endParaRPr lang="es-ES" dirty="0"/>
+          </a:p>
+        </p:txBody>
+      </p:sp>
+      <p:sp>
+        <p:nvSpPr>
+          <p:cNvPr id="3" name="Slide Number Placeholder 2">
+            <a:extLst>
+              <a:ext uri="{FF2B5EF4-FFF2-40B4-BE49-F238E27FC236}">
+                <a16:creationId xmlns:a16="http://schemas.microsoft.com/office/drawing/2014/main" id="{27AA858F-8E6B-45EF-8FB8-98AF1EE9F7F6}"/>
+              </a:ext>
+            </a:extLst>
+          </p:cNvPr>
+          <p:cNvSpPr>
+            <a:spLocks noGrp="1"/>
+          </p:cNvSpPr>
+          <p:nvPr>
+            <p:ph type="sldNum" sz="quarter" idx="11"/>
+          </p:nvPr>
+        </p:nvSpPr>
+        <p:spPr/>
+        <p:txBody>
+          <a:bodyPr/>
+          <a:lstStyle/>
+          <a:p>
+            <a:endParaRPr lang="es-ES" u="sng" dirty="0"/>
+          </a:p>
+        </p:txBody>
+      </p:sp>
+      <p:sp>
+        <p:nvSpPr>
+          <p:cNvPr id="4" name="Content Placeholder 3">
+            <a:extLst>
+              <a:ext uri="{FF2B5EF4-FFF2-40B4-BE49-F238E27FC236}">
+                <a16:creationId xmlns:a16="http://schemas.microsoft.com/office/drawing/2014/main" id="{550ED324-4406-419B-BE10-00C6EADC409A}"/>
+              </a:ext>
+            </a:extLst>
+          </p:cNvPr>
+          <p:cNvSpPr>
+            <a:spLocks noGrp="1"/>
+          </p:cNvSpPr>
+          <p:nvPr>
+            <p:ph idx="1"/>
+          </p:nvPr>
+        </p:nvSpPr>
+        <p:spPr/>
+        <p:txBody>
+          <a:bodyPr/>
+          <a:lstStyle/>
+          <a:p>
+            <a:pPr marL="285750" indent="-285750">
+              <a:buFont typeface="Arial" panose="020B0604020202020204" pitchFamily="34" charset="0"/>
+              <a:buChar char="•"/>
+            </a:pPr>
+            <a:r>
+              <a:rPr lang="ca-ES" dirty="0"/>
+              <a:t>Full-</a:t>
+            </a:r>
+            <a:r>
+              <a:rPr lang="ca-ES" dirty="0" err="1"/>
+              <a:t>stack</a:t>
+            </a:r>
+            <a:r>
+              <a:rPr lang="ca-ES" dirty="0"/>
+              <a:t> </a:t>
+            </a:r>
+            <a:r>
+              <a:rPr lang="ca-ES" dirty="0" err="1"/>
+              <a:t>developer</a:t>
+            </a:r>
+            <a:endParaRPr lang="ca-ES" dirty="0"/>
+          </a:p>
+          <a:p>
+            <a:pPr marL="285750" indent="-285750">
+              <a:buFont typeface="Arial" panose="020B0604020202020204" pitchFamily="34" charset="0"/>
+              <a:buChar char="•"/>
+            </a:pPr>
+            <a:r>
+              <a:rPr lang="ca-ES" dirty="0"/>
+              <a:t>Expert in .NET &amp; </a:t>
+            </a:r>
+            <a:r>
+              <a:rPr lang="ca-ES" dirty="0" err="1"/>
+              <a:t>Cloud</a:t>
+            </a:r>
+            <a:r>
+              <a:rPr lang="ca-ES" dirty="0"/>
+              <a:t> </a:t>
+            </a:r>
+            <a:r>
+              <a:rPr lang="ca-ES" dirty="0" err="1"/>
+              <a:t>solutions</a:t>
+            </a:r>
+            <a:endParaRPr lang="ca-ES" dirty="0"/>
+          </a:p>
+          <a:p>
+            <a:endParaRPr lang="ca-ES" dirty="0"/>
+          </a:p>
+          <a:p>
+            <a:endParaRPr lang="ca-ES" dirty="0"/>
+          </a:p>
+          <a:p>
+            <a:endParaRPr lang="ca-ES" dirty="0"/>
+          </a:p>
+          <a:p>
+            <a:endParaRPr lang="ca-ES" dirty="0"/>
+          </a:p>
+          <a:p>
+            <a:r>
+              <a:rPr lang="ca-ES" dirty="0"/>
+              <a:t>rtomas@plainconcepts.com</a:t>
+            </a:r>
+          </a:p>
+          <a:p>
+            <a:endParaRPr lang="ca-ES" dirty="0"/>
+          </a:p>
+        </p:txBody>
+      </p:sp>
+      <p:sp>
+        <p:nvSpPr>
+          <p:cNvPr id="5" name="Title 4">
+            <a:extLst>
+              <a:ext uri="{FF2B5EF4-FFF2-40B4-BE49-F238E27FC236}">
+                <a16:creationId xmlns:a16="http://schemas.microsoft.com/office/drawing/2014/main" id="{75368923-59E7-4B82-8E98-9F1794B2EAFA}"/>
+              </a:ext>
+            </a:extLst>
+          </p:cNvPr>
+          <p:cNvSpPr>
+            <a:spLocks noGrp="1"/>
+          </p:cNvSpPr>
+          <p:nvPr>
+            <p:ph type="title"/>
+          </p:nvPr>
+        </p:nvSpPr>
+        <p:spPr/>
+        <p:txBody>
+          <a:bodyPr/>
+          <a:lstStyle/>
+          <a:p>
+            <a:r>
+              <a:rPr lang="ca-ES" dirty="0"/>
+              <a:t>Ramón Tomás	</a:t>
+            </a:r>
+          </a:p>
+        </p:txBody>
+      </p:sp>
+      <p:pic>
+        <p:nvPicPr>
+          <p:cNvPr id="14" name="Marcador de posición de imagen 13">
+            <a:extLst>
+              <a:ext uri="{FF2B5EF4-FFF2-40B4-BE49-F238E27FC236}">
+                <a16:creationId xmlns:a16="http://schemas.microsoft.com/office/drawing/2014/main" id="{988694CE-5C6F-43E7-8036-ECE681D30A96}"/>
+              </a:ext>
+            </a:extLst>
+          </p:cNvPr>
+          <p:cNvPicPr>
+            <a:picLocks noGrp="1" noChangeAspect="1"/>
+          </p:cNvPicPr>
+          <p:nvPr>
+            <p:ph type="pic" sz="quarter" idx="12"/>
+          </p:nvPr>
+        </p:nvPicPr>
+        <p:blipFill>
+          <a:blip r:embed="rId2">
+            <a:extLst>
+              <a:ext uri="{28A0092B-C50C-407E-A947-70E740481C1C}">
+                <a14:useLocalDpi xmlns:a14="http://schemas.microsoft.com/office/drawing/2010/main" val="0"/>
+              </a:ext>
+            </a:extLst>
+          </a:blip>
+          <a:srcRect l="11196" r="11196"/>
+          <a:stretch>
+            <a:fillRect/>
+          </a:stretch>
+        </p:blipFill>
+        <p:spPr/>
+      </p:pic>
+      <p:sp>
+        <p:nvSpPr>
+          <p:cNvPr id="7" name="Content Placeholder 6">
+            <a:extLst>
+              <a:ext uri="{FF2B5EF4-FFF2-40B4-BE49-F238E27FC236}">
+                <a16:creationId xmlns:a16="http://schemas.microsoft.com/office/drawing/2014/main" id="{016A4EE5-3924-4572-98B8-90FC9D0858A7}"/>
+              </a:ext>
+            </a:extLst>
+          </p:cNvPr>
+          <p:cNvSpPr>
+            <a:spLocks noGrp="1"/>
+          </p:cNvSpPr>
+          <p:nvPr>
+            <p:ph idx="13"/>
+          </p:nvPr>
+        </p:nvSpPr>
+        <p:spPr/>
+        <p:txBody>
+          <a:bodyPr>
+            <a:normAutofit lnSpcReduction="10000"/>
+          </a:bodyPr>
+          <a:lstStyle/>
+          <a:p>
+            <a:pPr marL="285750" indent="-285750">
+              <a:buFont typeface="Arial" panose="020B0604020202020204" pitchFamily="34" charset="0"/>
+              <a:buChar char="•"/>
+            </a:pPr>
+            <a:r>
               <a:rPr lang="en-US" noProof="0" dirty="0"/>
-              <a:t>Introduction to microservices</a:t>
+              <a:t>Software developer</a:t>
+            </a:r>
+          </a:p>
+          <a:p>
+            <a:pPr marL="285750" indent="-285750">
+              <a:buFont typeface="Arial" panose="020B0604020202020204" pitchFamily="34" charset="0"/>
+              <a:buChar char="•"/>
+            </a:pPr>
+            <a:r>
+              <a:rPr lang="en-US" noProof="0" dirty="0"/>
+              <a:t>Scrum Master</a:t>
+            </a:r>
+          </a:p>
+          <a:p>
+            <a:pPr marL="285750" indent="-285750">
+              <a:buFont typeface="Arial" panose="020B0604020202020204" pitchFamily="34" charset="0"/>
+              <a:buChar char="•"/>
+            </a:pPr>
+            <a:r>
+              <a:rPr lang="en-US" noProof="0" dirty="0"/>
+              <a:t>Experience in pharma diagnostics, homeland security and travel industries</a:t>
+            </a:r>
+          </a:p>
+          <a:p>
+            <a:endParaRPr lang="en-US" noProof="0" dirty="0">
+              <a:hlinkClick r:id="rId3"/>
+            </a:endParaRPr>
+          </a:p>
+          <a:p>
+            <a:r>
+              <a:rPr lang="en-US" noProof="0" dirty="0">
+                <a:hlinkClick r:id="rId3"/>
+              </a:rPr>
+              <a:t>https://www.linkedin.com/in/david-sanz/</a:t>
+            </a:r>
+            <a:endParaRPr lang="en-US" noProof="0" dirty="0"/>
+          </a:p>
+          <a:p>
+            <a:r>
+              <a:rPr lang="en-US" noProof="0" dirty="0"/>
+              <a:t>dsanz@plainconcepts.com</a:t>
+            </a:r>
+          </a:p>
+          <a:p>
+            <a:endParaRPr lang="en-US" noProof="0" dirty="0"/>
+          </a:p>
+        </p:txBody>
+      </p:sp>
+      <p:pic>
+        <p:nvPicPr>
+          <p:cNvPr id="15" name="Picture Placeholder 14" descr="A person standing in front of a window&#10;&#10;Description generated with very high confidence">
+            <a:extLst>
+              <a:ext uri="{FF2B5EF4-FFF2-40B4-BE49-F238E27FC236}">
+                <a16:creationId xmlns:a16="http://schemas.microsoft.com/office/drawing/2014/main" id="{7058C705-BA86-49F2-B63D-56E698AC7CEA}"/>
+              </a:ext>
+            </a:extLst>
+          </p:cNvPr>
+          <p:cNvPicPr>
+            <a:picLocks noGrp="1" noChangeAspect="1"/>
+          </p:cNvPicPr>
+          <p:nvPr>
+            <p:ph type="pic" sz="quarter" idx="14"/>
+          </p:nvPr>
+        </p:nvPicPr>
+        <p:blipFill>
+          <a:blip r:embed="rId4" cstate="print">
+            <a:extLst>
+              <a:ext uri="{28A0092B-C50C-407E-A947-70E740481C1C}">
+                <a14:useLocalDpi xmlns:a14="http://schemas.microsoft.com/office/drawing/2010/main" val="0"/>
+              </a:ext>
+            </a:extLst>
+          </a:blip>
+          <a:srcRect l="23016" r="23016"/>
+          <a:stretch>
+            <a:fillRect/>
+          </a:stretch>
+        </p:blipFill>
+        <p:spPr/>
+      </p:pic>
+      <p:sp>
+        <p:nvSpPr>
+          <p:cNvPr id="9" name="Text Placeholder 8">
+            <a:extLst>
+              <a:ext uri="{FF2B5EF4-FFF2-40B4-BE49-F238E27FC236}">
+                <a16:creationId xmlns:a16="http://schemas.microsoft.com/office/drawing/2014/main" id="{0B39D2AC-52DD-4A3C-91A1-344E5D8295C8}"/>
+              </a:ext>
+            </a:extLst>
+          </p:cNvPr>
+          <p:cNvSpPr>
+            <a:spLocks noGrp="1"/>
+          </p:cNvSpPr>
+          <p:nvPr>
+            <p:ph type="body" sz="quarter" idx="15"/>
+          </p:nvPr>
+        </p:nvSpPr>
+        <p:spPr/>
+        <p:txBody>
+          <a:bodyPr/>
+          <a:lstStyle/>
+          <a:p>
+            <a:r>
+              <a:rPr lang="en-US" noProof="0" dirty="0"/>
+              <a:t>David Sanz</a:t>
+            </a:r>
+          </a:p>
+        </p:txBody>
+      </p:sp>
+      <p:sp>
+        <p:nvSpPr>
+          <p:cNvPr id="10" name="Text Placeholder 9">
+            <a:extLst>
+              <a:ext uri="{FF2B5EF4-FFF2-40B4-BE49-F238E27FC236}">
+                <a16:creationId xmlns:a16="http://schemas.microsoft.com/office/drawing/2014/main" id="{689DEF0A-B492-4B05-8960-954591D2BF78}"/>
+              </a:ext>
+            </a:extLst>
+          </p:cNvPr>
+          <p:cNvSpPr>
+            <a:spLocks noGrp="1"/>
+          </p:cNvSpPr>
+          <p:nvPr>
+            <p:ph type="body" sz="quarter" idx="16"/>
+          </p:nvPr>
+        </p:nvSpPr>
+        <p:spPr/>
+        <p:txBody>
+          <a:bodyPr>
+            <a:normAutofit fontScale="92500" lnSpcReduction="10000"/>
+          </a:bodyPr>
+          <a:lstStyle/>
+          <a:p>
+            <a:r>
+              <a:rPr lang="en-US" noProof="0" dirty="0"/>
+              <a:t>Consultant	</a:t>
+            </a:r>
+          </a:p>
+        </p:txBody>
+      </p:sp>
+      <p:sp>
+        <p:nvSpPr>
+          <p:cNvPr id="11" name="Text Placeholder 10">
+            <a:extLst>
+              <a:ext uri="{FF2B5EF4-FFF2-40B4-BE49-F238E27FC236}">
+                <a16:creationId xmlns:a16="http://schemas.microsoft.com/office/drawing/2014/main" id="{52C7B3BA-6AAB-4C28-B450-5BC6E2148DAE}"/>
+              </a:ext>
+            </a:extLst>
+          </p:cNvPr>
+          <p:cNvSpPr>
+            <a:spLocks noGrp="1"/>
+          </p:cNvSpPr>
+          <p:nvPr>
+            <p:ph type="body" sz="quarter" idx="17"/>
+          </p:nvPr>
+        </p:nvSpPr>
+        <p:spPr/>
+        <p:txBody>
+          <a:bodyPr>
+            <a:normAutofit fontScale="70000" lnSpcReduction="20000"/>
+          </a:bodyPr>
+          <a:lstStyle/>
+          <a:p>
+            <a:r>
+              <a:rPr lang="en-US" noProof="0" dirty="0"/>
+              <a:t>Software </a:t>
+            </a:r>
+            <a:r>
+              <a:rPr lang="en-US" u="sng" noProof="0" dirty="0"/>
+              <a:t>Developme</a:t>
+            </a:r>
+            <a:r>
+              <a:rPr lang="en-US" noProof="0" dirty="0"/>
+              <a:t>nt Engineer	</a:t>
+            </a:r>
+          </a:p>
+        </p:txBody>
+      </p:sp>
+      <p:sp>
+        <p:nvSpPr>
+          <p:cNvPr id="12" name="Text Placeholder 11">
+            <a:extLst>
+              <a:ext uri="{FF2B5EF4-FFF2-40B4-BE49-F238E27FC236}">
+                <a16:creationId xmlns:a16="http://schemas.microsoft.com/office/drawing/2014/main" id="{383E7C99-6063-405A-BEC5-F0C629DF1D43}"/>
+              </a:ext>
+            </a:extLst>
+          </p:cNvPr>
+          <p:cNvSpPr>
+            <a:spLocks noGrp="1"/>
+          </p:cNvSpPr>
+          <p:nvPr>
+            <p:ph type="body" sz="quarter" idx="18"/>
+          </p:nvPr>
+        </p:nvSpPr>
+        <p:spPr/>
+        <p:txBody>
+          <a:bodyPr/>
+          <a:lstStyle/>
+          <a:p>
+            <a:r>
+              <a:rPr lang="en-US" noProof="0" dirty="0"/>
+              <a:t>@</a:t>
+            </a:r>
+            <a:r>
+              <a:rPr lang="en-US" noProof="0" dirty="0" err="1"/>
+              <a:t>dsrodenas</a:t>
+            </a:r>
+            <a:r>
+              <a:rPr lang="en-US" noProof="0" dirty="0"/>
+              <a:t> (twitter)</a:t>
+            </a:r>
+          </a:p>
+        </p:txBody>
+      </p:sp>
+      <p:sp>
+        <p:nvSpPr>
+          <p:cNvPr id="13" name="Text Placeholder 12">
+            <a:extLst>
+              <a:ext uri="{FF2B5EF4-FFF2-40B4-BE49-F238E27FC236}">
+                <a16:creationId xmlns:a16="http://schemas.microsoft.com/office/drawing/2014/main" id="{C394C0F9-8CE5-4EFE-9114-CCCD3FCF886C}"/>
+              </a:ext>
+            </a:extLst>
+          </p:cNvPr>
+          <p:cNvSpPr>
+            <a:spLocks noGrp="1"/>
+          </p:cNvSpPr>
+          <p:nvPr>
+            <p:ph type="body" sz="quarter" idx="19"/>
+          </p:nvPr>
+        </p:nvSpPr>
+        <p:spPr/>
+        <p:txBody>
+          <a:bodyPr/>
+          <a:lstStyle/>
+          <a:p>
+            <a:r>
+              <a:rPr lang="en-US" noProof="0" dirty="0"/>
+              <a:t>@ramon_tomas84 (twitter)</a:t>
             </a:r>
           </a:p>
         </p:txBody>
@@ -7568,7 +8735,7 @@
     </p:spTree>
     <p:extLst>
       <p:ext uri="{BB962C8B-B14F-4D97-AF65-F5344CB8AC3E}">
-        <p14:creationId xmlns:p14="http://schemas.microsoft.com/office/powerpoint/2010/main" val="2283333544"/>
+        <p14:creationId xmlns:p14="http://schemas.microsoft.com/office/powerpoint/2010/main" val="1648017572"/>
       </p:ext>
     </p:extLst>
   </p:cSld>
@@ -7595,12 +8762,48 @@
           <a:chExt cx="0" cy="0"/>
         </a:xfrm>
       </p:grpSpPr>
+      <p:pic>
+        <p:nvPicPr>
+          <p:cNvPr id="5" name="Picture 4">
+            <a:extLst>
+              <a:ext uri="{FF2B5EF4-FFF2-40B4-BE49-F238E27FC236}">
+                <a16:creationId xmlns:a16="http://schemas.microsoft.com/office/drawing/2014/main" id="{56A14D62-2AEB-4FCD-8325-CC563A95A5D9}"/>
+              </a:ext>
+            </a:extLst>
+          </p:cNvPr>
+          <p:cNvPicPr>
+            <a:picLocks noChangeAspect="1"/>
+          </p:cNvPicPr>
+          <p:nvPr/>
+        </p:nvPicPr>
+        <p:blipFill>
+          <a:blip r:embed="rId2">
+            <a:extLst>
+              <a:ext uri="{28A0092B-C50C-407E-A947-70E740481C1C}">
+                <a14:useLocalDpi xmlns:a14="http://schemas.microsoft.com/office/drawing/2010/main" val="0"/>
+              </a:ext>
+            </a:extLst>
+          </a:blip>
+          <a:stretch>
+            <a:fillRect/>
+          </a:stretch>
+        </p:blipFill>
+        <p:spPr>
+          <a:xfrm>
+            <a:off x="6798036" y="508072"/>
+            <a:ext cx="2579594" cy="2301439"/>
+          </a:xfrm>
+          <a:prstGeom prst="rect">
+            <a:avLst/>
+          </a:prstGeom>
+        </p:spPr>
+      </p:pic>
       <p:sp>
         <p:nvSpPr>
           <p:cNvPr id="2" name="Content Placeholder 1">
             <a:extLst>
               <a:ext uri="{FF2B5EF4-FFF2-40B4-BE49-F238E27FC236}">
-                <a16:creationId xmlns:a16="http://schemas.microsoft.com/office/drawing/2014/main" id="{01EC30AE-81B1-4BB3-98C7-4FAE7B41C186}"/>
+                <a16:creationId xmlns:a16="http://schemas.microsoft.com/office/drawing/2014/main" id="{8D10AC17-A007-4052-A057-844B6E9530D1}"/>
               </a:ext>
             </a:extLst>
           </p:cNvPr>
@@ -7611,19 +8814,32 @@
             <p:ph idx="1"/>
           </p:nvPr>
         </p:nvSpPr>
-        <p:spPr>
-          <a:xfrm>
-            <a:off x="1720480" y="2163111"/>
-            <a:ext cx="9522823" cy="3030903"/>
-          </a:xfrm>
-        </p:spPr>
+        <p:spPr/>
         <p:txBody>
           <a:bodyPr/>
           <a:lstStyle/>
           <a:p>
             <a:r>
               <a:rPr lang="en-US" noProof="0" dirty="0"/>
-              <a:t>Containers and virtual machines have similar resource isolation and allocation benefits, but function differently. Because containers virtualize the operating system instead of hardware, containers are more portable and efficient.</a:t>
+              <a:t>A container image is a lightweight, stand-alone, executable package of a piece of software that includes everything needed to run it: code, runtime, system tools, system libraries, settings.</a:t>
+            </a:r>
+          </a:p>
+          <a:p>
+            <a:endParaRPr lang="en-US" noProof="0" dirty="0"/>
+          </a:p>
+          <a:p>
+            <a:r>
+              <a:rPr lang="en-US" noProof="0" dirty="0"/>
+              <a:t>An application or process which runs in a container is packaged with all the required dependencies and configuration files; It’s given the illusion that there are no other processes running outside of its container.</a:t>
+            </a:r>
+          </a:p>
+          <a:p>
+            <a:endParaRPr lang="en-US" noProof="0" dirty="0"/>
+          </a:p>
+          <a:p>
+            <a:r>
+              <a:rPr lang="en-US" noProof="0" dirty="0"/>
+              <a:t>Docker is a company that provides technology for the whole containers environment (creation, storage, deployment…)</a:t>
             </a:r>
           </a:p>
         </p:txBody>
@@ -7633,7 +8849,7 @@
           <p:cNvPr id="3" name="Title 2">
             <a:extLst>
               <a:ext uri="{FF2B5EF4-FFF2-40B4-BE49-F238E27FC236}">
-                <a16:creationId xmlns:a16="http://schemas.microsoft.com/office/drawing/2014/main" id="{93960851-D4E1-4649-9B18-734BD0F1A7A5}"/>
+                <a16:creationId xmlns:a16="http://schemas.microsoft.com/office/drawing/2014/main" id="{BED93E0B-01C5-454B-9027-B4BD4BAAE0AF}"/>
               </a:ext>
             </a:extLst>
           </p:cNvPr>
@@ -7651,109 +8867,15 @@
           <a:p>
             <a:r>
               <a:rPr lang="en-US" noProof="0" dirty="0"/>
-              <a:t>Container vs Virtual machine</a:t>
-            </a:r>
-          </a:p>
-        </p:txBody>
-      </p:sp>
-      <p:pic>
-        <p:nvPicPr>
-          <p:cNvPr id="1026" name="Picture 2" descr="Containers">
-            <a:extLst>
-              <a:ext uri="{FF2B5EF4-FFF2-40B4-BE49-F238E27FC236}">
-                <a16:creationId xmlns:a16="http://schemas.microsoft.com/office/drawing/2014/main" id="{1BAC5403-7428-405E-9116-817AEFF707B8}"/>
-              </a:ext>
-            </a:extLst>
-          </p:cNvPr>
-          <p:cNvPicPr>
-            <a:picLocks noChangeAspect="1" noChangeArrowheads="1"/>
-          </p:cNvPicPr>
-          <p:nvPr/>
-        </p:nvPicPr>
-        <p:blipFill>
-          <a:blip r:embed="rId2">
-            <a:extLst>
-              <a:ext uri="{28A0092B-C50C-407E-A947-70E740481C1C}">
-                <a14:useLocalDpi xmlns:a14="http://schemas.microsoft.com/office/drawing/2010/main" val="0"/>
-              </a:ext>
-            </a:extLst>
-          </a:blip>
-          <a:srcRect/>
-          <a:stretch>
-            <a:fillRect/>
-          </a:stretch>
-        </p:blipFill>
-        <p:spPr bwMode="auto">
-          <a:xfrm>
-            <a:off x="2265229" y="3203643"/>
-            <a:ext cx="3059043" cy="2742853"/>
-          </a:xfrm>
-          <a:prstGeom prst="rect">
-            <a:avLst/>
-          </a:prstGeom>
-          <a:noFill/>
-          <a:extLst>
-            <a:ext uri="{909E8E84-426E-40DD-AFC4-6F175D3DCCD1}">
-              <a14:hiddenFill xmlns:a14="http://schemas.microsoft.com/office/drawing/2010/main">
-                <a:solidFill>
-                  <a:srgbClr val="FFFFFF"/>
-                </a:solidFill>
-              </a14:hiddenFill>
-            </a:ext>
-          </a:extLst>
-        </p:spPr>
-      </p:pic>
-      <p:pic>
-        <p:nvPicPr>
-          <p:cNvPr id="1028" name="Picture 4" descr="virtual machines">
-            <a:extLst>
-              <a:ext uri="{FF2B5EF4-FFF2-40B4-BE49-F238E27FC236}">
-                <a16:creationId xmlns:a16="http://schemas.microsoft.com/office/drawing/2014/main" id="{184EF460-F1E8-4CCC-8828-2D2845EB4BCC}"/>
-              </a:ext>
-            </a:extLst>
-          </p:cNvPr>
-          <p:cNvPicPr>
-            <a:picLocks noChangeAspect="1" noChangeArrowheads="1"/>
-          </p:cNvPicPr>
-          <p:nvPr/>
-        </p:nvPicPr>
-        <p:blipFill>
-          <a:blip r:embed="rId3">
-            <a:extLst>
-              <a:ext uri="{28A0092B-C50C-407E-A947-70E740481C1C}">
-                <a14:useLocalDpi xmlns:a14="http://schemas.microsoft.com/office/drawing/2010/main" val="0"/>
-              </a:ext>
-            </a:extLst>
-          </a:blip>
-          <a:srcRect/>
-          <a:stretch>
-            <a:fillRect/>
-          </a:stretch>
-        </p:blipFill>
-        <p:spPr bwMode="auto">
-          <a:xfrm>
-            <a:off x="6386843" y="3268038"/>
-            <a:ext cx="3003590" cy="2699294"/>
-          </a:xfrm>
-          <a:prstGeom prst="rect">
-            <a:avLst/>
-          </a:prstGeom>
-          <a:noFill/>
-          <a:extLst>
-            <a:ext uri="{909E8E84-426E-40DD-AFC4-6F175D3DCCD1}">
-              <a14:hiddenFill xmlns:a14="http://schemas.microsoft.com/office/drawing/2010/main">
-                <a:solidFill>
-                  <a:srgbClr val="FFFFFF"/>
-                </a:solidFill>
-              </a14:hiddenFill>
-            </a:ext>
-          </a:extLst>
-        </p:spPr>
-      </p:pic>
+              <a:t>Introduction</a:t>
+            </a:r>
+          </a:p>
+        </p:txBody>
+      </p:sp>
     </p:spTree>
     <p:extLst>
       <p:ext uri="{BB962C8B-B14F-4D97-AF65-F5344CB8AC3E}">
-        <p14:creationId xmlns:p14="http://schemas.microsoft.com/office/powerpoint/2010/main" val="900962903"/>
+        <p14:creationId xmlns:p14="http://schemas.microsoft.com/office/powerpoint/2010/main" val="952206539"/>
       </p:ext>
     </p:extLst>
   </p:cSld>
@@ -7782,10 +8904,10 @@
       </p:grpSpPr>
       <p:sp>
         <p:nvSpPr>
-          <p:cNvPr id="2" name="Marcador de contenido 1">
+          <p:cNvPr id="2" name="Content Placeholder 1">
             <a:extLst>
               <a:ext uri="{FF2B5EF4-FFF2-40B4-BE49-F238E27FC236}">
-                <a16:creationId xmlns:a16="http://schemas.microsoft.com/office/drawing/2014/main" id="{38D63069-8753-4DE3-AE0C-9DEAC0EF7485}"/>
+                <a16:creationId xmlns:a16="http://schemas.microsoft.com/office/drawing/2014/main" id="{01EC30AE-81B1-4BB3-98C7-4FAE7B41C186}"/>
               </a:ext>
             </a:extLst>
           </p:cNvPr>
@@ -7796,93 +8918,29 @@
             <p:ph idx="1"/>
           </p:nvPr>
         </p:nvSpPr>
-        <p:spPr/>
+        <p:spPr>
+          <a:xfrm>
+            <a:off x="1720480" y="2163111"/>
+            <a:ext cx="9522823" cy="3030903"/>
+          </a:xfrm>
+        </p:spPr>
         <p:txBody>
           <a:bodyPr/>
           <a:lstStyle/>
           <a:p>
             <a:r>
-              <a:rPr lang="en-US" dirty="0"/>
-              <a:t>Pros:</a:t>
-            </a:r>
-          </a:p>
-          <a:p>
-            <a:pPr marL="285750" indent="-285750">
-              <a:buFont typeface="Arial" panose="020B0604020202020204" pitchFamily="34" charset="0"/>
-              <a:buChar char="•"/>
-            </a:pPr>
-            <a:r>
-              <a:rPr lang="en-US" dirty="0"/>
-              <a:t>Less resources required</a:t>
-            </a:r>
-          </a:p>
-          <a:p>
-            <a:pPr marL="285750" indent="-285750">
-              <a:buFont typeface="Arial" panose="020B0604020202020204" pitchFamily="34" charset="0"/>
-              <a:buChar char="•"/>
-            </a:pPr>
-            <a:r>
-              <a:rPr lang="en-US" dirty="0"/>
-              <a:t>Much faster to initialize</a:t>
-            </a:r>
-          </a:p>
-          <a:p>
-            <a:pPr marL="285750" indent="-285750">
-              <a:buFont typeface="Arial" panose="020B0604020202020204" pitchFamily="34" charset="0"/>
-              <a:buChar char="•"/>
-            </a:pPr>
-            <a:r>
-              <a:rPr lang="en-US" dirty="0"/>
-              <a:t>You can put more containers than VM in the same host machine</a:t>
-            </a:r>
-          </a:p>
-          <a:p>
-            <a:pPr marL="285750" indent="-285750">
-              <a:buFont typeface="Arial" panose="020B0604020202020204" pitchFamily="34" charset="0"/>
-              <a:buChar char="•"/>
-            </a:pPr>
-            <a:r>
-              <a:rPr lang="en-US" dirty="0"/>
-              <a:t>Layer composition makes it easier to create new images</a:t>
-            </a:r>
-          </a:p>
-          <a:p>
-            <a:endParaRPr lang="en-US" dirty="0"/>
-          </a:p>
-          <a:p>
-            <a:r>
-              <a:rPr lang="en-US" dirty="0"/>
-              <a:t>Cons:</a:t>
-            </a:r>
-          </a:p>
-          <a:p>
-            <a:pPr marL="285750" indent="-285750">
-              <a:buFont typeface="Arial" panose="020B0604020202020204" pitchFamily="34" charset="0"/>
-              <a:buChar char="•"/>
-            </a:pPr>
-            <a:r>
-              <a:rPr lang="en-US" dirty="0"/>
-              <a:t>Less isolation tan for VM</a:t>
-            </a:r>
-          </a:p>
-          <a:p>
-            <a:pPr marL="285750" indent="-285750">
-              <a:buFont typeface="Arial" panose="020B0604020202020204" pitchFamily="34" charset="0"/>
-              <a:buChar char="•"/>
-            </a:pPr>
-            <a:r>
-              <a:rPr lang="en-US" dirty="0"/>
-              <a:t>You cannot use another OS</a:t>
-            </a:r>
-          </a:p>
-        </p:txBody>
-      </p:sp>
-      <p:sp>
-        <p:nvSpPr>
-          <p:cNvPr id="3" name="Título 2">
+              <a:rPr lang="en-US" noProof="0" dirty="0"/>
+              <a:t>Containers and virtual machines have similar resource isolation and allocation benefits, but function differently. Because containers virtualize the operating system instead of hardware, containers are more portable and efficient.</a:t>
+            </a:r>
+          </a:p>
+        </p:txBody>
+      </p:sp>
+      <p:sp>
+        <p:nvSpPr>
+          <p:cNvPr id="3" name="Title 2">
             <a:extLst>
               <a:ext uri="{FF2B5EF4-FFF2-40B4-BE49-F238E27FC236}">
-                <a16:creationId xmlns:a16="http://schemas.microsoft.com/office/drawing/2014/main" id="{47C1E7BA-D2B2-4845-AA7C-751A81CF9D35}"/>
+                <a16:creationId xmlns:a16="http://schemas.microsoft.com/office/drawing/2014/main" id="{93960851-D4E1-4649-9B18-734BD0F1A7A5}"/>
               </a:ext>
             </a:extLst>
           </p:cNvPr>
@@ -7899,16 +8957,110 @@
           <a:lstStyle/>
           <a:p>
             <a:r>
-              <a:rPr lang="en-US" dirty="0"/>
-              <a:t>Container vs virtual machine</a:t>
-            </a:r>
-          </a:p>
-        </p:txBody>
-      </p:sp>
+              <a:rPr lang="en-US" noProof="0" dirty="0"/>
+              <a:t>Container vs Virtual machine</a:t>
+            </a:r>
+          </a:p>
+        </p:txBody>
+      </p:sp>
+      <p:pic>
+        <p:nvPicPr>
+          <p:cNvPr id="1026" name="Picture 2" descr="Containers">
+            <a:extLst>
+              <a:ext uri="{FF2B5EF4-FFF2-40B4-BE49-F238E27FC236}">
+                <a16:creationId xmlns:a16="http://schemas.microsoft.com/office/drawing/2014/main" id="{1BAC5403-7428-405E-9116-817AEFF707B8}"/>
+              </a:ext>
+            </a:extLst>
+          </p:cNvPr>
+          <p:cNvPicPr>
+            <a:picLocks noChangeAspect="1" noChangeArrowheads="1"/>
+          </p:cNvPicPr>
+          <p:nvPr/>
+        </p:nvPicPr>
+        <p:blipFill>
+          <a:blip r:embed="rId2">
+            <a:extLst>
+              <a:ext uri="{28A0092B-C50C-407E-A947-70E740481C1C}">
+                <a14:useLocalDpi xmlns:a14="http://schemas.microsoft.com/office/drawing/2010/main" val="0"/>
+              </a:ext>
+            </a:extLst>
+          </a:blip>
+          <a:srcRect/>
+          <a:stretch>
+            <a:fillRect/>
+          </a:stretch>
+        </p:blipFill>
+        <p:spPr bwMode="auto">
+          <a:xfrm>
+            <a:off x="2265229" y="3203643"/>
+            <a:ext cx="3059043" cy="2742853"/>
+          </a:xfrm>
+          <a:prstGeom prst="rect">
+            <a:avLst/>
+          </a:prstGeom>
+          <a:noFill/>
+          <a:extLst>
+            <a:ext uri="{909E8E84-426E-40DD-AFC4-6F175D3DCCD1}">
+              <a14:hiddenFill xmlns:a14="http://schemas.microsoft.com/office/drawing/2010/main">
+                <a:solidFill>
+                  <a:srgbClr val="FFFFFF"/>
+                </a:solidFill>
+              </a14:hiddenFill>
+            </a:ext>
+          </a:extLst>
+        </p:spPr>
+      </p:pic>
+      <p:pic>
+        <p:nvPicPr>
+          <p:cNvPr id="1028" name="Picture 4" descr="virtual machines">
+            <a:extLst>
+              <a:ext uri="{FF2B5EF4-FFF2-40B4-BE49-F238E27FC236}">
+                <a16:creationId xmlns:a16="http://schemas.microsoft.com/office/drawing/2014/main" id="{184EF460-F1E8-4CCC-8828-2D2845EB4BCC}"/>
+              </a:ext>
+            </a:extLst>
+          </p:cNvPr>
+          <p:cNvPicPr>
+            <a:picLocks noChangeAspect="1" noChangeArrowheads="1"/>
+          </p:cNvPicPr>
+          <p:nvPr/>
+        </p:nvPicPr>
+        <p:blipFill>
+          <a:blip r:embed="rId3">
+            <a:extLst>
+              <a:ext uri="{28A0092B-C50C-407E-A947-70E740481C1C}">
+                <a14:useLocalDpi xmlns:a14="http://schemas.microsoft.com/office/drawing/2010/main" val="0"/>
+              </a:ext>
+            </a:extLst>
+          </a:blip>
+          <a:srcRect/>
+          <a:stretch>
+            <a:fillRect/>
+          </a:stretch>
+        </p:blipFill>
+        <p:spPr bwMode="auto">
+          <a:xfrm>
+            <a:off x="6386843" y="3268038"/>
+            <a:ext cx="3003590" cy="2699294"/>
+          </a:xfrm>
+          <a:prstGeom prst="rect">
+            <a:avLst/>
+          </a:prstGeom>
+          <a:noFill/>
+          <a:extLst>
+            <a:ext uri="{909E8E84-426E-40DD-AFC4-6F175D3DCCD1}">
+              <a14:hiddenFill xmlns:a14="http://schemas.microsoft.com/office/drawing/2010/main">
+                <a:solidFill>
+                  <a:srgbClr val="FFFFFF"/>
+                </a:solidFill>
+              </a14:hiddenFill>
+            </a:ext>
+          </a:extLst>
+        </p:spPr>
+      </p:pic>
     </p:spTree>
     <p:extLst>
       <p:ext uri="{BB962C8B-B14F-4D97-AF65-F5344CB8AC3E}">
-        <p14:creationId xmlns:p14="http://schemas.microsoft.com/office/powerpoint/2010/main" val="1119063968"/>
+        <p14:creationId xmlns:p14="http://schemas.microsoft.com/office/powerpoint/2010/main" val="900962903"/>
       </p:ext>
     </p:extLst>
   </p:cSld>
@@ -7937,6 +9089,161 @@
       </p:grpSpPr>
       <p:sp>
         <p:nvSpPr>
+          <p:cNvPr id="2" name="Marcador de contenido 1">
+            <a:extLst>
+              <a:ext uri="{FF2B5EF4-FFF2-40B4-BE49-F238E27FC236}">
+                <a16:creationId xmlns:a16="http://schemas.microsoft.com/office/drawing/2014/main" id="{38D63069-8753-4DE3-AE0C-9DEAC0EF7485}"/>
+              </a:ext>
+            </a:extLst>
+          </p:cNvPr>
+          <p:cNvSpPr>
+            <a:spLocks noGrp="1"/>
+          </p:cNvSpPr>
+          <p:nvPr>
+            <p:ph idx="1"/>
+          </p:nvPr>
+        </p:nvSpPr>
+        <p:spPr/>
+        <p:txBody>
+          <a:bodyPr/>
+          <a:lstStyle/>
+          <a:p>
+            <a:r>
+              <a:rPr lang="en-US" dirty="0"/>
+              <a:t>Pros:</a:t>
+            </a:r>
+          </a:p>
+          <a:p>
+            <a:pPr marL="285750" indent="-285750">
+              <a:buFont typeface="Arial" panose="020B0604020202020204" pitchFamily="34" charset="0"/>
+              <a:buChar char="•"/>
+            </a:pPr>
+            <a:r>
+              <a:rPr lang="en-US" dirty="0"/>
+              <a:t>Less resources required</a:t>
+            </a:r>
+          </a:p>
+          <a:p>
+            <a:pPr marL="285750" indent="-285750">
+              <a:buFont typeface="Arial" panose="020B0604020202020204" pitchFamily="34" charset="0"/>
+              <a:buChar char="•"/>
+            </a:pPr>
+            <a:r>
+              <a:rPr lang="en-US" dirty="0"/>
+              <a:t>Much faster to initialize</a:t>
+            </a:r>
+          </a:p>
+          <a:p>
+            <a:pPr marL="285750" indent="-285750">
+              <a:buFont typeface="Arial" panose="020B0604020202020204" pitchFamily="34" charset="0"/>
+              <a:buChar char="•"/>
+            </a:pPr>
+            <a:r>
+              <a:rPr lang="en-US" dirty="0"/>
+              <a:t>You can put more containers than VM in the same host machine</a:t>
+            </a:r>
+          </a:p>
+          <a:p>
+            <a:pPr marL="285750" indent="-285750">
+              <a:buFont typeface="Arial" panose="020B0604020202020204" pitchFamily="34" charset="0"/>
+              <a:buChar char="•"/>
+            </a:pPr>
+            <a:r>
+              <a:rPr lang="en-US" dirty="0"/>
+              <a:t>Layer composition makes it easier to create new images</a:t>
+            </a:r>
+          </a:p>
+          <a:p>
+            <a:endParaRPr lang="en-US" dirty="0"/>
+          </a:p>
+          <a:p>
+            <a:r>
+              <a:rPr lang="en-US" dirty="0"/>
+              <a:t>Cons:</a:t>
+            </a:r>
+          </a:p>
+          <a:p>
+            <a:pPr marL="285750" indent="-285750">
+              <a:buFont typeface="Arial" panose="020B0604020202020204" pitchFamily="34" charset="0"/>
+              <a:buChar char="•"/>
+            </a:pPr>
+            <a:r>
+              <a:rPr lang="en-US" dirty="0"/>
+              <a:t>Less isolation tan for VM</a:t>
+            </a:r>
+          </a:p>
+          <a:p>
+            <a:pPr marL="285750" indent="-285750">
+              <a:buFont typeface="Arial" panose="020B0604020202020204" pitchFamily="34" charset="0"/>
+              <a:buChar char="•"/>
+            </a:pPr>
+            <a:r>
+              <a:rPr lang="en-US" dirty="0"/>
+              <a:t>You cannot use another OS</a:t>
+            </a:r>
+          </a:p>
+        </p:txBody>
+      </p:sp>
+      <p:sp>
+        <p:nvSpPr>
+          <p:cNvPr id="3" name="Título 2">
+            <a:extLst>
+              <a:ext uri="{FF2B5EF4-FFF2-40B4-BE49-F238E27FC236}">
+                <a16:creationId xmlns:a16="http://schemas.microsoft.com/office/drawing/2014/main" id="{47C1E7BA-D2B2-4845-AA7C-751A81CF9D35}"/>
+              </a:ext>
+            </a:extLst>
+          </p:cNvPr>
+          <p:cNvSpPr>
+            <a:spLocks noGrp="1"/>
+          </p:cNvSpPr>
+          <p:nvPr>
+            <p:ph type="title"/>
+          </p:nvPr>
+        </p:nvSpPr>
+        <p:spPr/>
+        <p:txBody>
+          <a:bodyPr/>
+          <a:lstStyle/>
+          <a:p>
+            <a:r>
+              <a:rPr lang="en-US" dirty="0"/>
+              <a:t>Container vs virtual machine</a:t>
+            </a:r>
+          </a:p>
+        </p:txBody>
+      </p:sp>
+    </p:spTree>
+    <p:extLst>
+      <p:ext uri="{BB962C8B-B14F-4D97-AF65-F5344CB8AC3E}">
+        <p14:creationId xmlns:p14="http://schemas.microsoft.com/office/powerpoint/2010/main" val="1119063968"/>
+      </p:ext>
+    </p:extLst>
+  </p:cSld>
+  <p:clrMapOvr>
+    <a:masterClrMapping/>
+  </p:clrMapOvr>
+</p:sld>
+</file>
+
+<file path=ppt/slides/slide23.xml><?xml version="1.0" encoding="utf-8"?>
+<p:sld xmlns:a="http://schemas.openxmlformats.org/drawingml/2006/main" xmlns:r="http://schemas.openxmlformats.org/officeDocument/2006/relationships" xmlns:p="http://schemas.openxmlformats.org/presentationml/2006/main">
+  <p:cSld>
+    <p:spTree>
+      <p:nvGrpSpPr>
+        <p:cNvPr id="1" name=""/>
+        <p:cNvGrpSpPr/>
+        <p:nvPr/>
+      </p:nvGrpSpPr>
+      <p:grpSpPr>
+        <a:xfrm>
+          <a:off x="0" y="0"/>
+          <a:ext cx="0" cy="0"/>
+          <a:chOff x="0" y="0"/>
+          <a:chExt cx="0" cy="0"/>
+        </a:xfrm>
+      </p:grpSpPr>
+      <p:sp>
+        <p:nvSpPr>
           <p:cNvPr id="2" name="Content Placeholder 1">
             <a:extLst>
               <a:ext uri="{FF2B5EF4-FFF2-40B4-BE49-F238E27FC236}">
@@ -8128,7 +9435,7 @@
 </p:sld>
 </file>
 
-<file path=ppt/slides/slide23.xml><?xml version="1.0" encoding="utf-8"?>
+<file path=ppt/slides/slide24.xml><?xml version="1.0" encoding="utf-8"?>
 <p:sld xmlns:a="http://schemas.openxmlformats.org/drawingml/2006/main" xmlns:r="http://schemas.openxmlformats.org/officeDocument/2006/relationships" xmlns:p="http://schemas.openxmlformats.org/presentationml/2006/main">
   <p:cSld>
     <p:bg>
@@ -8297,211 +9604,6 @@
 </p:sld>
 </file>
 
-<file path=ppt/slides/slide24.xml><?xml version="1.0" encoding="utf-8"?>
-<p:sld xmlns:a="http://schemas.openxmlformats.org/drawingml/2006/main" xmlns:r="http://schemas.openxmlformats.org/officeDocument/2006/relationships" xmlns:p="http://schemas.openxmlformats.org/presentationml/2006/main">
-  <p:cSld>
-    <p:spTree>
-      <p:nvGrpSpPr>
-        <p:cNvPr id="1" name=""/>
-        <p:cNvGrpSpPr/>
-        <p:nvPr/>
-      </p:nvGrpSpPr>
-      <p:grpSpPr>
-        <a:xfrm>
-          <a:off x="0" y="0"/>
-          <a:ext cx="0" cy="0"/>
-          <a:chOff x="0" y="0"/>
-          <a:chExt cx="0" cy="0"/>
-        </a:xfrm>
-      </p:grpSpPr>
-      <p:sp>
-        <p:nvSpPr>
-          <p:cNvPr id="2" name="Content Placeholder 1">
-            <a:extLst>
-              <a:ext uri="{FF2B5EF4-FFF2-40B4-BE49-F238E27FC236}">
-                <a16:creationId xmlns:a16="http://schemas.microsoft.com/office/drawing/2014/main" id="{6EB96FBA-52A4-40CA-A15A-F72E74991854}"/>
-              </a:ext>
-            </a:extLst>
-          </p:cNvPr>
-          <p:cNvSpPr>
-            <a:spLocks noGrp="1"/>
-          </p:cNvSpPr>
-          <p:nvPr>
-            <p:ph idx="1"/>
-          </p:nvPr>
-        </p:nvSpPr>
-        <p:spPr>
-          <a:xfrm>
-            <a:off x="1037617" y="2645924"/>
-            <a:ext cx="5972783" cy="3066900"/>
-          </a:xfrm>
-        </p:spPr>
-        <p:txBody>
-          <a:bodyPr/>
-          <a:lstStyle/>
-          <a:p>
-            <a:pPr marL="285750" indent="-285750">
-              <a:buFont typeface="Arial" panose="020B0604020202020204" pitchFamily="34" charset="0"/>
-              <a:buChar char="•"/>
-            </a:pPr>
-            <a:r>
-              <a:rPr lang="en-US" noProof="0" dirty="0"/>
-              <a:t>Docker images are the basis of containers. </a:t>
-            </a:r>
-          </a:p>
-          <a:p>
-            <a:pPr marL="285750" indent="-285750">
-              <a:buFont typeface="Arial" panose="020B0604020202020204" pitchFamily="34" charset="0"/>
-              <a:buChar char="•"/>
-            </a:pPr>
-            <a:r>
-              <a:rPr lang="en-US" noProof="0" dirty="0"/>
-              <a:t>An Image is an ordered collection of root filesystem changes and the corresponding execution parameters for use within a container runtime. </a:t>
-            </a:r>
-          </a:p>
-          <a:p>
-            <a:pPr marL="285750" indent="-285750">
-              <a:buFont typeface="Arial" panose="020B0604020202020204" pitchFamily="34" charset="0"/>
-              <a:buChar char="•"/>
-            </a:pPr>
-            <a:r>
-              <a:rPr lang="en-US" noProof="0" dirty="0"/>
-              <a:t>An image typically contains a union of layered filesystems stacked on top of each other. Common </a:t>
-            </a:r>
-            <a:r>
-              <a:rPr lang="en-US" dirty="0"/>
-              <a:t>parent images are shared, not duplicated.</a:t>
-            </a:r>
-            <a:endParaRPr lang="en-US" noProof="0" dirty="0"/>
-          </a:p>
-          <a:p>
-            <a:pPr marL="285750" indent="-285750">
-              <a:buFont typeface="Arial" panose="020B0604020202020204" pitchFamily="34" charset="0"/>
-              <a:buChar char="•"/>
-            </a:pPr>
-            <a:r>
-              <a:rPr lang="en-US" noProof="0" dirty="0"/>
-              <a:t>An image does not have state and it never changes.</a:t>
-            </a:r>
-          </a:p>
-          <a:p>
-            <a:pPr marL="285750" indent="-285750">
-              <a:buFont typeface="Arial" panose="020B0604020202020204" pitchFamily="34" charset="0"/>
-              <a:buChar char="•"/>
-            </a:pPr>
-            <a:r>
-              <a:rPr lang="en-US" noProof="0" dirty="0"/>
-              <a:t>Find and store images at image repositories (Docker Hub, Azure Container Registry…)</a:t>
-            </a:r>
-          </a:p>
-          <a:p>
-            <a:endParaRPr lang="en-US" noProof="0" dirty="0"/>
-          </a:p>
-          <a:p>
-            <a:endParaRPr lang="en-US" noProof="0" dirty="0"/>
-          </a:p>
-        </p:txBody>
-      </p:sp>
-      <p:sp>
-        <p:nvSpPr>
-          <p:cNvPr id="3" name="Title 2">
-            <a:extLst>
-              <a:ext uri="{FF2B5EF4-FFF2-40B4-BE49-F238E27FC236}">
-                <a16:creationId xmlns:a16="http://schemas.microsoft.com/office/drawing/2014/main" id="{EE3A7B0B-35B5-469D-B363-F854B208C2E0}"/>
-              </a:ext>
-            </a:extLst>
-          </p:cNvPr>
-          <p:cNvSpPr>
-            <a:spLocks noGrp="1"/>
-          </p:cNvSpPr>
-          <p:nvPr>
-            <p:ph type="title"/>
-          </p:nvPr>
-        </p:nvSpPr>
-        <p:spPr/>
-        <p:txBody>
-          <a:bodyPr/>
-          <a:lstStyle/>
-          <a:p>
-            <a:r>
-              <a:rPr lang="en-US" noProof="0" dirty="0"/>
-              <a:t>Images</a:t>
-            </a:r>
-          </a:p>
-        </p:txBody>
-      </p:sp>
-      <p:sp>
-        <p:nvSpPr>
-          <p:cNvPr id="6" name="Picture Placeholder 5">
-            <a:extLst>
-              <a:ext uri="{FF2B5EF4-FFF2-40B4-BE49-F238E27FC236}">
-                <a16:creationId xmlns:a16="http://schemas.microsoft.com/office/drawing/2014/main" id="{2FC55173-906C-44C9-89D5-A3F60C2E6991}"/>
-              </a:ext>
-            </a:extLst>
-          </p:cNvPr>
-          <p:cNvSpPr>
-            <a:spLocks noGrp="1"/>
-          </p:cNvSpPr>
-          <p:nvPr>
-            <p:ph type="pic" sz="quarter" idx="10"/>
-          </p:nvPr>
-        </p:nvSpPr>
-        <p:spPr>
-          <a:xfrm>
-            <a:off x="7620000" y="0"/>
-            <a:ext cx="4572000" cy="6858000"/>
-          </a:xfrm>
-        </p:spPr>
-      </p:sp>
-      <p:pic>
-        <p:nvPicPr>
-          <p:cNvPr id="5" name="Picture 4" descr="A close up of a logo&#10;&#10;Description generated with very high confidence">
-            <a:extLst>
-              <a:ext uri="{FF2B5EF4-FFF2-40B4-BE49-F238E27FC236}">
-                <a16:creationId xmlns:a16="http://schemas.microsoft.com/office/drawing/2014/main" id="{173A5979-E0A1-46A5-8295-5F7FB8CBBD3A}"/>
-              </a:ext>
-            </a:extLst>
-          </p:cNvPr>
-          <p:cNvPicPr>
-            <a:picLocks noChangeAspect="1"/>
-          </p:cNvPicPr>
-          <p:nvPr/>
-        </p:nvPicPr>
-        <p:blipFill>
-          <a:blip r:embed="rId2">
-            <a:extLst>
-              <a:ext uri="{28A0092B-C50C-407E-A947-70E740481C1C}">
-                <a14:useLocalDpi xmlns:a14="http://schemas.microsoft.com/office/drawing/2010/main" val="0"/>
-              </a:ext>
-            </a:extLst>
-          </a:blip>
-          <a:stretch>
-            <a:fillRect/>
-          </a:stretch>
-        </p:blipFill>
-        <p:spPr>
-          <a:xfrm>
-            <a:off x="7620000" y="1907177"/>
-            <a:ext cx="4322324" cy="3241743"/>
-          </a:xfrm>
-          <a:prstGeom prst="rect">
-            <a:avLst/>
-          </a:prstGeom>
-        </p:spPr>
-      </p:pic>
-    </p:spTree>
-    <p:extLst>
-      <p:ext uri="{BB962C8B-B14F-4D97-AF65-F5344CB8AC3E}">
-        <p14:creationId xmlns:p14="http://schemas.microsoft.com/office/powerpoint/2010/main" val="1301528849"/>
-      </p:ext>
-    </p:extLst>
-  </p:cSld>
-  <p:clrMapOvr>
-    <a:masterClrMapping/>
-  </p:clrMapOvr>
-</p:sld>
-</file>
-
 <file path=ppt/slides/slide25.xml><?xml version="1.0" encoding="utf-8"?>
 <p:sld xmlns:a="http://schemas.openxmlformats.org/drawingml/2006/main" xmlns:r="http://schemas.openxmlformats.org/officeDocument/2006/relationships" xmlns:p="http://schemas.openxmlformats.org/presentationml/2006/main">
   <p:cSld>
@@ -8524,7 +9626,7 @@
           <p:cNvPr id="2" name="Content Placeholder 1">
             <a:extLst>
               <a:ext uri="{FF2B5EF4-FFF2-40B4-BE49-F238E27FC236}">
-                <a16:creationId xmlns:a16="http://schemas.microsoft.com/office/drawing/2014/main" id="{D3B4F882-F018-4200-8E7D-B00FF2516E43}"/>
+                <a16:creationId xmlns:a16="http://schemas.microsoft.com/office/drawing/2014/main" id="{6EB96FBA-52A4-40CA-A15A-F72E74991854}"/>
               </a:ext>
             </a:extLst>
           </p:cNvPr>
@@ -8535,11 +9637,14 @@
             <p:ph idx="1"/>
           </p:nvPr>
         </p:nvSpPr>
-        <p:spPr/>
-        <p:txBody>
-          <a:bodyPr>
-            <a:normAutofit/>
-          </a:bodyPr>
+        <p:spPr>
+          <a:xfrm>
+            <a:off x="1037617" y="2645924"/>
+            <a:ext cx="5972783" cy="3066900"/>
+          </a:xfrm>
+        </p:spPr>
+        <p:txBody>
+          <a:bodyPr/>
           <a:lstStyle/>
           <a:p>
             <a:pPr marL="285750" indent="-285750">
@@ -8548,61 +9653,60 @@
             </a:pPr>
             <a:r>
               <a:rPr lang="en-US" noProof="0" dirty="0"/>
-              <a:t>Take a base image to build over it. Two options to build the new image:</a:t>
-            </a:r>
-          </a:p>
-          <a:p>
-            <a:pPr marL="1276325" lvl="1" indent="-285750">
+              <a:t>Docker images are the basis of containers. </a:t>
+            </a:r>
+          </a:p>
+          <a:p>
+            <a:pPr marL="285750" indent="-285750">
               <a:buFont typeface="Arial" panose="020B0604020202020204" pitchFamily="34" charset="0"/>
               <a:buChar char="•"/>
             </a:pPr>
             <a:r>
-              <a:rPr lang="en-US" sz="1600" noProof="0" dirty="0"/>
-              <a:t>Via the docker commit command, </a:t>
-            </a:r>
-            <a:r>
-              <a:rPr lang="en-US" sz="1600" noProof="0" dirty="0">
-                <a:sym typeface="Wingdings" panose="05000000000000000000" pitchFamily="2" charset="2"/>
-              </a:rPr>
-              <a:t>not recommended.</a:t>
-            </a:r>
-            <a:endParaRPr lang="en-US" sz="1600" noProof="0" dirty="0"/>
-          </a:p>
-          <a:p>
-            <a:pPr marL="1276325" lvl="1" indent="-285750">
+              <a:rPr lang="en-US" noProof="0" dirty="0"/>
+              <a:t>An Image is an ordered collection of root filesystem changes and the corresponding execution parameters for use within a container runtime. </a:t>
+            </a:r>
+          </a:p>
+          <a:p>
+            <a:pPr marL="285750" indent="-285750">
               <a:buFont typeface="Arial" panose="020B0604020202020204" pitchFamily="34" charset="0"/>
               <a:buChar char="•"/>
             </a:pPr>
             <a:r>
-              <a:rPr lang="en-US" sz="1600" noProof="0" dirty="0"/>
-              <a:t>Via the docker build command with a </a:t>
-            </a:r>
-            <a:r>
-              <a:rPr lang="en-US" sz="1600" noProof="0" dirty="0" err="1"/>
-              <a:t>Dockerfile</a:t>
-            </a:r>
-            <a:r>
-              <a:rPr lang="en-US" sz="1600" noProof="0" dirty="0"/>
-              <a:t>. The Docker file uses a basic DSL (Domain Specific Language) with instructions for Building Docker images. </a:t>
-            </a:r>
-          </a:p>
-          <a:p>
-            <a:pPr marL="1276325" lvl="1" indent="-285750">
+              <a:rPr lang="en-US" noProof="0" dirty="0"/>
+              <a:t>An image typically contains a union of layered filesystems stacked on top of each other. Common </a:t>
+            </a:r>
+            <a:r>
+              <a:rPr lang="en-US" dirty="0"/>
+              <a:t>parent images are shared, not duplicated.</a:t>
+            </a:r>
+            <a:endParaRPr lang="en-US" noProof="0" dirty="0"/>
+          </a:p>
+          <a:p>
+            <a:pPr marL="285750" indent="-285750">
               <a:buFont typeface="Arial" panose="020B0604020202020204" pitchFamily="34" charset="0"/>
               <a:buChar char="•"/>
             </a:pPr>
             <a:r>
-              <a:rPr lang="en-US" sz="1600" noProof="0" dirty="0"/>
-              <a:t>Docker file is the recommended approach, It provides a more repeatable, transparent, and idempotent mechanism for creating images.</a:t>
-            </a:r>
-          </a:p>
-          <a:p>
-            <a:pPr marL="1276325" lvl="1" indent="-285750">
+              <a:rPr lang="en-US" noProof="0" dirty="0"/>
+              <a:t>An image does not have state and it never changes.</a:t>
+            </a:r>
+          </a:p>
+          <a:p>
+            <a:pPr marL="285750" indent="-285750">
               <a:buFont typeface="Arial" panose="020B0604020202020204" pitchFamily="34" charset="0"/>
               <a:buChar char="•"/>
             </a:pPr>
+            <a:r>
+              <a:rPr lang="en-US" noProof="0" dirty="0"/>
+              <a:t>Find and store images at image repositories (Docker Hub, Azure Container Registry…)</a:t>
+            </a:r>
+          </a:p>
+          <a:p>
             <a:endParaRPr lang="en-US" noProof="0" dirty="0"/>
           </a:p>
+          <a:p>
+            <a:endParaRPr lang="en-US" noProof="0" dirty="0"/>
+          </a:p>
         </p:txBody>
       </p:sp>
       <p:sp>
@@ -8610,7 +9714,7 @@
           <p:cNvPr id="3" name="Title 2">
             <a:extLst>
               <a:ext uri="{FF2B5EF4-FFF2-40B4-BE49-F238E27FC236}">
-                <a16:creationId xmlns:a16="http://schemas.microsoft.com/office/drawing/2014/main" id="{BA733C37-A7B8-4AC8-B716-8C5061CDF993}"/>
+                <a16:creationId xmlns:a16="http://schemas.microsoft.com/office/drawing/2014/main" id="{EE3A7B0B-35B5-469D-B363-F854B208C2E0}"/>
               </a:ext>
             </a:extLst>
           </p:cNvPr>
@@ -8628,15 +9732,74 @@
           <a:p>
             <a:r>
               <a:rPr lang="en-US" noProof="0" dirty="0"/>
-              <a:t>How to create a new image</a:t>
-            </a:r>
-          </a:p>
-        </p:txBody>
-      </p:sp>
+              <a:t>Images</a:t>
+            </a:r>
+          </a:p>
+        </p:txBody>
+      </p:sp>
+      <p:sp>
+        <p:nvSpPr>
+          <p:cNvPr id="6" name="Picture Placeholder 5">
+            <a:extLst>
+              <a:ext uri="{FF2B5EF4-FFF2-40B4-BE49-F238E27FC236}">
+                <a16:creationId xmlns:a16="http://schemas.microsoft.com/office/drawing/2014/main" id="{2FC55173-906C-44C9-89D5-A3F60C2E6991}"/>
+              </a:ext>
+            </a:extLst>
+          </p:cNvPr>
+          <p:cNvSpPr>
+            <a:spLocks noGrp="1"/>
+          </p:cNvSpPr>
+          <p:nvPr>
+            <p:ph type="pic" sz="quarter" idx="10"/>
+          </p:nvPr>
+        </p:nvSpPr>
+        <p:spPr>
+          <a:xfrm>
+            <a:off x="7620000" y="0"/>
+            <a:ext cx="4572000" cy="6858000"/>
+          </a:xfrm>
+        </p:spPr>
+      </p:sp>
+      <p:pic>
+        <p:nvPicPr>
+          <p:cNvPr id="5" name="Picture 4" descr="A close up of a logo&#10;&#10;Description generated with very high confidence">
+            <a:extLst>
+              <a:ext uri="{FF2B5EF4-FFF2-40B4-BE49-F238E27FC236}">
+                <a16:creationId xmlns:a16="http://schemas.microsoft.com/office/drawing/2014/main" id="{173A5979-E0A1-46A5-8295-5F7FB8CBBD3A}"/>
+              </a:ext>
+            </a:extLst>
+          </p:cNvPr>
+          <p:cNvPicPr>
+            <a:picLocks noChangeAspect="1"/>
+          </p:cNvPicPr>
+          <p:nvPr/>
+        </p:nvPicPr>
+        <p:blipFill>
+          <a:blip r:embed="rId2">
+            <a:extLst>
+              <a:ext uri="{28A0092B-C50C-407E-A947-70E740481C1C}">
+                <a14:useLocalDpi xmlns:a14="http://schemas.microsoft.com/office/drawing/2010/main" val="0"/>
+              </a:ext>
+            </a:extLst>
+          </a:blip>
+          <a:stretch>
+            <a:fillRect/>
+          </a:stretch>
+        </p:blipFill>
+        <p:spPr>
+          <a:xfrm>
+            <a:off x="7620000" y="1907177"/>
+            <a:ext cx="4322324" cy="3241743"/>
+          </a:xfrm>
+          <a:prstGeom prst="rect">
+            <a:avLst/>
+          </a:prstGeom>
+        </p:spPr>
+      </p:pic>
     </p:spTree>
     <p:extLst>
       <p:ext uri="{BB962C8B-B14F-4D97-AF65-F5344CB8AC3E}">
-        <p14:creationId xmlns:p14="http://schemas.microsoft.com/office/powerpoint/2010/main" val="1666618764"/>
+        <p14:creationId xmlns:p14="http://schemas.microsoft.com/office/powerpoint/2010/main" val="1301528849"/>
       </p:ext>
     </p:extLst>
   </p:cSld>
@@ -8663,47 +9826,98 @@
           <a:chExt cx="0" cy="0"/>
         </a:xfrm>
       </p:grpSpPr>
-      <p:pic>
-        <p:nvPicPr>
-          <p:cNvPr id="10" name="Content Placeholder 9" descr="A black sign with white text&#10;&#10;Description generated with high confidence">
+      <p:sp>
+        <p:nvSpPr>
+          <p:cNvPr id="2" name="Content Placeholder 1">
             <a:extLst>
               <a:ext uri="{FF2B5EF4-FFF2-40B4-BE49-F238E27FC236}">
-                <a16:creationId xmlns:a16="http://schemas.microsoft.com/office/drawing/2014/main" id="{4F8B4760-39AE-4968-A656-2A79A57E45C3}"/>
+                <a16:creationId xmlns:a16="http://schemas.microsoft.com/office/drawing/2014/main" id="{D3B4F882-F018-4200-8E7D-B00FF2516E43}"/>
               </a:ext>
             </a:extLst>
           </p:cNvPr>
-          <p:cNvPicPr>
-            <a:picLocks noGrp="1" noChangeAspect="1"/>
-          </p:cNvPicPr>
+          <p:cNvSpPr>
+            <a:spLocks noGrp="1"/>
+          </p:cNvSpPr>
           <p:nvPr>
             <p:ph idx="1"/>
           </p:nvPr>
-        </p:nvPicPr>
-        <p:blipFill>
-          <a:blip r:embed="rId2">
-            <a:extLst>
-              <a:ext uri="{28A0092B-C50C-407E-A947-70E740481C1C}">
-                <a14:useLocalDpi xmlns:a14="http://schemas.microsoft.com/office/drawing/2010/main" val="0"/>
-              </a:ext>
-            </a:extLst>
-          </a:blip>
-          <a:stretch>
-            <a:fillRect/>
-          </a:stretch>
-        </p:blipFill>
-        <p:spPr>
-          <a:xfrm>
-            <a:off x="2361115" y="2390626"/>
-            <a:ext cx="7101551" cy="2622361"/>
-          </a:xfrm>
-        </p:spPr>
-      </p:pic>
+        </p:nvSpPr>
+        <p:spPr/>
+        <p:txBody>
+          <a:bodyPr>
+            <a:normAutofit/>
+          </a:bodyPr>
+          <a:lstStyle/>
+          <a:p>
+            <a:pPr marL="285750" indent="-285750">
+              <a:buFont typeface="Arial" panose="020B0604020202020204" pitchFamily="34" charset="0"/>
+              <a:buChar char="•"/>
+            </a:pPr>
+            <a:r>
+              <a:rPr lang="en-US" noProof="0" dirty="0"/>
+              <a:t>Take a base image to build over it. Two options to build the new image:</a:t>
+            </a:r>
+          </a:p>
+          <a:p>
+            <a:pPr marL="1276325" lvl="1" indent="-285750">
+              <a:buFont typeface="Arial" panose="020B0604020202020204" pitchFamily="34" charset="0"/>
+              <a:buChar char="•"/>
+            </a:pPr>
+            <a:r>
+              <a:rPr lang="en-US" sz="1600" noProof="0" dirty="0"/>
+              <a:t>Via the docker commit command, </a:t>
+            </a:r>
+            <a:r>
+              <a:rPr lang="en-US" sz="1600" noProof="0" dirty="0">
+                <a:sym typeface="Wingdings" panose="05000000000000000000" pitchFamily="2" charset="2"/>
+              </a:rPr>
+              <a:t>not recommended.</a:t>
+            </a:r>
+            <a:endParaRPr lang="en-US" sz="1600" noProof="0" dirty="0"/>
+          </a:p>
+          <a:p>
+            <a:pPr marL="1276325" lvl="1" indent="-285750">
+              <a:buFont typeface="Arial" panose="020B0604020202020204" pitchFamily="34" charset="0"/>
+              <a:buChar char="•"/>
+            </a:pPr>
+            <a:r>
+              <a:rPr lang="en-US" sz="1600" noProof="0" dirty="0"/>
+              <a:t>Via the docker build command with a </a:t>
+            </a:r>
+            <a:r>
+              <a:rPr lang="en-US" sz="1600" noProof="0" dirty="0" err="1"/>
+              <a:t>Dockerfile</a:t>
+            </a:r>
+            <a:r>
+              <a:rPr lang="en-US" sz="1600" noProof="0" dirty="0"/>
+              <a:t>. The Docker file uses a basic DSL (Domain Specific Language) with instructions for Building Docker images. </a:t>
+            </a:r>
+          </a:p>
+          <a:p>
+            <a:pPr marL="1276325" lvl="1" indent="-285750">
+              <a:buFont typeface="Arial" panose="020B0604020202020204" pitchFamily="34" charset="0"/>
+              <a:buChar char="•"/>
+            </a:pPr>
+            <a:r>
+              <a:rPr lang="en-US" sz="1600" noProof="0" dirty="0"/>
+              <a:t>Docker file is the recommended approach, It provides a more repeatable, transparent, and idempotent mechanism for creating images.</a:t>
+            </a:r>
+          </a:p>
+          <a:p>
+            <a:pPr marL="1276325" lvl="1" indent="-285750">
+              <a:buFont typeface="Arial" panose="020B0604020202020204" pitchFamily="34" charset="0"/>
+              <a:buChar char="•"/>
+            </a:pPr>
+            <a:endParaRPr lang="en-US" noProof="0" dirty="0"/>
+          </a:p>
+        </p:txBody>
+      </p:sp>
       <p:sp>
         <p:nvSpPr>
           <p:cNvPr id="3" name="Title 2">
             <a:extLst>
               <a:ext uri="{FF2B5EF4-FFF2-40B4-BE49-F238E27FC236}">
-                <a16:creationId xmlns:a16="http://schemas.microsoft.com/office/drawing/2014/main" id="{1C513275-3F3B-4E01-8564-C5026F43B419}"/>
+                <a16:creationId xmlns:a16="http://schemas.microsoft.com/office/drawing/2014/main" id="{BA733C37-A7B8-4AC8-B716-8C5061CDF993}"/>
               </a:ext>
             </a:extLst>
           </p:cNvPr>
@@ -8721,7 +9935,7 @@
           <a:p>
             <a:r>
               <a:rPr lang="en-US" noProof="0" dirty="0"/>
-              <a:t>Docker file</a:t>
+              <a:t>How to create a new image</a:t>
             </a:r>
           </a:p>
         </p:txBody>
@@ -8729,7 +9943,7 @@
     </p:spTree>
     <p:extLst>
       <p:ext uri="{BB962C8B-B14F-4D97-AF65-F5344CB8AC3E}">
-        <p14:creationId xmlns:p14="http://schemas.microsoft.com/office/powerpoint/2010/main" val="3496958000"/>
+        <p14:creationId xmlns:p14="http://schemas.microsoft.com/office/powerpoint/2010/main" val="1666618764"/>
       </p:ext>
     </p:extLst>
   </p:cSld>
@@ -8756,12 +9970,47 @@
           <a:chExt cx="0" cy="0"/>
         </a:xfrm>
       </p:grpSpPr>
-      <p:sp>
-        <p:nvSpPr>
-          <p:cNvPr id="2" name="Text Placeholder 1">
+      <p:pic>
+        <p:nvPicPr>
+          <p:cNvPr id="10" name="Content Placeholder 9" descr="A black sign with white text&#10;&#10;Description generated with high confidence">
             <a:extLst>
               <a:ext uri="{FF2B5EF4-FFF2-40B4-BE49-F238E27FC236}">
-                <a16:creationId xmlns:a16="http://schemas.microsoft.com/office/drawing/2014/main" id="{E68DA33A-59E3-4BEC-B00A-A3F6A5C8A272}"/>
+                <a16:creationId xmlns:a16="http://schemas.microsoft.com/office/drawing/2014/main" id="{4F8B4760-39AE-4968-A656-2A79A57E45C3}"/>
+              </a:ext>
+            </a:extLst>
+          </p:cNvPr>
+          <p:cNvPicPr>
+            <a:picLocks noGrp="1" noChangeAspect="1"/>
+          </p:cNvPicPr>
+          <p:nvPr>
+            <p:ph idx="1"/>
+          </p:nvPr>
+        </p:nvPicPr>
+        <p:blipFill>
+          <a:blip r:embed="rId2">
+            <a:extLst>
+              <a:ext uri="{28A0092B-C50C-407E-A947-70E740481C1C}">
+                <a14:useLocalDpi xmlns:a14="http://schemas.microsoft.com/office/drawing/2010/main" val="0"/>
+              </a:ext>
+            </a:extLst>
+          </a:blip>
+          <a:stretch>
+            <a:fillRect/>
+          </a:stretch>
+        </p:blipFill>
+        <p:spPr>
+          <a:xfrm>
+            <a:off x="2361115" y="2390626"/>
+            <a:ext cx="7101551" cy="2622361"/>
+          </a:xfrm>
+        </p:spPr>
+      </p:pic>
+      <p:sp>
+        <p:nvSpPr>
+          <p:cNvPr id="3" name="Title 2">
+            <a:extLst>
+              <a:ext uri="{FF2B5EF4-FFF2-40B4-BE49-F238E27FC236}">
+                <a16:creationId xmlns:a16="http://schemas.microsoft.com/office/drawing/2014/main" id="{1C513275-3F3B-4E01-8564-C5026F43B419}"/>
               </a:ext>
             </a:extLst>
           </p:cNvPr>
@@ -8769,7 +10018,7 @@
             <a:spLocks noGrp="1"/>
           </p:cNvSpPr>
           <p:nvPr>
-            <p:ph type="body" sz="quarter" idx="10"/>
+            <p:ph type="title"/>
           </p:nvPr>
         </p:nvSpPr>
         <p:spPr/>
@@ -8779,7 +10028,7 @@
           <a:p>
             <a:r>
               <a:rPr lang="en-US" noProof="0" dirty="0"/>
-              <a:t>Practice 1: build your own docker image</a:t>
+              <a:t>Docker file</a:t>
             </a:r>
           </a:p>
         </p:txBody>
@@ -8787,7 +10036,7 @@
     </p:spTree>
     <p:extLst>
       <p:ext uri="{BB962C8B-B14F-4D97-AF65-F5344CB8AC3E}">
-        <p14:creationId xmlns:p14="http://schemas.microsoft.com/office/powerpoint/2010/main" val="737140017"/>
+        <p14:creationId xmlns:p14="http://schemas.microsoft.com/office/powerpoint/2010/main" val="3496958000"/>
       </p:ext>
     </p:extLst>
   </p:cSld>
@@ -8816,10 +10065,10 @@
       </p:grpSpPr>
       <p:sp>
         <p:nvSpPr>
-          <p:cNvPr id="2" name="Content Placeholder 1">
+          <p:cNvPr id="2" name="Text Placeholder 1">
             <a:extLst>
               <a:ext uri="{FF2B5EF4-FFF2-40B4-BE49-F238E27FC236}">
-                <a16:creationId xmlns:a16="http://schemas.microsoft.com/office/drawing/2014/main" id="{A6A5CFDB-76E5-466C-A1F7-D533781B3790}"/>
+                <a16:creationId xmlns:a16="http://schemas.microsoft.com/office/drawing/2014/main" id="{E68DA33A-59E3-4BEC-B00A-A3F6A5C8A272}"/>
               </a:ext>
             </a:extLst>
           </p:cNvPr>
@@ -8827,136 +10076,25 @@
             <a:spLocks noGrp="1"/>
           </p:cNvSpPr>
           <p:nvPr>
-            <p:ph idx="1"/>
+            <p:ph type="body" sz="quarter" idx="10"/>
           </p:nvPr>
         </p:nvSpPr>
-        <p:spPr>
-          <a:xfrm>
-            <a:off x="5865223" y="2334854"/>
-            <a:ext cx="5872820" cy="3083339"/>
-          </a:xfrm>
-        </p:spPr>
+        <p:spPr/>
         <p:txBody>
           <a:bodyPr/>
           <a:lstStyle/>
           <a:p>
-            <a:pPr marL="285750" indent="-285750">
-              <a:buFont typeface="Arial" panose="020B0604020202020204" pitchFamily="34" charset="0"/>
-              <a:buChar char="•"/>
-            </a:pPr>
             <a:r>
               <a:rPr lang="en-US" noProof="0" dirty="0"/>
-              <a:t>It is a tool for defining multi-container Docker Applications.</a:t>
-            </a:r>
-          </a:p>
-          <a:p>
-            <a:pPr marL="285750" indent="-285750">
-              <a:buFont typeface="Arial" panose="020B0604020202020204" pitchFamily="34" charset="0"/>
-              <a:buChar char="•"/>
-            </a:pPr>
-            <a:r>
-              <a:rPr lang="en-US" noProof="0" dirty="0"/>
-              <a:t>It is installed separately from Docker (</a:t>
-            </a:r>
-            <a:r>
-              <a:rPr lang="en-US" noProof="0" dirty="0" err="1"/>
-              <a:t>f.i</a:t>
-            </a:r>
-            <a:r>
-              <a:rPr lang="en-US" noProof="0" dirty="0"/>
-              <a:t>. currently not installed by default in Azure VM for containers)</a:t>
-            </a:r>
-          </a:p>
-          <a:p>
-            <a:pPr marL="285750" indent="-285750">
-              <a:buFont typeface="Arial" panose="020B0604020202020204" pitchFamily="34" charset="0"/>
-              <a:buChar char="•"/>
-            </a:pPr>
-            <a:r>
-              <a:rPr lang="en-US" noProof="0" dirty="0"/>
-              <a:t>Based on the Docker file plus docker-compose configuration files</a:t>
-            </a:r>
-          </a:p>
-          <a:p>
-            <a:pPr marL="285750" indent="-285750">
-              <a:buFont typeface="Arial" panose="020B0604020202020204" pitchFamily="34" charset="0"/>
-              <a:buChar char="•"/>
-            </a:pPr>
-            <a:r>
-              <a:rPr lang="en-US" noProof="0" dirty="0"/>
-              <a:t>Multiple docker-compose files structure to compose the final desired configuration</a:t>
-            </a:r>
-          </a:p>
-        </p:txBody>
-      </p:sp>
-      <p:sp>
-        <p:nvSpPr>
-          <p:cNvPr id="3" name="Title 2">
-            <a:extLst>
-              <a:ext uri="{FF2B5EF4-FFF2-40B4-BE49-F238E27FC236}">
-                <a16:creationId xmlns:a16="http://schemas.microsoft.com/office/drawing/2014/main" id="{FB27F8CD-1E47-4857-B9C1-2BA30F84D61D}"/>
-              </a:ext>
-            </a:extLst>
-          </p:cNvPr>
-          <p:cNvSpPr>
-            <a:spLocks noGrp="1"/>
-          </p:cNvSpPr>
-          <p:nvPr>
-            <p:ph type="title"/>
-          </p:nvPr>
-        </p:nvSpPr>
-        <p:spPr/>
-        <p:txBody>
-          <a:bodyPr/>
-          <a:lstStyle/>
-          <a:p>
-            <a:r>
-              <a:rPr lang="en-US" noProof="0" dirty="0"/>
-              <a:t>Docker compose</a:t>
-            </a:r>
-          </a:p>
-        </p:txBody>
-      </p:sp>
-      <p:pic>
-        <p:nvPicPr>
-          <p:cNvPr id="5" name="Picture 4" descr="A screenshot of a cell phone&#10;&#10;Description generated with very high confidence">
-            <a:extLst>
-              <a:ext uri="{FF2B5EF4-FFF2-40B4-BE49-F238E27FC236}">
-                <a16:creationId xmlns:a16="http://schemas.microsoft.com/office/drawing/2014/main" id="{C88B6C46-7A10-44B1-BD42-7A19A1DEC756}"/>
-              </a:ext>
-            </a:extLst>
-          </p:cNvPr>
-          <p:cNvPicPr>
-            <a:picLocks noChangeAspect="1"/>
-          </p:cNvPicPr>
-          <p:nvPr/>
-        </p:nvPicPr>
-        <p:blipFill>
-          <a:blip r:embed="rId2">
-            <a:extLst>
-              <a:ext uri="{28A0092B-C50C-407E-A947-70E740481C1C}">
-                <a14:useLocalDpi xmlns:a14="http://schemas.microsoft.com/office/drawing/2010/main" val="0"/>
-              </a:ext>
-            </a:extLst>
-          </a:blip>
-          <a:stretch>
-            <a:fillRect/>
-          </a:stretch>
-        </p:blipFill>
-        <p:spPr>
-          <a:xfrm>
-            <a:off x="780514" y="2334854"/>
-            <a:ext cx="4859384" cy="2658679"/>
-          </a:xfrm>
-          <a:prstGeom prst="rect">
-            <a:avLst/>
-          </a:prstGeom>
-        </p:spPr>
-      </p:pic>
+              <a:t>Practice 1: build your own docker image</a:t>
+            </a:r>
+          </a:p>
+        </p:txBody>
+      </p:sp>
     </p:spTree>
     <p:extLst>
       <p:ext uri="{BB962C8B-B14F-4D97-AF65-F5344CB8AC3E}">
-        <p14:creationId xmlns:p14="http://schemas.microsoft.com/office/powerpoint/2010/main" val="317120456"/>
+        <p14:creationId xmlns:p14="http://schemas.microsoft.com/office/powerpoint/2010/main" val="737140017"/>
       </p:ext>
     </p:extLst>
   </p:cSld>
@@ -8988,7 +10126,7 @@
           <p:cNvPr id="2" name="Content Placeholder 1">
             <a:extLst>
               <a:ext uri="{FF2B5EF4-FFF2-40B4-BE49-F238E27FC236}">
-                <a16:creationId xmlns:a16="http://schemas.microsoft.com/office/drawing/2014/main" id="{270B15D4-EE64-439C-BCD6-2902F3295806}"/>
+                <a16:creationId xmlns:a16="http://schemas.microsoft.com/office/drawing/2014/main" id="{A6A5CFDB-76E5-466C-A1F7-D533781B3790}"/>
               </a:ext>
             </a:extLst>
           </p:cNvPr>
@@ -8999,7 +10137,12 @@
             <p:ph idx="1"/>
           </p:nvPr>
         </p:nvSpPr>
-        <p:spPr/>
+        <p:spPr>
+          <a:xfrm>
+            <a:off x="5865223" y="2334854"/>
+            <a:ext cx="5872820" cy="3083339"/>
+          </a:xfrm>
+        </p:spPr>
         <p:txBody>
           <a:bodyPr/>
           <a:lstStyle/>
@@ -9009,22 +10152,8 @@
               <a:buChar char="•"/>
             </a:pPr>
             <a:r>
-              <a:rPr lang="en-US" dirty="0"/>
-              <a:t>Main file is docker-</a:t>
-            </a:r>
-            <a:r>
-              <a:rPr lang="en-US" dirty="0" err="1"/>
-              <a:t>compose.yml</a:t>
-            </a:r>
-            <a:r>
-              <a:rPr lang="en-US" dirty="0"/>
-              <a:t> </a:t>
-            </a:r>
-            <a:r>
-              <a:rPr lang="en-US" dirty="0">
-                <a:sym typeface="Wingdings" panose="05000000000000000000" pitchFamily="2" charset="2"/>
-              </a:rPr>
-              <a:t> the more basic information about the service</a:t>
+              <a:rPr lang="en-US" noProof="0" dirty="0"/>
+              <a:t>It is a tool for defining multi-container Docker Applications.</a:t>
             </a:r>
           </a:p>
           <a:p>
@@ -9033,22 +10162,16 @@
               <a:buChar char="•"/>
             </a:pPr>
             <a:r>
-              <a:rPr lang="en-US" dirty="0"/>
-              <a:t>Docker-</a:t>
-            </a:r>
-            <a:r>
-              <a:rPr lang="en-US" dirty="0" err="1"/>
-              <a:t>compose.override.yml</a:t>
-            </a:r>
-            <a:r>
-              <a:rPr lang="en-US" dirty="0"/>
-              <a:t> </a:t>
-            </a:r>
-            <a:r>
-              <a:rPr lang="en-US" dirty="0">
-                <a:sym typeface="Wingdings" panose="05000000000000000000" pitchFamily="2" charset="2"/>
-              </a:rPr>
-              <a:t> definition of the environment variables and default values</a:t>
+              <a:rPr lang="en-US" noProof="0" dirty="0"/>
+              <a:t>It is installed separately from Docker (</a:t>
+            </a:r>
+            <a:r>
+              <a:rPr lang="en-US" noProof="0" dirty="0" err="1"/>
+              <a:t>f.i</a:t>
+            </a:r>
+            <a:r>
+              <a:rPr lang="en-US" noProof="0" dirty="0"/>
+              <a:t>. currently not installed by default in Azure VM for containers)</a:t>
             </a:r>
           </a:p>
           <a:p>
@@ -9057,10 +10180,8 @@
               <a:buChar char="•"/>
             </a:pPr>
             <a:r>
-              <a:rPr lang="en-US" dirty="0">
-                <a:sym typeface="Wingdings" panose="05000000000000000000" pitchFamily="2" charset="2"/>
-              </a:rPr>
-              <a:t>Other files to set values for other environments</a:t>
+              <a:rPr lang="en-US" noProof="0" dirty="0"/>
+              <a:t>Based on the Docker file plus docker-compose configuration files</a:t>
             </a:r>
           </a:p>
           <a:p>
@@ -9069,90 +10190,9 @@
               <a:buChar char="•"/>
             </a:pPr>
             <a:r>
-              <a:rPr lang="es-ES" dirty="0" err="1">
-                <a:sym typeface="Wingdings" panose="05000000000000000000" pitchFamily="2" charset="2"/>
-              </a:rPr>
-              <a:t>Possibility</a:t>
-            </a:r>
-            <a:r>
-              <a:rPr lang="es-ES" dirty="0">
-                <a:sym typeface="Wingdings" panose="05000000000000000000" pitchFamily="2" charset="2"/>
-              </a:rPr>
-              <a:t> </a:t>
-            </a:r>
-            <a:r>
-              <a:rPr lang="es-ES" dirty="0" err="1">
-                <a:sym typeface="Wingdings" panose="05000000000000000000" pitchFamily="2" charset="2"/>
-              </a:rPr>
-              <a:t>of</a:t>
-            </a:r>
-            <a:r>
-              <a:rPr lang="es-ES" dirty="0">
-                <a:sym typeface="Wingdings" panose="05000000000000000000" pitchFamily="2" charset="2"/>
-              </a:rPr>
-              <a:t> </a:t>
-            </a:r>
-            <a:r>
-              <a:rPr lang="es-ES" dirty="0" err="1">
-                <a:sym typeface="Wingdings" panose="05000000000000000000" pitchFamily="2" charset="2"/>
-              </a:rPr>
-              <a:t>value</a:t>
-            </a:r>
-            <a:r>
-              <a:rPr lang="es-ES" dirty="0">
-                <a:sym typeface="Wingdings" panose="05000000000000000000" pitchFamily="2" charset="2"/>
-              </a:rPr>
-              <a:t> </a:t>
-            </a:r>
-            <a:r>
-              <a:rPr lang="es-ES" dirty="0" err="1">
-                <a:sym typeface="Wingdings" panose="05000000000000000000" pitchFamily="2" charset="2"/>
-              </a:rPr>
-              <a:t>substitution</a:t>
-            </a:r>
-            <a:r>
-              <a:rPr lang="es-ES" dirty="0">
-                <a:sym typeface="Wingdings" panose="05000000000000000000" pitchFamily="2" charset="2"/>
-              </a:rPr>
-              <a:t> </a:t>
-            </a:r>
-            <a:r>
-              <a:rPr lang="es-ES" dirty="0" err="1">
-                <a:sym typeface="Wingdings" panose="05000000000000000000" pitchFamily="2" charset="2"/>
-              </a:rPr>
-              <a:t>through</a:t>
-            </a:r>
-            <a:r>
-              <a:rPr lang="es-ES" dirty="0">
-                <a:sym typeface="Wingdings" panose="05000000000000000000" pitchFamily="2" charset="2"/>
-              </a:rPr>
-              <a:t> </a:t>
-            </a:r>
-            <a:r>
-              <a:rPr lang="es-ES" dirty="0" err="1">
-                <a:sym typeface="Wingdings" panose="05000000000000000000" pitchFamily="2" charset="2"/>
-              </a:rPr>
-              <a:t>the</a:t>
-            </a:r>
-            <a:r>
-              <a:rPr lang="es-ES" dirty="0">
-                <a:sym typeface="Wingdings" panose="05000000000000000000" pitchFamily="2" charset="2"/>
-              </a:rPr>
-              <a:t> .</a:t>
-            </a:r>
-            <a:r>
-              <a:rPr lang="es-ES" dirty="0" err="1">
-                <a:sym typeface="Wingdings" panose="05000000000000000000" pitchFamily="2" charset="2"/>
-              </a:rPr>
-              <a:t>env</a:t>
-            </a:r>
-            <a:r>
-              <a:rPr lang="es-ES" dirty="0">
-                <a:sym typeface="Wingdings" panose="05000000000000000000" pitchFamily="2" charset="2"/>
-              </a:rPr>
-              <a:t> file</a:t>
-            </a:r>
-            <a:endParaRPr lang="en-US" dirty="0"/>
+              <a:rPr lang="en-US" noProof="0" dirty="0"/>
+              <a:t>Multiple docker-compose files structure to compose the final desired configuration</a:t>
+            </a:r>
           </a:p>
         </p:txBody>
       </p:sp>
@@ -9161,7 +10201,7 @@
           <p:cNvPr id="3" name="Title 2">
             <a:extLst>
               <a:ext uri="{FF2B5EF4-FFF2-40B4-BE49-F238E27FC236}">
-                <a16:creationId xmlns:a16="http://schemas.microsoft.com/office/drawing/2014/main" id="{02C3B8EB-9F5E-4919-BFC3-7D341572275C}"/>
+                <a16:creationId xmlns:a16="http://schemas.microsoft.com/office/drawing/2014/main" id="{FB27F8CD-1E47-4857-B9C1-2BA30F84D61D}"/>
               </a:ext>
             </a:extLst>
           </p:cNvPr>
@@ -9178,18 +10218,18 @@
           <a:lstStyle/>
           <a:p>
             <a:r>
-              <a:rPr lang="en-US" dirty="0"/>
-              <a:t>Compose files</a:t>
+              <a:rPr lang="en-US" noProof="0" dirty="0"/>
+              <a:t>Docker compose</a:t>
             </a:r>
           </a:p>
         </p:txBody>
       </p:sp>
       <p:pic>
         <p:nvPicPr>
-          <p:cNvPr id="4" name="Imagen 3">
+          <p:cNvPr id="5" name="Picture 4" descr="A screenshot of a cell phone&#10;&#10;Description generated with very high confidence">
             <a:extLst>
               <a:ext uri="{FF2B5EF4-FFF2-40B4-BE49-F238E27FC236}">
-                <a16:creationId xmlns:a16="http://schemas.microsoft.com/office/drawing/2014/main" id="{5FB7F963-75AB-4E87-9602-D58E7A77F07D}"/>
+                <a16:creationId xmlns:a16="http://schemas.microsoft.com/office/drawing/2014/main" id="{C88B6C46-7A10-44B1-BD42-7A19A1DEC756}"/>
               </a:ext>
             </a:extLst>
           </p:cNvPr>
@@ -9199,15 +10239,21 @@
           <p:nvPr/>
         </p:nvPicPr>
         <p:blipFill>
-          <a:blip r:embed="rId2"/>
+          <a:blip r:embed="rId2">
+            <a:extLst>
+              <a:ext uri="{28A0092B-C50C-407E-A947-70E740481C1C}">
+                <a14:useLocalDpi xmlns:a14="http://schemas.microsoft.com/office/drawing/2010/main" val="0"/>
+              </a:ext>
+            </a:extLst>
+          </a:blip>
           <a:stretch>
             <a:fillRect/>
           </a:stretch>
         </p:blipFill>
         <p:spPr>
           <a:xfrm>
-            <a:off x="4352925" y="4007007"/>
-            <a:ext cx="3486150" cy="2295525"/>
+            <a:off x="780514" y="2334854"/>
+            <a:ext cx="4859384" cy="2658679"/>
           </a:xfrm>
           <a:prstGeom prst="rect">
             <a:avLst/>
@@ -9217,7 +10263,7 @@
     </p:spTree>
     <p:extLst>
       <p:ext uri="{BB962C8B-B14F-4D97-AF65-F5344CB8AC3E}">
-        <p14:creationId xmlns:p14="http://schemas.microsoft.com/office/powerpoint/2010/main" val="3446764012"/>
+        <p14:creationId xmlns:p14="http://schemas.microsoft.com/office/powerpoint/2010/main" val="317120456"/>
       </p:ext>
     </p:extLst>
   </p:cSld>
@@ -9244,48 +10290,12 @@
           <a:chExt cx="0" cy="0"/>
         </a:xfrm>
       </p:grpSpPr>
-      <p:pic>
-        <p:nvPicPr>
-          <p:cNvPr id="5" name="Picture 4" descr="A close up of a sign&#10;&#10;Description generated with high confidence">
+      <p:sp>
+        <p:nvSpPr>
+          <p:cNvPr id="2" name="Text Placeholder 1">
             <a:extLst>
               <a:ext uri="{FF2B5EF4-FFF2-40B4-BE49-F238E27FC236}">
-                <a16:creationId xmlns:a16="http://schemas.microsoft.com/office/drawing/2014/main" id="{46C28824-D05C-4C9D-997F-E6EAF001E782}"/>
-              </a:ext>
-            </a:extLst>
-          </p:cNvPr>
-          <p:cNvPicPr>
-            <a:picLocks noChangeAspect="1"/>
-          </p:cNvPicPr>
-          <p:nvPr/>
-        </p:nvPicPr>
-        <p:blipFill>
-          <a:blip r:embed="rId2">
-            <a:extLst>
-              <a:ext uri="{28A0092B-C50C-407E-A947-70E740481C1C}">
-                <a14:useLocalDpi xmlns:a14="http://schemas.microsoft.com/office/drawing/2010/main" val="0"/>
-              </a:ext>
-            </a:extLst>
-          </a:blip>
-          <a:stretch>
-            <a:fillRect/>
-          </a:stretch>
-        </p:blipFill>
-        <p:spPr>
-          <a:xfrm>
-            <a:off x="5493151" y="2907716"/>
-            <a:ext cx="5040170" cy="2952290"/>
-          </a:xfrm>
-          <a:prstGeom prst="rect">
-            <a:avLst/>
-          </a:prstGeom>
-        </p:spPr>
-      </p:pic>
-      <p:sp>
-        <p:nvSpPr>
-          <p:cNvPr id="2" name="Content Placeholder 1">
-            <a:extLst>
-              <a:ext uri="{FF2B5EF4-FFF2-40B4-BE49-F238E27FC236}">
-                <a16:creationId xmlns:a16="http://schemas.microsoft.com/office/drawing/2014/main" id="{9452A7C8-F0C6-4D23-AF1C-12153164210F}"/>
+                <a16:creationId xmlns:a16="http://schemas.microsoft.com/office/drawing/2014/main" id="{EEF0377E-43ED-463E-ABCF-B046C778B685}"/>
               </a:ext>
             </a:extLst>
           </p:cNvPr>
@@ -9293,13 +10303,13 @@
             <a:spLocks noGrp="1"/>
           </p:cNvSpPr>
           <p:nvPr>
-            <p:ph idx="1"/>
+            <p:ph type="body" sz="quarter" idx="10"/>
           </p:nvPr>
         </p:nvSpPr>
         <p:spPr>
           <a:xfrm>
-            <a:off x="1911526" y="2190308"/>
-            <a:ext cx="9069978" cy="3366561"/>
+            <a:off x="1871910" y="3546052"/>
+            <a:ext cx="4947734" cy="338554"/>
           </a:xfrm>
         </p:spPr>
         <p:txBody>
@@ -9307,127 +10317,16 @@
           <a:lstStyle/>
           <a:p>
             <a:r>
-              <a:rPr lang="en-US" dirty="0"/>
-              <a:t>Microservices are small (meaning doing one thing well), autonomous (in terms of lifecycle, evolution, technology…) services that work together. </a:t>
-            </a:r>
-          </a:p>
-          <a:p>
-            <a:endParaRPr lang="en-US" dirty="0"/>
-          </a:p>
-          <a:p>
-            <a:r>
-              <a:rPr lang="en-US" sz="1200" dirty="0"/>
-              <a:t>(Sam Newman, Building microservices, O’Reilly)</a:t>
-            </a:r>
-            <a:endParaRPr lang="es-ES" sz="1200" dirty="0"/>
-          </a:p>
-          <a:p>
-            <a:endParaRPr lang="ca-ES" dirty="0"/>
-          </a:p>
-        </p:txBody>
-      </p:sp>
-      <p:sp>
-        <p:nvSpPr>
-          <p:cNvPr id="3" name="Title 2">
-            <a:extLst>
-              <a:ext uri="{FF2B5EF4-FFF2-40B4-BE49-F238E27FC236}">
-                <a16:creationId xmlns:a16="http://schemas.microsoft.com/office/drawing/2014/main" id="{512A6703-0A38-491C-8AC0-AADD59AF70DE}"/>
-              </a:ext>
-            </a:extLst>
-          </p:cNvPr>
-          <p:cNvSpPr>
-            <a:spLocks noGrp="1"/>
-          </p:cNvSpPr>
-          <p:nvPr>
-            <p:ph type="title"/>
-          </p:nvPr>
-        </p:nvSpPr>
-        <p:spPr/>
-        <p:txBody>
-          <a:bodyPr/>
-          <a:lstStyle/>
-          <a:p>
-            <a:r>
-              <a:rPr lang="ca-ES" dirty="0" err="1"/>
-              <a:t>What</a:t>
-            </a:r>
-            <a:r>
-              <a:rPr lang="ca-ES" dirty="0"/>
-              <a:t> </a:t>
-            </a:r>
-            <a:r>
-              <a:rPr lang="ca-ES" dirty="0" err="1"/>
-              <a:t>are</a:t>
-            </a:r>
-            <a:r>
-              <a:rPr lang="ca-ES" dirty="0"/>
-              <a:t> </a:t>
-            </a:r>
-            <a:r>
-              <a:rPr lang="ca-ES" dirty="0" err="1"/>
-              <a:t>microservices</a:t>
-            </a:r>
-            <a:r>
-              <a:rPr lang="ca-ES" dirty="0"/>
-              <a:t>?</a:t>
-            </a:r>
-          </a:p>
-        </p:txBody>
-      </p:sp>
-      <p:sp>
-        <p:nvSpPr>
-          <p:cNvPr id="6" name="TextBox 5">
-            <a:extLst>
-              <a:ext uri="{FF2B5EF4-FFF2-40B4-BE49-F238E27FC236}">
-                <a16:creationId xmlns:a16="http://schemas.microsoft.com/office/drawing/2014/main" id="{AFBBC3F4-B078-4FE3-BC7A-D60BC1129E12}"/>
-              </a:ext>
-            </a:extLst>
-          </p:cNvPr>
-          <p:cNvSpPr txBox="1"/>
-          <p:nvPr/>
-        </p:nvSpPr>
-        <p:spPr>
-          <a:xfrm>
-            <a:off x="9323161" y="5840000"/>
-            <a:ext cx="2736410" cy="276999"/>
-          </a:xfrm>
-          <a:prstGeom prst="rect">
-            <a:avLst/>
-          </a:prstGeom>
-          <a:noFill/>
-        </p:spPr>
-        <p:txBody>
-          <a:bodyPr wrap="square" rtlCol="0">
-            <a:spAutoFit/>
-          </a:bodyPr>
-          <a:lstStyle/>
-          <a:p>
-            <a:r>
-              <a:rPr lang="ca-ES" sz="1200" dirty="0"/>
-              <a:t>Picture </a:t>
-            </a:r>
-            <a:r>
-              <a:rPr lang="ca-ES" sz="1200" dirty="0" err="1"/>
-              <a:t>by</a:t>
-            </a:r>
-            <a:r>
-              <a:rPr lang="ca-ES" sz="1200" dirty="0"/>
-              <a:t> </a:t>
-            </a:r>
-            <a:r>
-              <a:rPr lang="ca-ES" sz="1200" dirty="0" err="1">
-                <a:hlinkClick r:id="rId3"/>
-              </a:rPr>
-              <a:t>Fowler</a:t>
-            </a:r>
-            <a:endParaRPr lang="ca-ES" sz="1200" dirty="0"/>
+              <a:rPr lang="en-US" noProof="0" dirty="0"/>
+              <a:t>Introduction to microservices</a:t>
+            </a:r>
           </a:p>
         </p:txBody>
       </p:sp>
     </p:spTree>
     <p:extLst>
       <p:ext uri="{BB962C8B-B14F-4D97-AF65-F5344CB8AC3E}">
-        <p14:creationId xmlns:p14="http://schemas.microsoft.com/office/powerpoint/2010/main" val="2651920209"/>
+        <p14:creationId xmlns:p14="http://schemas.microsoft.com/office/powerpoint/2010/main" val="2283333544"/>
       </p:ext>
     </p:extLst>
   </p:cSld>
@@ -9480,30 +10379,149 @@
               <a:buChar char="•"/>
             </a:pPr>
             <a:r>
+              <a:rPr lang="en-US" dirty="0"/>
+              <a:t>Main file is docker-</a:t>
+            </a:r>
+            <a:r>
+              <a:rPr lang="en-US" dirty="0" err="1"/>
+              <a:t>compose.yml</a:t>
+            </a:r>
+            <a:r>
+              <a:rPr lang="en-US" dirty="0"/>
+              <a:t> </a:t>
+            </a:r>
+            <a:r>
               <a:rPr lang="en-US" dirty="0">
                 <a:sym typeface="Wingdings" panose="05000000000000000000" pitchFamily="2" charset="2"/>
               </a:rPr>
-              <a:t>Possibility of value substitution through the .</a:t>
-            </a:r>
-            <a:r>
-              <a:rPr lang="en-US" dirty="0" err="1">
+              <a:t> the more basic information about the service</a:t>
+            </a:r>
+          </a:p>
+          <a:p>
+            <a:pPr marL="285750" indent="-285750">
+              <a:buFont typeface="Arial" panose="020B0604020202020204" pitchFamily="34" charset="0"/>
+              <a:buChar char="•"/>
+            </a:pPr>
+            <a:r>
+              <a:rPr lang="en-US" dirty="0"/>
+              <a:t>Docker-</a:t>
+            </a:r>
+            <a:r>
+              <a:rPr lang="en-US" dirty="0" err="1"/>
+              <a:t>compose.override.yml</a:t>
+            </a:r>
+            <a:r>
+              <a:rPr lang="en-US" dirty="0"/>
+              <a:t> </a:t>
+            </a:r>
+            <a:r>
+              <a:rPr lang="en-US" dirty="0">
+                <a:sym typeface="Wingdings" panose="05000000000000000000" pitchFamily="2" charset="2"/>
+              </a:rPr>
+              <a:t> definition of the environment variables and default values</a:t>
+            </a:r>
+          </a:p>
+          <a:p>
+            <a:pPr marL="285750" indent="-285750">
+              <a:buFont typeface="Arial" panose="020B0604020202020204" pitchFamily="34" charset="0"/>
+              <a:buChar char="•"/>
+            </a:pPr>
+            <a:r>
+              <a:rPr lang="en-US" dirty="0">
+                <a:sym typeface="Wingdings" panose="05000000000000000000" pitchFamily="2" charset="2"/>
+              </a:rPr>
+              <a:t>Other files to set values for other environments</a:t>
+            </a:r>
+          </a:p>
+          <a:p>
+            <a:pPr marL="285750" indent="-285750">
+              <a:buFont typeface="Arial" panose="020B0604020202020204" pitchFamily="34" charset="0"/>
+              <a:buChar char="•"/>
+            </a:pPr>
+            <a:r>
+              <a:rPr lang="es-ES" dirty="0" err="1">
+                <a:sym typeface="Wingdings" panose="05000000000000000000" pitchFamily="2" charset="2"/>
+              </a:rPr>
+              <a:t>Possibility</a:t>
+            </a:r>
+            <a:r>
+              <a:rPr lang="es-ES" dirty="0">
+                <a:sym typeface="Wingdings" panose="05000000000000000000" pitchFamily="2" charset="2"/>
+              </a:rPr>
+              <a:t> </a:t>
+            </a:r>
+            <a:r>
+              <a:rPr lang="es-ES" dirty="0" err="1">
+                <a:sym typeface="Wingdings" panose="05000000000000000000" pitchFamily="2" charset="2"/>
+              </a:rPr>
+              <a:t>of</a:t>
+            </a:r>
+            <a:r>
+              <a:rPr lang="es-ES" dirty="0">
+                <a:sym typeface="Wingdings" panose="05000000000000000000" pitchFamily="2" charset="2"/>
+              </a:rPr>
+              <a:t> </a:t>
+            </a:r>
+            <a:r>
+              <a:rPr lang="es-ES" dirty="0" err="1">
+                <a:sym typeface="Wingdings" panose="05000000000000000000" pitchFamily="2" charset="2"/>
+              </a:rPr>
+              <a:t>value</a:t>
+            </a:r>
+            <a:r>
+              <a:rPr lang="es-ES" dirty="0">
+                <a:sym typeface="Wingdings" panose="05000000000000000000" pitchFamily="2" charset="2"/>
+              </a:rPr>
+              <a:t> </a:t>
+            </a:r>
+            <a:r>
+              <a:rPr lang="es-ES" dirty="0" err="1">
+                <a:sym typeface="Wingdings" panose="05000000000000000000" pitchFamily="2" charset="2"/>
+              </a:rPr>
+              <a:t>substitution</a:t>
+            </a:r>
+            <a:r>
+              <a:rPr lang="es-ES" dirty="0">
+                <a:sym typeface="Wingdings" panose="05000000000000000000" pitchFamily="2" charset="2"/>
+              </a:rPr>
+              <a:t> </a:t>
+            </a:r>
+            <a:r>
+              <a:rPr lang="es-ES" dirty="0" err="1">
+                <a:sym typeface="Wingdings" panose="05000000000000000000" pitchFamily="2" charset="2"/>
+              </a:rPr>
+              <a:t>through</a:t>
+            </a:r>
+            <a:r>
+              <a:rPr lang="es-ES" dirty="0">
+                <a:sym typeface="Wingdings" panose="05000000000000000000" pitchFamily="2" charset="2"/>
+              </a:rPr>
+              <a:t> </a:t>
+            </a:r>
+            <a:r>
+              <a:rPr lang="es-ES" dirty="0" err="1">
+                <a:sym typeface="Wingdings" panose="05000000000000000000" pitchFamily="2" charset="2"/>
+              </a:rPr>
+              <a:t>the</a:t>
+            </a:r>
+            <a:r>
+              <a:rPr lang="es-ES" dirty="0">
+                <a:sym typeface="Wingdings" panose="05000000000000000000" pitchFamily="2" charset="2"/>
+              </a:rPr>
+              <a:t> .</a:t>
+            </a:r>
+            <a:r>
+              <a:rPr lang="es-ES" dirty="0" err="1">
                 <a:sym typeface="Wingdings" panose="05000000000000000000" pitchFamily="2" charset="2"/>
               </a:rPr>
               <a:t>env</a:t>
             </a:r>
             <a:r>
-              <a:rPr lang="en-US" dirty="0">
+              <a:rPr lang="es-ES" dirty="0">
                 <a:sym typeface="Wingdings" panose="05000000000000000000" pitchFamily="2" charset="2"/>
               </a:rPr>
               <a:t> file</a:t>
             </a:r>
-          </a:p>
-          <a:p>
-            <a:endParaRPr lang="en-US" dirty="0">
-              <a:sym typeface="Wingdings" panose="05000000000000000000" pitchFamily="2" charset="2"/>
-            </a:endParaRPr>
-          </a:p>
-          <a:p>
             <a:endParaRPr lang="en-US" dirty="0"/>
           </a:p>
         </p:txBody>
@@ -9531,17 +10549,17 @@
           <a:p>
             <a:r>
               <a:rPr lang="en-US" dirty="0"/>
-              <a:t>Value substitution</a:t>
+              <a:t>Compose files</a:t>
             </a:r>
           </a:p>
         </p:txBody>
       </p:sp>
       <p:pic>
         <p:nvPicPr>
-          <p:cNvPr id="7" name="Imagen 6">
+          <p:cNvPr id="4" name="Imagen 3">
             <a:extLst>
               <a:ext uri="{FF2B5EF4-FFF2-40B4-BE49-F238E27FC236}">
-                <a16:creationId xmlns:a16="http://schemas.microsoft.com/office/drawing/2014/main" id="{B3FAF78F-CBA0-434E-84A2-56E2D92DA1EE}"/>
+                <a16:creationId xmlns:a16="http://schemas.microsoft.com/office/drawing/2014/main" id="{5FB7F963-75AB-4E87-9602-D58E7A77F07D}"/>
               </a:ext>
             </a:extLst>
           </p:cNvPr>
@@ -9558,149 +10576,8 @@
         </p:blipFill>
         <p:spPr>
           <a:xfrm>
-            <a:off x="2263952" y="5062574"/>
-            <a:ext cx="7610475" cy="628650"/>
-          </a:xfrm>
-          <a:prstGeom prst="rect">
-            <a:avLst/>
-          </a:prstGeom>
-        </p:spPr>
-      </p:pic>
-      <p:sp>
-        <p:nvSpPr>
-          <p:cNvPr id="9" name="CuadroTexto 8">
-            <a:extLst>
-              <a:ext uri="{FF2B5EF4-FFF2-40B4-BE49-F238E27FC236}">
-                <a16:creationId xmlns:a16="http://schemas.microsoft.com/office/drawing/2014/main" id="{A61709E3-AFD3-499D-BE61-FD162028D863}"/>
-              </a:ext>
-            </a:extLst>
-          </p:cNvPr>
-          <p:cNvSpPr txBox="1"/>
-          <p:nvPr/>
-        </p:nvSpPr>
-        <p:spPr>
-          <a:xfrm>
-            <a:off x="2263952" y="3205288"/>
-            <a:ext cx="4400282" cy="338554"/>
-          </a:xfrm>
-          <a:prstGeom prst="rect">
-            <a:avLst/>
-          </a:prstGeom>
-          <a:noFill/>
-        </p:spPr>
-        <p:txBody>
-          <a:bodyPr wrap="square" rtlCol="0">
-            <a:spAutoFit/>
-          </a:bodyPr>
-          <a:lstStyle/>
-          <a:p>
-            <a:r>
-              <a:rPr lang="es-ES" sz="1600" dirty="0" err="1">
-                <a:solidFill>
-                  <a:schemeClr val="tx2"/>
-                </a:solidFill>
-                <a:latin typeface="Open Sans" panose="020B0606030504020204" pitchFamily="34" charset="0"/>
-                <a:ea typeface="Open Sans" panose="020B0606030504020204" pitchFamily="34" charset="0"/>
-                <a:cs typeface="Open Sans" panose="020B0606030504020204" pitchFamily="34" charset="0"/>
-              </a:rPr>
-              <a:t>docker-compose.override.yml</a:t>
-            </a:r>
-            <a:endParaRPr lang="en-US" sz="1600" dirty="0">
-              <a:solidFill>
-                <a:schemeClr val="tx2"/>
-              </a:solidFill>
-              <a:latin typeface="Open Sans" panose="020B0606030504020204" pitchFamily="34" charset="0"/>
-              <a:ea typeface="Open Sans" panose="020B0606030504020204" pitchFamily="34" charset="0"/>
-              <a:cs typeface="Open Sans" panose="020B0606030504020204" pitchFamily="34" charset="0"/>
-            </a:endParaRPr>
-          </a:p>
-        </p:txBody>
-      </p:sp>
-      <p:sp>
-        <p:nvSpPr>
-          <p:cNvPr id="11" name="CuadroTexto 10">
-            <a:extLst>
-              <a:ext uri="{FF2B5EF4-FFF2-40B4-BE49-F238E27FC236}">
-                <a16:creationId xmlns:a16="http://schemas.microsoft.com/office/drawing/2014/main" id="{4D23CC94-1BD6-4D8A-AB1E-B74DC73AE06D}"/>
-              </a:ext>
-            </a:extLst>
-          </p:cNvPr>
-          <p:cNvSpPr txBox="1"/>
-          <p:nvPr/>
-        </p:nvSpPr>
-        <p:spPr>
-          <a:xfrm>
-            <a:off x="2287562" y="4722851"/>
-            <a:ext cx="4400282" cy="338554"/>
-          </a:xfrm>
-          <a:prstGeom prst="rect">
-            <a:avLst/>
-          </a:prstGeom>
-          <a:noFill/>
-        </p:spPr>
-        <p:txBody>
-          <a:bodyPr wrap="square" rtlCol="0">
-            <a:spAutoFit/>
-          </a:bodyPr>
-          <a:lstStyle/>
-          <a:p>
-            <a:r>
-              <a:rPr lang="es-ES" sz="1600" dirty="0">
-                <a:solidFill>
-                  <a:schemeClr val="tx2"/>
-                </a:solidFill>
-                <a:latin typeface="Open Sans" panose="020B0606030504020204" pitchFamily="34" charset="0"/>
-                <a:ea typeface="Open Sans" panose="020B0606030504020204" pitchFamily="34" charset="0"/>
-                <a:cs typeface="Open Sans" panose="020B0606030504020204" pitchFamily="34" charset="0"/>
-              </a:rPr>
-              <a:t>.</a:t>
-            </a:r>
-            <a:r>
-              <a:rPr lang="es-ES" sz="1600" dirty="0" err="1">
-                <a:solidFill>
-                  <a:schemeClr val="tx2"/>
-                </a:solidFill>
-                <a:latin typeface="Open Sans" panose="020B0606030504020204" pitchFamily="34" charset="0"/>
-                <a:ea typeface="Open Sans" panose="020B0606030504020204" pitchFamily="34" charset="0"/>
-                <a:cs typeface="Open Sans" panose="020B0606030504020204" pitchFamily="34" charset="0"/>
-              </a:rPr>
-              <a:t>env</a:t>
-            </a:r>
-            <a:endParaRPr lang="en-US" sz="1600" dirty="0">
-              <a:solidFill>
-                <a:schemeClr val="tx2"/>
-              </a:solidFill>
-              <a:latin typeface="Open Sans" panose="020B0606030504020204" pitchFamily="34" charset="0"/>
-              <a:ea typeface="Open Sans" panose="020B0606030504020204" pitchFamily="34" charset="0"/>
-              <a:cs typeface="Open Sans" panose="020B0606030504020204" pitchFamily="34" charset="0"/>
-            </a:endParaRPr>
-          </a:p>
-        </p:txBody>
-      </p:sp>
-      <p:pic>
-        <p:nvPicPr>
-          <p:cNvPr id="13" name="Imagen 12">
-            <a:extLst>
-              <a:ext uri="{FF2B5EF4-FFF2-40B4-BE49-F238E27FC236}">
-                <a16:creationId xmlns:a16="http://schemas.microsoft.com/office/drawing/2014/main" id="{0C3CB4A2-4E16-46F3-BA93-D8B53B38B4CB}"/>
-              </a:ext>
-            </a:extLst>
-          </p:cNvPr>
-          <p:cNvPicPr>
-            <a:picLocks noChangeAspect="1"/>
-          </p:cNvPicPr>
-          <p:nvPr/>
-        </p:nvPicPr>
-        <p:blipFill>
-          <a:blip r:embed="rId3"/>
-          <a:stretch>
-            <a:fillRect/>
-          </a:stretch>
-        </p:blipFill>
-        <p:spPr>
-          <a:xfrm>
-            <a:off x="2263952" y="3571746"/>
-            <a:ext cx="7705725" cy="752475"/>
+            <a:off x="4352925" y="4007007"/>
+            <a:ext cx="3486150" cy="2295525"/>
           </a:xfrm>
           <a:prstGeom prst="rect">
             <a:avLst/>
@@ -9710,7 +10587,7 @@
     </p:spTree>
     <p:extLst>
       <p:ext uri="{BB962C8B-B14F-4D97-AF65-F5344CB8AC3E}">
-        <p14:creationId xmlns:p14="http://schemas.microsoft.com/office/powerpoint/2010/main" val="1473399647"/>
+        <p14:creationId xmlns:p14="http://schemas.microsoft.com/office/powerpoint/2010/main" val="3446764012"/>
       </p:ext>
     </p:extLst>
   </p:cSld>
@@ -9742,6 +10619,289 @@
           <p:cNvPr id="2" name="Content Placeholder 1">
             <a:extLst>
               <a:ext uri="{FF2B5EF4-FFF2-40B4-BE49-F238E27FC236}">
+                <a16:creationId xmlns:a16="http://schemas.microsoft.com/office/drawing/2014/main" id="{270B15D4-EE64-439C-BCD6-2902F3295806}"/>
+              </a:ext>
+            </a:extLst>
+          </p:cNvPr>
+          <p:cNvSpPr>
+            <a:spLocks noGrp="1"/>
+          </p:cNvSpPr>
+          <p:nvPr>
+            <p:ph idx="1"/>
+          </p:nvPr>
+        </p:nvSpPr>
+        <p:spPr/>
+        <p:txBody>
+          <a:bodyPr/>
+          <a:lstStyle/>
+          <a:p>
+            <a:pPr marL="285750" indent="-285750">
+              <a:buFont typeface="Arial" panose="020B0604020202020204" pitchFamily="34" charset="0"/>
+              <a:buChar char="•"/>
+            </a:pPr>
+            <a:r>
+              <a:rPr lang="en-US" dirty="0">
+                <a:sym typeface="Wingdings" panose="05000000000000000000" pitchFamily="2" charset="2"/>
+              </a:rPr>
+              <a:t>Possibility of value substitution through the .</a:t>
+            </a:r>
+            <a:r>
+              <a:rPr lang="en-US" dirty="0" err="1">
+                <a:sym typeface="Wingdings" panose="05000000000000000000" pitchFamily="2" charset="2"/>
+              </a:rPr>
+              <a:t>env</a:t>
+            </a:r>
+            <a:r>
+              <a:rPr lang="en-US" dirty="0">
+                <a:sym typeface="Wingdings" panose="05000000000000000000" pitchFamily="2" charset="2"/>
+              </a:rPr>
+              <a:t> file</a:t>
+            </a:r>
+          </a:p>
+          <a:p>
+            <a:endParaRPr lang="en-US" dirty="0">
+              <a:sym typeface="Wingdings" panose="05000000000000000000" pitchFamily="2" charset="2"/>
+            </a:endParaRPr>
+          </a:p>
+          <a:p>
+            <a:endParaRPr lang="en-US" dirty="0"/>
+          </a:p>
+        </p:txBody>
+      </p:sp>
+      <p:sp>
+        <p:nvSpPr>
+          <p:cNvPr id="3" name="Title 2">
+            <a:extLst>
+              <a:ext uri="{FF2B5EF4-FFF2-40B4-BE49-F238E27FC236}">
+                <a16:creationId xmlns:a16="http://schemas.microsoft.com/office/drawing/2014/main" id="{02C3B8EB-9F5E-4919-BFC3-7D341572275C}"/>
+              </a:ext>
+            </a:extLst>
+          </p:cNvPr>
+          <p:cNvSpPr>
+            <a:spLocks noGrp="1"/>
+          </p:cNvSpPr>
+          <p:nvPr>
+            <p:ph type="title"/>
+          </p:nvPr>
+        </p:nvSpPr>
+        <p:spPr/>
+        <p:txBody>
+          <a:bodyPr/>
+          <a:lstStyle/>
+          <a:p>
+            <a:r>
+              <a:rPr lang="en-US" dirty="0"/>
+              <a:t>Value substitution</a:t>
+            </a:r>
+          </a:p>
+        </p:txBody>
+      </p:sp>
+      <p:pic>
+        <p:nvPicPr>
+          <p:cNvPr id="7" name="Imagen 6">
+            <a:extLst>
+              <a:ext uri="{FF2B5EF4-FFF2-40B4-BE49-F238E27FC236}">
+                <a16:creationId xmlns:a16="http://schemas.microsoft.com/office/drawing/2014/main" id="{B3FAF78F-CBA0-434E-84A2-56E2D92DA1EE}"/>
+              </a:ext>
+            </a:extLst>
+          </p:cNvPr>
+          <p:cNvPicPr>
+            <a:picLocks noChangeAspect="1"/>
+          </p:cNvPicPr>
+          <p:nvPr/>
+        </p:nvPicPr>
+        <p:blipFill>
+          <a:blip r:embed="rId2"/>
+          <a:stretch>
+            <a:fillRect/>
+          </a:stretch>
+        </p:blipFill>
+        <p:spPr>
+          <a:xfrm>
+            <a:off x="2263952" y="5062574"/>
+            <a:ext cx="7610475" cy="628650"/>
+          </a:xfrm>
+          <a:prstGeom prst="rect">
+            <a:avLst/>
+          </a:prstGeom>
+        </p:spPr>
+      </p:pic>
+      <p:sp>
+        <p:nvSpPr>
+          <p:cNvPr id="9" name="CuadroTexto 8">
+            <a:extLst>
+              <a:ext uri="{FF2B5EF4-FFF2-40B4-BE49-F238E27FC236}">
+                <a16:creationId xmlns:a16="http://schemas.microsoft.com/office/drawing/2014/main" id="{A61709E3-AFD3-499D-BE61-FD162028D863}"/>
+              </a:ext>
+            </a:extLst>
+          </p:cNvPr>
+          <p:cNvSpPr txBox="1"/>
+          <p:nvPr/>
+        </p:nvSpPr>
+        <p:spPr>
+          <a:xfrm>
+            <a:off x="2263952" y="3205288"/>
+            <a:ext cx="4400282" cy="338554"/>
+          </a:xfrm>
+          <a:prstGeom prst="rect">
+            <a:avLst/>
+          </a:prstGeom>
+          <a:noFill/>
+        </p:spPr>
+        <p:txBody>
+          <a:bodyPr wrap="square" rtlCol="0">
+            <a:spAutoFit/>
+          </a:bodyPr>
+          <a:lstStyle/>
+          <a:p>
+            <a:r>
+              <a:rPr lang="es-ES" sz="1600" dirty="0" err="1">
+                <a:solidFill>
+                  <a:schemeClr val="tx2"/>
+                </a:solidFill>
+                <a:latin typeface="Open Sans" panose="020B0606030504020204" pitchFamily="34" charset="0"/>
+                <a:ea typeface="Open Sans" panose="020B0606030504020204" pitchFamily="34" charset="0"/>
+                <a:cs typeface="Open Sans" panose="020B0606030504020204" pitchFamily="34" charset="0"/>
+              </a:rPr>
+              <a:t>docker-compose.override.yml</a:t>
+            </a:r>
+            <a:endParaRPr lang="en-US" sz="1600" dirty="0">
+              <a:solidFill>
+                <a:schemeClr val="tx2"/>
+              </a:solidFill>
+              <a:latin typeface="Open Sans" panose="020B0606030504020204" pitchFamily="34" charset="0"/>
+              <a:ea typeface="Open Sans" panose="020B0606030504020204" pitchFamily="34" charset="0"/>
+              <a:cs typeface="Open Sans" panose="020B0606030504020204" pitchFamily="34" charset="0"/>
+            </a:endParaRPr>
+          </a:p>
+        </p:txBody>
+      </p:sp>
+      <p:sp>
+        <p:nvSpPr>
+          <p:cNvPr id="11" name="CuadroTexto 10">
+            <a:extLst>
+              <a:ext uri="{FF2B5EF4-FFF2-40B4-BE49-F238E27FC236}">
+                <a16:creationId xmlns:a16="http://schemas.microsoft.com/office/drawing/2014/main" id="{4D23CC94-1BD6-4D8A-AB1E-B74DC73AE06D}"/>
+              </a:ext>
+            </a:extLst>
+          </p:cNvPr>
+          <p:cNvSpPr txBox="1"/>
+          <p:nvPr/>
+        </p:nvSpPr>
+        <p:spPr>
+          <a:xfrm>
+            <a:off x="2287562" y="4722851"/>
+            <a:ext cx="4400282" cy="338554"/>
+          </a:xfrm>
+          <a:prstGeom prst="rect">
+            <a:avLst/>
+          </a:prstGeom>
+          <a:noFill/>
+        </p:spPr>
+        <p:txBody>
+          <a:bodyPr wrap="square" rtlCol="0">
+            <a:spAutoFit/>
+          </a:bodyPr>
+          <a:lstStyle/>
+          <a:p>
+            <a:r>
+              <a:rPr lang="es-ES" sz="1600" dirty="0">
+                <a:solidFill>
+                  <a:schemeClr val="tx2"/>
+                </a:solidFill>
+                <a:latin typeface="Open Sans" panose="020B0606030504020204" pitchFamily="34" charset="0"/>
+                <a:ea typeface="Open Sans" panose="020B0606030504020204" pitchFamily="34" charset="0"/>
+                <a:cs typeface="Open Sans" panose="020B0606030504020204" pitchFamily="34" charset="0"/>
+              </a:rPr>
+              <a:t>.</a:t>
+            </a:r>
+            <a:r>
+              <a:rPr lang="es-ES" sz="1600" dirty="0" err="1">
+                <a:solidFill>
+                  <a:schemeClr val="tx2"/>
+                </a:solidFill>
+                <a:latin typeface="Open Sans" panose="020B0606030504020204" pitchFamily="34" charset="0"/>
+                <a:ea typeface="Open Sans" panose="020B0606030504020204" pitchFamily="34" charset="0"/>
+                <a:cs typeface="Open Sans" panose="020B0606030504020204" pitchFamily="34" charset="0"/>
+              </a:rPr>
+              <a:t>env</a:t>
+            </a:r>
+            <a:endParaRPr lang="en-US" sz="1600" dirty="0">
+              <a:solidFill>
+                <a:schemeClr val="tx2"/>
+              </a:solidFill>
+              <a:latin typeface="Open Sans" panose="020B0606030504020204" pitchFamily="34" charset="0"/>
+              <a:ea typeface="Open Sans" panose="020B0606030504020204" pitchFamily="34" charset="0"/>
+              <a:cs typeface="Open Sans" panose="020B0606030504020204" pitchFamily="34" charset="0"/>
+            </a:endParaRPr>
+          </a:p>
+        </p:txBody>
+      </p:sp>
+      <p:pic>
+        <p:nvPicPr>
+          <p:cNvPr id="13" name="Imagen 12">
+            <a:extLst>
+              <a:ext uri="{FF2B5EF4-FFF2-40B4-BE49-F238E27FC236}">
+                <a16:creationId xmlns:a16="http://schemas.microsoft.com/office/drawing/2014/main" id="{0C3CB4A2-4E16-46F3-BA93-D8B53B38B4CB}"/>
+              </a:ext>
+            </a:extLst>
+          </p:cNvPr>
+          <p:cNvPicPr>
+            <a:picLocks noChangeAspect="1"/>
+          </p:cNvPicPr>
+          <p:nvPr/>
+        </p:nvPicPr>
+        <p:blipFill>
+          <a:blip r:embed="rId3"/>
+          <a:stretch>
+            <a:fillRect/>
+          </a:stretch>
+        </p:blipFill>
+        <p:spPr>
+          <a:xfrm>
+            <a:off x="2263952" y="3571746"/>
+            <a:ext cx="7705725" cy="752475"/>
+          </a:xfrm>
+          <a:prstGeom prst="rect">
+            <a:avLst/>
+          </a:prstGeom>
+        </p:spPr>
+      </p:pic>
+    </p:spTree>
+    <p:extLst>
+      <p:ext uri="{BB962C8B-B14F-4D97-AF65-F5344CB8AC3E}">
+        <p14:creationId xmlns:p14="http://schemas.microsoft.com/office/powerpoint/2010/main" val="1473399647"/>
+      </p:ext>
+    </p:extLst>
+  </p:cSld>
+  <p:clrMapOvr>
+    <a:masterClrMapping/>
+  </p:clrMapOvr>
+</p:sld>
+</file>
+
+<file path=ppt/slides/slide32.xml><?xml version="1.0" encoding="utf-8"?>
+<p:sld xmlns:a="http://schemas.openxmlformats.org/drawingml/2006/main" xmlns:r="http://schemas.openxmlformats.org/officeDocument/2006/relationships" xmlns:p="http://schemas.openxmlformats.org/presentationml/2006/main">
+  <p:cSld>
+    <p:spTree>
+      <p:nvGrpSpPr>
+        <p:cNvPr id="1" name=""/>
+        <p:cNvGrpSpPr/>
+        <p:nvPr/>
+      </p:nvGrpSpPr>
+      <p:grpSpPr>
+        <a:xfrm>
+          <a:off x="0" y="0"/>
+          <a:ext cx="0" cy="0"/>
+          <a:chOff x="0" y="0"/>
+          <a:chExt cx="0" cy="0"/>
+        </a:xfrm>
+      </p:grpSpPr>
+      <p:sp>
+        <p:nvSpPr>
+          <p:cNvPr id="2" name="Content Placeholder 1">
+            <a:extLst>
+              <a:ext uri="{FF2B5EF4-FFF2-40B4-BE49-F238E27FC236}">
                 <a16:creationId xmlns:a16="http://schemas.microsoft.com/office/drawing/2014/main" id="{1C6408A6-102A-4816-BE08-8BC69F69A4EE}"/>
               </a:ext>
             </a:extLst>
@@ -9851,7 +11011,7 @@
 </p:sld>
 </file>
 
-<file path=ppt/slides/slide32.xml><?xml version="1.0" encoding="utf-8"?>
+<file path=ppt/slides/slide33.xml><?xml version="1.0" encoding="utf-8"?>
 <p:sld xmlns:a="http://schemas.openxmlformats.org/drawingml/2006/main" xmlns:r="http://schemas.openxmlformats.org/officeDocument/2006/relationships" xmlns:p="http://schemas.openxmlformats.org/presentationml/2006/main">
   <p:cSld>
     <p:spTree>
@@ -9931,147 +11091,12 @@
           <a:chExt cx="0" cy="0"/>
         </a:xfrm>
       </p:grpSpPr>
-      <p:sp>
-        <p:nvSpPr>
-          <p:cNvPr id="2" name="Content Placeholder 1">
-            <a:extLst>
-              <a:ext uri="{FF2B5EF4-FFF2-40B4-BE49-F238E27FC236}">
-                <a16:creationId xmlns:a16="http://schemas.microsoft.com/office/drawing/2014/main" id="{E5F9A698-0BAD-42DE-BF38-8ED994792260}"/>
-              </a:ext>
-            </a:extLst>
-          </p:cNvPr>
-          <p:cNvSpPr>
-            <a:spLocks noGrp="1"/>
-          </p:cNvSpPr>
-          <p:nvPr>
-            <p:ph idx="1"/>
-          </p:nvPr>
-        </p:nvSpPr>
-        <p:spPr>
-          <a:xfrm>
-            <a:off x="1902823" y="2629786"/>
-            <a:ext cx="5717177" cy="3083037"/>
-          </a:xfrm>
-        </p:spPr>
-        <p:txBody>
-          <a:bodyPr>
-            <a:normAutofit/>
-          </a:bodyPr>
-          <a:lstStyle/>
-          <a:p>
-            <a:pPr lvl="0"/>
-            <a:r>
-              <a:rPr lang="en-US" dirty="0"/>
-              <a:t>RPC (Remote Procedure Calls) starting with DCE(88) and CORBA(91).</a:t>
-            </a:r>
-            <a:endParaRPr lang="es-ES" dirty="0"/>
-          </a:p>
-          <a:p>
-            <a:pPr lvl="1"/>
-            <a:r>
-              <a:rPr lang="en-US" sz="1600" dirty="0"/>
-              <a:t>The basic idea was to make remote calls transparent to developers.</a:t>
-            </a:r>
-            <a:endParaRPr lang="es-ES" sz="1600" dirty="0"/>
-          </a:p>
-          <a:p>
-            <a:pPr lvl="1"/>
-            <a:r>
-              <a:rPr lang="en-US" sz="1600" dirty="0"/>
-              <a:t>No need to pay attention if call is local or not.</a:t>
-            </a:r>
-            <a:endParaRPr lang="es-ES" sz="1600" dirty="0"/>
-          </a:p>
-          <a:p>
-            <a:pPr lvl="1"/>
-            <a:r>
-              <a:rPr lang="en-US" sz="1600" dirty="0"/>
-              <a:t>Reality: a local call is not the same as a remote call. We should treat them differently.</a:t>
-            </a:r>
-            <a:endParaRPr lang="es-ES" sz="1600" dirty="0"/>
-          </a:p>
-          <a:p>
-            <a:pPr lvl="1"/>
-            <a:r>
-              <a:rPr lang="en-US" sz="1600" dirty="0"/>
-              <a:t>Coupling between distributed components (in terms of technology, components of the system, </a:t>
-            </a:r>
-            <a:r>
-              <a:rPr lang="en-US" sz="1600" dirty="0" err="1"/>
-              <a:t>etc</a:t>
-            </a:r>
-            <a:r>
-              <a:rPr lang="en-US" sz="1600" dirty="0"/>
-              <a:t>).</a:t>
-            </a:r>
-            <a:endParaRPr lang="es-ES" sz="1600" dirty="0"/>
-          </a:p>
-          <a:p>
-            <a:endParaRPr lang="ca-ES" dirty="0"/>
-          </a:p>
-        </p:txBody>
-      </p:sp>
-      <p:sp>
-        <p:nvSpPr>
-          <p:cNvPr id="3" name="Title 2">
-            <a:extLst>
-              <a:ext uri="{FF2B5EF4-FFF2-40B4-BE49-F238E27FC236}">
-                <a16:creationId xmlns:a16="http://schemas.microsoft.com/office/drawing/2014/main" id="{B528C8B2-17BA-4DA6-97D7-D41FF9034503}"/>
-              </a:ext>
-            </a:extLst>
-          </p:cNvPr>
-          <p:cNvSpPr>
-            <a:spLocks noGrp="1"/>
-          </p:cNvSpPr>
-          <p:nvPr>
-            <p:ph type="title"/>
-          </p:nvPr>
-        </p:nvSpPr>
-        <p:spPr/>
-        <p:txBody>
-          <a:bodyPr/>
-          <a:lstStyle/>
-          <a:p>
-            <a:r>
-              <a:rPr lang="ca-ES" dirty="0" err="1"/>
-              <a:t>Some</a:t>
-            </a:r>
-            <a:r>
-              <a:rPr lang="ca-ES" dirty="0"/>
-              <a:t> </a:t>
-            </a:r>
-            <a:r>
-              <a:rPr lang="ca-ES" dirty="0" err="1"/>
-              <a:t>history</a:t>
-            </a:r>
-            <a:endParaRPr lang="ca-ES" dirty="0"/>
-          </a:p>
-        </p:txBody>
-      </p:sp>
-      <p:sp>
-        <p:nvSpPr>
-          <p:cNvPr id="6" name="Picture Placeholder 5">
-            <a:extLst>
-              <a:ext uri="{FF2B5EF4-FFF2-40B4-BE49-F238E27FC236}">
-                <a16:creationId xmlns:a16="http://schemas.microsoft.com/office/drawing/2014/main" id="{A0034E82-A35A-4F96-ADD3-75445A87E5B9}"/>
-              </a:ext>
-            </a:extLst>
-          </p:cNvPr>
-          <p:cNvSpPr>
-            <a:spLocks noGrp="1"/>
-          </p:cNvSpPr>
-          <p:nvPr>
-            <p:ph type="pic" sz="quarter" idx="10"/>
-          </p:nvPr>
-        </p:nvSpPr>
-        <p:spPr/>
-      </p:sp>
       <p:pic>
         <p:nvPicPr>
-          <p:cNvPr id="5" name="Picture 4" descr="A screenshot of a cell phone&#10;&#10;Description generated with very high confidence">
+          <p:cNvPr id="5" name="Picture 4" descr="A close up of a sign&#10;&#10;Description generated with high confidence">
             <a:extLst>
               <a:ext uri="{FF2B5EF4-FFF2-40B4-BE49-F238E27FC236}">
-                <a16:creationId xmlns:a16="http://schemas.microsoft.com/office/drawing/2014/main" id="{D41A6C72-6B9A-4311-BD2A-FADD7B2D50F4}"/>
+                <a16:creationId xmlns:a16="http://schemas.microsoft.com/office/drawing/2014/main" id="{46C28824-D05C-4C9D-997F-E6EAF001E782}"/>
               </a:ext>
             </a:extLst>
           </p:cNvPr>
@@ -10094,18 +11119,162 @@
         </p:blipFill>
         <p:spPr>
           <a:xfrm>
-            <a:off x="7681137" y="1631380"/>
-            <a:ext cx="4316225" cy="4152731"/>
+            <a:off x="5493151" y="2907716"/>
+            <a:ext cx="5040170" cy="2952290"/>
           </a:xfrm>
           <a:prstGeom prst="rect">
             <a:avLst/>
           </a:prstGeom>
         </p:spPr>
       </p:pic>
+      <p:sp>
+        <p:nvSpPr>
+          <p:cNvPr id="2" name="Content Placeholder 1">
+            <a:extLst>
+              <a:ext uri="{FF2B5EF4-FFF2-40B4-BE49-F238E27FC236}">
+                <a16:creationId xmlns:a16="http://schemas.microsoft.com/office/drawing/2014/main" id="{9452A7C8-F0C6-4D23-AF1C-12153164210F}"/>
+              </a:ext>
+            </a:extLst>
+          </p:cNvPr>
+          <p:cNvSpPr>
+            <a:spLocks noGrp="1"/>
+          </p:cNvSpPr>
+          <p:nvPr>
+            <p:ph idx="1"/>
+          </p:nvPr>
+        </p:nvSpPr>
+        <p:spPr>
+          <a:xfrm>
+            <a:off x="1911526" y="2190308"/>
+            <a:ext cx="9069978" cy="3366561"/>
+          </a:xfrm>
+        </p:spPr>
+        <p:txBody>
+          <a:bodyPr/>
+          <a:lstStyle/>
+          <a:p>
+            <a:r>
+              <a:rPr lang="en-US" dirty="0"/>
+              <a:t>Microservices are small (meaning doing one thing well), autonomous (in terms of lifecycle, evolution, technology…) services that work together. </a:t>
+            </a:r>
+          </a:p>
+          <a:p>
+            <a:endParaRPr lang="en-US" dirty="0"/>
+          </a:p>
+          <a:p>
+            <a:r>
+              <a:rPr lang="en-US" sz="1200" dirty="0"/>
+              <a:t>(Sam Newman, Building microservices, O’Reilly)</a:t>
+            </a:r>
+            <a:endParaRPr lang="es-ES" sz="1200" dirty="0"/>
+          </a:p>
+          <a:p>
+            <a:endParaRPr lang="ca-ES" dirty="0"/>
+          </a:p>
+        </p:txBody>
+      </p:sp>
+      <p:sp>
+        <p:nvSpPr>
+          <p:cNvPr id="3" name="Title 2">
+            <a:extLst>
+              <a:ext uri="{FF2B5EF4-FFF2-40B4-BE49-F238E27FC236}">
+                <a16:creationId xmlns:a16="http://schemas.microsoft.com/office/drawing/2014/main" id="{512A6703-0A38-491C-8AC0-AADD59AF70DE}"/>
+              </a:ext>
+            </a:extLst>
+          </p:cNvPr>
+          <p:cNvSpPr>
+            <a:spLocks noGrp="1"/>
+          </p:cNvSpPr>
+          <p:nvPr>
+            <p:ph type="title"/>
+          </p:nvPr>
+        </p:nvSpPr>
+        <p:spPr/>
+        <p:txBody>
+          <a:bodyPr/>
+          <a:lstStyle/>
+          <a:p>
+            <a:r>
+              <a:rPr lang="ca-ES" dirty="0" err="1"/>
+              <a:t>What</a:t>
+            </a:r>
+            <a:r>
+              <a:rPr lang="ca-ES" dirty="0"/>
+              <a:t> </a:t>
+            </a:r>
+            <a:r>
+              <a:rPr lang="ca-ES" dirty="0" err="1"/>
+              <a:t>are</a:t>
+            </a:r>
+            <a:r>
+              <a:rPr lang="ca-ES" dirty="0"/>
+              <a:t> </a:t>
+            </a:r>
+            <a:r>
+              <a:rPr lang="ca-ES" dirty="0" err="1"/>
+              <a:t>microservices</a:t>
+            </a:r>
+            <a:r>
+              <a:rPr lang="ca-ES" dirty="0"/>
+              <a:t>?</a:t>
+            </a:r>
+          </a:p>
+        </p:txBody>
+      </p:sp>
+      <p:sp>
+        <p:nvSpPr>
+          <p:cNvPr id="6" name="TextBox 5">
+            <a:extLst>
+              <a:ext uri="{FF2B5EF4-FFF2-40B4-BE49-F238E27FC236}">
+                <a16:creationId xmlns:a16="http://schemas.microsoft.com/office/drawing/2014/main" id="{AFBBC3F4-B078-4FE3-BC7A-D60BC1129E12}"/>
+              </a:ext>
+            </a:extLst>
+          </p:cNvPr>
+          <p:cNvSpPr txBox="1"/>
+          <p:nvPr/>
+        </p:nvSpPr>
+        <p:spPr>
+          <a:xfrm>
+            <a:off x="9323161" y="5840000"/>
+            <a:ext cx="2736410" cy="276999"/>
+          </a:xfrm>
+          <a:prstGeom prst="rect">
+            <a:avLst/>
+          </a:prstGeom>
+          <a:noFill/>
+        </p:spPr>
+        <p:txBody>
+          <a:bodyPr wrap="square" rtlCol="0">
+            <a:spAutoFit/>
+          </a:bodyPr>
+          <a:lstStyle/>
+          <a:p>
+            <a:r>
+              <a:rPr lang="ca-ES" sz="1200" dirty="0"/>
+              <a:t>Picture </a:t>
+            </a:r>
+            <a:r>
+              <a:rPr lang="ca-ES" sz="1200" dirty="0" err="1"/>
+              <a:t>by</a:t>
+            </a:r>
+            <a:r>
+              <a:rPr lang="ca-ES" sz="1200" dirty="0"/>
+              <a:t> </a:t>
+            </a:r>
+            <a:r>
+              <a:rPr lang="ca-ES" sz="1200" dirty="0" err="1">
+                <a:hlinkClick r:id="rId3"/>
+              </a:rPr>
+              <a:t>Fowler</a:t>
+            </a:r>
+            <a:endParaRPr lang="ca-ES" sz="1200" dirty="0"/>
+          </a:p>
+        </p:txBody>
+      </p:sp>
     </p:spTree>
     <p:extLst>
       <p:ext uri="{BB962C8B-B14F-4D97-AF65-F5344CB8AC3E}">
-        <p14:creationId xmlns:p14="http://schemas.microsoft.com/office/powerpoint/2010/main" val="3436721104"/>
+        <p14:creationId xmlns:p14="http://schemas.microsoft.com/office/powerpoint/2010/main" val="2651920209"/>
       </p:ext>
     </p:extLst>
   </p:cSld>
@@ -10137,7 +11306,7 @@
           <p:cNvPr id="2" name="Content Placeholder 1">
             <a:extLst>
               <a:ext uri="{FF2B5EF4-FFF2-40B4-BE49-F238E27FC236}">
-                <a16:creationId xmlns:a16="http://schemas.microsoft.com/office/drawing/2014/main" id="{36D23AE8-837A-4D06-A9FA-2692E97C30C2}"/>
+                <a16:creationId xmlns:a16="http://schemas.microsoft.com/office/drawing/2014/main" id="{E5F9A698-0BAD-42DE-BF38-8ED994792260}"/>
               </a:ext>
             </a:extLst>
           </p:cNvPr>
@@ -10148,17 +11317,22 @@
             <p:ph idx="1"/>
           </p:nvPr>
         </p:nvSpPr>
-        <p:spPr/>
+        <p:spPr>
+          <a:xfrm>
+            <a:off x="1902823" y="2629786"/>
+            <a:ext cx="5717177" cy="3083037"/>
+          </a:xfrm>
+        </p:spPr>
         <p:txBody>
           <a:bodyPr>
-            <a:normAutofit lnSpcReduction="10000"/>
+            <a:normAutofit/>
           </a:bodyPr>
           <a:lstStyle/>
           <a:p>
             <a:pPr lvl="0"/>
             <a:r>
               <a:rPr lang="en-US" dirty="0"/>
-              <a:t>SOAP (Simple Object Access Protocol) (99). </a:t>
+              <a:t>RPC (Remote Procedure Calls) starting with DCE(88) and CORBA(91).</a:t>
             </a:r>
             <a:endParaRPr lang="es-ES" dirty="0"/>
           </a:p>
@@ -10166,7 +11340,7 @@
             <a:pPr lvl="1"/>
             <a:r>
               <a:rPr lang="en-US" sz="1600" dirty="0"/>
-              <a:t>Invoke object methods over HTTP </a:t>
+              <a:t>The basic idea was to make remote calls transparent to developers.</a:t>
             </a:r>
             <a:endParaRPr lang="es-ES" sz="1600" dirty="0"/>
           </a:p>
@@ -10174,69 +11348,35 @@
             <a:pPr lvl="1"/>
             <a:r>
               <a:rPr lang="en-US" sz="1600" dirty="0"/>
-              <a:t>Interoperation between systems implemented on different languages.</a:t>
-            </a:r>
+              <a:t>No need to pay attention if call is local or not.</a:t>
+            </a:r>
+            <a:endParaRPr lang="es-ES" sz="1600" dirty="0"/>
           </a:p>
           <a:p>
             <a:pPr lvl="1"/>
             <a:r>
               <a:rPr lang="en-US" sz="1600" dirty="0"/>
-              <a:t>Not simple protocol: multiple layers, complex XMLs</a:t>
-            </a:r>
+              <a:t>Reality: a local call is not the same as a remote call. We should treat them differently.</a:t>
+            </a:r>
+            <a:endParaRPr lang="es-ES" sz="1600" dirty="0"/>
           </a:p>
           <a:p>
             <a:pPr lvl="1"/>
             <a:r>
               <a:rPr lang="en-US" sz="1600" dirty="0"/>
-              <a:t>Still high coupling between services with consumers.</a:t>
-            </a:r>
-          </a:p>
-          <a:p>
-            <a:pPr lvl="1"/>
+              <a:t>Coupling between distributed components (in terms of technology, components of the system, </a:t>
+            </a:r>
+            <a:r>
+              <a:rPr lang="en-US" sz="1600" dirty="0" err="1"/>
+              <a:t>etc</a:t>
+            </a:r>
+            <a:r>
+              <a:rPr lang="en-US" sz="1600" dirty="0"/>
+              <a:t>).</a:t>
+            </a:r>
             <a:endParaRPr lang="es-ES" sz="1600" dirty="0"/>
           </a:p>
           <a:p>
-            <a:pPr lvl="0"/>
-            <a:r>
-              <a:rPr lang="en-US" dirty="0"/>
-              <a:t>REST</a:t>
-            </a:r>
-            <a:endParaRPr lang="es-ES" dirty="0"/>
-          </a:p>
-          <a:p>
-            <a:pPr lvl="1"/>
-            <a:r>
-              <a:rPr lang="en-US" sz="1600" dirty="0"/>
-              <a:t>It uses HTTP verbs as defined in specification</a:t>
-            </a:r>
-          </a:p>
-          <a:p>
-            <a:pPr lvl="1"/>
-            <a:r>
-              <a:rPr lang="en-US" sz="1600" dirty="0"/>
-              <a:t>It works with resources</a:t>
-            </a:r>
-          </a:p>
-          <a:p>
-            <a:pPr lvl="1"/>
-            <a:r>
-              <a:rPr lang="en-US" sz="1600" dirty="0"/>
-              <a:t>Highly decoupled from the consumers</a:t>
-            </a:r>
-            <a:endParaRPr lang="es-ES" sz="1600" dirty="0"/>
-          </a:p>
-          <a:p>
-            <a:pPr lvl="1"/>
-            <a:r>
-              <a:rPr lang="en-US" sz="1600" dirty="0"/>
-              <a:t>Designed for high scalability (generally lighter than SOAP)</a:t>
-            </a:r>
-          </a:p>
-          <a:p>
-            <a:pPr lvl="1"/>
-            <a:endParaRPr lang="es-ES" sz="1600" dirty="0"/>
-          </a:p>
-          <a:p>
             <a:endParaRPr lang="ca-ES" dirty="0"/>
           </a:p>
         </p:txBody>
@@ -10246,7 +11386,7 @@
           <p:cNvPr id="3" name="Title 2">
             <a:extLst>
               <a:ext uri="{FF2B5EF4-FFF2-40B4-BE49-F238E27FC236}">
-                <a16:creationId xmlns:a16="http://schemas.microsoft.com/office/drawing/2014/main" id="{045C3877-A738-4733-B4E1-6C7F8D6C4A2B}"/>
+                <a16:creationId xmlns:a16="http://schemas.microsoft.com/office/drawing/2014/main" id="{B528C8B2-17BA-4DA6-97D7-D41FF9034503}"/>
               </a:ext>
             </a:extLst>
           </p:cNvPr>
@@ -10278,10 +11418,64 @@
           </a:p>
         </p:txBody>
       </p:sp>
+      <p:sp>
+        <p:nvSpPr>
+          <p:cNvPr id="6" name="Picture Placeholder 5">
+            <a:extLst>
+              <a:ext uri="{FF2B5EF4-FFF2-40B4-BE49-F238E27FC236}">
+                <a16:creationId xmlns:a16="http://schemas.microsoft.com/office/drawing/2014/main" id="{A0034E82-A35A-4F96-ADD3-75445A87E5B9}"/>
+              </a:ext>
+            </a:extLst>
+          </p:cNvPr>
+          <p:cNvSpPr>
+            <a:spLocks noGrp="1"/>
+          </p:cNvSpPr>
+          <p:nvPr>
+            <p:ph type="pic" sz="quarter" idx="10"/>
+          </p:nvPr>
+        </p:nvSpPr>
+        <p:spPr/>
+      </p:sp>
+      <p:pic>
+        <p:nvPicPr>
+          <p:cNvPr id="5" name="Picture 4" descr="A screenshot of a cell phone&#10;&#10;Description generated with very high confidence">
+            <a:extLst>
+              <a:ext uri="{FF2B5EF4-FFF2-40B4-BE49-F238E27FC236}">
+                <a16:creationId xmlns:a16="http://schemas.microsoft.com/office/drawing/2014/main" id="{D41A6C72-6B9A-4311-BD2A-FADD7B2D50F4}"/>
+              </a:ext>
+            </a:extLst>
+          </p:cNvPr>
+          <p:cNvPicPr>
+            <a:picLocks noChangeAspect="1"/>
+          </p:cNvPicPr>
+          <p:nvPr/>
+        </p:nvPicPr>
+        <p:blipFill>
+          <a:blip r:embed="rId2">
+            <a:extLst>
+              <a:ext uri="{28A0092B-C50C-407E-A947-70E740481C1C}">
+                <a14:useLocalDpi xmlns:a14="http://schemas.microsoft.com/office/drawing/2010/main" val="0"/>
+              </a:ext>
+            </a:extLst>
+          </a:blip>
+          <a:stretch>
+            <a:fillRect/>
+          </a:stretch>
+        </p:blipFill>
+        <p:spPr>
+          <a:xfrm>
+            <a:off x="7681137" y="1631380"/>
+            <a:ext cx="4316225" cy="4152731"/>
+          </a:xfrm>
+          <a:prstGeom prst="rect">
+            <a:avLst/>
+          </a:prstGeom>
+        </p:spPr>
+      </p:pic>
     </p:spTree>
     <p:extLst>
       <p:ext uri="{BB962C8B-B14F-4D97-AF65-F5344CB8AC3E}">
-        <p14:creationId xmlns:p14="http://schemas.microsoft.com/office/powerpoint/2010/main" val="3310378970"/>
+        <p14:creationId xmlns:p14="http://schemas.microsoft.com/office/powerpoint/2010/main" val="3436721104"/>
       </p:ext>
     </p:extLst>
   </p:cSld>
@@ -10327,9 +11521,87 @@
         <p:spPr/>
         <p:txBody>
           <a:bodyPr>
-            <a:normAutofit/>
+            <a:normAutofit lnSpcReduction="10000"/>
           </a:bodyPr>
           <a:lstStyle/>
+          <a:p>
+            <a:pPr lvl="0"/>
+            <a:r>
+              <a:rPr lang="en-US" dirty="0"/>
+              <a:t>SOAP (Simple Object Access Protocol) (99). </a:t>
+            </a:r>
+            <a:endParaRPr lang="es-ES" dirty="0"/>
+          </a:p>
+          <a:p>
+            <a:pPr lvl="1"/>
+            <a:r>
+              <a:rPr lang="en-US" sz="1600" dirty="0"/>
+              <a:t>Invoke object methods over HTTP </a:t>
+            </a:r>
+            <a:endParaRPr lang="es-ES" sz="1600" dirty="0"/>
+          </a:p>
+          <a:p>
+            <a:pPr lvl="1"/>
+            <a:r>
+              <a:rPr lang="en-US" sz="1600" dirty="0"/>
+              <a:t>Interoperation between systems implemented on different languages.</a:t>
+            </a:r>
+          </a:p>
+          <a:p>
+            <a:pPr lvl="1"/>
+            <a:r>
+              <a:rPr lang="en-US" sz="1600" dirty="0"/>
+              <a:t>Not simple protocol: multiple layers, complex XMLs</a:t>
+            </a:r>
+          </a:p>
+          <a:p>
+            <a:pPr lvl="1"/>
+            <a:r>
+              <a:rPr lang="en-US" sz="1600" dirty="0"/>
+              <a:t>Still high coupling between services with consumers.</a:t>
+            </a:r>
+          </a:p>
+          <a:p>
+            <a:pPr lvl="1"/>
+            <a:endParaRPr lang="es-ES" sz="1600" dirty="0"/>
+          </a:p>
+          <a:p>
+            <a:pPr lvl="0"/>
+            <a:r>
+              <a:rPr lang="en-US" dirty="0"/>
+              <a:t>REST</a:t>
+            </a:r>
+            <a:endParaRPr lang="es-ES" dirty="0"/>
+          </a:p>
+          <a:p>
+            <a:pPr lvl="1"/>
+            <a:r>
+              <a:rPr lang="en-US" sz="1600" dirty="0"/>
+              <a:t>It uses HTTP verbs as defined in specification</a:t>
+            </a:r>
+          </a:p>
+          <a:p>
+            <a:pPr lvl="1"/>
+            <a:r>
+              <a:rPr lang="en-US" sz="1600" dirty="0"/>
+              <a:t>It works with resources</a:t>
+            </a:r>
+          </a:p>
+          <a:p>
+            <a:pPr lvl="1"/>
+            <a:r>
+              <a:rPr lang="en-US" sz="1600" dirty="0"/>
+              <a:t>Highly decoupled from the consumers</a:t>
+            </a:r>
+            <a:endParaRPr lang="es-ES" sz="1600" dirty="0"/>
+          </a:p>
+          <a:p>
+            <a:pPr lvl="1"/>
+            <a:r>
+              <a:rPr lang="en-US" sz="1600" dirty="0"/>
+              <a:t>Designed for high scalability (generally lighter than SOAP)</a:t>
+            </a:r>
+          </a:p>
           <a:p>
             <a:pPr lvl="1"/>
             <a:endParaRPr lang="es-ES" sz="1600" dirty="0"/>
@@ -10376,116 +11648,10 @@
           </a:p>
         </p:txBody>
       </p:sp>
-      <p:pic>
-        <p:nvPicPr>
-          <p:cNvPr id="4" name="Picture 3">
-            <a:extLst>
-              <a:ext uri="{FF2B5EF4-FFF2-40B4-BE49-F238E27FC236}">
-                <a16:creationId xmlns:a16="http://schemas.microsoft.com/office/drawing/2014/main" id="{2B669684-A0EB-4A33-8FBE-4A8A6B0DCEB7}"/>
-              </a:ext>
-            </a:extLst>
-          </p:cNvPr>
-          <p:cNvPicPr>
-            <a:picLocks noChangeAspect="1"/>
-          </p:cNvPicPr>
-          <p:nvPr/>
-        </p:nvPicPr>
-        <p:blipFill>
-          <a:blip r:embed="rId2"/>
-          <a:stretch>
-            <a:fillRect/>
-          </a:stretch>
-        </p:blipFill>
-        <p:spPr>
-          <a:xfrm>
-            <a:off x="812653" y="2253947"/>
-            <a:ext cx="5730920" cy="2587776"/>
-          </a:xfrm>
-          <a:prstGeom prst="rect">
-            <a:avLst/>
-          </a:prstGeom>
-          <a:ln w="22225">
-            <a:solidFill>
-              <a:schemeClr val="accent1"/>
-            </a:solidFill>
-          </a:ln>
-        </p:spPr>
-      </p:pic>
-      <p:pic>
-        <p:nvPicPr>
-          <p:cNvPr id="5" name="Picture 4">
-            <a:extLst>
-              <a:ext uri="{FF2B5EF4-FFF2-40B4-BE49-F238E27FC236}">
-                <a16:creationId xmlns:a16="http://schemas.microsoft.com/office/drawing/2014/main" id="{31D84C47-9E31-4298-A7A7-39B7F8F24808}"/>
-              </a:ext>
-            </a:extLst>
-          </p:cNvPr>
-          <p:cNvPicPr>
-            <a:picLocks noChangeAspect="1"/>
-          </p:cNvPicPr>
-          <p:nvPr/>
-        </p:nvPicPr>
-        <p:blipFill>
-          <a:blip r:embed="rId3"/>
-          <a:stretch>
-            <a:fillRect/>
-          </a:stretch>
-        </p:blipFill>
-        <p:spPr>
-          <a:xfrm>
-            <a:off x="7439962" y="3117235"/>
-            <a:ext cx="3697423" cy="623530"/>
-          </a:xfrm>
-          <a:prstGeom prst="rect">
-            <a:avLst/>
-          </a:prstGeom>
-          <a:noFill/>
-          <a:ln w="22225">
-            <a:solidFill>
-              <a:schemeClr val="accent1"/>
-            </a:solidFill>
-          </a:ln>
-        </p:spPr>
-      </p:pic>
-      <p:sp>
-        <p:nvSpPr>
-          <p:cNvPr id="6" name="TextBox 5">
-            <a:extLst>
-              <a:ext uri="{FF2B5EF4-FFF2-40B4-BE49-F238E27FC236}">
-                <a16:creationId xmlns:a16="http://schemas.microsoft.com/office/drawing/2014/main" id="{8F615FC5-0099-4F55-AD66-FDDCFABAB012}"/>
-              </a:ext>
-            </a:extLst>
-          </p:cNvPr>
-          <p:cNvSpPr txBox="1"/>
-          <p:nvPr/>
-        </p:nvSpPr>
-        <p:spPr>
-          <a:xfrm>
-            <a:off x="6713975" y="3244334"/>
-            <a:ext cx="555584" cy="369332"/>
-          </a:xfrm>
-          <a:prstGeom prst="rect">
-            <a:avLst/>
-          </a:prstGeom>
-          <a:noFill/>
-        </p:spPr>
-        <p:txBody>
-          <a:bodyPr wrap="square" rtlCol="0">
-            <a:spAutoFit/>
-          </a:bodyPr>
-          <a:lstStyle/>
-          <a:p>
-            <a:r>
-              <a:rPr lang="ca-ES" b="1" dirty="0"/>
-              <a:t>VS</a:t>
-            </a:r>
-          </a:p>
-        </p:txBody>
-      </p:sp>
     </p:spTree>
     <p:extLst>
       <p:ext uri="{BB962C8B-B14F-4D97-AF65-F5344CB8AC3E}">
-        <p14:creationId xmlns:p14="http://schemas.microsoft.com/office/powerpoint/2010/main" val="2829185239"/>
+        <p14:creationId xmlns:p14="http://schemas.microsoft.com/office/powerpoint/2010/main" val="3310378970"/>
       </p:ext>
     </p:extLst>
   </p:cSld>
@@ -10580,47 +11746,12 @@
           </a:p>
         </p:txBody>
       </p:sp>
-      <p:sp>
-        <p:nvSpPr>
-          <p:cNvPr id="6" name="TextBox 5">
-            <a:extLst>
-              <a:ext uri="{FF2B5EF4-FFF2-40B4-BE49-F238E27FC236}">
-                <a16:creationId xmlns:a16="http://schemas.microsoft.com/office/drawing/2014/main" id="{8F615FC5-0099-4F55-AD66-FDDCFABAB012}"/>
-              </a:ext>
-            </a:extLst>
-          </p:cNvPr>
-          <p:cNvSpPr txBox="1"/>
-          <p:nvPr/>
-        </p:nvSpPr>
-        <p:spPr>
-          <a:xfrm>
-            <a:off x="6713975" y="3244334"/>
-            <a:ext cx="555584" cy="369332"/>
-          </a:xfrm>
-          <a:prstGeom prst="rect">
-            <a:avLst/>
-          </a:prstGeom>
-          <a:noFill/>
-        </p:spPr>
-        <p:txBody>
-          <a:bodyPr wrap="square" rtlCol="0">
-            <a:spAutoFit/>
-          </a:bodyPr>
-          <a:lstStyle/>
-          <a:p>
-            <a:r>
-              <a:rPr lang="ca-ES" b="1" dirty="0"/>
-              <a:t>VS</a:t>
-            </a:r>
-          </a:p>
-        </p:txBody>
-      </p:sp>
       <p:pic>
         <p:nvPicPr>
-          <p:cNvPr id="8" name="Picture 7">
+          <p:cNvPr id="4" name="Picture 3">
             <a:extLst>
               <a:ext uri="{FF2B5EF4-FFF2-40B4-BE49-F238E27FC236}">
-                <a16:creationId xmlns:a16="http://schemas.microsoft.com/office/drawing/2014/main" id="{CB1CE70A-E0B4-4BF0-A054-B610180A9210}"/>
+                <a16:creationId xmlns:a16="http://schemas.microsoft.com/office/drawing/2014/main" id="{2B669684-A0EB-4A33-8FBE-4A8A6B0DCEB7}"/>
               </a:ext>
             </a:extLst>
           </p:cNvPr>
@@ -10637,13 +11768,13 @@
         </p:blipFill>
         <p:spPr>
           <a:xfrm>
-            <a:off x="867294" y="2135111"/>
-            <a:ext cx="5676278" cy="2587777"/>
+            <a:off x="812653" y="2253947"/>
+            <a:ext cx="5730920" cy="2587776"/>
           </a:xfrm>
           <a:prstGeom prst="rect">
             <a:avLst/>
           </a:prstGeom>
-          <a:ln w="25400">
+          <a:ln w="22225">
             <a:solidFill>
               <a:schemeClr val="accent1"/>
             </a:solidFill>
@@ -10652,10 +11783,10 @@
       </p:pic>
       <p:pic>
         <p:nvPicPr>
-          <p:cNvPr id="9" name="Picture 8">
+          <p:cNvPr id="5" name="Picture 4">
             <a:extLst>
               <a:ext uri="{FF2B5EF4-FFF2-40B4-BE49-F238E27FC236}">
-                <a16:creationId xmlns:a16="http://schemas.microsoft.com/office/drawing/2014/main" id="{8DB0D236-D47A-4CC9-8C10-ADDEBB54C98D}"/>
+                <a16:creationId xmlns:a16="http://schemas.microsoft.com/office/drawing/2014/main" id="{31D84C47-9E31-4298-A7A7-39B7F8F24808}"/>
               </a:ext>
             </a:extLst>
           </p:cNvPr>
@@ -10672,23 +11803,59 @@
         </p:blipFill>
         <p:spPr>
           <a:xfrm>
-            <a:off x="7439962" y="3012487"/>
-            <a:ext cx="4003362" cy="833023"/>
+            <a:off x="7439962" y="3117235"/>
+            <a:ext cx="3697423" cy="623530"/>
           </a:xfrm>
           <a:prstGeom prst="rect">
             <a:avLst/>
           </a:prstGeom>
-          <a:ln w="25400">
+          <a:noFill/>
+          <a:ln w="22225">
             <a:solidFill>
               <a:schemeClr val="accent1"/>
             </a:solidFill>
           </a:ln>
         </p:spPr>
       </p:pic>
+      <p:sp>
+        <p:nvSpPr>
+          <p:cNvPr id="6" name="TextBox 5">
+            <a:extLst>
+              <a:ext uri="{FF2B5EF4-FFF2-40B4-BE49-F238E27FC236}">
+                <a16:creationId xmlns:a16="http://schemas.microsoft.com/office/drawing/2014/main" id="{8F615FC5-0099-4F55-AD66-FDDCFABAB012}"/>
+              </a:ext>
+            </a:extLst>
+          </p:cNvPr>
+          <p:cNvSpPr txBox="1"/>
+          <p:nvPr/>
+        </p:nvSpPr>
+        <p:spPr>
+          <a:xfrm>
+            <a:off x="6713975" y="3244334"/>
+            <a:ext cx="555584" cy="369332"/>
+          </a:xfrm>
+          <a:prstGeom prst="rect">
+            <a:avLst/>
+          </a:prstGeom>
+          <a:noFill/>
+        </p:spPr>
+        <p:txBody>
+          <a:bodyPr wrap="square" rtlCol="0">
+            <a:spAutoFit/>
+          </a:bodyPr>
+          <a:lstStyle/>
+          <a:p>
+            <a:r>
+              <a:rPr lang="ca-ES" b="1" dirty="0"/>
+              <a:t>VS</a:t>
+            </a:r>
+          </a:p>
+        </p:txBody>
+      </p:sp>
     </p:spTree>
     <p:extLst>
       <p:ext uri="{BB962C8B-B14F-4D97-AF65-F5344CB8AC3E}">
-        <p14:creationId xmlns:p14="http://schemas.microsoft.com/office/powerpoint/2010/main" val="3415976938"/>
+        <p14:creationId xmlns:p14="http://schemas.microsoft.com/office/powerpoint/2010/main" val="2829185239"/>
       </p:ext>
     </p:extLst>
   </p:cSld>
@@ -10720,7 +11887,7 @@
           <p:cNvPr id="2" name="Content Placeholder 1">
             <a:extLst>
               <a:ext uri="{FF2B5EF4-FFF2-40B4-BE49-F238E27FC236}">
-                <a16:creationId xmlns:a16="http://schemas.microsoft.com/office/drawing/2014/main" id="{D53B3C48-3893-4347-96BD-E26435312F9E}"/>
+                <a16:creationId xmlns:a16="http://schemas.microsoft.com/office/drawing/2014/main" id="{36D23AE8-837A-4D06-A9FA-2692E97C30C2}"/>
               </a:ext>
             </a:extLst>
           </p:cNvPr>
@@ -10733,45 +11900,16 @@
         </p:nvSpPr>
         <p:spPr/>
         <p:txBody>
-          <a:bodyPr/>
+          <a:bodyPr>
+            <a:normAutofit/>
+          </a:bodyPr>
           <a:lstStyle/>
           <a:p>
-            <a:pPr lvl="0"/>
-            <a:r>
-              <a:rPr lang="en-US" dirty="0"/>
-              <a:t>SOA: from the experiences emerges the term SOA to define a way to design services that collaborate together</a:t>
-            </a:r>
-            <a:endParaRPr lang="es-ES" dirty="0"/>
-          </a:p>
-          <a:p>
             <a:pPr lvl="1"/>
-            <a:r>
-              <a:rPr lang="en-US" sz="1600" dirty="0"/>
-              <a:t>Substitute large monolithic apps by a more sensible design for services.</a:t>
-            </a:r>
-          </a:p>
-          <a:p>
-            <a:pPr lvl="1"/>
-            <a:r>
-              <a:rPr lang="en-US" sz="1600" dirty="0"/>
-              <a:t>Important improvement but it is presented as theory</a:t>
-            </a:r>
             <a:endParaRPr lang="es-ES" sz="1600" dirty="0"/>
           </a:p>
           <a:p>
-            <a:pPr lvl="2"/>
-            <a:r>
-              <a:rPr lang="en-US" sz="1600" dirty="0"/>
-              <a:t>Multiple interpretations and implementations, some of them very coupled to vendor. </a:t>
-            </a:r>
-          </a:p>
-          <a:p>
-            <a:pPr lvl="2"/>
-            <a:r>
-              <a:rPr lang="en-US" sz="1600" dirty="0"/>
-              <a:t>Example: ESB with a lot of logic</a:t>
-            </a:r>
-            <a:endParaRPr lang="es-ES" sz="1600" dirty="0"/>
+            <a:endParaRPr lang="ca-ES" dirty="0"/>
           </a:p>
         </p:txBody>
       </p:sp>
@@ -10780,7 +11918,7 @@
           <p:cNvPr id="3" name="Title 2">
             <a:extLst>
               <a:ext uri="{FF2B5EF4-FFF2-40B4-BE49-F238E27FC236}">
-                <a16:creationId xmlns:a16="http://schemas.microsoft.com/office/drawing/2014/main" id="{C25340A4-2315-439C-8F6D-F1FC8BD6F976}"/>
+                <a16:creationId xmlns:a16="http://schemas.microsoft.com/office/drawing/2014/main" id="{045C3877-A738-4733-B4E1-6C7F8D6C4A2B}"/>
               </a:ext>
             </a:extLst>
           </p:cNvPr>
@@ -10812,10 +11950,115 @@
           </a:p>
         </p:txBody>
       </p:sp>
+      <p:sp>
+        <p:nvSpPr>
+          <p:cNvPr id="6" name="TextBox 5">
+            <a:extLst>
+              <a:ext uri="{FF2B5EF4-FFF2-40B4-BE49-F238E27FC236}">
+                <a16:creationId xmlns:a16="http://schemas.microsoft.com/office/drawing/2014/main" id="{8F615FC5-0099-4F55-AD66-FDDCFABAB012}"/>
+              </a:ext>
+            </a:extLst>
+          </p:cNvPr>
+          <p:cNvSpPr txBox="1"/>
+          <p:nvPr/>
+        </p:nvSpPr>
+        <p:spPr>
+          <a:xfrm>
+            <a:off x="6713975" y="3244334"/>
+            <a:ext cx="555584" cy="369332"/>
+          </a:xfrm>
+          <a:prstGeom prst="rect">
+            <a:avLst/>
+          </a:prstGeom>
+          <a:noFill/>
+        </p:spPr>
+        <p:txBody>
+          <a:bodyPr wrap="square" rtlCol="0">
+            <a:spAutoFit/>
+          </a:bodyPr>
+          <a:lstStyle/>
+          <a:p>
+            <a:r>
+              <a:rPr lang="ca-ES" b="1" dirty="0"/>
+              <a:t>VS</a:t>
+            </a:r>
+          </a:p>
+        </p:txBody>
+      </p:sp>
+      <p:pic>
+        <p:nvPicPr>
+          <p:cNvPr id="8" name="Picture 7">
+            <a:extLst>
+              <a:ext uri="{FF2B5EF4-FFF2-40B4-BE49-F238E27FC236}">
+                <a16:creationId xmlns:a16="http://schemas.microsoft.com/office/drawing/2014/main" id="{CB1CE70A-E0B4-4BF0-A054-B610180A9210}"/>
+              </a:ext>
+            </a:extLst>
+          </p:cNvPr>
+          <p:cNvPicPr>
+            <a:picLocks noChangeAspect="1"/>
+          </p:cNvPicPr>
+          <p:nvPr/>
+        </p:nvPicPr>
+        <p:blipFill>
+          <a:blip r:embed="rId2"/>
+          <a:stretch>
+            <a:fillRect/>
+          </a:stretch>
+        </p:blipFill>
+        <p:spPr>
+          <a:xfrm>
+            <a:off x="867294" y="2135111"/>
+            <a:ext cx="5676278" cy="2587777"/>
+          </a:xfrm>
+          <a:prstGeom prst="rect">
+            <a:avLst/>
+          </a:prstGeom>
+          <a:ln w="25400">
+            <a:solidFill>
+              <a:schemeClr val="accent1"/>
+            </a:solidFill>
+          </a:ln>
+        </p:spPr>
+      </p:pic>
+      <p:pic>
+        <p:nvPicPr>
+          <p:cNvPr id="9" name="Picture 8">
+            <a:extLst>
+              <a:ext uri="{FF2B5EF4-FFF2-40B4-BE49-F238E27FC236}">
+                <a16:creationId xmlns:a16="http://schemas.microsoft.com/office/drawing/2014/main" id="{8DB0D236-D47A-4CC9-8C10-ADDEBB54C98D}"/>
+              </a:ext>
+            </a:extLst>
+          </p:cNvPr>
+          <p:cNvPicPr>
+            <a:picLocks noChangeAspect="1"/>
+          </p:cNvPicPr>
+          <p:nvPr/>
+        </p:nvPicPr>
+        <p:blipFill>
+          <a:blip r:embed="rId3"/>
+          <a:stretch>
+            <a:fillRect/>
+          </a:stretch>
+        </p:blipFill>
+        <p:spPr>
+          <a:xfrm>
+            <a:off x="7439962" y="3012487"/>
+            <a:ext cx="4003362" cy="833023"/>
+          </a:xfrm>
+          <a:prstGeom prst="rect">
+            <a:avLst/>
+          </a:prstGeom>
+          <a:ln w="25400">
+            <a:solidFill>
+              <a:schemeClr val="accent1"/>
+            </a:solidFill>
+          </a:ln>
+        </p:spPr>
+      </p:pic>
     </p:spTree>
     <p:extLst>
       <p:ext uri="{BB962C8B-B14F-4D97-AF65-F5344CB8AC3E}">
-        <p14:creationId xmlns:p14="http://schemas.microsoft.com/office/powerpoint/2010/main" val="2436607959"/>
+        <p14:creationId xmlns:p14="http://schemas.microsoft.com/office/powerpoint/2010/main" val="3415976938"/>
       </p:ext>
     </p:extLst>
   </p:cSld>
@@ -10847,7 +12090,7 @@
           <p:cNvPr id="2" name="Content Placeholder 1">
             <a:extLst>
               <a:ext uri="{FF2B5EF4-FFF2-40B4-BE49-F238E27FC236}">
-                <a16:creationId xmlns:a16="http://schemas.microsoft.com/office/drawing/2014/main" id="{F5E312AF-CE81-493F-95A0-213221814F71}"/>
+                <a16:creationId xmlns:a16="http://schemas.microsoft.com/office/drawing/2014/main" id="{D53B3C48-3893-4347-96BD-E26435312F9E}"/>
               </a:ext>
             </a:extLst>
           </p:cNvPr>
@@ -10863,20 +12106,42 @@
           <a:bodyPr/>
           <a:lstStyle/>
           <a:p>
+            <a:pPr lvl="0"/>
             <a:r>
               <a:rPr lang="en-US" dirty="0"/>
-              <a:t>The microservice approach has emerged from real-world use, taking our better understanding of systems and architecture to do SOA well. So you should instead think of microservices as a specific approach for SOA in the same way that XP or Scrum are specific approaches for Agile software development. </a:t>
-            </a:r>
-          </a:p>
-          <a:p>
-            <a:endParaRPr lang="en-US" sz="1400" dirty="0"/>
-          </a:p>
-          <a:p>
-            <a:r>
-              <a:rPr lang="en-US" sz="1200" dirty="0"/>
-              <a:t>(From Sam Newman, Building microservices).</a:t>
-            </a:r>
-            <a:endParaRPr lang="ca-ES" sz="1200" dirty="0"/>
+              <a:t>SOA: from the experiences emerges the term SOA to define a way to design services that collaborate together</a:t>
+            </a:r>
+            <a:endParaRPr lang="es-ES" dirty="0"/>
+          </a:p>
+          <a:p>
+            <a:pPr lvl="1"/>
+            <a:r>
+              <a:rPr lang="en-US" sz="1600" dirty="0"/>
+              <a:t>Substitute large monolithic apps by a more sensible design for services.</a:t>
+            </a:r>
+          </a:p>
+          <a:p>
+            <a:pPr lvl="1"/>
+            <a:r>
+              <a:rPr lang="en-US" sz="1600" dirty="0"/>
+              <a:t>Important improvement but it is presented as theory</a:t>
+            </a:r>
+            <a:endParaRPr lang="es-ES" sz="1600" dirty="0"/>
+          </a:p>
+          <a:p>
+            <a:pPr lvl="2"/>
+            <a:r>
+              <a:rPr lang="en-US" sz="1600" dirty="0"/>
+              <a:t>Multiple interpretations and implementations, some of them very coupled to vendor. </a:t>
+            </a:r>
+          </a:p>
+          <a:p>
+            <a:pPr lvl="2"/>
+            <a:r>
+              <a:rPr lang="en-US" sz="1600" dirty="0"/>
+              <a:t>Example: ESB with a lot of logic</a:t>
+            </a:r>
+            <a:endParaRPr lang="es-ES" sz="1600" dirty="0"/>
           </a:p>
         </p:txBody>
       </p:sp>
@@ -10885,7 +12150,7 @@
           <p:cNvPr id="3" name="Title 2">
             <a:extLst>
               <a:ext uri="{FF2B5EF4-FFF2-40B4-BE49-F238E27FC236}">
-                <a16:creationId xmlns:a16="http://schemas.microsoft.com/office/drawing/2014/main" id="{042D7237-2BAD-40B0-A0A0-437647732E12}"/>
+                <a16:creationId xmlns:a16="http://schemas.microsoft.com/office/drawing/2014/main" id="{C25340A4-2315-439C-8F6D-F1FC8BD6F976}"/>
               </a:ext>
             </a:extLst>
           </p:cNvPr>
@@ -10920,7 +12185,7 @@
     </p:spTree>
     <p:extLst>
       <p:ext uri="{BB962C8B-B14F-4D97-AF65-F5344CB8AC3E}">
-        <p14:creationId xmlns:p14="http://schemas.microsoft.com/office/powerpoint/2010/main" val="2100225475"/>
+        <p14:creationId xmlns:p14="http://schemas.microsoft.com/office/powerpoint/2010/main" val="2436607959"/>
       </p:ext>
     </p:extLst>
   </p:cSld>

--- a/Docu/Microservices_day_1.pptx
+++ b/Docu/Microservices_day_1.pptx
@@ -5,7 +5,7 @@
     <p:sldMasterId id="2147483660" r:id="rId1"/>
   </p:sldMasterIdLst>
   <p:notesMasterIdLst>
-    <p:notesMasterId r:id="rId34"/>
+    <p:notesMasterId r:id="rId36"/>
   </p:notesMasterIdLst>
   <p:sldIdLst>
     <p:sldId id="256" r:id="rId2"/>
@@ -34,12 +34,14 @@
     <p:sldId id="272" r:id="rId25"/>
     <p:sldId id="273" r:id="rId26"/>
     <p:sldId id="274" r:id="rId27"/>
-    <p:sldId id="275" r:id="rId28"/>
-    <p:sldId id="276" r:id="rId29"/>
-    <p:sldId id="286" r:id="rId30"/>
-    <p:sldId id="288" r:id="rId31"/>
-    <p:sldId id="283" r:id="rId32"/>
-    <p:sldId id="284" r:id="rId33"/>
+    <p:sldId id="293" r:id="rId28"/>
+    <p:sldId id="294" r:id="rId29"/>
+    <p:sldId id="275" r:id="rId30"/>
+    <p:sldId id="276" r:id="rId31"/>
+    <p:sldId id="286" r:id="rId32"/>
+    <p:sldId id="288" r:id="rId33"/>
+    <p:sldId id="283" r:id="rId34"/>
+    <p:sldId id="284" r:id="rId35"/>
   </p:sldIdLst>
   <p:sldSz cx="12192000" cy="6858000"/>
   <p:notesSz cx="6858000" cy="9144000"/>
@@ -146,10 +148,6 @@
 </p:presentation>
 </file>
 
-<file path=ppt/revisionInfo.xml><?xml version="1.0" encoding="utf-8"?>
-<p1510:revInfo xmlns:a="http://schemas.openxmlformats.org/drawingml/2006/main" xmlns:r="http://schemas.openxmlformats.org/officeDocument/2006/relationships" xmlns:p1510="http://schemas.microsoft.com/office/powerpoint/2015/10/main"/>
-</file>
-
 <file path=ppt/notesMasters/notesMaster1.xml><?xml version="1.0" encoding="utf-8"?>
 <p:notesMaster xmlns:a="http://schemas.openxmlformats.org/drawingml/2006/main" xmlns:r="http://schemas.openxmlformats.org/officeDocument/2006/relationships" xmlns:p="http://schemas.openxmlformats.org/presentationml/2006/main">
   <p:cSld>
@@ -232,7 +230,7 @@
           <a:p>
             <a:fld id="{6340D008-C73D-4C5B-A9DE-E32B4AFE5B1C}" type="datetimeFigureOut">
               <a:rPr lang="ca-ES" smtClean="0"/>
-              <a:t>12/12/2017</a:t>
+              <a:t>27/2/2018</a:t>
             </a:fld>
             <a:endParaRPr lang="ca-ES"/>
           </a:p>
@@ -391,7 +389,7 @@
           <a:p>
             <a:fld id="{D05CA920-75A4-429A-BE6D-453D29DADB95}" type="slidenum">
               <a:rPr lang="ca-ES" smtClean="0"/>
-              <a:t>‹#›</a:t>
+              <a:t>‹Nº›</a:t>
             </a:fld>
             <a:endParaRPr lang="ca-ES"/>
           </a:p>
@@ -8693,8 +8691,8 @@
         </p:blipFill>
         <p:spPr>
           <a:xfrm>
-            <a:off x="2361115" y="2390626"/>
-            <a:ext cx="7101551" cy="2622361"/>
+            <a:off x="5407069" y="2344753"/>
+            <a:ext cx="5872443" cy="2168493"/>
           </a:xfrm>
         </p:spPr>
       </p:pic>
@@ -8723,6 +8721,253 @@
               <a:rPr lang="en-US" noProof="0" dirty="0"/>
               <a:t>Docker file</a:t>
             </a:r>
+          </a:p>
+        </p:txBody>
+      </p:sp>
+      <p:sp>
+        <p:nvSpPr>
+          <p:cNvPr id="4" name="Content Placeholder 1">
+            <a:extLst>
+              <a:ext uri="{FF2B5EF4-FFF2-40B4-BE49-F238E27FC236}">
+                <a16:creationId xmlns:a16="http://schemas.microsoft.com/office/drawing/2014/main" id="{640B0FD7-B2B1-4CEE-B711-287AB7DDD67E}"/>
+              </a:ext>
+            </a:extLst>
+          </p:cNvPr>
+          <p:cNvSpPr txBox="1">
+            <a:spLocks/>
+          </p:cNvSpPr>
+          <p:nvPr/>
+        </p:nvSpPr>
+        <p:spPr>
+          <a:xfrm>
+            <a:off x="912488" y="2212787"/>
+            <a:ext cx="4400657" cy="3066900"/>
+          </a:xfrm>
+          <a:prstGeom prst="rect">
+            <a:avLst/>
+          </a:prstGeom>
+        </p:spPr>
+        <p:txBody>
+          <a:bodyPr vert="horz" lIns="91440" tIns="45720" rIns="91440" bIns="45720" rtlCol="0">
+            <a:normAutofit/>
+          </a:bodyPr>
+          <a:lstStyle>
+            <a:lvl1pPr marL="0" indent="0" algn="l" defTabSz="1219170" rtl="0" eaLnBrk="1" latinLnBrk="0" hangingPunct="1">
+              <a:spcBef>
+                <a:spcPct val="20000"/>
+              </a:spcBef>
+              <a:buClr>
+                <a:schemeClr val="tx2"/>
+              </a:buClr>
+              <a:buSzPct val="70000"/>
+              <a:buFont typeface="Helvetica35-Thin" pitchFamily="34" charset="0"/>
+              <a:buNone/>
+              <a:defRPr sz="1600" kern="1200">
+                <a:solidFill>
+                  <a:schemeClr val="tx2"/>
+                </a:solidFill>
+                <a:latin typeface="Open Sans" panose="020B0606030504020204" pitchFamily="34" charset="0"/>
+                <a:ea typeface="Open Sans" panose="020B0606030504020204" pitchFamily="34" charset="0"/>
+                <a:cs typeface="Open Sans" panose="020B0606030504020204" pitchFamily="34" charset="0"/>
+              </a:defRPr>
+            </a:lvl1pPr>
+            <a:lvl2pPr marL="990575" indent="-380990" algn="l" defTabSz="1219170" rtl="0" eaLnBrk="1" latinLnBrk="0" hangingPunct="1">
+              <a:spcBef>
+                <a:spcPct val="20000"/>
+              </a:spcBef>
+              <a:buClr>
+                <a:schemeClr val="tx2"/>
+              </a:buClr>
+              <a:buSzPct val="70000"/>
+              <a:buFont typeface="Helvetica35-Thin" pitchFamily="34" charset="0"/>
+              <a:buChar char="–"/>
+              <a:defRPr sz="2133" kern="1200">
+                <a:solidFill>
+                  <a:schemeClr val="tx2"/>
+                </a:solidFill>
+                <a:latin typeface="Open Sans" panose="020B0606030504020204" pitchFamily="34" charset="0"/>
+                <a:ea typeface="Open Sans" panose="020B0606030504020204" pitchFamily="34" charset="0"/>
+                <a:cs typeface="Open Sans" panose="020B0606030504020204" pitchFamily="34" charset="0"/>
+              </a:defRPr>
+            </a:lvl2pPr>
+            <a:lvl3pPr marL="1523962" indent="-304792" algn="l" defTabSz="1219170" rtl="0" eaLnBrk="1" latinLnBrk="0" hangingPunct="1">
+              <a:spcBef>
+                <a:spcPct val="20000"/>
+              </a:spcBef>
+              <a:buClr>
+                <a:schemeClr val="tx2"/>
+              </a:buClr>
+              <a:buSzPct val="70000"/>
+              <a:buFont typeface="Helvetica35-Thin" pitchFamily="34" charset="0"/>
+              <a:buChar char="–"/>
+              <a:defRPr sz="1867" kern="1200">
+                <a:solidFill>
+                  <a:schemeClr val="tx2"/>
+                </a:solidFill>
+                <a:latin typeface="Open Sans" panose="020B0606030504020204" pitchFamily="34" charset="0"/>
+                <a:ea typeface="Open Sans" panose="020B0606030504020204" pitchFamily="34" charset="0"/>
+                <a:cs typeface="Open Sans" panose="020B0606030504020204" pitchFamily="34" charset="0"/>
+              </a:defRPr>
+            </a:lvl3pPr>
+            <a:lvl4pPr marL="2133547" indent="-304792" algn="l" defTabSz="1219170" rtl="0" eaLnBrk="1" latinLnBrk="0" hangingPunct="1">
+              <a:spcBef>
+                <a:spcPct val="20000"/>
+              </a:spcBef>
+              <a:buClr>
+                <a:schemeClr val="tx2"/>
+              </a:buClr>
+              <a:buSzPct val="70000"/>
+              <a:buFont typeface="Helvetica35-Thin" pitchFamily="34" charset="0"/>
+              <a:buChar char="–"/>
+              <a:defRPr sz="1600" kern="1200">
+                <a:solidFill>
+                  <a:schemeClr val="tx2"/>
+                </a:solidFill>
+                <a:latin typeface="Open Sans" panose="020B0606030504020204" pitchFamily="34" charset="0"/>
+                <a:ea typeface="Open Sans" panose="020B0606030504020204" pitchFamily="34" charset="0"/>
+                <a:cs typeface="Open Sans" panose="020B0606030504020204" pitchFamily="34" charset="0"/>
+              </a:defRPr>
+            </a:lvl4pPr>
+            <a:lvl5pPr marL="2743131" indent="-304792" algn="l" defTabSz="1219170" rtl="0" eaLnBrk="1" latinLnBrk="0" hangingPunct="1">
+              <a:spcBef>
+                <a:spcPct val="20000"/>
+              </a:spcBef>
+              <a:buClr>
+                <a:schemeClr val="tx2"/>
+              </a:buClr>
+              <a:buSzPct val="70000"/>
+              <a:buFont typeface="Helvetica35-Thin" pitchFamily="34" charset="0"/>
+              <a:buChar char="–"/>
+              <a:defRPr sz="1333" kern="1200">
+                <a:solidFill>
+                  <a:schemeClr val="tx2"/>
+                </a:solidFill>
+                <a:latin typeface="Open Sans" panose="020B0606030504020204" pitchFamily="34" charset="0"/>
+                <a:ea typeface="Open Sans" panose="020B0606030504020204" pitchFamily="34" charset="0"/>
+                <a:cs typeface="Open Sans" panose="020B0606030504020204" pitchFamily="34" charset="0"/>
+              </a:defRPr>
+            </a:lvl5pPr>
+            <a:lvl6pPr marL="3352716" indent="-304792" algn="l" defTabSz="1219170" rtl="0" eaLnBrk="1" latinLnBrk="0" hangingPunct="1">
+              <a:spcBef>
+                <a:spcPct val="20000"/>
+              </a:spcBef>
+              <a:buFont typeface="Arial" pitchFamily="34" charset="0"/>
+              <a:buChar char="•"/>
+              <a:defRPr sz="2667" kern="1200">
+                <a:solidFill>
+                  <a:schemeClr val="tx1"/>
+                </a:solidFill>
+                <a:latin typeface="+mn-lt"/>
+                <a:ea typeface="+mn-ea"/>
+                <a:cs typeface="+mn-cs"/>
+              </a:defRPr>
+            </a:lvl6pPr>
+            <a:lvl7pPr marL="3962301" indent="-304792" algn="l" defTabSz="1219170" rtl="0" eaLnBrk="1" latinLnBrk="0" hangingPunct="1">
+              <a:spcBef>
+                <a:spcPct val="20000"/>
+              </a:spcBef>
+              <a:buFont typeface="Arial" pitchFamily="34" charset="0"/>
+              <a:buChar char="•"/>
+              <a:defRPr sz="2667" kern="1200">
+                <a:solidFill>
+                  <a:schemeClr val="tx1"/>
+                </a:solidFill>
+                <a:latin typeface="+mn-lt"/>
+                <a:ea typeface="+mn-ea"/>
+                <a:cs typeface="+mn-cs"/>
+              </a:defRPr>
+            </a:lvl7pPr>
+            <a:lvl8pPr marL="4571886" indent="-304792" algn="l" defTabSz="1219170" rtl="0" eaLnBrk="1" latinLnBrk="0" hangingPunct="1">
+              <a:spcBef>
+                <a:spcPct val="20000"/>
+              </a:spcBef>
+              <a:buFont typeface="Arial" pitchFamily="34" charset="0"/>
+              <a:buChar char="•"/>
+              <a:defRPr sz="2667" kern="1200">
+                <a:solidFill>
+                  <a:schemeClr val="tx1"/>
+                </a:solidFill>
+                <a:latin typeface="+mn-lt"/>
+                <a:ea typeface="+mn-ea"/>
+                <a:cs typeface="+mn-cs"/>
+              </a:defRPr>
+            </a:lvl8pPr>
+            <a:lvl9pPr marL="5181470" indent="-304792" algn="l" defTabSz="1219170" rtl="0" eaLnBrk="1" latinLnBrk="0" hangingPunct="1">
+              <a:spcBef>
+                <a:spcPct val="20000"/>
+              </a:spcBef>
+              <a:buFont typeface="Arial" pitchFamily="34" charset="0"/>
+              <a:buChar char="•"/>
+              <a:defRPr sz="2667" kern="1200">
+                <a:solidFill>
+                  <a:schemeClr val="tx1"/>
+                </a:solidFill>
+                <a:latin typeface="+mn-lt"/>
+                <a:ea typeface="+mn-ea"/>
+                <a:cs typeface="+mn-cs"/>
+              </a:defRPr>
+            </a:lvl9pPr>
+          </a:lstStyle>
+          <a:p>
+            <a:pPr marL="285750" indent="-285750">
+              <a:buFont typeface="Arial" panose="020B0604020202020204" pitchFamily="34" charset="0"/>
+              <a:buChar char="•"/>
+            </a:pPr>
+            <a:r>
+              <a:rPr lang="en-US" dirty="0"/>
+              <a:t>Defines the instructions to build images</a:t>
+            </a:r>
+          </a:p>
+          <a:p>
+            <a:pPr marL="285750" indent="-285750">
+              <a:buFont typeface="Arial" panose="020B0604020202020204" pitchFamily="34" charset="0"/>
+              <a:buChar char="•"/>
+            </a:pPr>
+            <a:r>
+              <a:rPr lang="en-US" dirty="0"/>
+              <a:t>Retrieves a base image and adds layers</a:t>
+            </a:r>
+          </a:p>
+          <a:p>
+            <a:pPr marL="285750" indent="-285750">
+              <a:buFont typeface="Arial" panose="020B0604020202020204" pitchFamily="34" charset="0"/>
+              <a:buChar char="•"/>
+            </a:pPr>
+            <a:r>
+              <a:rPr lang="en-US" dirty="0"/>
+              <a:t>Expose the internal port the container will listen to</a:t>
+            </a:r>
+          </a:p>
+          <a:p>
+            <a:pPr marL="285750" indent="-285750">
+              <a:buFont typeface="Arial" panose="020B0604020202020204" pitchFamily="34" charset="0"/>
+              <a:buChar char="•"/>
+            </a:pPr>
+            <a:r>
+              <a:rPr lang="en-US" dirty="0"/>
+              <a:t>Bits must be previously generated</a:t>
+            </a:r>
+          </a:p>
+          <a:p>
+            <a:pPr marL="285750" indent="-285750">
+              <a:buFont typeface="Arial" panose="020B0604020202020204" pitchFamily="34" charset="0"/>
+              <a:buChar char="•"/>
+            </a:pPr>
+            <a:r>
+              <a:rPr lang="en-US" dirty="0"/>
+              <a:t>Defines an </a:t>
+            </a:r>
+            <a:r>
+              <a:rPr lang="en-US" dirty="0" err="1"/>
+              <a:t>entrypoint</a:t>
+            </a:r>
+            <a:r>
+              <a:rPr lang="en-US" dirty="0"/>
+              <a:t> to run the container as an executable </a:t>
+            </a:r>
+          </a:p>
+          <a:p>
+            <a:endParaRPr lang="en-US" dirty="0"/>
           </a:p>
         </p:txBody>
       </p:sp>
@@ -8758,10 +9003,10 @@
       </p:grpSpPr>
       <p:sp>
         <p:nvSpPr>
-          <p:cNvPr id="2" name="Text Placeholder 1">
+          <p:cNvPr id="3" name="Title 2">
             <a:extLst>
               <a:ext uri="{FF2B5EF4-FFF2-40B4-BE49-F238E27FC236}">
-                <a16:creationId xmlns:a16="http://schemas.microsoft.com/office/drawing/2014/main" id="{E68DA33A-59E3-4BEC-B00A-A3F6A5C8A272}"/>
+                <a16:creationId xmlns:a16="http://schemas.microsoft.com/office/drawing/2014/main" id="{1C513275-3F3B-4E01-8564-C5026F43B419}"/>
               </a:ext>
             </a:extLst>
           </p:cNvPr>
@@ -8769,7 +9014,7 @@
             <a:spLocks noGrp="1"/>
           </p:cNvSpPr>
           <p:nvPr>
-            <p:ph type="body" sz="quarter" idx="10"/>
+            <p:ph type="title"/>
           </p:nvPr>
         </p:nvSpPr>
         <p:spPr/>
@@ -8779,15 +9024,119 @@
           <a:p>
             <a:r>
               <a:rPr lang="en-US" noProof="0" dirty="0"/>
-              <a:t>Practice 1: build your own docker image</a:t>
-            </a:r>
+              <a:t>MULTISTAGING Docker file</a:t>
+            </a:r>
+          </a:p>
+        </p:txBody>
+      </p:sp>
+      <p:pic>
+        <p:nvPicPr>
+          <p:cNvPr id="5" name="Imagen 4">
+            <a:extLst>
+              <a:ext uri="{FF2B5EF4-FFF2-40B4-BE49-F238E27FC236}">
+                <a16:creationId xmlns:a16="http://schemas.microsoft.com/office/drawing/2014/main" id="{9AD44B85-0970-42D8-82E9-28F02B2D0824}"/>
+              </a:ext>
+            </a:extLst>
+          </p:cNvPr>
+          <p:cNvPicPr>
+            <a:picLocks noChangeAspect="1"/>
+          </p:cNvPicPr>
+          <p:nvPr/>
+        </p:nvPicPr>
+        <p:blipFill>
+          <a:blip r:embed="rId2"/>
+          <a:stretch>
+            <a:fillRect/>
+          </a:stretch>
+        </p:blipFill>
+        <p:spPr>
+          <a:xfrm>
+            <a:off x="7087821" y="2205561"/>
+            <a:ext cx="4649542" cy="3805646"/>
+          </a:xfrm>
+          <a:prstGeom prst="rect">
+            <a:avLst/>
+          </a:prstGeom>
+        </p:spPr>
+      </p:pic>
+      <p:sp>
+        <p:nvSpPr>
+          <p:cNvPr id="7" name="Content Placeholder 1">
+            <a:extLst>
+              <a:ext uri="{FF2B5EF4-FFF2-40B4-BE49-F238E27FC236}">
+                <a16:creationId xmlns:a16="http://schemas.microsoft.com/office/drawing/2014/main" id="{FFFF8B4F-481B-410B-853E-3B223C434BC8}"/>
+              </a:ext>
+            </a:extLst>
+          </p:cNvPr>
+          <p:cNvSpPr>
+            <a:spLocks noGrp="1"/>
+          </p:cNvSpPr>
+          <p:nvPr>
+            <p:ph idx="1"/>
+          </p:nvPr>
+        </p:nvSpPr>
+        <p:spPr>
+          <a:xfrm>
+            <a:off x="950989" y="2443794"/>
+            <a:ext cx="5972783" cy="3066900"/>
+          </a:xfrm>
+        </p:spPr>
+        <p:txBody>
+          <a:bodyPr/>
+          <a:lstStyle/>
+          <a:p>
+            <a:pPr marL="285750" indent="-285750">
+              <a:buFont typeface="Arial" panose="020B0604020202020204" pitchFamily="34" charset="0"/>
+              <a:buChar char="•"/>
+            </a:pPr>
+            <a:r>
+              <a:rPr lang="en-US" dirty="0"/>
+              <a:t>Divides the image building in multiple stages</a:t>
+            </a:r>
+          </a:p>
+          <a:p>
+            <a:pPr marL="285750" indent="-285750">
+              <a:buFont typeface="Arial" panose="020B0604020202020204" pitchFamily="34" charset="0"/>
+              <a:buChar char="•"/>
+            </a:pPr>
+            <a:r>
+              <a:rPr lang="en-US" dirty="0"/>
+              <a:t>No need to generate the bits previously since we can have a stage focused on purpose.</a:t>
+            </a:r>
+          </a:p>
+          <a:p>
+            <a:pPr marL="285750" indent="-285750">
+              <a:buFont typeface="Arial" panose="020B0604020202020204" pitchFamily="34" charset="0"/>
+              <a:buChar char="•"/>
+            </a:pPr>
+            <a:r>
+              <a:rPr lang="en-US" noProof="0" dirty="0"/>
+              <a:t>Allow to get rid of content that is not needed in later stages</a:t>
+            </a:r>
+          </a:p>
+          <a:p>
+            <a:pPr marL="285750" indent="-285750">
+              <a:buFont typeface="Arial" panose="020B0604020202020204" pitchFamily="34" charset="0"/>
+              <a:buChar char="•"/>
+            </a:pPr>
+            <a:r>
+              <a:rPr lang="en-US" dirty="0"/>
+              <a:t>Resulting</a:t>
+            </a:r>
+            <a:r>
+              <a:rPr lang="en-US" noProof="0" dirty="0"/>
+              <a:t> image is lightweight</a:t>
+            </a:r>
+          </a:p>
+          <a:p>
+            <a:endParaRPr lang="en-US" noProof="0" dirty="0"/>
           </a:p>
         </p:txBody>
       </p:sp>
     </p:spTree>
     <p:extLst>
       <p:ext uri="{BB962C8B-B14F-4D97-AF65-F5344CB8AC3E}">
-        <p14:creationId xmlns:p14="http://schemas.microsoft.com/office/powerpoint/2010/main" val="737140017"/>
+        <p14:creationId xmlns:p14="http://schemas.microsoft.com/office/powerpoint/2010/main" val="3255810714"/>
       </p:ext>
     </p:extLst>
   </p:cSld>
@@ -8816,10 +9165,38 @@
       </p:grpSpPr>
       <p:sp>
         <p:nvSpPr>
-          <p:cNvPr id="2" name="Content Placeholder 1">
+          <p:cNvPr id="3" name="Title 2">
             <a:extLst>
               <a:ext uri="{FF2B5EF4-FFF2-40B4-BE49-F238E27FC236}">
-                <a16:creationId xmlns:a16="http://schemas.microsoft.com/office/drawing/2014/main" id="{A6A5CFDB-76E5-466C-A1F7-D533781B3790}"/>
+                <a16:creationId xmlns:a16="http://schemas.microsoft.com/office/drawing/2014/main" id="{1C513275-3F3B-4E01-8564-C5026F43B419}"/>
+              </a:ext>
+            </a:extLst>
+          </p:cNvPr>
+          <p:cNvSpPr>
+            <a:spLocks noGrp="1"/>
+          </p:cNvSpPr>
+          <p:nvPr>
+            <p:ph type="title"/>
+          </p:nvPr>
+        </p:nvSpPr>
+        <p:spPr/>
+        <p:txBody>
+          <a:bodyPr/>
+          <a:lstStyle/>
+          <a:p>
+            <a:r>
+              <a:rPr lang="en-US" noProof="0" dirty="0"/>
+              <a:t>MULTIARCH Docker IMAGES</a:t>
+            </a:r>
+          </a:p>
+        </p:txBody>
+      </p:sp>
+      <p:sp>
+        <p:nvSpPr>
+          <p:cNvPr id="7" name="Content Placeholder 1">
+            <a:extLst>
+              <a:ext uri="{FF2B5EF4-FFF2-40B4-BE49-F238E27FC236}">
+                <a16:creationId xmlns:a16="http://schemas.microsoft.com/office/drawing/2014/main" id="{FFFF8B4F-481B-410B-853E-3B223C434BC8}"/>
               </a:ext>
             </a:extLst>
           </p:cNvPr>
@@ -8832,8 +9209,8 @@
         </p:nvSpPr>
         <p:spPr>
           <a:xfrm>
-            <a:off x="5865223" y="2334854"/>
-            <a:ext cx="5872820" cy="3083339"/>
+            <a:off x="845111" y="1925404"/>
+            <a:ext cx="5972783" cy="3066900"/>
           </a:xfrm>
         </p:spPr>
         <p:txBody>
@@ -8845,8 +9222,8 @@
               <a:buChar char="•"/>
             </a:pPr>
             <a:r>
-              <a:rPr lang="en-US" noProof="0" dirty="0"/>
-              <a:t>It is a tool for defining multi-container Docker Applications.</a:t>
+              <a:rPr lang="en-US" dirty="0"/>
+              <a:t>Image manifest where it defines the list of platforms supported</a:t>
             </a:r>
           </a:p>
           <a:p>
@@ -8856,15 +9233,31 @@
             </a:pPr>
             <a:r>
               <a:rPr lang="en-US" noProof="0" dirty="0"/>
-              <a:t>It is installed separately from Docker (</a:t>
+              <a:t>No need to have </a:t>
+            </a:r>
+            <a:r>
+              <a:rPr lang="en-US" dirty="0"/>
+              <a:t>multiple</a:t>
+            </a:r>
+            <a:r>
+              <a:rPr lang="en-US" noProof="0" dirty="0"/>
+              <a:t> </a:t>
             </a:r>
             <a:r>
               <a:rPr lang="en-US" noProof="0" dirty="0" err="1"/>
-              <a:t>f.i</a:t>
+              <a:t>dockerfiles</a:t>
             </a:r>
             <a:r>
               <a:rPr lang="en-US" noProof="0" dirty="0"/>
-              <a:t>. currently not installed by default in Azure VM for containers)</a:t>
+              <a:t> to </a:t>
+            </a:r>
+            <a:r>
+              <a:rPr lang="en-US" dirty="0"/>
+              <a:t>embrace different </a:t>
+            </a:r>
+            <a:r>
+              <a:rPr lang="en-US" noProof="0" dirty="0"/>
+              <a:t>platforms </a:t>
             </a:r>
           </a:p>
           <a:p>
@@ -8873,56 +9266,66 @@
               <a:buChar char="•"/>
             </a:pPr>
             <a:r>
-              <a:rPr lang="en-US" noProof="0" dirty="0"/>
-              <a:t>Based on the Docker file plus docker-compose configuration files</a:t>
-            </a:r>
-          </a:p>
-          <a:p>
-            <a:pPr marL="285750" indent="-285750">
-              <a:buFont typeface="Arial" panose="020B0604020202020204" pitchFamily="34" charset="0"/>
-              <a:buChar char="•"/>
-            </a:pPr>
-            <a:r>
-              <a:rPr lang="en-US" noProof="0" dirty="0"/>
-              <a:t>Multiple docker-compose files structure to compose the final desired configuration</a:t>
-            </a:r>
-          </a:p>
-        </p:txBody>
-      </p:sp>
-      <p:sp>
-        <p:nvSpPr>
-          <p:cNvPr id="3" name="Title 2">
-            <a:extLst>
-              <a:ext uri="{FF2B5EF4-FFF2-40B4-BE49-F238E27FC236}">
-                <a16:creationId xmlns:a16="http://schemas.microsoft.com/office/drawing/2014/main" id="{FB27F8CD-1E47-4857-B9C1-2BA30F84D61D}"/>
-              </a:ext>
-            </a:extLst>
-          </p:cNvPr>
-          <p:cNvSpPr>
-            <a:spLocks noGrp="1"/>
-          </p:cNvSpPr>
-          <p:nvPr>
-            <p:ph type="title"/>
-          </p:nvPr>
-        </p:nvSpPr>
-        <p:spPr/>
-        <p:txBody>
-          <a:bodyPr/>
-          <a:lstStyle/>
-          <a:p>
-            <a:r>
-              <a:rPr lang="en-US" noProof="0" dirty="0"/>
-              <a:t>Docker compose</a:t>
-            </a:r>
+              <a:rPr lang="en-US" dirty="0"/>
+              <a:t>Docker engine pulls the image based on the platform it is running</a:t>
+            </a:r>
+            <a:endParaRPr lang="en-US" noProof="0" dirty="0"/>
           </a:p>
         </p:txBody>
       </p:sp>
       <p:pic>
         <p:nvPicPr>
-          <p:cNvPr id="5" name="Picture 4" descr="A screenshot of a cell phone&#10;&#10;Description generated with very high confidence">
+          <p:cNvPr id="1026" name="Picture 2" descr="Resultado de imagen de multi arch docker">
             <a:extLst>
               <a:ext uri="{FF2B5EF4-FFF2-40B4-BE49-F238E27FC236}">
-                <a16:creationId xmlns:a16="http://schemas.microsoft.com/office/drawing/2014/main" id="{C88B6C46-7A10-44B1-BD42-7A19A1DEC756}"/>
+                <a16:creationId xmlns:a16="http://schemas.microsoft.com/office/drawing/2014/main" id="{8199BD8B-549D-4E22-8773-F62C0EF175A1}"/>
+              </a:ext>
+            </a:extLst>
+          </p:cNvPr>
+          <p:cNvPicPr>
+            <a:picLocks noChangeAspect="1" noChangeArrowheads="1"/>
+          </p:cNvPicPr>
+          <p:nvPr/>
+        </p:nvPicPr>
+        <p:blipFill>
+          <a:blip r:embed="rId2">
+            <a:extLst>
+              <a:ext uri="{28A0092B-C50C-407E-A947-70E740481C1C}">
+                <a14:useLocalDpi xmlns:a14="http://schemas.microsoft.com/office/drawing/2010/main" val="0"/>
+              </a:ext>
+            </a:extLst>
+          </a:blip>
+          <a:srcRect/>
+          <a:stretch>
+            <a:fillRect/>
+          </a:stretch>
+        </p:blipFill>
+        <p:spPr bwMode="auto">
+          <a:xfrm>
+            <a:off x="3182363" y="3850105"/>
+            <a:ext cx="5091006" cy="2498182"/>
+          </a:xfrm>
+          <a:prstGeom prst="rect">
+            <a:avLst/>
+          </a:prstGeom>
+          <a:noFill/>
+          <a:extLst>
+            <a:ext uri="{909E8E84-426E-40DD-AFC4-6F175D3DCCD1}">
+              <a14:hiddenFill xmlns:a14="http://schemas.microsoft.com/office/drawing/2010/main">
+                <a:solidFill>
+                  <a:srgbClr val="FFFFFF"/>
+                </a:solidFill>
+              </a14:hiddenFill>
+            </a:ext>
+          </a:extLst>
+        </p:spPr>
+      </p:pic>
+      <p:pic>
+        <p:nvPicPr>
+          <p:cNvPr id="4" name="Imagen 3">
+            <a:extLst>
+              <a:ext uri="{FF2B5EF4-FFF2-40B4-BE49-F238E27FC236}">
+                <a16:creationId xmlns:a16="http://schemas.microsoft.com/office/drawing/2014/main" id="{2A00F328-6532-4F77-A81F-190744734870}"/>
               </a:ext>
             </a:extLst>
           </p:cNvPr>
@@ -8932,21 +9335,15 @@
           <p:nvPr/>
         </p:nvPicPr>
         <p:blipFill>
-          <a:blip r:embed="rId2">
-            <a:extLst>
-              <a:ext uri="{28A0092B-C50C-407E-A947-70E740481C1C}">
-                <a14:useLocalDpi xmlns:a14="http://schemas.microsoft.com/office/drawing/2010/main" val="0"/>
-              </a:ext>
-            </a:extLst>
-          </a:blip>
+          <a:blip r:embed="rId3"/>
           <a:stretch>
             <a:fillRect/>
           </a:stretch>
         </p:blipFill>
         <p:spPr>
           <a:xfrm>
-            <a:off x="780514" y="2334854"/>
-            <a:ext cx="4859384" cy="2658679"/>
+            <a:off x="8314865" y="3850105"/>
+            <a:ext cx="3032024" cy="2498182"/>
           </a:xfrm>
           <a:prstGeom prst="rect">
             <a:avLst/>
@@ -8956,7 +9353,7 @@
     </p:spTree>
     <p:extLst>
       <p:ext uri="{BB962C8B-B14F-4D97-AF65-F5344CB8AC3E}">
-        <p14:creationId xmlns:p14="http://schemas.microsoft.com/office/powerpoint/2010/main" val="317120456"/>
+        <p14:creationId xmlns:p14="http://schemas.microsoft.com/office/powerpoint/2010/main" val="473673327"/>
       </p:ext>
     </p:extLst>
   </p:cSld>
@@ -8985,10 +9382,10 @@
       </p:grpSpPr>
       <p:sp>
         <p:nvSpPr>
-          <p:cNvPr id="2" name="Content Placeholder 1">
+          <p:cNvPr id="2" name="Text Placeholder 1">
             <a:extLst>
               <a:ext uri="{FF2B5EF4-FFF2-40B4-BE49-F238E27FC236}">
-                <a16:creationId xmlns:a16="http://schemas.microsoft.com/office/drawing/2014/main" id="{270B15D4-EE64-439C-BCD6-2902F3295806}"/>
+                <a16:creationId xmlns:a16="http://schemas.microsoft.com/office/drawing/2014/main" id="{E68DA33A-59E3-4BEC-B00A-A3F6A5C8A272}"/>
               </a:ext>
             </a:extLst>
           </p:cNvPr>
@@ -8996,7 +9393,7 @@
             <a:spLocks noGrp="1"/>
           </p:cNvSpPr>
           <p:nvPr>
-            <p:ph idx="1"/>
+            <p:ph type="body" sz="quarter" idx="10"/>
           </p:nvPr>
         </p:nvSpPr>
         <p:spPr/>
@@ -9004,220 +9401,17 @@
           <a:bodyPr/>
           <a:lstStyle/>
           <a:p>
-            <a:pPr marL="285750" indent="-285750">
-              <a:buFont typeface="Arial" panose="020B0604020202020204" pitchFamily="34" charset="0"/>
-              <a:buChar char="•"/>
-            </a:pPr>
-            <a:r>
-              <a:rPr lang="en-US" dirty="0"/>
-              <a:t>Main file is docker-</a:t>
-            </a:r>
-            <a:r>
-              <a:rPr lang="en-US" dirty="0" err="1"/>
-              <a:t>compose.yml</a:t>
-            </a:r>
-            <a:r>
-              <a:rPr lang="en-US" dirty="0"/>
-              <a:t> </a:t>
-            </a:r>
-            <a:r>
-              <a:rPr lang="en-US" dirty="0">
-                <a:sym typeface="Wingdings" panose="05000000000000000000" pitchFamily="2" charset="2"/>
-              </a:rPr>
-              <a:t> the more basic information about the service</a:t>
-            </a:r>
-          </a:p>
-          <a:p>
-            <a:pPr marL="285750" indent="-285750">
-              <a:buFont typeface="Arial" panose="020B0604020202020204" pitchFamily="34" charset="0"/>
-              <a:buChar char="•"/>
-            </a:pPr>
-            <a:r>
-              <a:rPr lang="en-US" dirty="0"/>
-              <a:t>Docker-</a:t>
-            </a:r>
-            <a:r>
-              <a:rPr lang="en-US" dirty="0" err="1"/>
-              <a:t>compose.override.yml</a:t>
-            </a:r>
-            <a:r>
-              <a:rPr lang="en-US" dirty="0"/>
-              <a:t> </a:t>
-            </a:r>
-            <a:r>
-              <a:rPr lang="en-US" dirty="0">
-                <a:sym typeface="Wingdings" panose="05000000000000000000" pitchFamily="2" charset="2"/>
-              </a:rPr>
-              <a:t> definition of the environment variables and default values</a:t>
-            </a:r>
-          </a:p>
-          <a:p>
-            <a:pPr marL="285750" indent="-285750">
-              <a:buFont typeface="Arial" panose="020B0604020202020204" pitchFamily="34" charset="0"/>
-              <a:buChar char="•"/>
-            </a:pPr>
-            <a:r>
-              <a:rPr lang="en-US" dirty="0">
-                <a:sym typeface="Wingdings" panose="05000000000000000000" pitchFamily="2" charset="2"/>
-              </a:rPr>
-              <a:t>Other files to set values for other environments</a:t>
-            </a:r>
-          </a:p>
-          <a:p>
-            <a:pPr marL="285750" indent="-285750">
-              <a:buFont typeface="Arial" panose="020B0604020202020204" pitchFamily="34" charset="0"/>
-              <a:buChar char="•"/>
-            </a:pPr>
-            <a:r>
-              <a:rPr lang="es-ES" dirty="0" err="1">
-                <a:sym typeface="Wingdings" panose="05000000000000000000" pitchFamily="2" charset="2"/>
-              </a:rPr>
-              <a:t>Possibility</a:t>
-            </a:r>
-            <a:r>
-              <a:rPr lang="es-ES" dirty="0">
-                <a:sym typeface="Wingdings" panose="05000000000000000000" pitchFamily="2" charset="2"/>
-              </a:rPr>
-              <a:t> </a:t>
-            </a:r>
-            <a:r>
-              <a:rPr lang="es-ES" dirty="0" err="1">
-                <a:sym typeface="Wingdings" panose="05000000000000000000" pitchFamily="2" charset="2"/>
-              </a:rPr>
-              <a:t>of</a:t>
-            </a:r>
-            <a:r>
-              <a:rPr lang="es-ES" dirty="0">
-                <a:sym typeface="Wingdings" panose="05000000000000000000" pitchFamily="2" charset="2"/>
-              </a:rPr>
-              <a:t> </a:t>
-            </a:r>
-            <a:r>
-              <a:rPr lang="es-ES" dirty="0" err="1">
-                <a:sym typeface="Wingdings" panose="05000000000000000000" pitchFamily="2" charset="2"/>
-              </a:rPr>
-              <a:t>value</a:t>
-            </a:r>
-            <a:r>
-              <a:rPr lang="es-ES" dirty="0">
-                <a:sym typeface="Wingdings" panose="05000000000000000000" pitchFamily="2" charset="2"/>
-              </a:rPr>
-              <a:t> </a:t>
-            </a:r>
-            <a:r>
-              <a:rPr lang="es-ES" dirty="0" err="1">
-                <a:sym typeface="Wingdings" panose="05000000000000000000" pitchFamily="2" charset="2"/>
-              </a:rPr>
-              <a:t>substitution</a:t>
-            </a:r>
-            <a:r>
-              <a:rPr lang="es-ES" dirty="0">
-                <a:sym typeface="Wingdings" panose="05000000000000000000" pitchFamily="2" charset="2"/>
-              </a:rPr>
-              <a:t> </a:t>
-            </a:r>
-            <a:r>
-              <a:rPr lang="es-ES" dirty="0" err="1">
-                <a:sym typeface="Wingdings" panose="05000000000000000000" pitchFamily="2" charset="2"/>
-              </a:rPr>
-              <a:t>through</a:t>
-            </a:r>
-            <a:r>
-              <a:rPr lang="es-ES" dirty="0">
-                <a:sym typeface="Wingdings" panose="05000000000000000000" pitchFamily="2" charset="2"/>
-              </a:rPr>
-              <a:t> </a:t>
-            </a:r>
-            <a:r>
-              <a:rPr lang="es-ES" dirty="0" err="1">
-                <a:sym typeface="Wingdings" panose="05000000000000000000" pitchFamily="2" charset="2"/>
-              </a:rPr>
-              <a:t>the</a:t>
-            </a:r>
-            <a:r>
-              <a:rPr lang="es-ES" dirty="0">
-                <a:sym typeface="Wingdings" panose="05000000000000000000" pitchFamily="2" charset="2"/>
-              </a:rPr>
-              <a:t> .</a:t>
-            </a:r>
-            <a:r>
-              <a:rPr lang="es-ES" dirty="0" err="1">
-                <a:sym typeface="Wingdings" panose="05000000000000000000" pitchFamily="2" charset="2"/>
-              </a:rPr>
-              <a:t>env</a:t>
-            </a:r>
-            <a:r>
-              <a:rPr lang="es-ES" dirty="0">
-                <a:sym typeface="Wingdings" panose="05000000000000000000" pitchFamily="2" charset="2"/>
-              </a:rPr>
-              <a:t> file</a:t>
-            </a:r>
-            <a:endParaRPr lang="en-US" dirty="0"/>
-          </a:p>
-        </p:txBody>
-      </p:sp>
-      <p:sp>
-        <p:nvSpPr>
-          <p:cNvPr id="3" name="Title 2">
-            <a:extLst>
-              <a:ext uri="{FF2B5EF4-FFF2-40B4-BE49-F238E27FC236}">
-                <a16:creationId xmlns:a16="http://schemas.microsoft.com/office/drawing/2014/main" id="{02C3B8EB-9F5E-4919-BFC3-7D341572275C}"/>
-              </a:ext>
-            </a:extLst>
-          </p:cNvPr>
-          <p:cNvSpPr>
-            <a:spLocks noGrp="1"/>
-          </p:cNvSpPr>
-          <p:nvPr>
-            <p:ph type="title"/>
-          </p:nvPr>
-        </p:nvSpPr>
-        <p:spPr/>
-        <p:txBody>
-          <a:bodyPr/>
-          <a:lstStyle/>
-          <a:p>
-            <a:r>
-              <a:rPr lang="en-US" dirty="0"/>
-              <a:t>Compose files</a:t>
-            </a:r>
-          </a:p>
-        </p:txBody>
-      </p:sp>
-      <p:pic>
-        <p:nvPicPr>
-          <p:cNvPr id="4" name="Imagen 3">
-            <a:extLst>
-              <a:ext uri="{FF2B5EF4-FFF2-40B4-BE49-F238E27FC236}">
-                <a16:creationId xmlns:a16="http://schemas.microsoft.com/office/drawing/2014/main" id="{5FB7F963-75AB-4E87-9602-D58E7A77F07D}"/>
-              </a:ext>
-            </a:extLst>
-          </p:cNvPr>
-          <p:cNvPicPr>
-            <a:picLocks noChangeAspect="1"/>
-          </p:cNvPicPr>
-          <p:nvPr/>
-        </p:nvPicPr>
-        <p:blipFill>
-          <a:blip r:embed="rId2"/>
-          <a:stretch>
-            <a:fillRect/>
-          </a:stretch>
-        </p:blipFill>
-        <p:spPr>
-          <a:xfrm>
-            <a:off x="4352925" y="4007007"/>
-            <a:ext cx="3486150" cy="2295525"/>
-          </a:xfrm>
-          <a:prstGeom prst="rect">
-            <a:avLst/>
-          </a:prstGeom>
-        </p:spPr>
-      </p:pic>
+            <a:r>
+              <a:rPr lang="en-US" noProof="0" dirty="0"/>
+              <a:t>Practice 1: build your own docker image</a:t>
+            </a:r>
+          </a:p>
+        </p:txBody>
+      </p:sp>
     </p:spTree>
     <p:extLst>
       <p:ext uri="{BB962C8B-B14F-4D97-AF65-F5344CB8AC3E}">
-        <p14:creationId xmlns:p14="http://schemas.microsoft.com/office/powerpoint/2010/main" val="3446764012"/>
+        <p14:creationId xmlns:p14="http://schemas.microsoft.com/office/powerpoint/2010/main" val="737140017"/>
       </p:ext>
     </p:extLst>
   </p:cSld>
@@ -9459,7 +9653,7 @@
           <p:cNvPr id="2" name="Content Placeholder 1">
             <a:extLst>
               <a:ext uri="{FF2B5EF4-FFF2-40B4-BE49-F238E27FC236}">
-                <a16:creationId xmlns:a16="http://schemas.microsoft.com/office/drawing/2014/main" id="{270B15D4-EE64-439C-BCD6-2902F3295806}"/>
+                <a16:creationId xmlns:a16="http://schemas.microsoft.com/office/drawing/2014/main" id="{A6A5CFDB-76E5-466C-A1F7-D533781B3790}"/>
               </a:ext>
             </a:extLst>
           </p:cNvPr>
@@ -9470,7 +9664,12 @@
             <p:ph idx="1"/>
           </p:nvPr>
         </p:nvSpPr>
-        <p:spPr/>
+        <p:spPr>
+          <a:xfrm>
+            <a:off x="5865223" y="2334854"/>
+            <a:ext cx="5872820" cy="3083339"/>
+          </a:xfrm>
+        </p:spPr>
         <p:txBody>
           <a:bodyPr/>
           <a:lstStyle/>
@@ -9480,31 +9679,47 @@
               <a:buChar char="•"/>
             </a:pPr>
             <a:r>
-              <a:rPr lang="en-US" dirty="0">
-                <a:sym typeface="Wingdings" panose="05000000000000000000" pitchFamily="2" charset="2"/>
-              </a:rPr>
-              <a:t>Possibility of value substitution through the .</a:t>
-            </a:r>
-            <a:r>
-              <a:rPr lang="en-US" dirty="0" err="1">
-                <a:sym typeface="Wingdings" panose="05000000000000000000" pitchFamily="2" charset="2"/>
-              </a:rPr>
-              <a:t>env</a:t>
-            </a:r>
-            <a:r>
-              <a:rPr lang="en-US" dirty="0">
-                <a:sym typeface="Wingdings" panose="05000000000000000000" pitchFamily="2" charset="2"/>
-              </a:rPr>
-              <a:t> file</a:t>
-            </a:r>
-          </a:p>
-          <a:p>
-            <a:endParaRPr lang="en-US" dirty="0">
-              <a:sym typeface="Wingdings" panose="05000000000000000000" pitchFamily="2" charset="2"/>
-            </a:endParaRPr>
-          </a:p>
-          <a:p>
-            <a:endParaRPr lang="en-US" dirty="0"/>
+              <a:rPr lang="en-US" noProof="0" dirty="0"/>
+              <a:t>It is a tool for defining multi-container Docker Applications.</a:t>
+            </a:r>
+          </a:p>
+          <a:p>
+            <a:pPr marL="285750" indent="-285750">
+              <a:buFont typeface="Arial" panose="020B0604020202020204" pitchFamily="34" charset="0"/>
+              <a:buChar char="•"/>
+            </a:pPr>
+            <a:r>
+              <a:rPr lang="en-US" noProof="0" dirty="0"/>
+              <a:t>It is installed separately from Docker (</a:t>
+            </a:r>
+            <a:r>
+              <a:rPr lang="en-US" noProof="0" dirty="0" err="1"/>
+              <a:t>f.i</a:t>
+            </a:r>
+            <a:r>
+              <a:rPr lang="en-US" noProof="0" dirty="0"/>
+              <a:t>. currently not installed by default in Azure VM for containers)</a:t>
+            </a:r>
+          </a:p>
+          <a:p>
+            <a:pPr marL="285750" indent="-285750">
+              <a:buFont typeface="Arial" panose="020B0604020202020204" pitchFamily="34" charset="0"/>
+              <a:buChar char="•"/>
+            </a:pPr>
+            <a:r>
+              <a:rPr lang="en-US" noProof="0" dirty="0"/>
+              <a:t>Based on the Docker file plus docker-compose configuration files</a:t>
+            </a:r>
+          </a:p>
+          <a:p>
+            <a:pPr marL="285750" indent="-285750">
+              <a:buFont typeface="Arial" panose="020B0604020202020204" pitchFamily="34" charset="0"/>
+              <a:buChar char="•"/>
+            </a:pPr>
+            <a:r>
+              <a:rPr lang="en-US" noProof="0" dirty="0"/>
+              <a:t>Multiple docker-compose files structure to compose the final desired configuration</a:t>
+            </a:r>
           </a:p>
         </p:txBody>
       </p:sp>
@@ -9513,7 +9728,7 @@
           <p:cNvPr id="3" name="Title 2">
             <a:extLst>
               <a:ext uri="{FF2B5EF4-FFF2-40B4-BE49-F238E27FC236}">
-                <a16:creationId xmlns:a16="http://schemas.microsoft.com/office/drawing/2014/main" id="{02C3B8EB-9F5E-4919-BFC3-7D341572275C}"/>
+                <a16:creationId xmlns:a16="http://schemas.microsoft.com/office/drawing/2014/main" id="{FB27F8CD-1E47-4857-B9C1-2BA30F84D61D}"/>
               </a:ext>
             </a:extLst>
           </p:cNvPr>
@@ -9530,18 +9745,18 @@
           <a:lstStyle/>
           <a:p>
             <a:r>
-              <a:rPr lang="en-US" dirty="0"/>
-              <a:t>Value substitution</a:t>
+              <a:rPr lang="en-US" noProof="0" dirty="0"/>
+              <a:t>Docker compose</a:t>
             </a:r>
           </a:p>
         </p:txBody>
       </p:sp>
       <p:pic>
         <p:nvPicPr>
-          <p:cNvPr id="7" name="Imagen 6">
+          <p:cNvPr id="5" name="Picture 4" descr="A screenshot of a cell phone&#10;&#10;Description generated with very high confidence">
             <a:extLst>
               <a:ext uri="{FF2B5EF4-FFF2-40B4-BE49-F238E27FC236}">
-                <a16:creationId xmlns:a16="http://schemas.microsoft.com/office/drawing/2014/main" id="{B3FAF78F-CBA0-434E-84A2-56E2D92DA1EE}"/>
+                <a16:creationId xmlns:a16="http://schemas.microsoft.com/office/drawing/2014/main" id="{C88B6C46-7A10-44B1-BD42-7A19A1DEC756}"/>
               </a:ext>
             </a:extLst>
           </p:cNvPr>
@@ -9551,156 +9766,21 @@
           <p:nvPr/>
         </p:nvPicPr>
         <p:blipFill>
-          <a:blip r:embed="rId2"/>
+          <a:blip r:embed="rId2">
+            <a:extLst>
+              <a:ext uri="{28A0092B-C50C-407E-A947-70E740481C1C}">
+                <a14:useLocalDpi xmlns:a14="http://schemas.microsoft.com/office/drawing/2010/main" val="0"/>
+              </a:ext>
+            </a:extLst>
+          </a:blip>
           <a:stretch>
             <a:fillRect/>
           </a:stretch>
         </p:blipFill>
         <p:spPr>
           <a:xfrm>
-            <a:off x="2263952" y="5062574"/>
-            <a:ext cx="7610475" cy="628650"/>
-          </a:xfrm>
-          <a:prstGeom prst="rect">
-            <a:avLst/>
-          </a:prstGeom>
-        </p:spPr>
-      </p:pic>
-      <p:sp>
-        <p:nvSpPr>
-          <p:cNvPr id="9" name="CuadroTexto 8">
-            <a:extLst>
-              <a:ext uri="{FF2B5EF4-FFF2-40B4-BE49-F238E27FC236}">
-                <a16:creationId xmlns:a16="http://schemas.microsoft.com/office/drawing/2014/main" id="{A61709E3-AFD3-499D-BE61-FD162028D863}"/>
-              </a:ext>
-            </a:extLst>
-          </p:cNvPr>
-          <p:cNvSpPr txBox="1"/>
-          <p:nvPr/>
-        </p:nvSpPr>
-        <p:spPr>
-          <a:xfrm>
-            <a:off x="2263952" y="3205288"/>
-            <a:ext cx="4400282" cy="338554"/>
-          </a:xfrm>
-          <a:prstGeom prst="rect">
-            <a:avLst/>
-          </a:prstGeom>
-          <a:noFill/>
-        </p:spPr>
-        <p:txBody>
-          <a:bodyPr wrap="square" rtlCol="0">
-            <a:spAutoFit/>
-          </a:bodyPr>
-          <a:lstStyle/>
-          <a:p>
-            <a:r>
-              <a:rPr lang="es-ES" sz="1600" dirty="0" err="1">
-                <a:solidFill>
-                  <a:schemeClr val="tx2"/>
-                </a:solidFill>
-                <a:latin typeface="Open Sans" panose="020B0606030504020204" pitchFamily="34" charset="0"/>
-                <a:ea typeface="Open Sans" panose="020B0606030504020204" pitchFamily="34" charset="0"/>
-                <a:cs typeface="Open Sans" panose="020B0606030504020204" pitchFamily="34" charset="0"/>
-              </a:rPr>
-              <a:t>docker-compose.override.yml</a:t>
-            </a:r>
-            <a:endParaRPr lang="en-US" sz="1600" dirty="0">
-              <a:solidFill>
-                <a:schemeClr val="tx2"/>
-              </a:solidFill>
-              <a:latin typeface="Open Sans" panose="020B0606030504020204" pitchFamily="34" charset="0"/>
-              <a:ea typeface="Open Sans" panose="020B0606030504020204" pitchFamily="34" charset="0"/>
-              <a:cs typeface="Open Sans" panose="020B0606030504020204" pitchFamily="34" charset="0"/>
-            </a:endParaRPr>
-          </a:p>
-        </p:txBody>
-      </p:sp>
-      <p:sp>
-        <p:nvSpPr>
-          <p:cNvPr id="11" name="CuadroTexto 10">
-            <a:extLst>
-              <a:ext uri="{FF2B5EF4-FFF2-40B4-BE49-F238E27FC236}">
-                <a16:creationId xmlns:a16="http://schemas.microsoft.com/office/drawing/2014/main" id="{4D23CC94-1BD6-4D8A-AB1E-B74DC73AE06D}"/>
-              </a:ext>
-            </a:extLst>
-          </p:cNvPr>
-          <p:cNvSpPr txBox="1"/>
-          <p:nvPr/>
-        </p:nvSpPr>
-        <p:spPr>
-          <a:xfrm>
-            <a:off x="2287562" y="4722851"/>
-            <a:ext cx="4400282" cy="338554"/>
-          </a:xfrm>
-          <a:prstGeom prst="rect">
-            <a:avLst/>
-          </a:prstGeom>
-          <a:noFill/>
-        </p:spPr>
-        <p:txBody>
-          <a:bodyPr wrap="square" rtlCol="0">
-            <a:spAutoFit/>
-          </a:bodyPr>
-          <a:lstStyle/>
-          <a:p>
-            <a:r>
-              <a:rPr lang="es-ES" sz="1600" dirty="0">
-                <a:solidFill>
-                  <a:schemeClr val="tx2"/>
-                </a:solidFill>
-                <a:latin typeface="Open Sans" panose="020B0606030504020204" pitchFamily="34" charset="0"/>
-                <a:ea typeface="Open Sans" panose="020B0606030504020204" pitchFamily="34" charset="0"/>
-                <a:cs typeface="Open Sans" panose="020B0606030504020204" pitchFamily="34" charset="0"/>
-              </a:rPr>
-              <a:t>.</a:t>
-            </a:r>
-            <a:r>
-              <a:rPr lang="es-ES" sz="1600" dirty="0" err="1">
-                <a:solidFill>
-                  <a:schemeClr val="tx2"/>
-                </a:solidFill>
-                <a:latin typeface="Open Sans" panose="020B0606030504020204" pitchFamily="34" charset="0"/>
-                <a:ea typeface="Open Sans" panose="020B0606030504020204" pitchFamily="34" charset="0"/>
-                <a:cs typeface="Open Sans" panose="020B0606030504020204" pitchFamily="34" charset="0"/>
-              </a:rPr>
-              <a:t>env</a:t>
-            </a:r>
-            <a:endParaRPr lang="en-US" sz="1600" dirty="0">
-              <a:solidFill>
-                <a:schemeClr val="tx2"/>
-              </a:solidFill>
-              <a:latin typeface="Open Sans" panose="020B0606030504020204" pitchFamily="34" charset="0"/>
-              <a:ea typeface="Open Sans" panose="020B0606030504020204" pitchFamily="34" charset="0"/>
-              <a:cs typeface="Open Sans" panose="020B0606030504020204" pitchFamily="34" charset="0"/>
-            </a:endParaRPr>
-          </a:p>
-        </p:txBody>
-      </p:sp>
-      <p:pic>
-        <p:nvPicPr>
-          <p:cNvPr id="13" name="Imagen 12">
-            <a:extLst>
-              <a:ext uri="{FF2B5EF4-FFF2-40B4-BE49-F238E27FC236}">
-                <a16:creationId xmlns:a16="http://schemas.microsoft.com/office/drawing/2014/main" id="{0C3CB4A2-4E16-46F3-BA93-D8B53B38B4CB}"/>
-              </a:ext>
-            </a:extLst>
-          </p:cNvPr>
-          <p:cNvPicPr>
-            <a:picLocks noChangeAspect="1"/>
-          </p:cNvPicPr>
-          <p:nvPr/>
-        </p:nvPicPr>
-        <p:blipFill>
-          <a:blip r:embed="rId3"/>
-          <a:stretch>
-            <a:fillRect/>
-          </a:stretch>
-        </p:blipFill>
-        <p:spPr>
-          <a:xfrm>
-            <a:off x="2263952" y="3571746"/>
-            <a:ext cx="7705725" cy="752475"/>
+            <a:off x="780514" y="2334854"/>
+            <a:ext cx="4859384" cy="2658679"/>
           </a:xfrm>
           <a:prstGeom prst="rect">
             <a:avLst/>
@@ -9710,7 +9790,7 @@
     </p:spTree>
     <p:extLst>
       <p:ext uri="{BB962C8B-B14F-4D97-AF65-F5344CB8AC3E}">
-        <p14:creationId xmlns:p14="http://schemas.microsoft.com/office/powerpoint/2010/main" val="1473399647"/>
+        <p14:creationId xmlns:p14="http://schemas.microsoft.com/office/powerpoint/2010/main" val="317120456"/>
       </p:ext>
     </p:extLst>
   </p:cSld>
@@ -9742,6 +9822,550 @@
           <p:cNvPr id="2" name="Content Placeholder 1">
             <a:extLst>
               <a:ext uri="{FF2B5EF4-FFF2-40B4-BE49-F238E27FC236}">
+                <a16:creationId xmlns:a16="http://schemas.microsoft.com/office/drawing/2014/main" id="{270B15D4-EE64-439C-BCD6-2902F3295806}"/>
+              </a:ext>
+            </a:extLst>
+          </p:cNvPr>
+          <p:cNvSpPr>
+            <a:spLocks noGrp="1"/>
+          </p:cNvSpPr>
+          <p:nvPr>
+            <p:ph idx="1"/>
+          </p:nvPr>
+        </p:nvSpPr>
+        <p:spPr/>
+        <p:txBody>
+          <a:bodyPr/>
+          <a:lstStyle/>
+          <a:p>
+            <a:pPr marL="285750" indent="-285750">
+              <a:buFont typeface="Arial" panose="020B0604020202020204" pitchFamily="34" charset="0"/>
+              <a:buChar char="•"/>
+            </a:pPr>
+            <a:r>
+              <a:rPr lang="en-US" dirty="0"/>
+              <a:t>Main file is docker-</a:t>
+            </a:r>
+            <a:r>
+              <a:rPr lang="en-US" dirty="0" err="1"/>
+              <a:t>compose.yml</a:t>
+            </a:r>
+            <a:r>
+              <a:rPr lang="en-US" dirty="0"/>
+              <a:t> </a:t>
+            </a:r>
+            <a:r>
+              <a:rPr lang="en-US" dirty="0">
+                <a:sym typeface="Wingdings" panose="05000000000000000000" pitchFamily="2" charset="2"/>
+              </a:rPr>
+              <a:t> the more basic information about the service</a:t>
+            </a:r>
+          </a:p>
+          <a:p>
+            <a:pPr marL="285750" indent="-285750">
+              <a:buFont typeface="Arial" panose="020B0604020202020204" pitchFamily="34" charset="0"/>
+              <a:buChar char="•"/>
+            </a:pPr>
+            <a:r>
+              <a:rPr lang="en-US" dirty="0"/>
+              <a:t>Docker-</a:t>
+            </a:r>
+            <a:r>
+              <a:rPr lang="en-US" dirty="0" err="1"/>
+              <a:t>compose.override.yml</a:t>
+            </a:r>
+            <a:r>
+              <a:rPr lang="en-US" dirty="0"/>
+              <a:t> </a:t>
+            </a:r>
+            <a:r>
+              <a:rPr lang="en-US" dirty="0">
+                <a:sym typeface="Wingdings" panose="05000000000000000000" pitchFamily="2" charset="2"/>
+              </a:rPr>
+              <a:t> definition of the environment variables and default values</a:t>
+            </a:r>
+          </a:p>
+          <a:p>
+            <a:pPr marL="285750" indent="-285750">
+              <a:buFont typeface="Arial" panose="020B0604020202020204" pitchFamily="34" charset="0"/>
+              <a:buChar char="•"/>
+            </a:pPr>
+            <a:r>
+              <a:rPr lang="en-US" dirty="0">
+                <a:sym typeface="Wingdings" panose="05000000000000000000" pitchFamily="2" charset="2"/>
+              </a:rPr>
+              <a:t>Other files to set values for other environments</a:t>
+            </a:r>
+          </a:p>
+          <a:p>
+            <a:pPr marL="285750" indent="-285750">
+              <a:buFont typeface="Arial" panose="020B0604020202020204" pitchFamily="34" charset="0"/>
+              <a:buChar char="•"/>
+            </a:pPr>
+            <a:r>
+              <a:rPr lang="es-ES" dirty="0" err="1">
+                <a:sym typeface="Wingdings" panose="05000000000000000000" pitchFamily="2" charset="2"/>
+              </a:rPr>
+              <a:t>Possibility</a:t>
+            </a:r>
+            <a:r>
+              <a:rPr lang="es-ES" dirty="0">
+                <a:sym typeface="Wingdings" panose="05000000000000000000" pitchFamily="2" charset="2"/>
+              </a:rPr>
+              <a:t> </a:t>
+            </a:r>
+            <a:r>
+              <a:rPr lang="es-ES" dirty="0" err="1">
+                <a:sym typeface="Wingdings" panose="05000000000000000000" pitchFamily="2" charset="2"/>
+              </a:rPr>
+              <a:t>of</a:t>
+            </a:r>
+            <a:r>
+              <a:rPr lang="es-ES" dirty="0">
+                <a:sym typeface="Wingdings" panose="05000000000000000000" pitchFamily="2" charset="2"/>
+              </a:rPr>
+              <a:t> </a:t>
+            </a:r>
+            <a:r>
+              <a:rPr lang="es-ES" dirty="0" err="1">
+                <a:sym typeface="Wingdings" panose="05000000000000000000" pitchFamily="2" charset="2"/>
+              </a:rPr>
+              <a:t>value</a:t>
+            </a:r>
+            <a:r>
+              <a:rPr lang="es-ES" dirty="0">
+                <a:sym typeface="Wingdings" panose="05000000000000000000" pitchFamily="2" charset="2"/>
+              </a:rPr>
+              <a:t> </a:t>
+            </a:r>
+            <a:r>
+              <a:rPr lang="es-ES" dirty="0" err="1">
+                <a:sym typeface="Wingdings" panose="05000000000000000000" pitchFamily="2" charset="2"/>
+              </a:rPr>
+              <a:t>substitution</a:t>
+            </a:r>
+            <a:r>
+              <a:rPr lang="es-ES" dirty="0">
+                <a:sym typeface="Wingdings" panose="05000000000000000000" pitchFamily="2" charset="2"/>
+              </a:rPr>
+              <a:t> </a:t>
+            </a:r>
+            <a:r>
+              <a:rPr lang="es-ES" dirty="0" err="1">
+                <a:sym typeface="Wingdings" panose="05000000000000000000" pitchFamily="2" charset="2"/>
+              </a:rPr>
+              <a:t>through</a:t>
+            </a:r>
+            <a:r>
+              <a:rPr lang="es-ES" dirty="0">
+                <a:sym typeface="Wingdings" panose="05000000000000000000" pitchFamily="2" charset="2"/>
+              </a:rPr>
+              <a:t> </a:t>
+            </a:r>
+            <a:r>
+              <a:rPr lang="es-ES" dirty="0" err="1">
+                <a:sym typeface="Wingdings" panose="05000000000000000000" pitchFamily="2" charset="2"/>
+              </a:rPr>
+              <a:t>the</a:t>
+            </a:r>
+            <a:r>
+              <a:rPr lang="es-ES" dirty="0">
+                <a:sym typeface="Wingdings" panose="05000000000000000000" pitchFamily="2" charset="2"/>
+              </a:rPr>
+              <a:t> .</a:t>
+            </a:r>
+            <a:r>
+              <a:rPr lang="es-ES" dirty="0" err="1">
+                <a:sym typeface="Wingdings" panose="05000000000000000000" pitchFamily="2" charset="2"/>
+              </a:rPr>
+              <a:t>env</a:t>
+            </a:r>
+            <a:r>
+              <a:rPr lang="es-ES" dirty="0">
+                <a:sym typeface="Wingdings" panose="05000000000000000000" pitchFamily="2" charset="2"/>
+              </a:rPr>
+              <a:t> file</a:t>
+            </a:r>
+            <a:endParaRPr lang="en-US" dirty="0"/>
+          </a:p>
+        </p:txBody>
+      </p:sp>
+      <p:sp>
+        <p:nvSpPr>
+          <p:cNvPr id="3" name="Title 2">
+            <a:extLst>
+              <a:ext uri="{FF2B5EF4-FFF2-40B4-BE49-F238E27FC236}">
+                <a16:creationId xmlns:a16="http://schemas.microsoft.com/office/drawing/2014/main" id="{02C3B8EB-9F5E-4919-BFC3-7D341572275C}"/>
+              </a:ext>
+            </a:extLst>
+          </p:cNvPr>
+          <p:cNvSpPr>
+            <a:spLocks noGrp="1"/>
+          </p:cNvSpPr>
+          <p:nvPr>
+            <p:ph type="title"/>
+          </p:nvPr>
+        </p:nvSpPr>
+        <p:spPr/>
+        <p:txBody>
+          <a:bodyPr/>
+          <a:lstStyle/>
+          <a:p>
+            <a:r>
+              <a:rPr lang="en-US" dirty="0"/>
+              <a:t>Compose files</a:t>
+            </a:r>
+          </a:p>
+        </p:txBody>
+      </p:sp>
+      <p:pic>
+        <p:nvPicPr>
+          <p:cNvPr id="4" name="Imagen 3">
+            <a:extLst>
+              <a:ext uri="{FF2B5EF4-FFF2-40B4-BE49-F238E27FC236}">
+                <a16:creationId xmlns:a16="http://schemas.microsoft.com/office/drawing/2014/main" id="{5FB7F963-75AB-4E87-9602-D58E7A77F07D}"/>
+              </a:ext>
+            </a:extLst>
+          </p:cNvPr>
+          <p:cNvPicPr>
+            <a:picLocks noChangeAspect="1"/>
+          </p:cNvPicPr>
+          <p:nvPr/>
+        </p:nvPicPr>
+        <p:blipFill>
+          <a:blip r:embed="rId2"/>
+          <a:stretch>
+            <a:fillRect/>
+          </a:stretch>
+        </p:blipFill>
+        <p:spPr>
+          <a:xfrm>
+            <a:off x="4352925" y="4007007"/>
+            <a:ext cx="3486150" cy="2295525"/>
+          </a:xfrm>
+          <a:prstGeom prst="rect">
+            <a:avLst/>
+          </a:prstGeom>
+        </p:spPr>
+      </p:pic>
+    </p:spTree>
+    <p:extLst>
+      <p:ext uri="{BB962C8B-B14F-4D97-AF65-F5344CB8AC3E}">
+        <p14:creationId xmlns:p14="http://schemas.microsoft.com/office/powerpoint/2010/main" val="3446764012"/>
+      </p:ext>
+    </p:extLst>
+  </p:cSld>
+  <p:clrMapOvr>
+    <a:masterClrMapping/>
+  </p:clrMapOvr>
+</p:sld>
+</file>
+
+<file path=ppt/slides/slide32.xml><?xml version="1.0" encoding="utf-8"?>
+<p:sld xmlns:a="http://schemas.openxmlformats.org/drawingml/2006/main" xmlns:r="http://schemas.openxmlformats.org/officeDocument/2006/relationships" xmlns:p="http://schemas.openxmlformats.org/presentationml/2006/main">
+  <p:cSld>
+    <p:spTree>
+      <p:nvGrpSpPr>
+        <p:cNvPr id="1" name=""/>
+        <p:cNvGrpSpPr/>
+        <p:nvPr/>
+      </p:nvGrpSpPr>
+      <p:grpSpPr>
+        <a:xfrm>
+          <a:off x="0" y="0"/>
+          <a:ext cx="0" cy="0"/>
+          <a:chOff x="0" y="0"/>
+          <a:chExt cx="0" cy="0"/>
+        </a:xfrm>
+      </p:grpSpPr>
+      <p:sp>
+        <p:nvSpPr>
+          <p:cNvPr id="2" name="Content Placeholder 1">
+            <a:extLst>
+              <a:ext uri="{FF2B5EF4-FFF2-40B4-BE49-F238E27FC236}">
+                <a16:creationId xmlns:a16="http://schemas.microsoft.com/office/drawing/2014/main" id="{270B15D4-EE64-439C-BCD6-2902F3295806}"/>
+              </a:ext>
+            </a:extLst>
+          </p:cNvPr>
+          <p:cNvSpPr>
+            <a:spLocks noGrp="1"/>
+          </p:cNvSpPr>
+          <p:nvPr>
+            <p:ph idx="1"/>
+          </p:nvPr>
+        </p:nvSpPr>
+        <p:spPr/>
+        <p:txBody>
+          <a:bodyPr/>
+          <a:lstStyle/>
+          <a:p>
+            <a:pPr marL="285750" indent="-285750">
+              <a:buFont typeface="Arial" panose="020B0604020202020204" pitchFamily="34" charset="0"/>
+              <a:buChar char="•"/>
+            </a:pPr>
+            <a:r>
+              <a:rPr lang="en-US" dirty="0">
+                <a:sym typeface="Wingdings" panose="05000000000000000000" pitchFamily="2" charset="2"/>
+              </a:rPr>
+              <a:t>Possibility of value substitution through the .</a:t>
+            </a:r>
+            <a:r>
+              <a:rPr lang="en-US" dirty="0" err="1">
+                <a:sym typeface="Wingdings" panose="05000000000000000000" pitchFamily="2" charset="2"/>
+              </a:rPr>
+              <a:t>env</a:t>
+            </a:r>
+            <a:r>
+              <a:rPr lang="en-US" dirty="0">
+                <a:sym typeface="Wingdings" panose="05000000000000000000" pitchFamily="2" charset="2"/>
+              </a:rPr>
+              <a:t> file</a:t>
+            </a:r>
+          </a:p>
+          <a:p>
+            <a:endParaRPr lang="en-US" dirty="0">
+              <a:sym typeface="Wingdings" panose="05000000000000000000" pitchFamily="2" charset="2"/>
+            </a:endParaRPr>
+          </a:p>
+          <a:p>
+            <a:endParaRPr lang="en-US" dirty="0"/>
+          </a:p>
+        </p:txBody>
+      </p:sp>
+      <p:sp>
+        <p:nvSpPr>
+          <p:cNvPr id="3" name="Title 2">
+            <a:extLst>
+              <a:ext uri="{FF2B5EF4-FFF2-40B4-BE49-F238E27FC236}">
+                <a16:creationId xmlns:a16="http://schemas.microsoft.com/office/drawing/2014/main" id="{02C3B8EB-9F5E-4919-BFC3-7D341572275C}"/>
+              </a:ext>
+            </a:extLst>
+          </p:cNvPr>
+          <p:cNvSpPr>
+            <a:spLocks noGrp="1"/>
+          </p:cNvSpPr>
+          <p:nvPr>
+            <p:ph type="title"/>
+          </p:nvPr>
+        </p:nvSpPr>
+        <p:spPr/>
+        <p:txBody>
+          <a:bodyPr/>
+          <a:lstStyle/>
+          <a:p>
+            <a:r>
+              <a:rPr lang="en-US" dirty="0"/>
+              <a:t>Value substitution</a:t>
+            </a:r>
+          </a:p>
+        </p:txBody>
+      </p:sp>
+      <p:pic>
+        <p:nvPicPr>
+          <p:cNvPr id="7" name="Imagen 6">
+            <a:extLst>
+              <a:ext uri="{FF2B5EF4-FFF2-40B4-BE49-F238E27FC236}">
+                <a16:creationId xmlns:a16="http://schemas.microsoft.com/office/drawing/2014/main" id="{B3FAF78F-CBA0-434E-84A2-56E2D92DA1EE}"/>
+              </a:ext>
+            </a:extLst>
+          </p:cNvPr>
+          <p:cNvPicPr>
+            <a:picLocks noChangeAspect="1"/>
+          </p:cNvPicPr>
+          <p:nvPr/>
+        </p:nvPicPr>
+        <p:blipFill>
+          <a:blip r:embed="rId2"/>
+          <a:stretch>
+            <a:fillRect/>
+          </a:stretch>
+        </p:blipFill>
+        <p:spPr>
+          <a:xfrm>
+            <a:off x="2263952" y="5062574"/>
+            <a:ext cx="7610475" cy="628650"/>
+          </a:xfrm>
+          <a:prstGeom prst="rect">
+            <a:avLst/>
+          </a:prstGeom>
+        </p:spPr>
+      </p:pic>
+      <p:sp>
+        <p:nvSpPr>
+          <p:cNvPr id="9" name="CuadroTexto 8">
+            <a:extLst>
+              <a:ext uri="{FF2B5EF4-FFF2-40B4-BE49-F238E27FC236}">
+                <a16:creationId xmlns:a16="http://schemas.microsoft.com/office/drawing/2014/main" id="{A61709E3-AFD3-499D-BE61-FD162028D863}"/>
+              </a:ext>
+            </a:extLst>
+          </p:cNvPr>
+          <p:cNvSpPr txBox="1"/>
+          <p:nvPr/>
+        </p:nvSpPr>
+        <p:spPr>
+          <a:xfrm>
+            <a:off x="2263952" y="3205288"/>
+            <a:ext cx="4400282" cy="338554"/>
+          </a:xfrm>
+          <a:prstGeom prst="rect">
+            <a:avLst/>
+          </a:prstGeom>
+          <a:noFill/>
+        </p:spPr>
+        <p:txBody>
+          <a:bodyPr wrap="square" rtlCol="0">
+            <a:spAutoFit/>
+          </a:bodyPr>
+          <a:lstStyle/>
+          <a:p>
+            <a:r>
+              <a:rPr lang="es-ES" sz="1600" dirty="0" err="1">
+                <a:solidFill>
+                  <a:schemeClr val="tx2"/>
+                </a:solidFill>
+                <a:latin typeface="Open Sans" panose="020B0606030504020204" pitchFamily="34" charset="0"/>
+                <a:ea typeface="Open Sans" panose="020B0606030504020204" pitchFamily="34" charset="0"/>
+                <a:cs typeface="Open Sans" panose="020B0606030504020204" pitchFamily="34" charset="0"/>
+              </a:rPr>
+              <a:t>docker-compose.override.yml</a:t>
+            </a:r>
+            <a:endParaRPr lang="en-US" sz="1600" dirty="0">
+              <a:solidFill>
+                <a:schemeClr val="tx2"/>
+              </a:solidFill>
+              <a:latin typeface="Open Sans" panose="020B0606030504020204" pitchFamily="34" charset="0"/>
+              <a:ea typeface="Open Sans" panose="020B0606030504020204" pitchFamily="34" charset="0"/>
+              <a:cs typeface="Open Sans" panose="020B0606030504020204" pitchFamily="34" charset="0"/>
+            </a:endParaRPr>
+          </a:p>
+        </p:txBody>
+      </p:sp>
+      <p:sp>
+        <p:nvSpPr>
+          <p:cNvPr id="11" name="CuadroTexto 10">
+            <a:extLst>
+              <a:ext uri="{FF2B5EF4-FFF2-40B4-BE49-F238E27FC236}">
+                <a16:creationId xmlns:a16="http://schemas.microsoft.com/office/drawing/2014/main" id="{4D23CC94-1BD6-4D8A-AB1E-B74DC73AE06D}"/>
+              </a:ext>
+            </a:extLst>
+          </p:cNvPr>
+          <p:cNvSpPr txBox="1"/>
+          <p:nvPr/>
+        </p:nvSpPr>
+        <p:spPr>
+          <a:xfrm>
+            <a:off x="2287562" y="4722851"/>
+            <a:ext cx="4400282" cy="338554"/>
+          </a:xfrm>
+          <a:prstGeom prst="rect">
+            <a:avLst/>
+          </a:prstGeom>
+          <a:noFill/>
+        </p:spPr>
+        <p:txBody>
+          <a:bodyPr wrap="square" rtlCol="0">
+            <a:spAutoFit/>
+          </a:bodyPr>
+          <a:lstStyle/>
+          <a:p>
+            <a:r>
+              <a:rPr lang="es-ES" sz="1600" dirty="0">
+                <a:solidFill>
+                  <a:schemeClr val="tx2"/>
+                </a:solidFill>
+                <a:latin typeface="Open Sans" panose="020B0606030504020204" pitchFamily="34" charset="0"/>
+                <a:ea typeface="Open Sans" panose="020B0606030504020204" pitchFamily="34" charset="0"/>
+                <a:cs typeface="Open Sans" panose="020B0606030504020204" pitchFamily="34" charset="0"/>
+              </a:rPr>
+              <a:t>.</a:t>
+            </a:r>
+            <a:r>
+              <a:rPr lang="es-ES" sz="1600" dirty="0" err="1">
+                <a:solidFill>
+                  <a:schemeClr val="tx2"/>
+                </a:solidFill>
+                <a:latin typeface="Open Sans" panose="020B0606030504020204" pitchFamily="34" charset="0"/>
+                <a:ea typeface="Open Sans" panose="020B0606030504020204" pitchFamily="34" charset="0"/>
+                <a:cs typeface="Open Sans" panose="020B0606030504020204" pitchFamily="34" charset="0"/>
+              </a:rPr>
+              <a:t>env</a:t>
+            </a:r>
+            <a:endParaRPr lang="en-US" sz="1600" dirty="0">
+              <a:solidFill>
+                <a:schemeClr val="tx2"/>
+              </a:solidFill>
+              <a:latin typeface="Open Sans" panose="020B0606030504020204" pitchFamily="34" charset="0"/>
+              <a:ea typeface="Open Sans" panose="020B0606030504020204" pitchFamily="34" charset="0"/>
+              <a:cs typeface="Open Sans" panose="020B0606030504020204" pitchFamily="34" charset="0"/>
+            </a:endParaRPr>
+          </a:p>
+        </p:txBody>
+      </p:sp>
+      <p:pic>
+        <p:nvPicPr>
+          <p:cNvPr id="13" name="Imagen 12">
+            <a:extLst>
+              <a:ext uri="{FF2B5EF4-FFF2-40B4-BE49-F238E27FC236}">
+                <a16:creationId xmlns:a16="http://schemas.microsoft.com/office/drawing/2014/main" id="{0C3CB4A2-4E16-46F3-BA93-D8B53B38B4CB}"/>
+              </a:ext>
+            </a:extLst>
+          </p:cNvPr>
+          <p:cNvPicPr>
+            <a:picLocks noChangeAspect="1"/>
+          </p:cNvPicPr>
+          <p:nvPr/>
+        </p:nvPicPr>
+        <p:blipFill>
+          <a:blip r:embed="rId3"/>
+          <a:stretch>
+            <a:fillRect/>
+          </a:stretch>
+        </p:blipFill>
+        <p:spPr>
+          <a:xfrm>
+            <a:off x="2263952" y="3571746"/>
+            <a:ext cx="7705725" cy="752475"/>
+          </a:xfrm>
+          <a:prstGeom prst="rect">
+            <a:avLst/>
+          </a:prstGeom>
+        </p:spPr>
+      </p:pic>
+    </p:spTree>
+    <p:extLst>
+      <p:ext uri="{BB962C8B-B14F-4D97-AF65-F5344CB8AC3E}">
+        <p14:creationId xmlns:p14="http://schemas.microsoft.com/office/powerpoint/2010/main" val="1473399647"/>
+      </p:ext>
+    </p:extLst>
+  </p:cSld>
+  <p:clrMapOvr>
+    <a:masterClrMapping/>
+  </p:clrMapOvr>
+</p:sld>
+</file>
+
+<file path=ppt/slides/slide33.xml><?xml version="1.0" encoding="utf-8"?>
+<p:sld xmlns:a="http://schemas.openxmlformats.org/drawingml/2006/main" xmlns:r="http://schemas.openxmlformats.org/officeDocument/2006/relationships" xmlns:p="http://schemas.openxmlformats.org/presentationml/2006/main">
+  <p:cSld>
+    <p:spTree>
+      <p:nvGrpSpPr>
+        <p:cNvPr id="1" name=""/>
+        <p:cNvGrpSpPr/>
+        <p:nvPr/>
+      </p:nvGrpSpPr>
+      <p:grpSpPr>
+        <a:xfrm>
+          <a:off x="0" y="0"/>
+          <a:ext cx="0" cy="0"/>
+          <a:chOff x="0" y="0"/>
+          <a:chExt cx="0" cy="0"/>
+        </a:xfrm>
+      </p:grpSpPr>
+      <p:sp>
+        <p:nvSpPr>
+          <p:cNvPr id="2" name="Content Placeholder 1">
+            <a:extLst>
+              <a:ext uri="{FF2B5EF4-FFF2-40B4-BE49-F238E27FC236}">
                 <a16:creationId xmlns:a16="http://schemas.microsoft.com/office/drawing/2014/main" id="{1C6408A6-102A-4816-BE08-8BC69F69A4EE}"/>
               </a:ext>
             </a:extLst>
@@ -9851,7 +10475,7 @@
 </p:sld>
 </file>
 
-<file path=ppt/slides/slide32.xml><?xml version="1.0" encoding="utf-8"?>
+<file path=ppt/slides/slide34.xml><?xml version="1.0" encoding="utf-8"?>
 <p:sld xmlns:a="http://schemas.openxmlformats.org/drawingml/2006/main" xmlns:r="http://schemas.openxmlformats.org/officeDocument/2006/relationships" xmlns:p="http://schemas.openxmlformats.org/presentationml/2006/main">
   <p:cSld>
     <p:spTree>

--- a/Docu/Microservices_day_1.pptx
+++ b/Docu/Microservices_day_1.pptx
@@ -5,7 +5,7 @@
     <p:sldMasterId id="2147483660" r:id="rId1"/>
   </p:sldMasterIdLst>
   <p:notesMasterIdLst>
-    <p:notesMasterId r:id="rId35"/>
+    <p:notesMasterId r:id="rId37"/>
   </p:notesMasterIdLst>
   <p:sldIdLst>
     <p:sldId id="256" r:id="rId2"/>
@@ -35,12 +35,14 @@
     <p:sldId id="272" r:id="rId26"/>
     <p:sldId id="273" r:id="rId27"/>
     <p:sldId id="274" r:id="rId28"/>
-    <p:sldId id="275" r:id="rId29"/>
-    <p:sldId id="276" r:id="rId30"/>
-    <p:sldId id="286" r:id="rId31"/>
-    <p:sldId id="288" r:id="rId32"/>
-    <p:sldId id="283" r:id="rId33"/>
-    <p:sldId id="284" r:id="rId34"/>
+    <p:sldId id="294" r:id="rId29"/>
+    <p:sldId id="295" r:id="rId30"/>
+    <p:sldId id="275" r:id="rId31"/>
+    <p:sldId id="276" r:id="rId32"/>
+    <p:sldId id="286" r:id="rId33"/>
+    <p:sldId id="288" r:id="rId34"/>
+    <p:sldId id="283" r:id="rId35"/>
+    <p:sldId id="284" r:id="rId36"/>
   </p:sldIdLst>
   <p:sldSz cx="12192000" cy="6858000"/>
   <p:notesSz cx="6858000" cy="9144000"/>
@@ -147,10 +149,6 @@
 </p:presentation>
 </file>
 
-<file path=ppt/revisionInfo.xml><?xml version="1.0" encoding="utf-8"?>
-<p1510:revInfo xmlns:a="http://schemas.openxmlformats.org/drawingml/2006/main" xmlns:r="http://schemas.openxmlformats.org/officeDocument/2006/relationships" xmlns:p1510="http://schemas.microsoft.com/office/powerpoint/2015/10/main"/>
-</file>
-
 <file path=ppt/notesMasters/notesMaster1.xml><?xml version="1.0" encoding="utf-8"?>
 <p:notesMaster xmlns:a="http://schemas.openxmlformats.org/drawingml/2006/main" xmlns:r="http://schemas.openxmlformats.org/officeDocument/2006/relationships" xmlns:p="http://schemas.openxmlformats.org/presentationml/2006/main">
   <p:cSld>
@@ -233,7 +231,7 @@
           <a:p>
             <a:fld id="{6340D008-C73D-4C5B-A9DE-E32B4AFE5B1C}" type="datetimeFigureOut">
               <a:rPr lang="ca-ES" smtClean="0"/>
-              <a:t>14/12/2017</a:t>
+              <a:t>27/2/2018</a:t>
             </a:fld>
             <a:endParaRPr lang="ca-ES"/>
           </a:p>
@@ -9970,12 +9968,40 @@
           <a:chExt cx="0" cy="0"/>
         </a:xfrm>
       </p:grpSpPr>
+      <p:sp>
+        <p:nvSpPr>
+          <p:cNvPr id="3" name="Title 2">
+            <a:extLst>
+              <a:ext uri="{FF2B5EF4-FFF2-40B4-BE49-F238E27FC236}">
+                <a16:creationId xmlns:a16="http://schemas.microsoft.com/office/drawing/2014/main" id="{1C513275-3F3B-4E01-8564-C5026F43B419}"/>
+              </a:ext>
+            </a:extLst>
+          </p:cNvPr>
+          <p:cNvSpPr>
+            <a:spLocks noGrp="1"/>
+          </p:cNvSpPr>
+          <p:nvPr>
+            <p:ph type="title"/>
+          </p:nvPr>
+        </p:nvSpPr>
+        <p:spPr/>
+        <p:txBody>
+          <a:bodyPr/>
+          <a:lstStyle/>
+          <a:p>
+            <a:r>
+              <a:rPr lang="en-US" noProof="0" dirty="0"/>
+              <a:t>Docker file</a:t>
+            </a:r>
+          </a:p>
+        </p:txBody>
+      </p:sp>
       <p:pic>
         <p:nvPicPr>
-          <p:cNvPr id="10" name="Content Placeholder 9" descr="A black sign with white text&#10;&#10;Description generated with high confidence">
+          <p:cNvPr id="6" name="Content Placeholder 9" descr="A black sign with white text&#10;&#10;Description generated with high confidence">
             <a:extLst>
               <a:ext uri="{FF2B5EF4-FFF2-40B4-BE49-F238E27FC236}">
-                <a16:creationId xmlns:a16="http://schemas.microsoft.com/office/drawing/2014/main" id="{4F8B4760-39AE-4968-A656-2A79A57E45C3}"/>
+                <a16:creationId xmlns:a16="http://schemas.microsoft.com/office/drawing/2014/main" id="{F587EFFE-1009-420E-8999-8AD8F3FC008E}"/>
               </a:ext>
             </a:extLst>
           </p:cNvPr>
@@ -10000,36 +10026,255 @@
         </p:blipFill>
         <p:spPr>
           <a:xfrm>
-            <a:off x="2361115" y="2390626"/>
-            <a:ext cx="7101551" cy="2622361"/>
+            <a:off x="5407069" y="2344753"/>
+            <a:ext cx="5872443" cy="2168493"/>
           </a:xfrm>
         </p:spPr>
       </p:pic>
       <p:sp>
         <p:nvSpPr>
-          <p:cNvPr id="3" name="Title 2">
+          <p:cNvPr id="7" name="Content Placeholder 1">
             <a:extLst>
               <a:ext uri="{FF2B5EF4-FFF2-40B4-BE49-F238E27FC236}">
-                <a16:creationId xmlns:a16="http://schemas.microsoft.com/office/drawing/2014/main" id="{1C513275-3F3B-4E01-8564-C5026F43B419}"/>
+                <a16:creationId xmlns:a16="http://schemas.microsoft.com/office/drawing/2014/main" id="{B4A40904-7E38-437B-8E17-687B021F81FD}"/>
               </a:ext>
             </a:extLst>
           </p:cNvPr>
-          <p:cNvSpPr>
-            <a:spLocks noGrp="1"/>
+          <p:cNvSpPr txBox="1">
+            <a:spLocks/>
           </p:cNvSpPr>
-          <p:nvPr>
-            <p:ph type="title"/>
-          </p:nvPr>
-        </p:nvSpPr>
-        <p:spPr/>
-        <p:txBody>
-          <a:bodyPr/>
-          <a:lstStyle/>
-          <a:p>
-            <a:r>
-              <a:rPr lang="en-US" noProof="0" dirty="0"/>
-              <a:t>Docker file</a:t>
-            </a:r>
+          <p:nvPr/>
+        </p:nvSpPr>
+        <p:spPr>
+          <a:xfrm>
+            <a:off x="912488" y="2212787"/>
+            <a:ext cx="4400657" cy="3066900"/>
+          </a:xfrm>
+          <a:prstGeom prst="rect">
+            <a:avLst/>
+          </a:prstGeom>
+        </p:spPr>
+        <p:txBody>
+          <a:bodyPr vert="horz" lIns="91440" tIns="45720" rIns="91440" bIns="45720" rtlCol="0">
+            <a:normAutofit/>
+          </a:bodyPr>
+          <a:lstStyle>
+            <a:lvl1pPr marL="0" indent="0" algn="l" defTabSz="1219170" rtl="0" eaLnBrk="1" latinLnBrk="0" hangingPunct="1">
+              <a:spcBef>
+                <a:spcPct val="20000"/>
+              </a:spcBef>
+              <a:buClr>
+                <a:schemeClr val="tx2"/>
+              </a:buClr>
+              <a:buSzPct val="70000"/>
+              <a:buFont typeface="Helvetica35-Thin" pitchFamily="34" charset="0"/>
+              <a:buNone/>
+              <a:defRPr sz="1600" kern="1200">
+                <a:solidFill>
+                  <a:schemeClr val="tx2"/>
+                </a:solidFill>
+                <a:latin typeface="Open Sans" panose="020B0606030504020204" pitchFamily="34" charset="0"/>
+                <a:ea typeface="Open Sans" panose="020B0606030504020204" pitchFamily="34" charset="0"/>
+                <a:cs typeface="Open Sans" panose="020B0606030504020204" pitchFamily="34" charset="0"/>
+              </a:defRPr>
+            </a:lvl1pPr>
+            <a:lvl2pPr marL="990575" indent="-380990" algn="l" defTabSz="1219170" rtl="0" eaLnBrk="1" latinLnBrk="0" hangingPunct="1">
+              <a:spcBef>
+                <a:spcPct val="20000"/>
+              </a:spcBef>
+              <a:buClr>
+                <a:schemeClr val="tx2"/>
+              </a:buClr>
+              <a:buSzPct val="70000"/>
+              <a:buFont typeface="Helvetica35-Thin" pitchFamily="34" charset="0"/>
+              <a:buChar char="–"/>
+              <a:defRPr sz="2133" kern="1200">
+                <a:solidFill>
+                  <a:schemeClr val="tx2"/>
+                </a:solidFill>
+                <a:latin typeface="Open Sans" panose="020B0606030504020204" pitchFamily="34" charset="0"/>
+                <a:ea typeface="Open Sans" panose="020B0606030504020204" pitchFamily="34" charset="0"/>
+                <a:cs typeface="Open Sans" panose="020B0606030504020204" pitchFamily="34" charset="0"/>
+              </a:defRPr>
+            </a:lvl2pPr>
+            <a:lvl3pPr marL="1523962" indent="-304792" algn="l" defTabSz="1219170" rtl="0" eaLnBrk="1" latinLnBrk="0" hangingPunct="1">
+              <a:spcBef>
+                <a:spcPct val="20000"/>
+              </a:spcBef>
+              <a:buClr>
+                <a:schemeClr val="tx2"/>
+              </a:buClr>
+              <a:buSzPct val="70000"/>
+              <a:buFont typeface="Helvetica35-Thin" pitchFamily="34" charset="0"/>
+              <a:buChar char="–"/>
+              <a:defRPr sz="1867" kern="1200">
+                <a:solidFill>
+                  <a:schemeClr val="tx2"/>
+                </a:solidFill>
+                <a:latin typeface="Open Sans" panose="020B0606030504020204" pitchFamily="34" charset="0"/>
+                <a:ea typeface="Open Sans" panose="020B0606030504020204" pitchFamily="34" charset="0"/>
+                <a:cs typeface="Open Sans" panose="020B0606030504020204" pitchFamily="34" charset="0"/>
+              </a:defRPr>
+            </a:lvl3pPr>
+            <a:lvl4pPr marL="2133547" indent="-304792" algn="l" defTabSz="1219170" rtl="0" eaLnBrk="1" latinLnBrk="0" hangingPunct="1">
+              <a:spcBef>
+                <a:spcPct val="20000"/>
+              </a:spcBef>
+              <a:buClr>
+                <a:schemeClr val="tx2"/>
+              </a:buClr>
+              <a:buSzPct val="70000"/>
+              <a:buFont typeface="Helvetica35-Thin" pitchFamily="34" charset="0"/>
+              <a:buChar char="–"/>
+              <a:defRPr sz="1600" kern="1200">
+                <a:solidFill>
+                  <a:schemeClr val="tx2"/>
+                </a:solidFill>
+                <a:latin typeface="Open Sans" panose="020B0606030504020204" pitchFamily="34" charset="0"/>
+                <a:ea typeface="Open Sans" panose="020B0606030504020204" pitchFamily="34" charset="0"/>
+                <a:cs typeface="Open Sans" panose="020B0606030504020204" pitchFamily="34" charset="0"/>
+              </a:defRPr>
+            </a:lvl4pPr>
+            <a:lvl5pPr marL="2743131" indent="-304792" algn="l" defTabSz="1219170" rtl="0" eaLnBrk="1" latinLnBrk="0" hangingPunct="1">
+              <a:spcBef>
+                <a:spcPct val="20000"/>
+              </a:spcBef>
+              <a:buClr>
+                <a:schemeClr val="tx2"/>
+              </a:buClr>
+              <a:buSzPct val="70000"/>
+              <a:buFont typeface="Helvetica35-Thin" pitchFamily="34" charset="0"/>
+              <a:buChar char="–"/>
+              <a:defRPr sz="1333" kern="1200">
+                <a:solidFill>
+                  <a:schemeClr val="tx2"/>
+                </a:solidFill>
+                <a:latin typeface="Open Sans" panose="020B0606030504020204" pitchFamily="34" charset="0"/>
+                <a:ea typeface="Open Sans" panose="020B0606030504020204" pitchFamily="34" charset="0"/>
+                <a:cs typeface="Open Sans" panose="020B0606030504020204" pitchFamily="34" charset="0"/>
+              </a:defRPr>
+            </a:lvl5pPr>
+            <a:lvl6pPr marL="3352716" indent="-304792" algn="l" defTabSz="1219170" rtl="0" eaLnBrk="1" latinLnBrk="0" hangingPunct="1">
+              <a:spcBef>
+                <a:spcPct val="20000"/>
+              </a:spcBef>
+              <a:buFont typeface="Arial" pitchFamily="34" charset="0"/>
+              <a:buChar char="•"/>
+              <a:defRPr sz="2667" kern="1200">
+                <a:solidFill>
+                  <a:schemeClr val="tx1"/>
+                </a:solidFill>
+                <a:latin typeface="+mn-lt"/>
+                <a:ea typeface="+mn-ea"/>
+                <a:cs typeface="+mn-cs"/>
+              </a:defRPr>
+            </a:lvl6pPr>
+            <a:lvl7pPr marL="3962301" indent="-304792" algn="l" defTabSz="1219170" rtl="0" eaLnBrk="1" latinLnBrk="0" hangingPunct="1">
+              <a:spcBef>
+                <a:spcPct val="20000"/>
+              </a:spcBef>
+              <a:buFont typeface="Arial" pitchFamily="34" charset="0"/>
+              <a:buChar char="•"/>
+              <a:defRPr sz="2667" kern="1200">
+                <a:solidFill>
+                  <a:schemeClr val="tx1"/>
+                </a:solidFill>
+                <a:latin typeface="+mn-lt"/>
+                <a:ea typeface="+mn-ea"/>
+                <a:cs typeface="+mn-cs"/>
+              </a:defRPr>
+            </a:lvl7pPr>
+            <a:lvl8pPr marL="4571886" indent="-304792" algn="l" defTabSz="1219170" rtl="0" eaLnBrk="1" latinLnBrk="0" hangingPunct="1">
+              <a:spcBef>
+                <a:spcPct val="20000"/>
+              </a:spcBef>
+              <a:buFont typeface="Arial" pitchFamily="34" charset="0"/>
+              <a:buChar char="•"/>
+              <a:defRPr sz="2667" kern="1200">
+                <a:solidFill>
+                  <a:schemeClr val="tx1"/>
+                </a:solidFill>
+                <a:latin typeface="+mn-lt"/>
+                <a:ea typeface="+mn-ea"/>
+                <a:cs typeface="+mn-cs"/>
+              </a:defRPr>
+            </a:lvl8pPr>
+            <a:lvl9pPr marL="5181470" indent="-304792" algn="l" defTabSz="1219170" rtl="0" eaLnBrk="1" latinLnBrk="0" hangingPunct="1">
+              <a:spcBef>
+                <a:spcPct val="20000"/>
+              </a:spcBef>
+              <a:buFont typeface="Arial" pitchFamily="34" charset="0"/>
+              <a:buChar char="•"/>
+              <a:defRPr sz="2667" kern="1200">
+                <a:solidFill>
+                  <a:schemeClr val="tx1"/>
+                </a:solidFill>
+                <a:latin typeface="+mn-lt"/>
+                <a:ea typeface="+mn-ea"/>
+                <a:cs typeface="+mn-cs"/>
+              </a:defRPr>
+            </a:lvl9pPr>
+          </a:lstStyle>
+          <a:p>
+            <a:pPr marL="285750" indent="-285750">
+              <a:buFont typeface="Arial" panose="020B0604020202020204" pitchFamily="34" charset="0"/>
+              <a:buChar char="•"/>
+            </a:pPr>
+            <a:r>
+              <a:rPr lang="en-US" dirty="0"/>
+              <a:t>Defines the instructions to build images</a:t>
+            </a:r>
+          </a:p>
+          <a:p>
+            <a:pPr marL="285750" indent="-285750">
+              <a:buFont typeface="Arial" panose="020B0604020202020204" pitchFamily="34" charset="0"/>
+              <a:buChar char="•"/>
+            </a:pPr>
+            <a:r>
+              <a:rPr lang="en-US" dirty="0"/>
+              <a:t>Retrieves a base image and adds layers</a:t>
+            </a:r>
+          </a:p>
+          <a:p>
+            <a:pPr marL="285750" indent="-285750">
+              <a:buFont typeface="Arial" panose="020B0604020202020204" pitchFamily="34" charset="0"/>
+              <a:buChar char="•"/>
+            </a:pPr>
+            <a:r>
+              <a:rPr lang="en-US" dirty="0"/>
+              <a:t>Expose the internal port the container will listen to</a:t>
+            </a:r>
+          </a:p>
+          <a:p>
+            <a:pPr marL="285750" indent="-285750">
+              <a:buFont typeface="Arial" panose="020B0604020202020204" pitchFamily="34" charset="0"/>
+              <a:buChar char="•"/>
+            </a:pPr>
+            <a:r>
+              <a:rPr lang="en-US" dirty="0"/>
+              <a:t>Bits must be previously generated</a:t>
+            </a:r>
+          </a:p>
+          <a:p>
+            <a:pPr marL="285750" indent="-285750">
+              <a:buFont typeface="Arial" panose="020B0604020202020204" pitchFamily="34" charset="0"/>
+              <a:buChar char="•"/>
+            </a:pPr>
+            <a:r>
+              <a:rPr lang="en-US" dirty="0"/>
+              <a:t>Defines an </a:t>
+            </a:r>
+            <a:r>
+              <a:rPr lang="en-US" dirty="0" err="1"/>
+              <a:t>entrypoint</a:t>
+            </a:r>
+            <a:r>
+              <a:rPr lang="en-US" dirty="0"/>
+              <a:t> to run the container as an executable </a:t>
+            </a:r>
+          </a:p>
+          <a:p>
+            <a:endParaRPr lang="en-US" dirty="0"/>
           </a:p>
         </p:txBody>
       </p:sp>
@@ -10065,10 +10310,10 @@
       </p:grpSpPr>
       <p:sp>
         <p:nvSpPr>
-          <p:cNvPr id="2" name="Text Placeholder 1">
+          <p:cNvPr id="12" name="Title 2">
             <a:extLst>
               <a:ext uri="{FF2B5EF4-FFF2-40B4-BE49-F238E27FC236}">
-                <a16:creationId xmlns:a16="http://schemas.microsoft.com/office/drawing/2014/main" id="{E68DA33A-59E3-4BEC-B00A-A3F6A5C8A272}"/>
+                <a16:creationId xmlns:a16="http://schemas.microsoft.com/office/drawing/2014/main" id="{562A54B9-DF19-49AF-A53B-D7B1E11339BC}"/>
               </a:ext>
             </a:extLst>
           </p:cNvPr>
@@ -10076,25 +10321,134 @@
             <a:spLocks noGrp="1"/>
           </p:cNvSpPr>
           <p:nvPr>
-            <p:ph type="body" sz="quarter" idx="10"/>
+            <p:ph type="title"/>
           </p:nvPr>
         </p:nvSpPr>
-        <p:spPr/>
+        <p:spPr>
+          <a:xfrm>
+            <a:off x="1911526" y="1140822"/>
+            <a:ext cx="9514119" cy="766355"/>
+          </a:xfrm>
+        </p:spPr>
         <p:txBody>
           <a:bodyPr/>
           <a:lstStyle/>
           <a:p>
             <a:r>
               <a:rPr lang="en-US" noProof="0" dirty="0"/>
-              <a:t>Practice 1: build your own docker image</a:t>
-            </a:r>
+              <a:t>MULTISTAGING Docker file</a:t>
+            </a:r>
+          </a:p>
+        </p:txBody>
+      </p:sp>
+      <p:pic>
+        <p:nvPicPr>
+          <p:cNvPr id="13" name="Imagen 12">
+            <a:extLst>
+              <a:ext uri="{FF2B5EF4-FFF2-40B4-BE49-F238E27FC236}">
+                <a16:creationId xmlns:a16="http://schemas.microsoft.com/office/drawing/2014/main" id="{16094437-7A03-41AD-83E5-37CD136834F6}"/>
+              </a:ext>
+            </a:extLst>
+          </p:cNvPr>
+          <p:cNvPicPr>
+            <a:picLocks noChangeAspect="1"/>
+          </p:cNvPicPr>
+          <p:nvPr/>
+        </p:nvPicPr>
+        <p:blipFill>
+          <a:blip r:embed="rId2"/>
+          <a:stretch>
+            <a:fillRect/>
+          </a:stretch>
+        </p:blipFill>
+        <p:spPr>
+          <a:xfrm>
+            <a:off x="7087821" y="2205561"/>
+            <a:ext cx="4649542" cy="3805646"/>
+          </a:xfrm>
+          <a:prstGeom prst="rect">
+            <a:avLst/>
+          </a:prstGeom>
+        </p:spPr>
+      </p:pic>
+      <p:sp>
+        <p:nvSpPr>
+          <p:cNvPr id="14" name="Content Placeholder 1">
+            <a:extLst>
+              <a:ext uri="{FF2B5EF4-FFF2-40B4-BE49-F238E27FC236}">
+                <a16:creationId xmlns:a16="http://schemas.microsoft.com/office/drawing/2014/main" id="{0E51B7E6-9DF5-418B-9346-103EB5FCC18C}"/>
+              </a:ext>
+            </a:extLst>
+          </p:cNvPr>
+          <p:cNvSpPr>
+            <a:spLocks noGrp="1"/>
+          </p:cNvSpPr>
+          <p:nvPr>
+            <p:ph idx="1"/>
+          </p:nvPr>
+        </p:nvSpPr>
+        <p:spPr>
+          <a:xfrm>
+            <a:off x="950989" y="2443794"/>
+            <a:ext cx="5972783" cy="3066900"/>
+          </a:xfrm>
+        </p:spPr>
+        <p:txBody>
+          <a:bodyPr/>
+          <a:lstStyle/>
+          <a:p>
+            <a:pPr marL="285750" indent="-285750">
+              <a:buFont typeface="Arial" panose="020B0604020202020204" pitchFamily="34" charset="0"/>
+              <a:buChar char="•"/>
+            </a:pPr>
+            <a:r>
+              <a:rPr lang="en-US" dirty="0"/>
+              <a:t>Divides the image building in multiple stages</a:t>
+            </a:r>
+          </a:p>
+          <a:p>
+            <a:pPr marL="285750" indent="-285750">
+              <a:buFont typeface="Arial" panose="020B0604020202020204" pitchFamily="34" charset="0"/>
+              <a:buChar char="•"/>
+            </a:pPr>
+            <a:r>
+              <a:rPr lang="en-US" dirty="0"/>
+              <a:t>No need to generate the bits previously since we can have a stage focused on purpose.</a:t>
+            </a:r>
+          </a:p>
+          <a:p>
+            <a:pPr marL="285750" indent="-285750">
+              <a:buFont typeface="Arial" panose="020B0604020202020204" pitchFamily="34" charset="0"/>
+              <a:buChar char="•"/>
+            </a:pPr>
+            <a:r>
+              <a:rPr lang="en-US" noProof="0" dirty="0"/>
+              <a:t>Allow to get rid of content that is not needed in later stages</a:t>
+            </a:r>
+          </a:p>
+          <a:p>
+            <a:pPr marL="285750" indent="-285750">
+              <a:buFont typeface="Arial" panose="020B0604020202020204" pitchFamily="34" charset="0"/>
+              <a:buChar char="•"/>
+            </a:pPr>
+            <a:r>
+              <a:rPr lang="en-US" dirty="0"/>
+              <a:t>Resulting</a:t>
+            </a:r>
+            <a:r>
+              <a:rPr lang="en-US" noProof="0" dirty="0"/>
+              <a:t> image is lightweight</a:t>
+            </a:r>
+          </a:p>
+          <a:p>
+            <a:endParaRPr lang="en-US" noProof="0" dirty="0"/>
           </a:p>
         </p:txBody>
       </p:sp>
     </p:spTree>
     <p:extLst>
       <p:ext uri="{BB962C8B-B14F-4D97-AF65-F5344CB8AC3E}">
-        <p14:creationId xmlns:p14="http://schemas.microsoft.com/office/powerpoint/2010/main" val="737140017"/>
+        <p14:creationId xmlns:p14="http://schemas.microsoft.com/office/powerpoint/2010/main" val="1564088432"/>
       </p:ext>
     </p:extLst>
   </p:cSld>
@@ -10123,10 +10477,43 @@
       </p:grpSpPr>
       <p:sp>
         <p:nvSpPr>
-          <p:cNvPr id="2" name="Content Placeholder 1">
+          <p:cNvPr id="9" name="Title 2">
             <a:extLst>
               <a:ext uri="{FF2B5EF4-FFF2-40B4-BE49-F238E27FC236}">
-                <a16:creationId xmlns:a16="http://schemas.microsoft.com/office/drawing/2014/main" id="{A6A5CFDB-76E5-466C-A1F7-D533781B3790}"/>
+                <a16:creationId xmlns:a16="http://schemas.microsoft.com/office/drawing/2014/main" id="{B58E5D86-BF80-4274-A210-7A646892BA8C}"/>
+              </a:ext>
+            </a:extLst>
+          </p:cNvPr>
+          <p:cNvSpPr>
+            <a:spLocks noGrp="1"/>
+          </p:cNvSpPr>
+          <p:nvPr>
+            <p:ph type="title"/>
+          </p:nvPr>
+        </p:nvSpPr>
+        <p:spPr>
+          <a:xfrm>
+            <a:off x="1911526" y="1140822"/>
+            <a:ext cx="9514119" cy="766355"/>
+          </a:xfrm>
+        </p:spPr>
+        <p:txBody>
+          <a:bodyPr/>
+          <a:lstStyle/>
+          <a:p>
+            <a:r>
+              <a:rPr lang="en-US" noProof="0" dirty="0"/>
+              <a:t>MULTIARCH Docker IMAGES</a:t>
+            </a:r>
+          </a:p>
+        </p:txBody>
+      </p:sp>
+      <p:sp>
+        <p:nvSpPr>
+          <p:cNvPr id="10" name="Content Placeholder 1">
+            <a:extLst>
+              <a:ext uri="{FF2B5EF4-FFF2-40B4-BE49-F238E27FC236}">
+                <a16:creationId xmlns:a16="http://schemas.microsoft.com/office/drawing/2014/main" id="{7D199E45-618A-48E5-BAC7-450462C9A662}"/>
               </a:ext>
             </a:extLst>
           </p:cNvPr>
@@ -10139,8 +10526,8 @@
         </p:nvSpPr>
         <p:spPr>
           <a:xfrm>
-            <a:off x="5865223" y="2334854"/>
-            <a:ext cx="5872820" cy="3083339"/>
+            <a:off x="845111" y="1925404"/>
+            <a:ext cx="5972783" cy="3066900"/>
           </a:xfrm>
         </p:spPr>
         <p:txBody>
@@ -10152,8 +10539,8 @@
               <a:buChar char="•"/>
             </a:pPr>
             <a:r>
-              <a:rPr lang="en-US" noProof="0" dirty="0"/>
-              <a:t>It is a tool for defining multi-container Docker Applications.</a:t>
+              <a:rPr lang="en-US" dirty="0"/>
+              <a:t>Image manifest where it defines the list of platforms supported</a:t>
             </a:r>
           </a:p>
           <a:p>
@@ -10163,15 +10550,31 @@
             </a:pPr>
             <a:r>
               <a:rPr lang="en-US" noProof="0" dirty="0"/>
-              <a:t>It is installed separately from Docker (</a:t>
+              <a:t>No need to have </a:t>
+            </a:r>
+            <a:r>
+              <a:rPr lang="en-US" dirty="0"/>
+              <a:t>multiple</a:t>
+            </a:r>
+            <a:r>
+              <a:rPr lang="en-US" noProof="0" dirty="0"/>
+              <a:t> </a:t>
             </a:r>
             <a:r>
               <a:rPr lang="en-US" noProof="0" dirty="0" err="1"/>
-              <a:t>f.i</a:t>
+              <a:t>dockerfiles</a:t>
             </a:r>
             <a:r>
               <a:rPr lang="en-US" noProof="0" dirty="0"/>
-              <a:t>. currently not installed by default in Azure VM for containers)</a:t>
+              <a:t> to </a:t>
+            </a:r>
+            <a:r>
+              <a:rPr lang="en-US" dirty="0"/>
+              <a:t>embrace different </a:t>
+            </a:r>
+            <a:r>
+              <a:rPr lang="en-US" noProof="0" dirty="0"/>
+              <a:t>platforms </a:t>
             </a:r>
           </a:p>
           <a:p>
@@ -10180,56 +10583,66 @@
               <a:buChar char="•"/>
             </a:pPr>
             <a:r>
-              <a:rPr lang="en-US" noProof="0" dirty="0"/>
-              <a:t>Based on the Docker file plus docker-compose configuration files</a:t>
-            </a:r>
-          </a:p>
-          <a:p>
-            <a:pPr marL="285750" indent="-285750">
-              <a:buFont typeface="Arial" panose="020B0604020202020204" pitchFamily="34" charset="0"/>
-              <a:buChar char="•"/>
-            </a:pPr>
-            <a:r>
-              <a:rPr lang="en-US" noProof="0" dirty="0"/>
-              <a:t>Multiple docker-compose files structure to compose the final desired configuration</a:t>
-            </a:r>
-          </a:p>
-        </p:txBody>
-      </p:sp>
-      <p:sp>
-        <p:nvSpPr>
-          <p:cNvPr id="3" name="Title 2">
-            <a:extLst>
-              <a:ext uri="{FF2B5EF4-FFF2-40B4-BE49-F238E27FC236}">
-                <a16:creationId xmlns:a16="http://schemas.microsoft.com/office/drawing/2014/main" id="{FB27F8CD-1E47-4857-B9C1-2BA30F84D61D}"/>
-              </a:ext>
-            </a:extLst>
-          </p:cNvPr>
-          <p:cNvSpPr>
-            <a:spLocks noGrp="1"/>
-          </p:cNvSpPr>
-          <p:nvPr>
-            <p:ph type="title"/>
-          </p:nvPr>
-        </p:nvSpPr>
-        <p:spPr/>
-        <p:txBody>
-          <a:bodyPr/>
-          <a:lstStyle/>
-          <a:p>
-            <a:r>
-              <a:rPr lang="en-US" noProof="0" dirty="0"/>
-              <a:t>Docker compose</a:t>
-            </a:r>
+              <a:rPr lang="en-US" dirty="0"/>
+              <a:t>Docker engine pulls the image based on the platform it is running</a:t>
+            </a:r>
+            <a:endParaRPr lang="en-US" noProof="0" dirty="0"/>
           </a:p>
         </p:txBody>
       </p:sp>
       <p:pic>
         <p:nvPicPr>
-          <p:cNvPr id="5" name="Picture 4" descr="A screenshot of a cell phone&#10;&#10;Description generated with very high confidence">
+          <p:cNvPr id="11" name="Picture 2" descr="Resultado de imagen de multi arch docker">
             <a:extLst>
               <a:ext uri="{FF2B5EF4-FFF2-40B4-BE49-F238E27FC236}">
-                <a16:creationId xmlns:a16="http://schemas.microsoft.com/office/drawing/2014/main" id="{C88B6C46-7A10-44B1-BD42-7A19A1DEC756}"/>
+                <a16:creationId xmlns:a16="http://schemas.microsoft.com/office/drawing/2014/main" id="{A5EED2F0-C2DC-4C45-80B3-6D95CDC9C79E}"/>
+              </a:ext>
+            </a:extLst>
+          </p:cNvPr>
+          <p:cNvPicPr>
+            <a:picLocks noChangeAspect="1" noChangeArrowheads="1"/>
+          </p:cNvPicPr>
+          <p:nvPr/>
+        </p:nvPicPr>
+        <p:blipFill>
+          <a:blip r:embed="rId2">
+            <a:extLst>
+              <a:ext uri="{28A0092B-C50C-407E-A947-70E740481C1C}">
+                <a14:useLocalDpi xmlns:a14="http://schemas.microsoft.com/office/drawing/2010/main" val="0"/>
+              </a:ext>
+            </a:extLst>
+          </a:blip>
+          <a:srcRect/>
+          <a:stretch>
+            <a:fillRect/>
+          </a:stretch>
+        </p:blipFill>
+        <p:spPr bwMode="auto">
+          <a:xfrm>
+            <a:off x="3182363" y="3850105"/>
+            <a:ext cx="5091006" cy="2498182"/>
+          </a:xfrm>
+          <a:prstGeom prst="rect">
+            <a:avLst/>
+          </a:prstGeom>
+          <a:noFill/>
+          <a:extLst>
+            <a:ext uri="{909E8E84-426E-40DD-AFC4-6F175D3DCCD1}">
+              <a14:hiddenFill xmlns:a14="http://schemas.microsoft.com/office/drawing/2010/main">
+                <a:solidFill>
+                  <a:srgbClr val="FFFFFF"/>
+                </a:solidFill>
+              </a14:hiddenFill>
+            </a:ext>
+          </a:extLst>
+        </p:spPr>
+      </p:pic>
+      <p:pic>
+        <p:nvPicPr>
+          <p:cNvPr id="15" name="Imagen 14">
+            <a:extLst>
+              <a:ext uri="{FF2B5EF4-FFF2-40B4-BE49-F238E27FC236}">
+                <a16:creationId xmlns:a16="http://schemas.microsoft.com/office/drawing/2014/main" id="{F8F6D7D9-6683-46DA-ABD4-A27E5DFEDD1B}"/>
               </a:ext>
             </a:extLst>
           </p:cNvPr>
@@ -10239,21 +10652,15 @@
           <p:nvPr/>
         </p:nvPicPr>
         <p:blipFill>
-          <a:blip r:embed="rId2">
-            <a:extLst>
-              <a:ext uri="{28A0092B-C50C-407E-A947-70E740481C1C}">
-                <a14:useLocalDpi xmlns:a14="http://schemas.microsoft.com/office/drawing/2010/main" val="0"/>
-              </a:ext>
-            </a:extLst>
-          </a:blip>
+          <a:blip r:embed="rId3"/>
           <a:stretch>
             <a:fillRect/>
           </a:stretch>
         </p:blipFill>
         <p:spPr>
           <a:xfrm>
-            <a:off x="780514" y="2334854"/>
-            <a:ext cx="4859384" cy="2658679"/>
+            <a:off x="8314865" y="3850105"/>
+            <a:ext cx="3032024" cy="2498182"/>
           </a:xfrm>
           <a:prstGeom prst="rect">
             <a:avLst/>
@@ -10263,7 +10670,7 @@
     </p:spTree>
     <p:extLst>
       <p:ext uri="{BB962C8B-B14F-4D97-AF65-F5344CB8AC3E}">
-        <p14:creationId xmlns:p14="http://schemas.microsoft.com/office/powerpoint/2010/main" val="317120456"/>
+        <p14:creationId xmlns:p14="http://schemas.microsoft.com/office/powerpoint/2010/main" val="3761102009"/>
       </p:ext>
     </p:extLst>
   </p:cSld>
@@ -10355,10 +10762,10 @@
       </p:grpSpPr>
       <p:sp>
         <p:nvSpPr>
-          <p:cNvPr id="2" name="Content Placeholder 1">
+          <p:cNvPr id="2" name="Text Placeholder 1">
             <a:extLst>
               <a:ext uri="{FF2B5EF4-FFF2-40B4-BE49-F238E27FC236}">
-                <a16:creationId xmlns:a16="http://schemas.microsoft.com/office/drawing/2014/main" id="{270B15D4-EE64-439C-BCD6-2902F3295806}"/>
+                <a16:creationId xmlns:a16="http://schemas.microsoft.com/office/drawing/2014/main" id="{E68DA33A-59E3-4BEC-B00A-A3F6A5C8A272}"/>
               </a:ext>
             </a:extLst>
           </p:cNvPr>
@@ -10366,7 +10773,7 @@
             <a:spLocks noGrp="1"/>
           </p:cNvSpPr>
           <p:nvPr>
-            <p:ph idx="1"/>
+            <p:ph type="body" sz="quarter" idx="10"/>
           </p:nvPr>
         </p:nvSpPr>
         <p:spPr/>
@@ -10374,220 +10781,17 @@
           <a:bodyPr/>
           <a:lstStyle/>
           <a:p>
-            <a:pPr marL="285750" indent="-285750">
-              <a:buFont typeface="Arial" panose="020B0604020202020204" pitchFamily="34" charset="0"/>
-              <a:buChar char="•"/>
-            </a:pPr>
-            <a:r>
-              <a:rPr lang="en-US" dirty="0"/>
-              <a:t>Main file is docker-</a:t>
-            </a:r>
-            <a:r>
-              <a:rPr lang="en-US" dirty="0" err="1"/>
-              <a:t>compose.yml</a:t>
-            </a:r>
-            <a:r>
-              <a:rPr lang="en-US" dirty="0"/>
-              <a:t> </a:t>
-            </a:r>
-            <a:r>
-              <a:rPr lang="en-US" dirty="0">
-                <a:sym typeface="Wingdings" panose="05000000000000000000" pitchFamily="2" charset="2"/>
-              </a:rPr>
-              <a:t> the more basic information about the service</a:t>
-            </a:r>
-          </a:p>
-          <a:p>
-            <a:pPr marL="285750" indent="-285750">
-              <a:buFont typeface="Arial" panose="020B0604020202020204" pitchFamily="34" charset="0"/>
-              <a:buChar char="•"/>
-            </a:pPr>
-            <a:r>
-              <a:rPr lang="en-US" dirty="0"/>
-              <a:t>Docker-</a:t>
-            </a:r>
-            <a:r>
-              <a:rPr lang="en-US" dirty="0" err="1"/>
-              <a:t>compose.override.yml</a:t>
-            </a:r>
-            <a:r>
-              <a:rPr lang="en-US" dirty="0"/>
-              <a:t> </a:t>
-            </a:r>
-            <a:r>
-              <a:rPr lang="en-US" dirty="0">
-                <a:sym typeface="Wingdings" panose="05000000000000000000" pitchFamily="2" charset="2"/>
-              </a:rPr>
-              <a:t> definition of the environment variables and default values</a:t>
-            </a:r>
-          </a:p>
-          <a:p>
-            <a:pPr marL="285750" indent="-285750">
-              <a:buFont typeface="Arial" panose="020B0604020202020204" pitchFamily="34" charset="0"/>
-              <a:buChar char="•"/>
-            </a:pPr>
-            <a:r>
-              <a:rPr lang="en-US" dirty="0">
-                <a:sym typeface="Wingdings" panose="05000000000000000000" pitchFamily="2" charset="2"/>
-              </a:rPr>
-              <a:t>Other files to set values for other environments</a:t>
-            </a:r>
-          </a:p>
-          <a:p>
-            <a:pPr marL="285750" indent="-285750">
-              <a:buFont typeface="Arial" panose="020B0604020202020204" pitchFamily="34" charset="0"/>
-              <a:buChar char="•"/>
-            </a:pPr>
-            <a:r>
-              <a:rPr lang="es-ES" dirty="0" err="1">
-                <a:sym typeface="Wingdings" panose="05000000000000000000" pitchFamily="2" charset="2"/>
-              </a:rPr>
-              <a:t>Possibility</a:t>
-            </a:r>
-            <a:r>
-              <a:rPr lang="es-ES" dirty="0">
-                <a:sym typeface="Wingdings" panose="05000000000000000000" pitchFamily="2" charset="2"/>
-              </a:rPr>
-              <a:t> </a:t>
-            </a:r>
-            <a:r>
-              <a:rPr lang="es-ES" dirty="0" err="1">
-                <a:sym typeface="Wingdings" panose="05000000000000000000" pitchFamily="2" charset="2"/>
-              </a:rPr>
-              <a:t>of</a:t>
-            </a:r>
-            <a:r>
-              <a:rPr lang="es-ES" dirty="0">
-                <a:sym typeface="Wingdings" panose="05000000000000000000" pitchFamily="2" charset="2"/>
-              </a:rPr>
-              <a:t> </a:t>
-            </a:r>
-            <a:r>
-              <a:rPr lang="es-ES" dirty="0" err="1">
-                <a:sym typeface="Wingdings" panose="05000000000000000000" pitchFamily="2" charset="2"/>
-              </a:rPr>
-              <a:t>value</a:t>
-            </a:r>
-            <a:r>
-              <a:rPr lang="es-ES" dirty="0">
-                <a:sym typeface="Wingdings" panose="05000000000000000000" pitchFamily="2" charset="2"/>
-              </a:rPr>
-              <a:t> </a:t>
-            </a:r>
-            <a:r>
-              <a:rPr lang="es-ES" dirty="0" err="1">
-                <a:sym typeface="Wingdings" panose="05000000000000000000" pitchFamily="2" charset="2"/>
-              </a:rPr>
-              <a:t>substitution</a:t>
-            </a:r>
-            <a:r>
-              <a:rPr lang="es-ES" dirty="0">
-                <a:sym typeface="Wingdings" panose="05000000000000000000" pitchFamily="2" charset="2"/>
-              </a:rPr>
-              <a:t> </a:t>
-            </a:r>
-            <a:r>
-              <a:rPr lang="es-ES" dirty="0" err="1">
-                <a:sym typeface="Wingdings" panose="05000000000000000000" pitchFamily="2" charset="2"/>
-              </a:rPr>
-              <a:t>through</a:t>
-            </a:r>
-            <a:r>
-              <a:rPr lang="es-ES" dirty="0">
-                <a:sym typeface="Wingdings" panose="05000000000000000000" pitchFamily="2" charset="2"/>
-              </a:rPr>
-              <a:t> </a:t>
-            </a:r>
-            <a:r>
-              <a:rPr lang="es-ES" dirty="0" err="1">
-                <a:sym typeface="Wingdings" panose="05000000000000000000" pitchFamily="2" charset="2"/>
-              </a:rPr>
-              <a:t>the</a:t>
-            </a:r>
-            <a:r>
-              <a:rPr lang="es-ES" dirty="0">
-                <a:sym typeface="Wingdings" panose="05000000000000000000" pitchFamily="2" charset="2"/>
-              </a:rPr>
-              <a:t> .</a:t>
-            </a:r>
-            <a:r>
-              <a:rPr lang="es-ES" dirty="0" err="1">
-                <a:sym typeface="Wingdings" panose="05000000000000000000" pitchFamily="2" charset="2"/>
-              </a:rPr>
-              <a:t>env</a:t>
-            </a:r>
-            <a:r>
-              <a:rPr lang="es-ES" dirty="0">
-                <a:sym typeface="Wingdings" panose="05000000000000000000" pitchFamily="2" charset="2"/>
-              </a:rPr>
-              <a:t> file</a:t>
-            </a:r>
-            <a:endParaRPr lang="en-US" dirty="0"/>
-          </a:p>
-        </p:txBody>
-      </p:sp>
-      <p:sp>
-        <p:nvSpPr>
-          <p:cNvPr id="3" name="Title 2">
-            <a:extLst>
-              <a:ext uri="{FF2B5EF4-FFF2-40B4-BE49-F238E27FC236}">
-                <a16:creationId xmlns:a16="http://schemas.microsoft.com/office/drawing/2014/main" id="{02C3B8EB-9F5E-4919-BFC3-7D341572275C}"/>
-              </a:ext>
-            </a:extLst>
-          </p:cNvPr>
-          <p:cNvSpPr>
-            <a:spLocks noGrp="1"/>
-          </p:cNvSpPr>
-          <p:nvPr>
-            <p:ph type="title"/>
-          </p:nvPr>
-        </p:nvSpPr>
-        <p:spPr/>
-        <p:txBody>
-          <a:bodyPr/>
-          <a:lstStyle/>
-          <a:p>
-            <a:r>
-              <a:rPr lang="en-US" dirty="0"/>
-              <a:t>Compose files</a:t>
-            </a:r>
-          </a:p>
-        </p:txBody>
-      </p:sp>
-      <p:pic>
-        <p:nvPicPr>
-          <p:cNvPr id="4" name="Imagen 3">
-            <a:extLst>
-              <a:ext uri="{FF2B5EF4-FFF2-40B4-BE49-F238E27FC236}">
-                <a16:creationId xmlns:a16="http://schemas.microsoft.com/office/drawing/2014/main" id="{5FB7F963-75AB-4E87-9602-D58E7A77F07D}"/>
-              </a:ext>
-            </a:extLst>
-          </p:cNvPr>
-          <p:cNvPicPr>
-            <a:picLocks noChangeAspect="1"/>
-          </p:cNvPicPr>
-          <p:nvPr/>
-        </p:nvPicPr>
-        <p:blipFill>
-          <a:blip r:embed="rId2"/>
-          <a:stretch>
-            <a:fillRect/>
-          </a:stretch>
-        </p:blipFill>
-        <p:spPr>
-          <a:xfrm>
-            <a:off x="4352925" y="4007007"/>
-            <a:ext cx="3486150" cy="2295525"/>
-          </a:xfrm>
-          <a:prstGeom prst="rect">
-            <a:avLst/>
-          </a:prstGeom>
-        </p:spPr>
-      </p:pic>
+            <a:r>
+              <a:rPr lang="en-US" noProof="0" dirty="0"/>
+              <a:t>Practice 1: build your own docker image</a:t>
+            </a:r>
+          </a:p>
+        </p:txBody>
+      </p:sp>
     </p:spTree>
     <p:extLst>
       <p:ext uri="{BB962C8B-B14F-4D97-AF65-F5344CB8AC3E}">
-        <p14:creationId xmlns:p14="http://schemas.microsoft.com/office/powerpoint/2010/main" val="3446764012"/>
+        <p14:creationId xmlns:p14="http://schemas.microsoft.com/office/powerpoint/2010/main" val="737140017"/>
       </p:ext>
     </p:extLst>
   </p:cSld>
@@ -10619,7 +10823,7 @@
           <p:cNvPr id="2" name="Content Placeholder 1">
             <a:extLst>
               <a:ext uri="{FF2B5EF4-FFF2-40B4-BE49-F238E27FC236}">
-                <a16:creationId xmlns:a16="http://schemas.microsoft.com/office/drawing/2014/main" id="{270B15D4-EE64-439C-BCD6-2902F3295806}"/>
+                <a16:creationId xmlns:a16="http://schemas.microsoft.com/office/drawing/2014/main" id="{A6A5CFDB-76E5-466C-A1F7-D533781B3790}"/>
               </a:ext>
             </a:extLst>
           </p:cNvPr>
@@ -10630,7 +10834,12 @@
             <p:ph idx="1"/>
           </p:nvPr>
         </p:nvSpPr>
-        <p:spPr/>
+        <p:spPr>
+          <a:xfrm>
+            <a:off x="5865223" y="2334854"/>
+            <a:ext cx="5872820" cy="3083339"/>
+          </a:xfrm>
+        </p:spPr>
         <p:txBody>
           <a:bodyPr/>
           <a:lstStyle/>
@@ -10640,31 +10849,47 @@
               <a:buChar char="•"/>
             </a:pPr>
             <a:r>
-              <a:rPr lang="en-US" dirty="0">
-                <a:sym typeface="Wingdings" panose="05000000000000000000" pitchFamily="2" charset="2"/>
-              </a:rPr>
-              <a:t>Possibility of value substitution through the .</a:t>
-            </a:r>
-            <a:r>
-              <a:rPr lang="en-US" dirty="0" err="1">
-                <a:sym typeface="Wingdings" panose="05000000000000000000" pitchFamily="2" charset="2"/>
-              </a:rPr>
-              <a:t>env</a:t>
-            </a:r>
-            <a:r>
-              <a:rPr lang="en-US" dirty="0">
-                <a:sym typeface="Wingdings" panose="05000000000000000000" pitchFamily="2" charset="2"/>
-              </a:rPr>
-              <a:t> file</a:t>
-            </a:r>
-          </a:p>
-          <a:p>
-            <a:endParaRPr lang="en-US" dirty="0">
-              <a:sym typeface="Wingdings" panose="05000000000000000000" pitchFamily="2" charset="2"/>
-            </a:endParaRPr>
-          </a:p>
-          <a:p>
-            <a:endParaRPr lang="en-US" dirty="0"/>
+              <a:rPr lang="en-US" noProof="0" dirty="0"/>
+              <a:t>It is a tool for defining multi-container Docker Applications.</a:t>
+            </a:r>
+          </a:p>
+          <a:p>
+            <a:pPr marL="285750" indent="-285750">
+              <a:buFont typeface="Arial" panose="020B0604020202020204" pitchFamily="34" charset="0"/>
+              <a:buChar char="•"/>
+            </a:pPr>
+            <a:r>
+              <a:rPr lang="en-US" noProof="0" dirty="0"/>
+              <a:t>It is installed separately from Docker (</a:t>
+            </a:r>
+            <a:r>
+              <a:rPr lang="en-US" noProof="0" dirty="0" err="1"/>
+              <a:t>f.i</a:t>
+            </a:r>
+            <a:r>
+              <a:rPr lang="en-US" noProof="0" dirty="0"/>
+              <a:t>. currently not installed by default in Azure VM for containers)</a:t>
+            </a:r>
+          </a:p>
+          <a:p>
+            <a:pPr marL="285750" indent="-285750">
+              <a:buFont typeface="Arial" panose="020B0604020202020204" pitchFamily="34" charset="0"/>
+              <a:buChar char="•"/>
+            </a:pPr>
+            <a:r>
+              <a:rPr lang="en-US" noProof="0" dirty="0"/>
+              <a:t>Based on the Docker file plus docker-compose configuration files</a:t>
+            </a:r>
+          </a:p>
+          <a:p>
+            <a:pPr marL="285750" indent="-285750">
+              <a:buFont typeface="Arial" panose="020B0604020202020204" pitchFamily="34" charset="0"/>
+              <a:buChar char="•"/>
+            </a:pPr>
+            <a:r>
+              <a:rPr lang="en-US" noProof="0" dirty="0"/>
+              <a:t>Multiple docker-compose files structure to compose the final desired configuration</a:t>
+            </a:r>
           </a:p>
         </p:txBody>
       </p:sp>
@@ -10673,7 +10898,7 @@
           <p:cNvPr id="3" name="Title 2">
             <a:extLst>
               <a:ext uri="{FF2B5EF4-FFF2-40B4-BE49-F238E27FC236}">
-                <a16:creationId xmlns:a16="http://schemas.microsoft.com/office/drawing/2014/main" id="{02C3B8EB-9F5E-4919-BFC3-7D341572275C}"/>
+                <a16:creationId xmlns:a16="http://schemas.microsoft.com/office/drawing/2014/main" id="{FB27F8CD-1E47-4857-B9C1-2BA30F84D61D}"/>
               </a:ext>
             </a:extLst>
           </p:cNvPr>
@@ -10690,18 +10915,18 @@
           <a:lstStyle/>
           <a:p>
             <a:r>
-              <a:rPr lang="en-US" dirty="0"/>
-              <a:t>Value substitution</a:t>
+              <a:rPr lang="en-US" noProof="0" dirty="0"/>
+              <a:t>Docker compose</a:t>
             </a:r>
           </a:p>
         </p:txBody>
       </p:sp>
       <p:pic>
         <p:nvPicPr>
-          <p:cNvPr id="7" name="Imagen 6">
+          <p:cNvPr id="5" name="Picture 4" descr="A screenshot of a cell phone&#10;&#10;Description generated with very high confidence">
             <a:extLst>
               <a:ext uri="{FF2B5EF4-FFF2-40B4-BE49-F238E27FC236}">
-                <a16:creationId xmlns:a16="http://schemas.microsoft.com/office/drawing/2014/main" id="{B3FAF78F-CBA0-434E-84A2-56E2D92DA1EE}"/>
+                <a16:creationId xmlns:a16="http://schemas.microsoft.com/office/drawing/2014/main" id="{C88B6C46-7A10-44B1-BD42-7A19A1DEC756}"/>
               </a:ext>
             </a:extLst>
           </p:cNvPr>
@@ -10711,156 +10936,21 @@
           <p:nvPr/>
         </p:nvPicPr>
         <p:blipFill>
-          <a:blip r:embed="rId2"/>
+          <a:blip r:embed="rId2">
+            <a:extLst>
+              <a:ext uri="{28A0092B-C50C-407E-A947-70E740481C1C}">
+                <a14:useLocalDpi xmlns:a14="http://schemas.microsoft.com/office/drawing/2010/main" val="0"/>
+              </a:ext>
+            </a:extLst>
+          </a:blip>
           <a:stretch>
             <a:fillRect/>
           </a:stretch>
         </p:blipFill>
         <p:spPr>
           <a:xfrm>
-            <a:off x="2263952" y="5062574"/>
-            <a:ext cx="7610475" cy="628650"/>
-          </a:xfrm>
-          <a:prstGeom prst="rect">
-            <a:avLst/>
-          </a:prstGeom>
-        </p:spPr>
-      </p:pic>
-      <p:sp>
-        <p:nvSpPr>
-          <p:cNvPr id="9" name="CuadroTexto 8">
-            <a:extLst>
-              <a:ext uri="{FF2B5EF4-FFF2-40B4-BE49-F238E27FC236}">
-                <a16:creationId xmlns:a16="http://schemas.microsoft.com/office/drawing/2014/main" id="{A61709E3-AFD3-499D-BE61-FD162028D863}"/>
-              </a:ext>
-            </a:extLst>
-          </p:cNvPr>
-          <p:cNvSpPr txBox="1"/>
-          <p:nvPr/>
-        </p:nvSpPr>
-        <p:spPr>
-          <a:xfrm>
-            <a:off x="2263952" y="3205288"/>
-            <a:ext cx="4400282" cy="338554"/>
-          </a:xfrm>
-          <a:prstGeom prst="rect">
-            <a:avLst/>
-          </a:prstGeom>
-          <a:noFill/>
-        </p:spPr>
-        <p:txBody>
-          <a:bodyPr wrap="square" rtlCol="0">
-            <a:spAutoFit/>
-          </a:bodyPr>
-          <a:lstStyle/>
-          <a:p>
-            <a:r>
-              <a:rPr lang="es-ES" sz="1600" dirty="0" err="1">
-                <a:solidFill>
-                  <a:schemeClr val="tx2"/>
-                </a:solidFill>
-                <a:latin typeface="Open Sans" panose="020B0606030504020204" pitchFamily="34" charset="0"/>
-                <a:ea typeface="Open Sans" panose="020B0606030504020204" pitchFamily="34" charset="0"/>
-                <a:cs typeface="Open Sans" panose="020B0606030504020204" pitchFamily="34" charset="0"/>
-              </a:rPr>
-              <a:t>docker-compose.override.yml</a:t>
-            </a:r>
-            <a:endParaRPr lang="en-US" sz="1600" dirty="0">
-              <a:solidFill>
-                <a:schemeClr val="tx2"/>
-              </a:solidFill>
-              <a:latin typeface="Open Sans" panose="020B0606030504020204" pitchFamily="34" charset="0"/>
-              <a:ea typeface="Open Sans" panose="020B0606030504020204" pitchFamily="34" charset="0"/>
-              <a:cs typeface="Open Sans" panose="020B0606030504020204" pitchFamily="34" charset="0"/>
-            </a:endParaRPr>
-          </a:p>
-        </p:txBody>
-      </p:sp>
-      <p:sp>
-        <p:nvSpPr>
-          <p:cNvPr id="11" name="CuadroTexto 10">
-            <a:extLst>
-              <a:ext uri="{FF2B5EF4-FFF2-40B4-BE49-F238E27FC236}">
-                <a16:creationId xmlns:a16="http://schemas.microsoft.com/office/drawing/2014/main" id="{4D23CC94-1BD6-4D8A-AB1E-B74DC73AE06D}"/>
-              </a:ext>
-            </a:extLst>
-          </p:cNvPr>
-          <p:cNvSpPr txBox="1"/>
-          <p:nvPr/>
-        </p:nvSpPr>
-        <p:spPr>
-          <a:xfrm>
-            <a:off x="2287562" y="4722851"/>
-            <a:ext cx="4400282" cy="338554"/>
-          </a:xfrm>
-          <a:prstGeom prst="rect">
-            <a:avLst/>
-          </a:prstGeom>
-          <a:noFill/>
-        </p:spPr>
-        <p:txBody>
-          <a:bodyPr wrap="square" rtlCol="0">
-            <a:spAutoFit/>
-          </a:bodyPr>
-          <a:lstStyle/>
-          <a:p>
-            <a:r>
-              <a:rPr lang="es-ES" sz="1600" dirty="0">
-                <a:solidFill>
-                  <a:schemeClr val="tx2"/>
-                </a:solidFill>
-                <a:latin typeface="Open Sans" panose="020B0606030504020204" pitchFamily="34" charset="0"/>
-                <a:ea typeface="Open Sans" panose="020B0606030504020204" pitchFamily="34" charset="0"/>
-                <a:cs typeface="Open Sans" panose="020B0606030504020204" pitchFamily="34" charset="0"/>
-              </a:rPr>
-              <a:t>.</a:t>
-            </a:r>
-            <a:r>
-              <a:rPr lang="es-ES" sz="1600" dirty="0" err="1">
-                <a:solidFill>
-                  <a:schemeClr val="tx2"/>
-                </a:solidFill>
-                <a:latin typeface="Open Sans" panose="020B0606030504020204" pitchFamily="34" charset="0"/>
-                <a:ea typeface="Open Sans" panose="020B0606030504020204" pitchFamily="34" charset="0"/>
-                <a:cs typeface="Open Sans" panose="020B0606030504020204" pitchFamily="34" charset="0"/>
-              </a:rPr>
-              <a:t>env</a:t>
-            </a:r>
-            <a:endParaRPr lang="en-US" sz="1600" dirty="0">
-              <a:solidFill>
-                <a:schemeClr val="tx2"/>
-              </a:solidFill>
-              <a:latin typeface="Open Sans" panose="020B0606030504020204" pitchFamily="34" charset="0"/>
-              <a:ea typeface="Open Sans" panose="020B0606030504020204" pitchFamily="34" charset="0"/>
-              <a:cs typeface="Open Sans" panose="020B0606030504020204" pitchFamily="34" charset="0"/>
-            </a:endParaRPr>
-          </a:p>
-        </p:txBody>
-      </p:sp>
-      <p:pic>
-        <p:nvPicPr>
-          <p:cNvPr id="13" name="Imagen 12">
-            <a:extLst>
-              <a:ext uri="{FF2B5EF4-FFF2-40B4-BE49-F238E27FC236}">
-                <a16:creationId xmlns:a16="http://schemas.microsoft.com/office/drawing/2014/main" id="{0C3CB4A2-4E16-46F3-BA93-D8B53B38B4CB}"/>
-              </a:ext>
-            </a:extLst>
-          </p:cNvPr>
-          <p:cNvPicPr>
-            <a:picLocks noChangeAspect="1"/>
-          </p:cNvPicPr>
-          <p:nvPr/>
-        </p:nvPicPr>
-        <p:blipFill>
-          <a:blip r:embed="rId3"/>
-          <a:stretch>
-            <a:fillRect/>
-          </a:stretch>
-        </p:blipFill>
-        <p:spPr>
-          <a:xfrm>
-            <a:off x="2263952" y="3571746"/>
-            <a:ext cx="7705725" cy="752475"/>
+            <a:off x="780514" y="2334854"/>
+            <a:ext cx="4859384" cy="2658679"/>
           </a:xfrm>
           <a:prstGeom prst="rect">
             <a:avLst/>
@@ -10870,7 +10960,7 @@
     </p:spTree>
     <p:extLst>
       <p:ext uri="{BB962C8B-B14F-4D97-AF65-F5344CB8AC3E}">
-        <p14:creationId xmlns:p14="http://schemas.microsoft.com/office/powerpoint/2010/main" val="1473399647"/>
+        <p14:creationId xmlns:p14="http://schemas.microsoft.com/office/powerpoint/2010/main" val="317120456"/>
       </p:ext>
     </p:extLst>
   </p:cSld>
@@ -10902,6 +10992,550 @@
           <p:cNvPr id="2" name="Content Placeholder 1">
             <a:extLst>
               <a:ext uri="{FF2B5EF4-FFF2-40B4-BE49-F238E27FC236}">
+                <a16:creationId xmlns:a16="http://schemas.microsoft.com/office/drawing/2014/main" id="{270B15D4-EE64-439C-BCD6-2902F3295806}"/>
+              </a:ext>
+            </a:extLst>
+          </p:cNvPr>
+          <p:cNvSpPr>
+            <a:spLocks noGrp="1"/>
+          </p:cNvSpPr>
+          <p:nvPr>
+            <p:ph idx="1"/>
+          </p:nvPr>
+        </p:nvSpPr>
+        <p:spPr/>
+        <p:txBody>
+          <a:bodyPr/>
+          <a:lstStyle/>
+          <a:p>
+            <a:pPr marL="285750" indent="-285750">
+              <a:buFont typeface="Arial" panose="020B0604020202020204" pitchFamily="34" charset="0"/>
+              <a:buChar char="•"/>
+            </a:pPr>
+            <a:r>
+              <a:rPr lang="en-US" dirty="0"/>
+              <a:t>Main file is docker-</a:t>
+            </a:r>
+            <a:r>
+              <a:rPr lang="en-US" dirty="0" err="1"/>
+              <a:t>compose.yml</a:t>
+            </a:r>
+            <a:r>
+              <a:rPr lang="en-US" dirty="0"/>
+              <a:t> </a:t>
+            </a:r>
+            <a:r>
+              <a:rPr lang="en-US" dirty="0">
+                <a:sym typeface="Wingdings" panose="05000000000000000000" pitchFamily="2" charset="2"/>
+              </a:rPr>
+              <a:t> the more basic information about the service</a:t>
+            </a:r>
+          </a:p>
+          <a:p>
+            <a:pPr marL="285750" indent="-285750">
+              <a:buFont typeface="Arial" panose="020B0604020202020204" pitchFamily="34" charset="0"/>
+              <a:buChar char="•"/>
+            </a:pPr>
+            <a:r>
+              <a:rPr lang="en-US" dirty="0"/>
+              <a:t>Docker-</a:t>
+            </a:r>
+            <a:r>
+              <a:rPr lang="en-US" dirty="0" err="1"/>
+              <a:t>compose.override.yml</a:t>
+            </a:r>
+            <a:r>
+              <a:rPr lang="en-US" dirty="0"/>
+              <a:t> </a:t>
+            </a:r>
+            <a:r>
+              <a:rPr lang="en-US" dirty="0">
+                <a:sym typeface="Wingdings" panose="05000000000000000000" pitchFamily="2" charset="2"/>
+              </a:rPr>
+              <a:t> definition of the environment variables and default values</a:t>
+            </a:r>
+          </a:p>
+          <a:p>
+            <a:pPr marL="285750" indent="-285750">
+              <a:buFont typeface="Arial" panose="020B0604020202020204" pitchFamily="34" charset="0"/>
+              <a:buChar char="•"/>
+            </a:pPr>
+            <a:r>
+              <a:rPr lang="en-US" dirty="0">
+                <a:sym typeface="Wingdings" panose="05000000000000000000" pitchFamily="2" charset="2"/>
+              </a:rPr>
+              <a:t>Other files to set values for other environments</a:t>
+            </a:r>
+          </a:p>
+          <a:p>
+            <a:pPr marL="285750" indent="-285750">
+              <a:buFont typeface="Arial" panose="020B0604020202020204" pitchFamily="34" charset="0"/>
+              <a:buChar char="•"/>
+            </a:pPr>
+            <a:r>
+              <a:rPr lang="es-ES" dirty="0" err="1">
+                <a:sym typeface="Wingdings" panose="05000000000000000000" pitchFamily="2" charset="2"/>
+              </a:rPr>
+              <a:t>Possibility</a:t>
+            </a:r>
+            <a:r>
+              <a:rPr lang="es-ES" dirty="0">
+                <a:sym typeface="Wingdings" panose="05000000000000000000" pitchFamily="2" charset="2"/>
+              </a:rPr>
+              <a:t> </a:t>
+            </a:r>
+            <a:r>
+              <a:rPr lang="es-ES" dirty="0" err="1">
+                <a:sym typeface="Wingdings" panose="05000000000000000000" pitchFamily="2" charset="2"/>
+              </a:rPr>
+              <a:t>of</a:t>
+            </a:r>
+            <a:r>
+              <a:rPr lang="es-ES" dirty="0">
+                <a:sym typeface="Wingdings" panose="05000000000000000000" pitchFamily="2" charset="2"/>
+              </a:rPr>
+              <a:t> </a:t>
+            </a:r>
+            <a:r>
+              <a:rPr lang="es-ES" dirty="0" err="1">
+                <a:sym typeface="Wingdings" panose="05000000000000000000" pitchFamily="2" charset="2"/>
+              </a:rPr>
+              <a:t>value</a:t>
+            </a:r>
+            <a:r>
+              <a:rPr lang="es-ES" dirty="0">
+                <a:sym typeface="Wingdings" panose="05000000000000000000" pitchFamily="2" charset="2"/>
+              </a:rPr>
+              <a:t> </a:t>
+            </a:r>
+            <a:r>
+              <a:rPr lang="es-ES" dirty="0" err="1">
+                <a:sym typeface="Wingdings" panose="05000000000000000000" pitchFamily="2" charset="2"/>
+              </a:rPr>
+              <a:t>substitution</a:t>
+            </a:r>
+            <a:r>
+              <a:rPr lang="es-ES" dirty="0">
+                <a:sym typeface="Wingdings" panose="05000000000000000000" pitchFamily="2" charset="2"/>
+              </a:rPr>
+              <a:t> </a:t>
+            </a:r>
+            <a:r>
+              <a:rPr lang="es-ES" dirty="0" err="1">
+                <a:sym typeface="Wingdings" panose="05000000000000000000" pitchFamily="2" charset="2"/>
+              </a:rPr>
+              <a:t>through</a:t>
+            </a:r>
+            <a:r>
+              <a:rPr lang="es-ES" dirty="0">
+                <a:sym typeface="Wingdings" panose="05000000000000000000" pitchFamily="2" charset="2"/>
+              </a:rPr>
+              <a:t> </a:t>
+            </a:r>
+            <a:r>
+              <a:rPr lang="es-ES" dirty="0" err="1">
+                <a:sym typeface="Wingdings" panose="05000000000000000000" pitchFamily="2" charset="2"/>
+              </a:rPr>
+              <a:t>the</a:t>
+            </a:r>
+            <a:r>
+              <a:rPr lang="es-ES" dirty="0">
+                <a:sym typeface="Wingdings" panose="05000000000000000000" pitchFamily="2" charset="2"/>
+              </a:rPr>
+              <a:t> .</a:t>
+            </a:r>
+            <a:r>
+              <a:rPr lang="es-ES" dirty="0" err="1">
+                <a:sym typeface="Wingdings" panose="05000000000000000000" pitchFamily="2" charset="2"/>
+              </a:rPr>
+              <a:t>env</a:t>
+            </a:r>
+            <a:r>
+              <a:rPr lang="es-ES" dirty="0">
+                <a:sym typeface="Wingdings" panose="05000000000000000000" pitchFamily="2" charset="2"/>
+              </a:rPr>
+              <a:t> file</a:t>
+            </a:r>
+            <a:endParaRPr lang="en-US" dirty="0"/>
+          </a:p>
+        </p:txBody>
+      </p:sp>
+      <p:sp>
+        <p:nvSpPr>
+          <p:cNvPr id="3" name="Title 2">
+            <a:extLst>
+              <a:ext uri="{FF2B5EF4-FFF2-40B4-BE49-F238E27FC236}">
+                <a16:creationId xmlns:a16="http://schemas.microsoft.com/office/drawing/2014/main" id="{02C3B8EB-9F5E-4919-BFC3-7D341572275C}"/>
+              </a:ext>
+            </a:extLst>
+          </p:cNvPr>
+          <p:cNvSpPr>
+            <a:spLocks noGrp="1"/>
+          </p:cNvSpPr>
+          <p:nvPr>
+            <p:ph type="title"/>
+          </p:nvPr>
+        </p:nvSpPr>
+        <p:spPr/>
+        <p:txBody>
+          <a:bodyPr/>
+          <a:lstStyle/>
+          <a:p>
+            <a:r>
+              <a:rPr lang="en-US" dirty="0"/>
+              <a:t>Compose files</a:t>
+            </a:r>
+          </a:p>
+        </p:txBody>
+      </p:sp>
+      <p:pic>
+        <p:nvPicPr>
+          <p:cNvPr id="4" name="Imagen 3">
+            <a:extLst>
+              <a:ext uri="{FF2B5EF4-FFF2-40B4-BE49-F238E27FC236}">
+                <a16:creationId xmlns:a16="http://schemas.microsoft.com/office/drawing/2014/main" id="{5FB7F963-75AB-4E87-9602-D58E7A77F07D}"/>
+              </a:ext>
+            </a:extLst>
+          </p:cNvPr>
+          <p:cNvPicPr>
+            <a:picLocks noChangeAspect="1"/>
+          </p:cNvPicPr>
+          <p:nvPr/>
+        </p:nvPicPr>
+        <p:blipFill>
+          <a:blip r:embed="rId2"/>
+          <a:stretch>
+            <a:fillRect/>
+          </a:stretch>
+        </p:blipFill>
+        <p:spPr>
+          <a:xfrm>
+            <a:off x="4352925" y="4007007"/>
+            <a:ext cx="3486150" cy="2295525"/>
+          </a:xfrm>
+          <a:prstGeom prst="rect">
+            <a:avLst/>
+          </a:prstGeom>
+        </p:spPr>
+      </p:pic>
+    </p:spTree>
+    <p:extLst>
+      <p:ext uri="{BB962C8B-B14F-4D97-AF65-F5344CB8AC3E}">
+        <p14:creationId xmlns:p14="http://schemas.microsoft.com/office/powerpoint/2010/main" val="3446764012"/>
+      </p:ext>
+    </p:extLst>
+  </p:cSld>
+  <p:clrMapOvr>
+    <a:masterClrMapping/>
+  </p:clrMapOvr>
+</p:sld>
+</file>
+
+<file path=ppt/slides/slide33.xml><?xml version="1.0" encoding="utf-8"?>
+<p:sld xmlns:a="http://schemas.openxmlformats.org/drawingml/2006/main" xmlns:r="http://schemas.openxmlformats.org/officeDocument/2006/relationships" xmlns:p="http://schemas.openxmlformats.org/presentationml/2006/main">
+  <p:cSld>
+    <p:spTree>
+      <p:nvGrpSpPr>
+        <p:cNvPr id="1" name=""/>
+        <p:cNvGrpSpPr/>
+        <p:nvPr/>
+      </p:nvGrpSpPr>
+      <p:grpSpPr>
+        <a:xfrm>
+          <a:off x="0" y="0"/>
+          <a:ext cx="0" cy="0"/>
+          <a:chOff x="0" y="0"/>
+          <a:chExt cx="0" cy="0"/>
+        </a:xfrm>
+      </p:grpSpPr>
+      <p:sp>
+        <p:nvSpPr>
+          <p:cNvPr id="2" name="Content Placeholder 1">
+            <a:extLst>
+              <a:ext uri="{FF2B5EF4-FFF2-40B4-BE49-F238E27FC236}">
+                <a16:creationId xmlns:a16="http://schemas.microsoft.com/office/drawing/2014/main" id="{270B15D4-EE64-439C-BCD6-2902F3295806}"/>
+              </a:ext>
+            </a:extLst>
+          </p:cNvPr>
+          <p:cNvSpPr>
+            <a:spLocks noGrp="1"/>
+          </p:cNvSpPr>
+          <p:nvPr>
+            <p:ph idx="1"/>
+          </p:nvPr>
+        </p:nvSpPr>
+        <p:spPr/>
+        <p:txBody>
+          <a:bodyPr/>
+          <a:lstStyle/>
+          <a:p>
+            <a:pPr marL="285750" indent="-285750">
+              <a:buFont typeface="Arial" panose="020B0604020202020204" pitchFamily="34" charset="0"/>
+              <a:buChar char="•"/>
+            </a:pPr>
+            <a:r>
+              <a:rPr lang="en-US" dirty="0">
+                <a:sym typeface="Wingdings" panose="05000000000000000000" pitchFamily="2" charset="2"/>
+              </a:rPr>
+              <a:t>Possibility of value substitution through the .</a:t>
+            </a:r>
+            <a:r>
+              <a:rPr lang="en-US" dirty="0" err="1">
+                <a:sym typeface="Wingdings" panose="05000000000000000000" pitchFamily="2" charset="2"/>
+              </a:rPr>
+              <a:t>env</a:t>
+            </a:r>
+            <a:r>
+              <a:rPr lang="en-US" dirty="0">
+                <a:sym typeface="Wingdings" panose="05000000000000000000" pitchFamily="2" charset="2"/>
+              </a:rPr>
+              <a:t> file</a:t>
+            </a:r>
+          </a:p>
+          <a:p>
+            <a:endParaRPr lang="en-US" dirty="0">
+              <a:sym typeface="Wingdings" panose="05000000000000000000" pitchFamily="2" charset="2"/>
+            </a:endParaRPr>
+          </a:p>
+          <a:p>
+            <a:endParaRPr lang="en-US" dirty="0"/>
+          </a:p>
+        </p:txBody>
+      </p:sp>
+      <p:sp>
+        <p:nvSpPr>
+          <p:cNvPr id="3" name="Title 2">
+            <a:extLst>
+              <a:ext uri="{FF2B5EF4-FFF2-40B4-BE49-F238E27FC236}">
+                <a16:creationId xmlns:a16="http://schemas.microsoft.com/office/drawing/2014/main" id="{02C3B8EB-9F5E-4919-BFC3-7D341572275C}"/>
+              </a:ext>
+            </a:extLst>
+          </p:cNvPr>
+          <p:cNvSpPr>
+            <a:spLocks noGrp="1"/>
+          </p:cNvSpPr>
+          <p:nvPr>
+            <p:ph type="title"/>
+          </p:nvPr>
+        </p:nvSpPr>
+        <p:spPr/>
+        <p:txBody>
+          <a:bodyPr/>
+          <a:lstStyle/>
+          <a:p>
+            <a:r>
+              <a:rPr lang="en-US" dirty="0"/>
+              <a:t>Value substitution</a:t>
+            </a:r>
+          </a:p>
+        </p:txBody>
+      </p:sp>
+      <p:pic>
+        <p:nvPicPr>
+          <p:cNvPr id="7" name="Imagen 6">
+            <a:extLst>
+              <a:ext uri="{FF2B5EF4-FFF2-40B4-BE49-F238E27FC236}">
+                <a16:creationId xmlns:a16="http://schemas.microsoft.com/office/drawing/2014/main" id="{B3FAF78F-CBA0-434E-84A2-56E2D92DA1EE}"/>
+              </a:ext>
+            </a:extLst>
+          </p:cNvPr>
+          <p:cNvPicPr>
+            <a:picLocks noChangeAspect="1"/>
+          </p:cNvPicPr>
+          <p:nvPr/>
+        </p:nvPicPr>
+        <p:blipFill>
+          <a:blip r:embed="rId2"/>
+          <a:stretch>
+            <a:fillRect/>
+          </a:stretch>
+        </p:blipFill>
+        <p:spPr>
+          <a:xfrm>
+            <a:off x="2263952" y="5062574"/>
+            <a:ext cx="7610475" cy="628650"/>
+          </a:xfrm>
+          <a:prstGeom prst="rect">
+            <a:avLst/>
+          </a:prstGeom>
+        </p:spPr>
+      </p:pic>
+      <p:sp>
+        <p:nvSpPr>
+          <p:cNvPr id="9" name="CuadroTexto 8">
+            <a:extLst>
+              <a:ext uri="{FF2B5EF4-FFF2-40B4-BE49-F238E27FC236}">
+                <a16:creationId xmlns:a16="http://schemas.microsoft.com/office/drawing/2014/main" id="{A61709E3-AFD3-499D-BE61-FD162028D863}"/>
+              </a:ext>
+            </a:extLst>
+          </p:cNvPr>
+          <p:cNvSpPr txBox="1"/>
+          <p:nvPr/>
+        </p:nvSpPr>
+        <p:spPr>
+          <a:xfrm>
+            <a:off x="2263952" y="3205288"/>
+            <a:ext cx="4400282" cy="338554"/>
+          </a:xfrm>
+          <a:prstGeom prst="rect">
+            <a:avLst/>
+          </a:prstGeom>
+          <a:noFill/>
+        </p:spPr>
+        <p:txBody>
+          <a:bodyPr wrap="square" rtlCol="0">
+            <a:spAutoFit/>
+          </a:bodyPr>
+          <a:lstStyle/>
+          <a:p>
+            <a:r>
+              <a:rPr lang="es-ES" sz="1600" dirty="0" err="1">
+                <a:solidFill>
+                  <a:schemeClr val="tx2"/>
+                </a:solidFill>
+                <a:latin typeface="Open Sans" panose="020B0606030504020204" pitchFamily="34" charset="0"/>
+                <a:ea typeface="Open Sans" panose="020B0606030504020204" pitchFamily="34" charset="0"/>
+                <a:cs typeface="Open Sans" panose="020B0606030504020204" pitchFamily="34" charset="0"/>
+              </a:rPr>
+              <a:t>docker-compose.override.yml</a:t>
+            </a:r>
+            <a:endParaRPr lang="en-US" sz="1600" dirty="0">
+              <a:solidFill>
+                <a:schemeClr val="tx2"/>
+              </a:solidFill>
+              <a:latin typeface="Open Sans" panose="020B0606030504020204" pitchFamily="34" charset="0"/>
+              <a:ea typeface="Open Sans" panose="020B0606030504020204" pitchFamily="34" charset="0"/>
+              <a:cs typeface="Open Sans" panose="020B0606030504020204" pitchFamily="34" charset="0"/>
+            </a:endParaRPr>
+          </a:p>
+        </p:txBody>
+      </p:sp>
+      <p:sp>
+        <p:nvSpPr>
+          <p:cNvPr id="11" name="CuadroTexto 10">
+            <a:extLst>
+              <a:ext uri="{FF2B5EF4-FFF2-40B4-BE49-F238E27FC236}">
+                <a16:creationId xmlns:a16="http://schemas.microsoft.com/office/drawing/2014/main" id="{4D23CC94-1BD6-4D8A-AB1E-B74DC73AE06D}"/>
+              </a:ext>
+            </a:extLst>
+          </p:cNvPr>
+          <p:cNvSpPr txBox="1"/>
+          <p:nvPr/>
+        </p:nvSpPr>
+        <p:spPr>
+          <a:xfrm>
+            <a:off x="2287562" y="4722851"/>
+            <a:ext cx="4400282" cy="338554"/>
+          </a:xfrm>
+          <a:prstGeom prst="rect">
+            <a:avLst/>
+          </a:prstGeom>
+          <a:noFill/>
+        </p:spPr>
+        <p:txBody>
+          <a:bodyPr wrap="square" rtlCol="0">
+            <a:spAutoFit/>
+          </a:bodyPr>
+          <a:lstStyle/>
+          <a:p>
+            <a:r>
+              <a:rPr lang="es-ES" sz="1600" dirty="0">
+                <a:solidFill>
+                  <a:schemeClr val="tx2"/>
+                </a:solidFill>
+                <a:latin typeface="Open Sans" panose="020B0606030504020204" pitchFamily="34" charset="0"/>
+                <a:ea typeface="Open Sans" panose="020B0606030504020204" pitchFamily="34" charset="0"/>
+                <a:cs typeface="Open Sans" panose="020B0606030504020204" pitchFamily="34" charset="0"/>
+              </a:rPr>
+              <a:t>.</a:t>
+            </a:r>
+            <a:r>
+              <a:rPr lang="es-ES" sz="1600" dirty="0" err="1">
+                <a:solidFill>
+                  <a:schemeClr val="tx2"/>
+                </a:solidFill>
+                <a:latin typeface="Open Sans" panose="020B0606030504020204" pitchFamily="34" charset="0"/>
+                <a:ea typeface="Open Sans" panose="020B0606030504020204" pitchFamily="34" charset="0"/>
+                <a:cs typeface="Open Sans" panose="020B0606030504020204" pitchFamily="34" charset="0"/>
+              </a:rPr>
+              <a:t>env</a:t>
+            </a:r>
+            <a:endParaRPr lang="en-US" sz="1600" dirty="0">
+              <a:solidFill>
+                <a:schemeClr val="tx2"/>
+              </a:solidFill>
+              <a:latin typeface="Open Sans" panose="020B0606030504020204" pitchFamily="34" charset="0"/>
+              <a:ea typeface="Open Sans" panose="020B0606030504020204" pitchFamily="34" charset="0"/>
+              <a:cs typeface="Open Sans" panose="020B0606030504020204" pitchFamily="34" charset="0"/>
+            </a:endParaRPr>
+          </a:p>
+        </p:txBody>
+      </p:sp>
+      <p:pic>
+        <p:nvPicPr>
+          <p:cNvPr id="13" name="Imagen 12">
+            <a:extLst>
+              <a:ext uri="{FF2B5EF4-FFF2-40B4-BE49-F238E27FC236}">
+                <a16:creationId xmlns:a16="http://schemas.microsoft.com/office/drawing/2014/main" id="{0C3CB4A2-4E16-46F3-BA93-D8B53B38B4CB}"/>
+              </a:ext>
+            </a:extLst>
+          </p:cNvPr>
+          <p:cNvPicPr>
+            <a:picLocks noChangeAspect="1"/>
+          </p:cNvPicPr>
+          <p:nvPr/>
+        </p:nvPicPr>
+        <p:blipFill>
+          <a:blip r:embed="rId3"/>
+          <a:stretch>
+            <a:fillRect/>
+          </a:stretch>
+        </p:blipFill>
+        <p:spPr>
+          <a:xfrm>
+            <a:off x="2263952" y="3571746"/>
+            <a:ext cx="7705725" cy="752475"/>
+          </a:xfrm>
+          <a:prstGeom prst="rect">
+            <a:avLst/>
+          </a:prstGeom>
+        </p:spPr>
+      </p:pic>
+    </p:spTree>
+    <p:extLst>
+      <p:ext uri="{BB962C8B-B14F-4D97-AF65-F5344CB8AC3E}">
+        <p14:creationId xmlns:p14="http://schemas.microsoft.com/office/powerpoint/2010/main" val="1473399647"/>
+      </p:ext>
+    </p:extLst>
+  </p:cSld>
+  <p:clrMapOvr>
+    <a:masterClrMapping/>
+  </p:clrMapOvr>
+</p:sld>
+</file>
+
+<file path=ppt/slides/slide34.xml><?xml version="1.0" encoding="utf-8"?>
+<p:sld xmlns:a="http://schemas.openxmlformats.org/drawingml/2006/main" xmlns:r="http://schemas.openxmlformats.org/officeDocument/2006/relationships" xmlns:p="http://schemas.openxmlformats.org/presentationml/2006/main">
+  <p:cSld>
+    <p:spTree>
+      <p:nvGrpSpPr>
+        <p:cNvPr id="1" name=""/>
+        <p:cNvGrpSpPr/>
+        <p:nvPr/>
+      </p:nvGrpSpPr>
+      <p:grpSpPr>
+        <a:xfrm>
+          <a:off x="0" y="0"/>
+          <a:ext cx="0" cy="0"/>
+          <a:chOff x="0" y="0"/>
+          <a:chExt cx="0" cy="0"/>
+        </a:xfrm>
+      </p:grpSpPr>
+      <p:sp>
+        <p:nvSpPr>
+          <p:cNvPr id="2" name="Content Placeholder 1">
+            <a:extLst>
+              <a:ext uri="{FF2B5EF4-FFF2-40B4-BE49-F238E27FC236}">
                 <a16:creationId xmlns:a16="http://schemas.microsoft.com/office/drawing/2014/main" id="{1C6408A6-102A-4816-BE08-8BC69F69A4EE}"/>
               </a:ext>
             </a:extLst>
@@ -11011,7 +11645,7 @@
 </p:sld>
 </file>
 
-<file path=ppt/slides/slide33.xml><?xml version="1.0" encoding="utf-8"?>
+<file path=ppt/slides/slide35.xml><?xml version="1.0" encoding="utf-8"?>
 <p:sld xmlns:a="http://schemas.openxmlformats.org/drawingml/2006/main" xmlns:r="http://schemas.openxmlformats.org/officeDocument/2006/relationships" xmlns:p="http://schemas.openxmlformats.org/presentationml/2006/main">
   <p:cSld>
     <p:spTree>

--- a/Docu/Microservices_day_1.pptx
+++ b/Docu/Microservices_day_1.pptx
@@ -10326,7 +10326,7 @@
         </p:nvSpPr>
         <p:spPr>
           <a:xfrm>
-            <a:off x="1911526" y="1140822"/>
+            <a:off x="1921152" y="580951"/>
             <a:ext cx="9514119" cy="766355"/>
           </a:xfrm>
         </p:spPr>
@@ -10363,7 +10363,7 @@
         </p:blipFill>
         <p:spPr>
           <a:xfrm>
-            <a:off x="7087821" y="2205561"/>
+            <a:off x="7270701" y="2770473"/>
             <a:ext cx="4649542" cy="3805646"/>
           </a:xfrm>
           <a:prstGeom prst="rect">
@@ -10389,7 +10389,7 @@
         </p:nvSpPr>
         <p:spPr>
           <a:xfrm>
-            <a:off x="950989" y="2443794"/>
+            <a:off x="941364" y="1606396"/>
             <a:ext cx="5972783" cy="3066900"/>
           </a:xfrm>
         </p:spPr>
@@ -10423,7 +10423,15 @@
             </a:pPr>
             <a:r>
               <a:rPr lang="en-US" noProof="0" dirty="0"/>
-              <a:t>Allow to get rid of content that is not needed in later stages</a:t>
+              <a:t>Allow to get rid of source files that </a:t>
+            </a:r>
+            <a:r>
+              <a:rPr lang="en-US" dirty="0"/>
+              <a:t>are</a:t>
+            </a:r>
+            <a:r>
+              <a:rPr lang="en-US" noProof="0" dirty="0"/>
+              <a:t> not needed in later stages</a:t>
             </a:r>
           </a:p>
           <a:p>
@@ -10445,6 +10453,53 @@
           </a:p>
         </p:txBody>
       </p:sp>
+      <p:pic>
+        <p:nvPicPr>
+          <p:cNvPr id="1026" name="Picture 2" descr="Resultado de imagen de multi staging docker">
+            <a:extLst>
+              <a:ext uri="{FF2B5EF4-FFF2-40B4-BE49-F238E27FC236}">
+                <a16:creationId xmlns:a16="http://schemas.microsoft.com/office/drawing/2014/main" id="{63ADD467-16BE-4AAA-8D6E-0A71D6F35409}"/>
+              </a:ext>
+            </a:extLst>
+          </p:cNvPr>
+          <p:cNvPicPr>
+            <a:picLocks noChangeAspect="1" noChangeArrowheads="1"/>
+          </p:cNvPicPr>
+          <p:nvPr/>
+        </p:nvPicPr>
+        <p:blipFill>
+          <a:blip r:embed="rId3">
+            <a:extLst>
+              <a:ext uri="{28A0092B-C50C-407E-A947-70E740481C1C}">
+                <a14:useLocalDpi xmlns:a14="http://schemas.microsoft.com/office/drawing/2010/main" val="0"/>
+              </a:ext>
+            </a:extLst>
+          </a:blip>
+          <a:srcRect/>
+          <a:stretch>
+            <a:fillRect/>
+          </a:stretch>
+        </p:blipFill>
+        <p:spPr bwMode="auto">
+          <a:xfrm>
+            <a:off x="2968069" y="3654096"/>
+            <a:ext cx="3906462" cy="2319462"/>
+          </a:xfrm>
+          <a:prstGeom prst="rect">
+            <a:avLst/>
+          </a:prstGeom>
+          <a:noFill/>
+          <a:extLst>
+            <a:ext uri="{909E8E84-426E-40DD-AFC4-6F175D3DCCD1}">
+              <a14:hiddenFill xmlns:a14="http://schemas.microsoft.com/office/drawing/2010/main">
+                <a:solidFill>
+                  <a:srgbClr val="FFFFFF"/>
+                </a:solidFill>
+              </a14:hiddenFill>
+            </a:ext>
+          </a:extLst>
+        </p:spPr>
+      </p:pic>
     </p:spTree>
     <p:extLst>
       <p:ext uri="{BB962C8B-B14F-4D97-AF65-F5344CB8AC3E}">
@@ -10493,7 +10548,7 @@
         </p:nvSpPr>
         <p:spPr>
           <a:xfrm>
-            <a:off x="1911526" y="1140822"/>
+            <a:off x="1978903" y="509713"/>
             <a:ext cx="9514119" cy="766355"/>
           </a:xfrm>
         </p:spPr>
@@ -10526,7 +10581,7 @@
         </p:nvSpPr>
         <p:spPr>
           <a:xfrm>
-            <a:off x="845111" y="1925404"/>
+            <a:off x="845111" y="1655897"/>
             <a:ext cx="5972783" cy="3066900"/>
           </a:xfrm>
         </p:spPr>
@@ -10619,7 +10674,7 @@
         </p:blipFill>
         <p:spPr bwMode="auto">
           <a:xfrm>
-            <a:off x="3182363" y="3850105"/>
+            <a:off x="3223859" y="3590223"/>
             <a:ext cx="5091006" cy="2498182"/>
           </a:xfrm>
           <a:prstGeom prst="rect">
@@ -10659,7 +10714,7 @@
         </p:blipFill>
         <p:spPr>
           <a:xfrm>
-            <a:off x="8314865" y="3850105"/>
+            <a:off x="8314865" y="3590223"/>
             <a:ext cx="3032024" cy="2498182"/>
           </a:xfrm>
           <a:prstGeom prst="rect">
